--- a/PowerPoint/ARTS-Lab_UofSC_slide_template.pptx
+++ b/PowerPoint/ARTS-Lab_UofSC_slide_template.pptx
@@ -6,18 +6,15 @@
     <p:sldMasterId id="2147483674" r:id="rId2"/>
   </p:sldMasterIdLst>
   <p:notesMasterIdLst>
-    <p:notesMasterId r:id="rId9"/>
+    <p:notesMasterId r:id="rId6"/>
   </p:notesMasterIdLst>
   <p:handoutMasterIdLst>
-    <p:handoutMasterId r:id="rId10"/>
+    <p:handoutMasterId r:id="rId7"/>
   </p:handoutMasterIdLst>
   <p:sldIdLst>
     <p:sldId id="293" r:id="rId3"/>
     <p:sldId id="271" r:id="rId4"/>
-    <p:sldId id="288" r:id="rId5"/>
-    <p:sldId id="292" r:id="rId6"/>
-    <p:sldId id="294" r:id="rId7"/>
-    <p:sldId id="284" r:id="rId8"/>
+    <p:sldId id="284" r:id="rId5"/>
   </p:sldIdLst>
   <p:sldSz cx="12192000" cy="6858000"/>
   <p:notesSz cx="7772400" cy="10058400"/>
@@ -218,7 +215,7 @@
           <a:p>
             <a:fld id="{365356D5-496E-4601-9467-AF85FBC5BAC0}" type="datetimeFigureOut">
               <a:rPr lang="en-US" smtClean="0"/>
-              <a:t>10/13/2021</a:t>
+              <a:t>4/24/2022</a:t>
             </a:fld>
             <a:endParaRPr lang="en-US"/>
           </a:p>
@@ -396,7 +393,7 @@
           <a:p>
             <a:fld id="{B6A3149F-C306-4332-9D1F-95BC64FEBABD}" type="datetimeFigureOut">
               <a:rPr lang="en-US" smtClean="0"/>
-              <a:t>10/13/2021</a:t>
+              <a:t>4/24/2022</a:t>
             </a:fld>
             <a:endParaRPr lang="en-US"/>
           </a:p>
@@ -930,7 +927,7 @@
 </file>
 
 <file path=ppt/slideLayouts/slideLayout1.xml><?xml version="1.0" encoding="utf-8"?>
-<p:sldLayout xmlns:a="http://schemas.openxmlformats.org/drawingml/2006/main" xmlns:r="http://schemas.openxmlformats.org/officeDocument/2006/relationships" xmlns:p="http://schemas.openxmlformats.org/presentationml/2006/main" type="blank">
+<p:sldLayout xmlns:a="http://schemas.openxmlformats.org/drawingml/2006/main" xmlns:r="http://schemas.openxmlformats.org/officeDocument/2006/relationships" xmlns:p="http://schemas.openxmlformats.org/presentationml/2006/main" userDrawn="1">
   <p:cSld name="Blank Slide">
     <p:spTree>
       <p:nvGrpSpPr>
@@ -946,6 +943,210 @@
           <a:chExt cx="0" cy="0"/>
         </a:xfrm>
       </p:grpSpPr>
+      <p:sp>
+        <p:nvSpPr>
+          <p:cNvPr id="2" name="PlaceHolder 1">
+            <a:extLst>
+              <a:ext uri="{FF2B5EF4-FFF2-40B4-BE49-F238E27FC236}">
+                <a16:creationId xmlns:a16="http://schemas.microsoft.com/office/drawing/2014/main" id="{3B810671-1097-4C07-9107-0E4DA6395EAF}"/>
+              </a:ext>
+            </a:extLst>
+          </p:cNvPr>
+          <p:cNvSpPr>
+            <a:spLocks noGrp="1"/>
+          </p:cNvSpPr>
+          <p:nvPr>
+            <p:ph type="title"/>
+          </p:nvPr>
+        </p:nvSpPr>
+        <p:spPr>
+          <a:xfrm>
+            <a:off x="609780" y="346172"/>
+            <a:ext cx="10972440" cy="1144800"/>
+          </a:xfrm>
+          <a:prstGeom prst="rect">
+            <a:avLst/>
+          </a:prstGeom>
+        </p:spPr>
+        <p:txBody>
+          <a:bodyPr lIns="0" tIns="0" rIns="0" bIns="0" anchor="ctr"/>
+          <a:lstStyle/>
+          <a:p>
+            <a:pPr algn="ctr"/>
+            <a:r>
+              <a:rPr lang="en-US" sz="4400" b="0" strike="noStrike" spc="-1" dirty="0">
+                <a:latin typeface="Arial"/>
+              </a:rPr>
+              <a:t>Click to edit the title text format</a:t>
+            </a:r>
+          </a:p>
+        </p:txBody>
+      </p:sp>
+      <p:sp>
+        <p:nvSpPr>
+          <p:cNvPr id="3" name="PlaceHolder 2">
+            <a:extLst>
+              <a:ext uri="{FF2B5EF4-FFF2-40B4-BE49-F238E27FC236}">
+                <a16:creationId xmlns:a16="http://schemas.microsoft.com/office/drawing/2014/main" id="{C02CB330-1EB7-4C3F-9A9F-235CFE68BDE3}"/>
+              </a:ext>
+            </a:extLst>
+          </p:cNvPr>
+          <p:cNvSpPr>
+            <a:spLocks noGrp="1"/>
+          </p:cNvSpPr>
+          <p:nvPr>
+            <p:ph idx="10"/>
+          </p:nvPr>
+        </p:nvSpPr>
+        <p:spPr>
+          <a:xfrm>
+            <a:off x="609780" y="1677092"/>
+            <a:ext cx="10972440" cy="3977280"/>
+          </a:xfrm>
+          <a:prstGeom prst="rect">
+            <a:avLst/>
+          </a:prstGeom>
+        </p:spPr>
+        <p:txBody>
+          <a:bodyPr lIns="0" tIns="0" rIns="0" bIns="0">
+            <a:normAutofit/>
+          </a:bodyPr>
+          <a:lstStyle/>
+          <a:p>
+            <a:pPr marL="432000" indent="-324000">
+              <a:spcBef>
+                <a:spcPts val="1417"/>
+              </a:spcBef>
+              <a:buClr>
+                <a:srgbClr val="000000"/>
+              </a:buClr>
+              <a:buSzPct val="45000"/>
+              <a:buFont typeface="Wingdings" charset="2"/>
+              <a:buChar char=""/>
+            </a:pPr>
+            <a:r>
+              <a:rPr lang="en-US" sz="3200" b="0" strike="noStrike" spc="-1" dirty="0">
+                <a:latin typeface="Arial"/>
+              </a:rPr>
+              <a:t>Click to edit the outline text format</a:t>
+            </a:r>
+          </a:p>
+          <a:p>
+            <a:pPr marL="864000" lvl="1" indent="-324000">
+              <a:spcBef>
+                <a:spcPts val="1134"/>
+              </a:spcBef>
+              <a:buClr>
+                <a:srgbClr val="000000"/>
+              </a:buClr>
+              <a:buSzPct val="75000"/>
+              <a:buFont typeface="Symbol" charset="2"/>
+              <a:buChar char=""/>
+            </a:pPr>
+            <a:r>
+              <a:rPr lang="en-US" sz="2800" b="0" strike="noStrike" spc="-1" dirty="0">
+                <a:latin typeface="Arial"/>
+              </a:rPr>
+              <a:t>Second Outline Level</a:t>
+            </a:r>
+          </a:p>
+          <a:p>
+            <a:pPr marL="1296000" lvl="2" indent="-288000">
+              <a:spcBef>
+                <a:spcPts val="850"/>
+              </a:spcBef>
+              <a:buClr>
+                <a:srgbClr val="000000"/>
+              </a:buClr>
+              <a:buSzPct val="45000"/>
+              <a:buFont typeface="Wingdings" charset="2"/>
+              <a:buChar char=""/>
+            </a:pPr>
+            <a:r>
+              <a:rPr lang="en-US" sz="2400" b="0" strike="noStrike" spc="-1" dirty="0">
+                <a:latin typeface="Arial"/>
+              </a:rPr>
+              <a:t>Third Outline Level</a:t>
+            </a:r>
+          </a:p>
+          <a:p>
+            <a:pPr marL="1728000" lvl="3" indent="-216000">
+              <a:spcBef>
+                <a:spcPts val="567"/>
+              </a:spcBef>
+              <a:buClr>
+                <a:srgbClr val="000000"/>
+              </a:buClr>
+              <a:buSzPct val="75000"/>
+              <a:buFont typeface="Symbol" charset="2"/>
+              <a:buChar char=""/>
+            </a:pPr>
+            <a:r>
+              <a:rPr lang="en-US" sz="2000" b="0" strike="noStrike" spc="-1" dirty="0">
+                <a:latin typeface="Arial"/>
+              </a:rPr>
+              <a:t>Fourth Outline Level</a:t>
+            </a:r>
+          </a:p>
+          <a:p>
+            <a:pPr marL="2160000" lvl="4" indent="-216000">
+              <a:spcBef>
+                <a:spcPts val="283"/>
+              </a:spcBef>
+              <a:buClr>
+                <a:srgbClr val="000000"/>
+              </a:buClr>
+              <a:buSzPct val="45000"/>
+              <a:buFont typeface="Wingdings" charset="2"/>
+              <a:buChar char=""/>
+            </a:pPr>
+            <a:r>
+              <a:rPr lang="en-US" sz="2000" b="0" strike="noStrike" spc="-1" dirty="0">
+                <a:latin typeface="Arial"/>
+              </a:rPr>
+              <a:t>Fifth Outline Level</a:t>
+            </a:r>
+          </a:p>
+          <a:p>
+            <a:pPr marL="2592000" lvl="5" indent="-216000">
+              <a:spcBef>
+                <a:spcPts val="283"/>
+              </a:spcBef>
+              <a:buClr>
+                <a:srgbClr val="000000"/>
+              </a:buClr>
+              <a:buSzPct val="45000"/>
+              <a:buFont typeface="Wingdings" charset="2"/>
+              <a:buChar char=""/>
+            </a:pPr>
+            <a:r>
+              <a:rPr lang="en-US" sz="2000" b="0" strike="noStrike" spc="-1" dirty="0">
+                <a:latin typeface="Arial"/>
+              </a:rPr>
+              <a:t>Sixth Outline Level</a:t>
+            </a:r>
+          </a:p>
+          <a:p>
+            <a:pPr marL="3024000" lvl="6" indent="-216000">
+              <a:spcBef>
+                <a:spcPts val="283"/>
+              </a:spcBef>
+              <a:buClr>
+                <a:srgbClr val="000000"/>
+              </a:buClr>
+              <a:buSzPct val="45000"/>
+              <a:buFont typeface="Wingdings" charset="2"/>
+              <a:buChar char=""/>
+            </a:pPr>
+            <a:r>
+              <a:rPr lang="en-US" sz="2000" b="0" strike="noStrike" spc="-1" dirty="0">
+                <a:latin typeface="Arial"/>
+              </a:rPr>
+              <a:t>Seventh Outline Level</a:t>
+            </a:r>
+          </a:p>
+        </p:txBody>
+      </p:sp>
     </p:spTree>
     <p:extLst>
       <p:ext uri="{BB962C8B-B14F-4D97-AF65-F5344CB8AC3E}">
@@ -960,6 +1161,405 @@
 </file>
 
 <file path=ppt/slideLayouts/slideLayout2.xml><?xml version="1.0" encoding="utf-8"?>
+<p:sldLayout xmlns:a="http://schemas.openxmlformats.org/drawingml/2006/main" xmlns:r="http://schemas.openxmlformats.org/officeDocument/2006/relationships" xmlns:p="http://schemas.openxmlformats.org/presentationml/2006/main" preserve="1" userDrawn="1">
+  <p:cSld name="1_Blank Slide">
+    <p:spTree>
+      <p:nvGrpSpPr>
+        <p:cNvPr id="1" name=""/>
+        <p:cNvGrpSpPr/>
+        <p:nvPr/>
+      </p:nvGrpSpPr>
+      <p:grpSpPr>
+        <a:xfrm>
+          <a:off x="0" y="0"/>
+          <a:ext cx="0" cy="0"/>
+          <a:chOff x="0" y="0"/>
+          <a:chExt cx="0" cy="0"/>
+        </a:xfrm>
+      </p:grpSpPr>
+      <p:sp>
+        <p:nvSpPr>
+          <p:cNvPr id="2" name="PlaceHolder 1">
+            <a:extLst>
+              <a:ext uri="{FF2B5EF4-FFF2-40B4-BE49-F238E27FC236}">
+                <a16:creationId xmlns:a16="http://schemas.microsoft.com/office/drawing/2014/main" id="{3B810671-1097-4C07-9107-0E4DA6395EAF}"/>
+              </a:ext>
+            </a:extLst>
+          </p:cNvPr>
+          <p:cNvSpPr>
+            <a:spLocks noGrp="1"/>
+          </p:cNvSpPr>
+          <p:nvPr>
+            <p:ph type="title"/>
+          </p:nvPr>
+        </p:nvSpPr>
+        <p:spPr>
+          <a:xfrm>
+            <a:off x="609780" y="346172"/>
+            <a:ext cx="10972440" cy="1144800"/>
+          </a:xfrm>
+          <a:prstGeom prst="rect">
+            <a:avLst/>
+          </a:prstGeom>
+        </p:spPr>
+        <p:txBody>
+          <a:bodyPr lIns="0" tIns="0" rIns="0" bIns="0" anchor="ctr"/>
+          <a:lstStyle/>
+          <a:p>
+            <a:pPr algn="ctr"/>
+            <a:r>
+              <a:rPr lang="en-US" sz="4400" b="0" strike="noStrike" spc="-1" dirty="0">
+                <a:latin typeface="Arial"/>
+              </a:rPr>
+              <a:t>Click to edit the title text format</a:t>
+            </a:r>
+          </a:p>
+        </p:txBody>
+      </p:sp>
+      <p:sp>
+        <p:nvSpPr>
+          <p:cNvPr id="3" name="PlaceHolder 2">
+            <a:extLst>
+              <a:ext uri="{FF2B5EF4-FFF2-40B4-BE49-F238E27FC236}">
+                <a16:creationId xmlns:a16="http://schemas.microsoft.com/office/drawing/2014/main" id="{C02CB330-1EB7-4C3F-9A9F-235CFE68BDE3}"/>
+              </a:ext>
+            </a:extLst>
+          </p:cNvPr>
+          <p:cNvSpPr>
+            <a:spLocks noGrp="1"/>
+          </p:cNvSpPr>
+          <p:nvPr>
+            <p:ph idx="10"/>
+          </p:nvPr>
+        </p:nvSpPr>
+        <p:spPr>
+          <a:xfrm>
+            <a:off x="609780" y="1677092"/>
+            <a:ext cx="5123363" cy="3977280"/>
+          </a:xfrm>
+          <a:prstGeom prst="rect">
+            <a:avLst/>
+          </a:prstGeom>
+        </p:spPr>
+        <p:txBody>
+          <a:bodyPr lIns="0" tIns="0" rIns="0" bIns="0">
+            <a:normAutofit/>
+          </a:bodyPr>
+          <a:lstStyle/>
+          <a:p>
+            <a:pPr marL="432000" indent="-324000">
+              <a:spcBef>
+                <a:spcPts val="1417"/>
+              </a:spcBef>
+              <a:buClr>
+                <a:srgbClr val="000000"/>
+              </a:buClr>
+              <a:buSzPct val="45000"/>
+              <a:buFont typeface="Wingdings" charset="2"/>
+              <a:buChar char=""/>
+            </a:pPr>
+            <a:r>
+              <a:rPr lang="en-US" sz="3200" b="0" strike="noStrike" spc="-1" dirty="0">
+                <a:latin typeface="Arial"/>
+              </a:rPr>
+              <a:t>Click to edit the outline text format</a:t>
+            </a:r>
+          </a:p>
+          <a:p>
+            <a:pPr marL="864000" lvl="1" indent="-324000">
+              <a:spcBef>
+                <a:spcPts val="1134"/>
+              </a:spcBef>
+              <a:buClr>
+                <a:srgbClr val="000000"/>
+              </a:buClr>
+              <a:buSzPct val="75000"/>
+              <a:buFont typeface="Symbol" charset="2"/>
+              <a:buChar char=""/>
+            </a:pPr>
+            <a:r>
+              <a:rPr lang="en-US" sz="2800" b="0" strike="noStrike" spc="-1" dirty="0">
+                <a:latin typeface="Arial"/>
+              </a:rPr>
+              <a:t>Second Outline Level</a:t>
+            </a:r>
+          </a:p>
+          <a:p>
+            <a:pPr marL="1296000" lvl="2" indent="-288000">
+              <a:spcBef>
+                <a:spcPts val="850"/>
+              </a:spcBef>
+              <a:buClr>
+                <a:srgbClr val="000000"/>
+              </a:buClr>
+              <a:buSzPct val="45000"/>
+              <a:buFont typeface="Wingdings" charset="2"/>
+              <a:buChar char=""/>
+            </a:pPr>
+            <a:r>
+              <a:rPr lang="en-US" sz="2400" b="0" strike="noStrike" spc="-1" dirty="0">
+                <a:latin typeface="Arial"/>
+              </a:rPr>
+              <a:t>Third Outline Level</a:t>
+            </a:r>
+          </a:p>
+          <a:p>
+            <a:pPr marL="1728000" lvl="3" indent="-216000">
+              <a:spcBef>
+                <a:spcPts val="567"/>
+              </a:spcBef>
+              <a:buClr>
+                <a:srgbClr val="000000"/>
+              </a:buClr>
+              <a:buSzPct val="75000"/>
+              <a:buFont typeface="Symbol" charset="2"/>
+              <a:buChar char=""/>
+            </a:pPr>
+            <a:r>
+              <a:rPr lang="en-US" sz="2000" b="0" strike="noStrike" spc="-1" dirty="0">
+                <a:latin typeface="Arial"/>
+              </a:rPr>
+              <a:t>Fourth Outline Level</a:t>
+            </a:r>
+          </a:p>
+          <a:p>
+            <a:pPr marL="2160000" lvl="4" indent="-216000">
+              <a:spcBef>
+                <a:spcPts val="283"/>
+              </a:spcBef>
+              <a:buClr>
+                <a:srgbClr val="000000"/>
+              </a:buClr>
+              <a:buSzPct val="45000"/>
+              <a:buFont typeface="Wingdings" charset="2"/>
+              <a:buChar char=""/>
+            </a:pPr>
+            <a:r>
+              <a:rPr lang="en-US" sz="2000" b="0" strike="noStrike" spc="-1" dirty="0">
+                <a:latin typeface="Arial"/>
+              </a:rPr>
+              <a:t>Fifth Outline Level</a:t>
+            </a:r>
+          </a:p>
+          <a:p>
+            <a:pPr marL="2592000" lvl="5" indent="-216000">
+              <a:spcBef>
+                <a:spcPts val="283"/>
+              </a:spcBef>
+              <a:buClr>
+                <a:srgbClr val="000000"/>
+              </a:buClr>
+              <a:buSzPct val="45000"/>
+              <a:buFont typeface="Wingdings" charset="2"/>
+              <a:buChar char=""/>
+            </a:pPr>
+            <a:r>
+              <a:rPr lang="en-US" sz="2000" b="0" strike="noStrike" spc="-1" dirty="0">
+                <a:latin typeface="Arial"/>
+              </a:rPr>
+              <a:t>Sixth Outline Level</a:t>
+            </a:r>
+          </a:p>
+          <a:p>
+            <a:pPr marL="3024000" lvl="6" indent="-216000">
+              <a:spcBef>
+                <a:spcPts val="283"/>
+              </a:spcBef>
+              <a:buClr>
+                <a:srgbClr val="000000"/>
+              </a:buClr>
+              <a:buSzPct val="45000"/>
+              <a:buFont typeface="Wingdings" charset="2"/>
+              <a:buChar char=""/>
+            </a:pPr>
+            <a:r>
+              <a:rPr lang="en-US" sz="2000" b="0" strike="noStrike" spc="-1" dirty="0">
+                <a:latin typeface="Arial"/>
+              </a:rPr>
+              <a:t>Seventh Outline Level</a:t>
+            </a:r>
+          </a:p>
+        </p:txBody>
+      </p:sp>
+      <p:sp>
+        <p:nvSpPr>
+          <p:cNvPr id="4" name="PlaceHolder 2">
+            <a:extLst>
+              <a:ext uri="{FF2B5EF4-FFF2-40B4-BE49-F238E27FC236}">
+                <a16:creationId xmlns:a16="http://schemas.microsoft.com/office/drawing/2014/main" id="{5921B1FE-DD38-41BC-B944-920AAF27744D}"/>
+              </a:ext>
+            </a:extLst>
+          </p:cNvPr>
+          <p:cNvSpPr>
+            <a:spLocks noGrp="1"/>
+          </p:cNvSpPr>
+          <p:nvPr>
+            <p:ph idx="11"/>
+          </p:nvPr>
+        </p:nvSpPr>
+        <p:spPr>
+          <a:xfrm>
+            <a:off x="6096000" y="1677092"/>
+            <a:ext cx="5123363" cy="3977280"/>
+          </a:xfrm>
+          <a:prstGeom prst="rect">
+            <a:avLst/>
+          </a:prstGeom>
+        </p:spPr>
+        <p:txBody>
+          <a:bodyPr lIns="0" tIns="0" rIns="0" bIns="0">
+            <a:normAutofit/>
+          </a:bodyPr>
+          <a:lstStyle/>
+          <a:p>
+            <a:pPr marL="432000" indent="-324000">
+              <a:spcBef>
+                <a:spcPts val="1417"/>
+              </a:spcBef>
+              <a:buClr>
+                <a:srgbClr val="000000"/>
+              </a:buClr>
+              <a:buSzPct val="45000"/>
+              <a:buFont typeface="Wingdings" charset="2"/>
+              <a:buChar char=""/>
+            </a:pPr>
+            <a:r>
+              <a:rPr lang="en-US" sz="3200" b="0" strike="noStrike" spc="-1" dirty="0">
+                <a:latin typeface="Arial"/>
+              </a:rPr>
+              <a:t>Click to edit the outline text format</a:t>
+            </a:r>
+          </a:p>
+          <a:p>
+            <a:pPr marL="864000" lvl="1" indent="-324000">
+              <a:spcBef>
+                <a:spcPts val="1134"/>
+              </a:spcBef>
+              <a:buClr>
+                <a:srgbClr val="000000"/>
+              </a:buClr>
+              <a:buSzPct val="75000"/>
+              <a:buFont typeface="Symbol" charset="2"/>
+              <a:buChar char=""/>
+            </a:pPr>
+            <a:r>
+              <a:rPr lang="en-US" sz="2800" b="0" strike="noStrike" spc="-1" dirty="0">
+                <a:latin typeface="Arial"/>
+              </a:rPr>
+              <a:t>Second Outline Level</a:t>
+            </a:r>
+          </a:p>
+          <a:p>
+            <a:pPr marL="1296000" lvl="2" indent="-288000">
+              <a:spcBef>
+                <a:spcPts val="850"/>
+              </a:spcBef>
+              <a:buClr>
+                <a:srgbClr val="000000"/>
+              </a:buClr>
+              <a:buSzPct val="45000"/>
+              <a:buFont typeface="Wingdings" charset="2"/>
+              <a:buChar char=""/>
+            </a:pPr>
+            <a:r>
+              <a:rPr lang="en-US" sz="2400" b="0" strike="noStrike" spc="-1" dirty="0">
+                <a:latin typeface="Arial"/>
+              </a:rPr>
+              <a:t>Third Outline Level</a:t>
+            </a:r>
+          </a:p>
+          <a:p>
+            <a:pPr marL="1728000" lvl="3" indent="-216000">
+              <a:spcBef>
+                <a:spcPts val="567"/>
+              </a:spcBef>
+              <a:buClr>
+                <a:srgbClr val="000000"/>
+              </a:buClr>
+              <a:buSzPct val="75000"/>
+              <a:buFont typeface="Symbol" charset="2"/>
+              <a:buChar char=""/>
+            </a:pPr>
+            <a:r>
+              <a:rPr lang="en-US" sz="2000" b="0" strike="noStrike" spc="-1" dirty="0">
+                <a:latin typeface="Arial"/>
+              </a:rPr>
+              <a:t>Fourth Outline Level</a:t>
+            </a:r>
+          </a:p>
+          <a:p>
+            <a:pPr marL="2160000" lvl="4" indent="-216000">
+              <a:spcBef>
+                <a:spcPts val="283"/>
+              </a:spcBef>
+              <a:buClr>
+                <a:srgbClr val="000000"/>
+              </a:buClr>
+              <a:buSzPct val="45000"/>
+              <a:buFont typeface="Wingdings" charset="2"/>
+              <a:buChar char=""/>
+            </a:pPr>
+            <a:r>
+              <a:rPr lang="en-US" sz="2000" b="0" strike="noStrike" spc="-1" dirty="0">
+                <a:latin typeface="Arial"/>
+              </a:rPr>
+              <a:t>Fifth Outline Level</a:t>
+            </a:r>
+          </a:p>
+          <a:p>
+            <a:pPr marL="2592000" lvl="5" indent="-216000">
+              <a:spcBef>
+                <a:spcPts val="283"/>
+              </a:spcBef>
+              <a:buClr>
+                <a:srgbClr val="000000"/>
+              </a:buClr>
+              <a:buSzPct val="45000"/>
+              <a:buFont typeface="Wingdings" charset="2"/>
+              <a:buChar char=""/>
+            </a:pPr>
+            <a:r>
+              <a:rPr lang="en-US" sz="2000" b="0" strike="noStrike" spc="-1" dirty="0">
+                <a:latin typeface="Arial"/>
+              </a:rPr>
+              <a:t>Sixth Outline Level</a:t>
+            </a:r>
+          </a:p>
+          <a:p>
+            <a:pPr marL="3024000" lvl="6" indent="-216000">
+              <a:spcBef>
+                <a:spcPts val="283"/>
+              </a:spcBef>
+              <a:buClr>
+                <a:srgbClr val="000000"/>
+              </a:buClr>
+              <a:buSzPct val="45000"/>
+              <a:buFont typeface="Wingdings" charset="2"/>
+              <a:buChar char=""/>
+            </a:pPr>
+            <a:r>
+              <a:rPr lang="en-US" sz="2000" b="0" strike="noStrike" spc="-1" dirty="0">
+                <a:latin typeface="Arial"/>
+              </a:rPr>
+              <a:t>Seventh Outline Level</a:t>
+            </a:r>
+          </a:p>
+        </p:txBody>
+      </p:sp>
+    </p:spTree>
+    <p:extLst>
+      <p:ext uri="{BB962C8B-B14F-4D97-AF65-F5344CB8AC3E}">
+        <p14:creationId xmlns:p14="http://schemas.microsoft.com/office/powerpoint/2010/main" val="1492042712"/>
+      </p:ext>
+    </p:extLst>
+  </p:cSld>
+  <p:clrMapOvr>
+    <a:masterClrMapping/>
+  </p:clrMapOvr>
+</p:sldLayout>
+</file>
+
+<file path=ppt/slideLayouts/slideLayout3.xml><?xml version="1.0" encoding="utf-8"?>
 <p:sldLayout xmlns:a="http://schemas.openxmlformats.org/drawingml/2006/main" xmlns:r="http://schemas.openxmlformats.org/officeDocument/2006/relationships" xmlns:p="http://schemas.openxmlformats.org/presentationml/2006/main" preserve="1" userDrawn="1">
   <p:cSld name="Blank Slide">
     <p:spTree>
@@ -1031,7 +1631,7 @@
 </p:sldLayout>
 </file>
 
-<file path=ppt/slideLayouts/slideLayout3.xml><?xml version="1.0" encoding="utf-8"?>
+<file path=ppt/slideLayouts/slideLayout4.xml><?xml version="1.0" encoding="utf-8"?>
 <p:sldLayout xmlns:a="http://schemas.openxmlformats.org/drawingml/2006/main" xmlns:r="http://schemas.openxmlformats.org/officeDocument/2006/relationships" xmlns:p="http://schemas.openxmlformats.org/presentationml/2006/main" preserve="1" userDrawn="1">
   <p:cSld name="Title, Content">
     <p:spTree>
@@ -1329,7 +1929,7 @@
     <p:bg>
       <p:bgPr>
         <a:blipFill rotWithShape="0">
-          <a:blip r:embed="rId3"/>
+          <a:blip r:embed="rId4"/>
           <a:stretch>
             <a:fillRect/>
           </a:stretch>
@@ -1358,7 +1958,7 @@
           <p:nvPr/>
         </p:nvPicPr>
         <p:blipFill>
-          <a:blip r:embed="rId4"/>
+          <a:blip r:embed="rId5"/>
           <a:srcRect l="6752" t="32283" r="7080" b="30331"/>
           <a:stretch/>
         </p:blipFill>
@@ -1707,6 +2307,7 @@
   <p:clrMap bg1="lt1" tx1="dk1" bg2="lt2" tx2="dk2" accent1="accent1" accent2="accent2" accent3="accent3" accent4="accent4" accent5="accent5" accent6="accent6" hlink="hlink" folHlink="folHlink"/>
   <p:sldLayoutIdLst>
     <p:sldLayoutId id="2147483693" r:id="rId1"/>
+    <p:sldLayoutId id="2147483694" r:id="rId2"/>
   </p:sldLayoutIdLst>
   <p:hf hdr="0" ftr="0" dt="0"/>
   <p:txStyles>
@@ -2872,28 +3473,6 @@
               <a:t>Slide Template for the Arts-lab</a:t>
             </a:r>
           </a:p>
-          <a:p>
-            <a:pPr algn="ctr">
-              <a:lnSpc>
-                <a:spcPct val="90000"/>
-              </a:lnSpc>
-              <a:spcAft>
-                <a:spcPts val="600"/>
-              </a:spcAft>
-            </a:pPr>
-            <a:r>
-              <a:rPr lang="en-US" sz="2000" b="1" spc="-1" dirty="0">
-                <a:solidFill>
-                  <a:srgbClr val="000000"/>
-                </a:solidFill>
-                <a:latin typeface="+mj-lt"/>
-              </a:rPr>
-              <a:t>Subtitles can be helpful</a:t>
-            </a:r>
-            <a:endParaRPr lang="en-US" sz="1200" b="0" strike="noStrike" spc="-1" dirty="0">
-              <a:latin typeface="+mj-lt"/>
-            </a:endParaRPr>
-          </a:p>
         </p:txBody>
       </p:sp>
       <p:sp>
@@ -3011,58 +3590,6 @@
               <a:latin typeface="+mj-lt"/>
               <a:ea typeface="Arial"/>
             </a:endParaRPr>
-          </a:p>
-        </p:txBody>
-      </p:sp>
-      <p:sp>
-        <p:nvSpPr>
-          <p:cNvPr id="16" name="TextBox 15">
-            <a:extLst>
-              <a:ext uri="{FF2B5EF4-FFF2-40B4-BE49-F238E27FC236}">
-                <a16:creationId xmlns:a16="http://schemas.microsoft.com/office/drawing/2014/main" id="{3A89B833-E4F9-4C4F-AF6F-247BA76F3EAB}"/>
-              </a:ext>
-            </a:extLst>
-          </p:cNvPr>
-          <p:cNvSpPr txBox="1"/>
-          <p:nvPr/>
-        </p:nvSpPr>
-        <p:spPr>
-          <a:xfrm>
-            <a:off x="7732297" y="4515985"/>
-            <a:ext cx="4156364" cy="923330"/>
-          </a:xfrm>
-          <a:prstGeom prst="rect">
-            <a:avLst/>
-          </a:prstGeom>
-          <a:noFill/>
-        </p:spPr>
-        <p:txBody>
-          <a:bodyPr wrap="square" rtlCol="0">
-            <a:spAutoFit/>
-          </a:bodyPr>
-          <a:lstStyle/>
-          <a:p>
-            <a:r>
-              <a:rPr lang="en-US" sz="1200" b="1" dirty="0">
-                <a:solidFill>
-                  <a:srgbClr val="000000"/>
-                </a:solidFill>
-                <a:ea typeface="Arial"/>
-              </a:rPr>
-              <a:t>Note:</a:t>
-            </a:r>
-            <a:r>
-              <a:rPr lang="en-US" sz="1200" dirty="0">
-                <a:solidFill>
-                  <a:srgbClr val="000000"/>
-                </a:solidFill>
-                <a:ea typeface="Arial"/>
-              </a:rPr>
-              <a:t> This slide format is not in the slide master, rater it is a modified version of the basic slides with a white bot in the bottom left to cover the UofSC logo.</a:t>
-            </a:r>
-          </a:p>
-          <a:p>
-            <a:endParaRPr lang="en-US" dirty="0"/>
           </a:p>
         </p:txBody>
       </p:sp>
@@ -3113,212 +3640,6 @@
           </a:extLst>
         </p:spPr>
       </p:pic>
-      <p:sp>
-        <p:nvSpPr>
-          <p:cNvPr id="10" name="Text Placeholder 2">
-            <a:extLst>
-              <a:ext uri="{FF2B5EF4-FFF2-40B4-BE49-F238E27FC236}">
-                <a16:creationId xmlns:a16="http://schemas.microsoft.com/office/drawing/2014/main" id="{9F3DE3DF-C384-4A95-9AA7-1AE869F90AAE}"/>
-              </a:ext>
-            </a:extLst>
-          </p:cNvPr>
-          <p:cNvSpPr txBox="1">
-            <a:spLocks/>
-          </p:cNvSpPr>
-          <p:nvPr/>
-        </p:nvSpPr>
-        <p:spPr>
-          <a:xfrm>
-            <a:off x="795720" y="4515985"/>
-            <a:ext cx="2647418" cy="2418394"/>
-          </a:xfrm>
-          <a:prstGeom prst="rect">
-            <a:avLst/>
-          </a:prstGeom>
-        </p:spPr>
-        <p:txBody>
-          <a:bodyPr>
-            <a:normAutofit/>
-          </a:bodyPr>
-          <a:lstStyle>
-            <a:lvl1pPr marL="228600" indent="-228600" algn="l" defTabSz="914400" rtl="0" eaLnBrk="1" latinLnBrk="0" hangingPunct="1">
-              <a:lnSpc>
-                <a:spcPct val="90000"/>
-              </a:lnSpc>
-              <a:spcBef>
-                <a:spcPts val="1000"/>
-              </a:spcBef>
-              <a:buFont typeface="Arial" panose="020B0604020202020204" pitchFamily="34" charset="0"/>
-              <a:buChar char="•"/>
-              <a:defRPr sz="2800" kern="1200">
-                <a:solidFill>
-                  <a:schemeClr val="tx1"/>
-                </a:solidFill>
-                <a:latin typeface="+mn-lt"/>
-                <a:ea typeface="+mn-ea"/>
-                <a:cs typeface="+mn-cs"/>
-              </a:defRPr>
-            </a:lvl1pPr>
-            <a:lvl2pPr marL="685800" indent="-228600" algn="l" defTabSz="914400" rtl="0" eaLnBrk="1" latinLnBrk="0" hangingPunct="1">
-              <a:lnSpc>
-                <a:spcPct val="90000"/>
-              </a:lnSpc>
-              <a:spcBef>
-                <a:spcPts val="500"/>
-              </a:spcBef>
-              <a:buFont typeface="Arial" panose="020B0604020202020204" pitchFamily="34" charset="0"/>
-              <a:buChar char="•"/>
-              <a:defRPr sz="2400" kern="1200">
-                <a:solidFill>
-                  <a:schemeClr val="tx1"/>
-                </a:solidFill>
-                <a:latin typeface="+mn-lt"/>
-                <a:ea typeface="+mn-ea"/>
-                <a:cs typeface="+mn-cs"/>
-              </a:defRPr>
-            </a:lvl2pPr>
-            <a:lvl3pPr marL="1143000" indent="-228600" algn="l" defTabSz="914400" rtl="0" eaLnBrk="1" latinLnBrk="0" hangingPunct="1">
-              <a:lnSpc>
-                <a:spcPct val="90000"/>
-              </a:lnSpc>
-              <a:spcBef>
-                <a:spcPts val="500"/>
-              </a:spcBef>
-              <a:buFont typeface="Arial" panose="020B0604020202020204" pitchFamily="34" charset="0"/>
-              <a:buChar char="•"/>
-              <a:defRPr sz="2000" kern="1200">
-                <a:solidFill>
-                  <a:schemeClr val="tx1"/>
-                </a:solidFill>
-                <a:latin typeface="+mn-lt"/>
-                <a:ea typeface="+mn-ea"/>
-                <a:cs typeface="+mn-cs"/>
-              </a:defRPr>
-            </a:lvl3pPr>
-            <a:lvl4pPr marL="1600200" indent="-228600" algn="l" defTabSz="914400" rtl="0" eaLnBrk="1" latinLnBrk="0" hangingPunct="1">
-              <a:lnSpc>
-                <a:spcPct val="90000"/>
-              </a:lnSpc>
-              <a:spcBef>
-                <a:spcPts val="500"/>
-              </a:spcBef>
-              <a:buFont typeface="Arial" panose="020B0604020202020204" pitchFamily="34" charset="0"/>
-              <a:buChar char="•"/>
-              <a:defRPr sz="1800" kern="1200">
-                <a:solidFill>
-                  <a:schemeClr val="tx1"/>
-                </a:solidFill>
-                <a:latin typeface="+mn-lt"/>
-                <a:ea typeface="+mn-ea"/>
-                <a:cs typeface="+mn-cs"/>
-              </a:defRPr>
-            </a:lvl4pPr>
-            <a:lvl5pPr marL="2057400" indent="-228600" algn="l" defTabSz="914400" rtl="0" eaLnBrk="1" latinLnBrk="0" hangingPunct="1">
-              <a:lnSpc>
-                <a:spcPct val="90000"/>
-              </a:lnSpc>
-              <a:spcBef>
-                <a:spcPts val="500"/>
-              </a:spcBef>
-              <a:buFont typeface="Arial" panose="020B0604020202020204" pitchFamily="34" charset="0"/>
-              <a:buChar char="•"/>
-              <a:defRPr sz="1800" kern="1200">
-                <a:solidFill>
-                  <a:schemeClr val="tx1"/>
-                </a:solidFill>
-                <a:latin typeface="+mn-lt"/>
-                <a:ea typeface="+mn-ea"/>
-                <a:cs typeface="+mn-cs"/>
-              </a:defRPr>
-            </a:lvl5pPr>
-            <a:lvl6pPr marL="2514600" indent="-228600" algn="l" defTabSz="914400" rtl="0" eaLnBrk="1" latinLnBrk="0" hangingPunct="1">
-              <a:lnSpc>
-                <a:spcPct val="90000"/>
-              </a:lnSpc>
-              <a:spcBef>
-                <a:spcPts val="500"/>
-              </a:spcBef>
-              <a:buFont typeface="Arial" panose="020B0604020202020204" pitchFamily="34" charset="0"/>
-              <a:buChar char="•"/>
-              <a:defRPr sz="1800" kern="1200">
-                <a:solidFill>
-                  <a:schemeClr val="tx1"/>
-                </a:solidFill>
-                <a:latin typeface="+mn-lt"/>
-                <a:ea typeface="+mn-ea"/>
-                <a:cs typeface="+mn-cs"/>
-              </a:defRPr>
-            </a:lvl6pPr>
-            <a:lvl7pPr marL="2971800" indent="-228600" algn="l" defTabSz="914400" rtl="0" eaLnBrk="1" latinLnBrk="0" hangingPunct="1">
-              <a:lnSpc>
-                <a:spcPct val="90000"/>
-              </a:lnSpc>
-              <a:spcBef>
-                <a:spcPts val="500"/>
-              </a:spcBef>
-              <a:buFont typeface="Arial" panose="020B0604020202020204" pitchFamily="34" charset="0"/>
-              <a:buChar char="•"/>
-              <a:defRPr sz="1800" kern="1200">
-                <a:solidFill>
-                  <a:schemeClr val="tx1"/>
-                </a:solidFill>
-                <a:latin typeface="+mn-lt"/>
-                <a:ea typeface="+mn-ea"/>
-                <a:cs typeface="+mn-cs"/>
-              </a:defRPr>
-            </a:lvl7pPr>
-            <a:lvl8pPr marL="3429000" indent="-228600" algn="l" defTabSz="914400" rtl="0" eaLnBrk="1" latinLnBrk="0" hangingPunct="1">
-              <a:lnSpc>
-                <a:spcPct val="90000"/>
-              </a:lnSpc>
-              <a:spcBef>
-                <a:spcPts val="500"/>
-              </a:spcBef>
-              <a:buFont typeface="Arial" panose="020B0604020202020204" pitchFamily="34" charset="0"/>
-              <a:buChar char="•"/>
-              <a:defRPr sz="1800" kern="1200">
-                <a:solidFill>
-                  <a:schemeClr val="tx1"/>
-                </a:solidFill>
-                <a:latin typeface="+mn-lt"/>
-                <a:ea typeface="+mn-ea"/>
-                <a:cs typeface="+mn-cs"/>
-              </a:defRPr>
-            </a:lvl8pPr>
-            <a:lvl9pPr marL="3886200" indent="-228600" algn="l" defTabSz="914400" rtl="0" eaLnBrk="1" latinLnBrk="0" hangingPunct="1">
-              <a:lnSpc>
-                <a:spcPct val="90000"/>
-              </a:lnSpc>
-              <a:spcBef>
-                <a:spcPts val="500"/>
-              </a:spcBef>
-              <a:buFont typeface="Arial" panose="020B0604020202020204" pitchFamily="34" charset="0"/>
-              <a:buChar char="•"/>
-              <a:defRPr sz="1800" kern="1200">
-                <a:solidFill>
-                  <a:schemeClr val="tx1"/>
-                </a:solidFill>
-                <a:latin typeface="+mn-lt"/>
-                <a:ea typeface="+mn-ea"/>
-                <a:cs typeface="+mn-cs"/>
-              </a:defRPr>
-            </a:lvl9pPr>
-          </a:lstStyle>
-          <a:p>
-            <a:pPr marL="0" indent="0">
-              <a:buNone/>
-            </a:pPr>
-            <a:r>
-              <a:rPr lang="en-US" sz="1200" b="1" dirty="0"/>
-              <a:t>Note:</a:t>
-            </a:r>
-            <a:r>
-              <a:rPr lang="en-US" sz="1200" dirty="0"/>
-              <a:t> Place the center logo by hand</a:t>
-            </a:r>
-          </a:p>
-        </p:txBody>
-      </p:sp>
     </p:spTree>
     <p:extLst>
       <p:ext uri="{BB962C8B-B14F-4D97-AF65-F5344CB8AC3E}">
@@ -3738,1671 +4059,6 @@
 </file>
 
 <file path=ppt/slides/slide3.xml><?xml version="1.0" encoding="utf-8"?>
-<p:sld xmlns:a="http://schemas.openxmlformats.org/drawingml/2006/main" xmlns:r="http://schemas.openxmlformats.org/officeDocument/2006/relationships" xmlns:p="http://schemas.openxmlformats.org/presentationml/2006/main">
-  <p:cSld>
-    <p:spTree>
-      <p:nvGrpSpPr>
-        <p:cNvPr id="1" name=""/>
-        <p:cNvGrpSpPr/>
-        <p:nvPr/>
-      </p:nvGrpSpPr>
-      <p:grpSpPr>
-        <a:xfrm>
-          <a:off x="0" y="0"/>
-          <a:ext cx="0" cy="0"/>
-          <a:chOff x="0" y="0"/>
-          <a:chExt cx="0" cy="0"/>
-        </a:xfrm>
-      </p:grpSpPr>
-      <p:sp>
-        <p:nvSpPr>
-          <p:cNvPr id="2" name="Title 1">
-            <a:extLst>
-              <a:ext uri="{FF2B5EF4-FFF2-40B4-BE49-F238E27FC236}">
-                <a16:creationId xmlns:a16="http://schemas.microsoft.com/office/drawing/2014/main" id="{92D64792-864D-4F19-A38F-9E959A9D3592}"/>
-              </a:ext>
-            </a:extLst>
-          </p:cNvPr>
-          <p:cNvSpPr>
-            <a:spLocks noGrp="1"/>
-          </p:cNvSpPr>
-          <p:nvPr>
-            <p:ph type="title"/>
-          </p:nvPr>
-        </p:nvSpPr>
-        <p:spPr>
-          <a:xfrm>
-            <a:off x="609480" y="2448360"/>
-            <a:ext cx="10972440" cy="1144800"/>
-          </a:xfrm>
-        </p:spPr>
-        <p:txBody>
-          <a:bodyPr/>
-          <a:lstStyle/>
-          <a:p>
-            <a:pPr algn="ctr"/>
-            <a:r>
-              <a:rPr lang="en-US" dirty="0"/>
-              <a:t>Progress Bars with Macros</a:t>
-            </a:r>
-          </a:p>
-        </p:txBody>
-      </p:sp>
-      <p:sp>
-        <p:nvSpPr>
-          <p:cNvPr id="5" name="TextBox 4">
-            <a:extLst>
-              <a:ext uri="{FF2B5EF4-FFF2-40B4-BE49-F238E27FC236}">
-                <a16:creationId xmlns:a16="http://schemas.microsoft.com/office/drawing/2014/main" id="{5B75F26D-292D-4039-924A-CEF0258175F2}"/>
-              </a:ext>
-            </a:extLst>
-          </p:cNvPr>
-          <p:cNvSpPr txBox="1"/>
-          <p:nvPr/>
-        </p:nvSpPr>
-        <p:spPr>
-          <a:xfrm>
-            <a:off x="7732297" y="4515985"/>
-            <a:ext cx="4156364" cy="923330"/>
-          </a:xfrm>
-          <a:prstGeom prst="rect">
-            <a:avLst/>
-          </a:prstGeom>
-          <a:noFill/>
-        </p:spPr>
-        <p:txBody>
-          <a:bodyPr wrap="square" rtlCol="0">
-            <a:spAutoFit/>
-          </a:bodyPr>
-          <a:lstStyle/>
-          <a:p>
-            <a:r>
-              <a:rPr lang="en-US" sz="1200" b="1" spc="259" dirty="0">
-                <a:solidFill>
-                  <a:schemeClr val="bg1"/>
-                </a:solidFill>
-                <a:latin typeface="+mj-lt"/>
-                <a:ea typeface="Arial"/>
-              </a:rPr>
-              <a:t>Note:</a:t>
-            </a:r>
-            <a:r>
-              <a:rPr lang="en-US" sz="1200" spc="259" dirty="0">
-                <a:solidFill>
-                  <a:schemeClr val="bg1"/>
-                </a:solidFill>
-                <a:latin typeface="+mj-lt"/>
-                <a:ea typeface="Arial"/>
-              </a:rPr>
-              <a:t> You can use red slides for section breaks, does not work well with the snake macro</a:t>
-            </a:r>
-          </a:p>
-          <a:p>
-            <a:endParaRPr lang="en-US" dirty="0"/>
-          </a:p>
-        </p:txBody>
-      </p:sp>
-    </p:spTree>
-    <p:extLst>
-      <p:ext uri="{BB962C8B-B14F-4D97-AF65-F5344CB8AC3E}">
-        <p14:creationId xmlns:p14="http://schemas.microsoft.com/office/powerpoint/2010/main" val="4183398439"/>
-      </p:ext>
-    </p:extLst>
-  </p:cSld>
-  <p:clrMapOvr>
-    <a:masterClrMapping/>
-  </p:clrMapOvr>
-</p:sld>
-</file>
-
-<file path=ppt/slides/slide4.xml><?xml version="1.0" encoding="utf-8"?>
-<p:sld xmlns:a="http://schemas.openxmlformats.org/drawingml/2006/main" xmlns:r="http://schemas.openxmlformats.org/officeDocument/2006/relationships" xmlns:p="http://schemas.openxmlformats.org/presentationml/2006/main">
-  <p:cSld>
-    <p:spTree>
-      <p:nvGrpSpPr>
-        <p:cNvPr id="1" name=""/>
-        <p:cNvGrpSpPr/>
-        <p:nvPr/>
-      </p:nvGrpSpPr>
-      <p:grpSpPr>
-        <a:xfrm>
-          <a:off x="0" y="0"/>
-          <a:ext cx="0" cy="0"/>
-          <a:chOff x="0" y="0"/>
-          <a:chExt cx="0" cy="0"/>
-        </a:xfrm>
-      </p:grpSpPr>
-      <p:sp>
-        <p:nvSpPr>
-          <p:cNvPr id="3" name="Title 1">
-            <a:extLst>
-              <a:ext uri="{FF2B5EF4-FFF2-40B4-BE49-F238E27FC236}">
-                <a16:creationId xmlns:a16="http://schemas.microsoft.com/office/drawing/2014/main" id="{2260366C-9CC9-4815-B6A0-B9386B0FC8C7}"/>
-              </a:ext>
-            </a:extLst>
-          </p:cNvPr>
-          <p:cNvSpPr txBox="1">
-            <a:spLocks/>
-          </p:cNvSpPr>
-          <p:nvPr/>
-        </p:nvSpPr>
-        <p:spPr>
-          <a:xfrm>
-            <a:off x="536189" y="567444"/>
-            <a:ext cx="10972440" cy="1144800"/>
-          </a:xfrm>
-          <a:prstGeom prst="rect">
-            <a:avLst/>
-          </a:prstGeom>
-        </p:spPr>
-        <p:txBody>
-          <a:bodyPr/>
-          <a:lstStyle>
-            <a:lvl1pPr algn="l" defTabSz="914400" rtl="0" eaLnBrk="1" latinLnBrk="0" hangingPunct="1">
-              <a:lnSpc>
-                <a:spcPct val="90000"/>
-              </a:lnSpc>
-              <a:spcBef>
-                <a:spcPct val="0"/>
-              </a:spcBef>
-              <a:buNone/>
-              <a:defRPr sz="4800" kern="1200">
-                <a:solidFill>
-                  <a:schemeClr val="tx1"/>
-                </a:solidFill>
-                <a:latin typeface="+mj-lt"/>
-                <a:ea typeface="+mj-ea"/>
-                <a:cs typeface="+mj-cs"/>
-              </a:defRPr>
-            </a:lvl1pPr>
-          </a:lstStyle>
-          <a:p>
-            <a:r>
-              <a:rPr lang="en-US" sz="3000" dirty="0"/>
-              <a:t>Custom Macros to make progress bars</a:t>
-            </a:r>
-          </a:p>
-        </p:txBody>
-      </p:sp>
-      <p:sp>
-        <p:nvSpPr>
-          <p:cNvPr id="4" name="Text Placeholder 2">
-            <a:extLst>
-              <a:ext uri="{FF2B5EF4-FFF2-40B4-BE49-F238E27FC236}">
-                <a16:creationId xmlns:a16="http://schemas.microsoft.com/office/drawing/2014/main" id="{3B9600C4-DAE1-425A-9DAE-DB1914B17067}"/>
-              </a:ext>
-            </a:extLst>
-          </p:cNvPr>
-          <p:cNvSpPr txBox="1">
-            <a:spLocks/>
-          </p:cNvSpPr>
-          <p:nvPr/>
-        </p:nvSpPr>
-        <p:spPr>
-          <a:xfrm>
-            <a:off x="683371" y="1089537"/>
-            <a:ext cx="10972440" cy="594167"/>
-          </a:xfrm>
-          <a:prstGeom prst="rect">
-            <a:avLst/>
-          </a:prstGeom>
-        </p:spPr>
-        <p:txBody>
-          <a:bodyPr>
-            <a:normAutofit/>
-          </a:bodyPr>
-          <a:lstStyle>
-            <a:lvl1pPr marL="228600" indent="-228600" algn="l" defTabSz="914400" rtl="0" eaLnBrk="1" latinLnBrk="0" hangingPunct="1">
-              <a:lnSpc>
-                <a:spcPct val="90000"/>
-              </a:lnSpc>
-              <a:spcBef>
-                <a:spcPts val="1000"/>
-              </a:spcBef>
-              <a:buFont typeface="Arial" panose="020B0604020202020204" pitchFamily="34" charset="0"/>
-              <a:buChar char="•"/>
-              <a:defRPr sz="2800" kern="1200">
-                <a:solidFill>
-                  <a:schemeClr val="tx1"/>
-                </a:solidFill>
-                <a:latin typeface="+mn-lt"/>
-                <a:ea typeface="+mn-ea"/>
-                <a:cs typeface="+mn-cs"/>
-              </a:defRPr>
-            </a:lvl1pPr>
-            <a:lvl2pPr marL="685800" indent="-228600" algn="l" defTabSz="914400" rtl="0" eaLnBrk="1" latinLnBrk="0" hangingPunct="1">
-              <a:lnSpc>
-                <a:spcPct val="90000"/>
-              </a:lnSpc>
-              <a:spcBef>
-                <a:spcPts val="500"/>
-              </a:spcBef>
-              <a:buFont typeface="Arial" panose="020B0604020202020204" pitchFamily="34" charset="0"/>
-              <a:buChar char="•"/>
-              <a:defRPr sz="2400" kern="1200">
-                <a:solidFill>
-                  <a:schemeClr val="tx1"/>
-                </a:solidFill>
-                <a:latin typeface="+mn-lt"/>
-                <a:ea typeface="+mn-ea"/>
-                <a:cs typeface="+mn-cs"/>
-              </a:defRPr>
-            </a:lvl2pPr>
-            <a:lvl3pPr marL="1143000" indent="-228600" algn="l" defTabSz="914400" rtl="0" eaLnBrk="1" latinLnBrk="0" hangingPunct="1">
-              <a:lnSpc>
-                <a:spcPct val="90000"/>
-              </a:lnSpc>
-              <a:spcBef>
-                <a:spcPts val="500"/>
-              </a:spcBef>
-              <a:buFont typeface="Arial" panose="020B0604020202020204" pitchFamily="34" charset="0"/>
-              <a:buChar char="•"/>
-              <a:defRPr sz="2000" kern="1200">
-                <a:solidFill>
-                  <a:schemeClr val="tx1"/>
-                </a:solidFill>
-                <a:latin typeface="+mn-lt"/>
-                <a:ea typeface="+mn-ea"/>
-                <a:cs typeface="+mn-cs"/>
-              </a:defRPr>
-            </a:lvl3pPr>
-            <a:lvl4pPr marL="1600200" indent="-228600" algn="l" defTabSz="914400" rtl="0" eaLnBrk="1" latinLnBrk="0" hangingPunct="1">
-              <a:lnSpc>
-                <a:spcPct val="90000"/>
-              </a:lnSpc>
-              <a:spcBef>
-                <a:spcPts val="500"/>
-              </a:spcBef>
-              <a:buFont typeface="Arial" panose="020B0604020202020204" pitchFamily="34" charset="0"/>
-              <a:buChar char="•"/>
-              <a:defRPr sz="1800" kern="1200">
-                <a:solidFill>
-                  <a:schemeClr val="tx1"/>
-                </a:solidFill>
-                <a:latin typeface="+mn-lt"/>
-                <a:ea typeface="+mn-ea"/>
-                <a:cs typeface="+mn-cs"/>
-              </a:defRPr>
-            </a:lvl4pPr>
-            <a:lvl5pPr marL="2057400" indent="-228600" algn="l" defTabSz="914400" rtl="0" eaLnBrk="1" latinLnBrk="0" hangingPunct="1">
-              <a:lnSpc>
-                <a:spcPct val="90000"/>
-              </a:lnSpc>
-              <a:spcBef>
-                <a:spcPts val="500"/>
-              </a:spcBef>
-              <a:buFont typeface="Arial" panose="020B0604020202020204" pitchFamily="34" charset="0"/>
-              <a:buChar char="•"/>
-              <a:defRPr sz="1800" kern="1200">
-                <a:solidFill>
-                  <a:schemeClr val="tx1"/>
-                </a:solidFill>
-                <a:latin typeface="+mn-lt"/>
-                <a:ea typeface="+mn-ea"/>
-                <a:cs typeface="+mn-cs"/>
-              </a:defRPr>
-            </a:lvl5pPr>
-            <a:lvl6pPr marL="2514600" indent="-228600" algn="l" defTabSz="914400" rtl="0" eaLnBrk="1" latinLnBrk="0" hangingPunct="1">
-              <a:lnSpc>
-                <a:spcPct val="90000"/>
-              </a:lnSpc>
-              <a:spcBef>
-                <a:spcPts val="500"/>
-              </a:spcBef>
-              <a:buFont typeface="Arial" panose="020B0604020202020204" pitchFamily="34" charset="0"/>
-              <a:buChar char="•"/>
-              <a:defRPr sz="1800" kern="1200">
-                <a:solidFill>
-                  <a:schemeClr val="tx1"/>
-                </a:solidFill>
-                <a:latin typeface="+mn-lt"/>
-                <a:ea typeface="+mn-ea"/>
-                <a:cs typeface="+mn-cs"/>
-              </a:defRPr>
-            </a:lvl6pPr>
-            <a:lvl7pPr marL="2971800" indent="-228600" algn="l" defTabSz="914400" rtl="0" eaLnBrk="1" latinLnBrk="0" hangingPunct="1">
-              <a:lnSpc>
-                <a:spcPct val="90000"/>
-              </a:lnSpc>
-              <a:spcBef>
-                <a:spcPts val="500"/>
-              </a:spcBef>
-              <a:buFont typeface="Arial" panose="020B0604020202020204" pitchFamily="34" charset="0"/>
-              <a:buChar char="•"/>
-              <a:defRPr sz="1800" kern="1200">
-                <a:solidFill>
-                  <a:schemeClr val="tx1"/>
-                </a:solidFill>
-                <a:latin typeface="+mn-lt"/>
-                <a:ea typeface="+mn-ea"/>
-                <a:cs typeface="+mn-cs"/>
-              </a:defRPr>
-            </a:lvl7pPr>
-            <a:lvl8pPr marL="3429000" indent="-228600" algn="l" defTabSz="914400" rtl="0" eaLnBrk="1" latinLnBrk="0" hangingPunct="1">
-              <a:lnSpc>
-                <a:spcPct val="90000"/>
-              </a:lnSpc>
-              <a:spcBef>
-                <a:spcPts val="500"/>
-              </a:spcBef>
-              <a:buFont typeface="Arial" panose="020B0604020202020204" pitchFamily="34" charset="0"/>
-              <a:buChar char="•"/>
-              <a:defRPr sz="1800" kern="1200">
-                <a:solidFill>
-                  <a:schemeClr val="tx1"/>
-                </a:solidFill>
-                <a:latin typeface="+mn-lt"/>
-                <a:ea typeface="+mn-ea"/>
-                <a:cs typeface="+mn-cs"/>
-              </a:defRPr>
-            </a:lvl8pPr>
-            <a:lvl9pPr marL="3886200" indent="-228600" algn="l" defTabSz="914400" rtl="0" eaLnBrk="1" latinLnBrk="0" hangingPunct="1">
-              <a:lnSpc>
-                <a:spcPct val="90000"/>
-              </a:lnSpc>
-              <a:spcBef>
-                <a:spcPts val="500"/>
-              </a:spcBef>
-              <a:buFont typeface="Arial" panose="020B0604020202020204" pitchFamily="34" charset="0"/>
-              <a:buChar char="•"/>
-              <a:defRPr sz="1800" kern="1200">
-                <a:solidFill>
-                  <a:schemeClr val="tx1"/>
-                </a:solidFill>
-                <a:latin typeface="+mn-lt"/>
-                <a:ea typeface="+mn-ea"/>
-                <a:cs typeface="+mn-cs"/>
-              </a:defRPr>
-            </a:lvl9pPr>
-          </a:lstStyle>
-          <a:p>
-            <a:r>
-              <a:rPr lang="en-US" sz="1800" dirty="0" err="1"/>
-              <a:t>progressBarSnake</a:t>
-            </a:r>
-            <a:endParaRPr lang="en-US" sz="1800" dirty="0"/>
-          </a:p>
-        </p:txBody>
-      </p:sp>
-      <p:sp>
-        <p:nvSpPr>
-          <p:cNvPr id="8" name="Text Placeholder 2">
-            <a:extLst>
-              <a:ext uri="{FF2B5EF4-FFF2-40B4-BE49-F238E27FC236}">
-                <a16:creationId xmlns:a16="http://schemas.microsoft.com/office/drawing/2014/main" id="{F8E8F07C-6BC2-4145-8547-20704F221674}"/>
-              </a:ext>
-            </a:extLst>
-          </p:cNvPr>
-          <p:cNvSpPr txBox="1">
-            <a:spLocks/>
-          </p:cNvSpPr>
-          <p:nvPr/>
-        </p:nvSpPr>
-        <p:spPr>
-          <a:xfrm>
-            <a:off x="609780" y="3655740"/>
-            <a:ext cx="10972440" cy="594167"/>
-          </a:xfrm>
-          <a:prstGeom prst="rect">
-            <a:avLst/>
-          </a:prstGeom>
-        </p:spPr>
-        <p:txBody>
-          <a:bodyPr>
-            <a:normAutofit/>
-          </a:bodyPr>
-          <a:lstStyle>
-            <a:lvl1pPr marL="228600" indent="-228600" algn="l" defTabSz="914400" rtl="0" eaLnBrk="1" latinLnBrk="0" hangingPunct="1">
-              <a:lnSpc>
-                <a:spcPct val="90000"/>
-              </a:lnSpc>
-              <a:spcBef>
-                <a:spcPts val="1000"/>
-              </a:spcBef>
-              <a:buFont typeface="Arial" panose="020B0604020202020204" pitchFamily="34" charset="0"/>
-              <a:buChar char="•"/>
-              <a:defRPr sz="2800" kern="1200">
-                <a:solidFill>
-                  <a:schemeClr val="tx1"/>
-                </a:solidFill>
-                <a:latin typeface="+mn-lt"/>
-                <a:ea typeface="+mn-ea"/>
-                <a:cs typeface="+mn-cs"/>
-              </a:defRPr>
-            </a:lvl1pPr>
-            <a:lvl2pPr marL="685800" indent="-228600" algn="l" defTabSz="914400" rtl="0" eaLnBrk="1" latinLnBrk="0" hangingPunct="1">
-              <a:lnSpc>
-                <a:spcPct val="90000"/>
-              </a:lnSpc>
-              <a:spcBef>
-                <a:spcPts val="500"/>
-              </a:spcBef>
-              <a:buFont typeface="Arial" panose="020B0604020202020204" pitchFamily="34" charset="0"/>
-              <a:buChar char="•"/>
-              <a:defRPr sz="2400" kern="1200">
-                <a:solidFill>
-                  <a:schemeClr val="tx1"/>
-                </a:solidFill>
-                <a:latin typeface="+mn-lt"/>
-                <a:ea typeface="+mn-ea"/>
-                <a:cs typeface="+mn-cs"/>
-              </a:defRPr>
-            </a:lvl2pPr>
-            <a:lvl3pPr marL="1143000" indent="-228600" algn="l" defTabSz="914400" rtl="0" eaLnBrk="1" latinLnBrk="0" hangingPunct="1">
-              <a:lnSpc>
-                <a:spcPct val="90000"/>
-              </a:lnSpc>
-              <a:spcBef>
-                <a:spcPts val="500"/>
-              </a:spcBef>
-              <a:buFont typeface="Arial" panose="020B0604020202020204" pitchFamily="34" charset="0"/>
-              <a:buChar char="•"/>
-              <a:defRPr sz="2000" kern="1200">
-                <a:solidFill>
-                  <a:schemeClr val="tx1"/>
-                </a:solidFill>
-                <a:latin typeface="+mn-lt"/>
-                <a:ea typeface="+mn-ea"/>
-                <a:cs typeface="+mn-cs"/>
-              </a:defRPr>
-            </a:lvl3pPr>
-            <a:lvl4pPr marL="1600200" indent="-228600" algn="l" defTabSz="914400" rtl="0" eaLnBrk="1" latinLnBrk="0" hangingPunct="1">
-              <a:lnSpc>
-                <a:spcPct val="90000"/>
-              </a:lnSpc>
-              <a:spcBef>
-                <a:spcPts val="500"/>
-              </a:spcBef>
-              <a:buFont typeface="Arial" panose="020B0604020202020204" pitchFamily="34" charset="0"/>
-              <a:buChar char="•"/>
-              <a:defRPr sz="1800" kern="1200">
-                <a:solidFill>
-                  <a:schemeClr val="tx1"/>
-                </a:solidFill>
-                <a:latin typeface="+mn-lt"/>
-                <a:ea typeface="+mn-ea"/>
-                <a:cs typeface="+mn-cs"/>
-              </a:defRPr>
-            </a:lvl4pPr>
-            <a:lvl5pPr marL="2057400" indent="-228600" algn="l" defTabSz="914400" rtl="0" eaLnBrk="1" latinLnBrk="0" hangingPunct="1">
-              <a:lnSpc>
-                <a:spcPct val="90000"/>
-              </a:lnSpc>
-              <a:spcBef>
-                <a:spcPts val="500"/>
-              </a:spcBef>
-              <a:buFont typeface="Arial" panose="020B0604020202020204" pitchFamily="34" charset="0"/>
-              <a:buChar char="•"/>
-              <a:defRPr sz="1800" kern="1200">
-                <a:solidFill>
-                  <a:schemeClr val="tx1"/>
-                </a:solidFill>
-                <a:latin typeface="+mn-lt"/>
-                <a:ea typeface="+mn-ea"/>
-                <a:cs typeface="+mn-cs"/>
-              </a:defRPr>
-            </a:lvl5pPr>
-            <a:lvl6pPr marL="2514600" indent="-228600" algn="l" defTabSz="914400" rtl="0" eaLnBrk="1" latinLnBrk="0" hangingPunct="1">
-              <a:lnSpc>
-                <a:spcPct val="90000"/>
-              </a:lnSpc>
-              <a:spcBef>
-                <a:spcPts val="500"/>
-              </a:spcBef>
-              <a:buFont typeface="Arial" panose="020B0604020202020204" pitchFamily="34" charset="0"/>
-              <a:buChar char="•"/>
-              <a:defRPr sz="1800" kern="1200">
-                <a:solidFill>
-                  <a:schemeClr val="tx1"/>
-                </a:solidFill>
-                <a:latin typeface="+mn-lt"/>
-                <a:ea typeface="+mn-ea"/>
-                <a:cs typeface="+mn-cs"/>
-              </a:defRPr>
-            </a:lvl6pPr>
-            <a:lvl7pPr marL="2971800" indent="-228600" algn="l" defTabSz="914400" rtl="0" eaLnBrk="1" latinLnBrk="0" hangingPunct="1">
-              <a:lnSpc>
-                <a:spcPct val="90000"/>
-              </a:lnSpc>
-              <a:spcBef>
-                <a:spcPts val="500"/>
-              </a:spcBef>
-              <a:buFont typeface="Arial" panose="020B0604020202020204" pitchFamily="34" charset="0"/>
-              <a:buChar char="•"/>
-              <a:defRPr sz="1800" kern="1200">
-                <a:solidFill>
-                  <a:schemeClr val="tx1"/>
-                </a:solidFill>
-                <a:latin typeface="+mn-lt"/>
-                <a:ea typeface="+mn-ea"/>
-                <a:cs typeface="+mn-cs"/>
-              </a:defRPr>
-            </a:lvl7pPr>
-            <a:lvl8pPr marL="3429000" indent="-228600" algn="l" defTabSz="914400" rtl="0" eaLnBrk="1" latinLnBrk="0" hangingPunct="1">
-              <a:lnSpc>
-                <a:spcPct val="90000"/>
-              </a:lnSpc>
-              <a:spcBef>
-                <a:spcPts val="500"/>
-              </a:spcBef>
-              <a:buFont typeface="Arial" panose="020B0604020202020204" pitchFamily="34" charset="0"/>
-              <a:buChar char="•"/>
-              <a:defRPr sz="1800" kern="1200">
-                <a:solidFill>
-                  <a:schemeClr val="tx1"/>
-                </a:solidFill>
-                <a:latin typeface="+mn-lt"/>
-                <a:ea typeface="+mn-ea"/>
-                <a:cs typeface="+mn-cs"/>
-              </a:defRPr>
-            </a:lvl8pPr>
-            <a:lvl9pPr marL="3886200" indent="-228600" algn="l" defTabSz="914400" rtl="0" eaLnBrk="1" latinLnBrk="0" hangingPunct="1">
-              <a:lnSpc>
-                <a:spcPct val="90000"/>
-              </a:lnSpc>
-              <a:spcBef>
-                <a:spcPts val="500"/>
-              </a:spcBef>
-              <a:buFont typeface="Arial" panose="020B0604020202020204" pitchFamily="34" charset="0"/>
-              <a:buChar char="•"/>
-              <a:defRPr sz="1800" kern="1200">
-                <a:solidFill>
-                  <a:schemeClr val="tx1"/>
-                </a:solidFill>
-                <a:latin typeface="+mn-lt"/>
-                <a:ea typeface="+mn-ea"/>
-                <a:cs typeface="+mn-cs"/>
-              </a:defRPr>
-            </a:lvl9pPr>
-          </a:lstStyle>
-          <a:p>
-            <a:r>
-              <a:rPr lang="en-US" sz="1800" dirty="0" err="1"/>
-              <a:t>progressBarBlack</a:t>
-            </a:r>
-            <a:endParaRPr lang="en-US" sz="1800" dirty="0"/>
-          </a:p>
-        </p:txBody>
-      </p:sp>
-      <p:sp>
-        <p:nvSpPr>
-          <p:cNvPr id="9" name="Text Placeholder 2">
-            <a:extLst>
-              <a:ext uri="{FF2B5EF4-FFF2-40B4-BE49-F238E27FC236}">
-                <a16:creationId xmlns:a16="http://schemas.microsoft.com/office/drawing/2014/main" id="{E9DCC0D5-4DCC-4536-AE86-4C393404FA0E}"/>
-              </a:ext>
-            </a:extLst>
-          </p:cNvPr>
-          <p:cNvSpPr txBox="1">
-            <a:spLocks/>
-          </p:cNvSpPr>
-          <p:nvPr/>
-        </p:nvSpPr>
-        <p:spPr>
-          <a:xfrm>
-            <a:off x="6904081" y="1489065"/>
-            <a:ext cx="4678139" cy="716732"/>
-          </a:xfrm>
-          <a:prstGeom prst="rect">
-            <a:avLst/>
-          </a:prstGeom>
-        </p:spPr>
-        <p:txBody>
-          <a:bodyPr>
-            <a:normAutofit/>
-          </a:bodyPr>
-          <a:lstStyle>
-            <a:lvl1pPr marL="228600" indent="-228600" algn="l" defTabSz="914400" rtl="0" eaLnBrk="1" latinLnBrk="0" hangingPunct="1">
-              <a:lnSpc>
-                <a:spcPct val="90000"/>
-              </a:lnSpc>
-              <a:spcBef>
-                <a:spcPts val="1000"/>
-              </a:spcBef>
-              <a:buFont typeface="Arial" panose="020B0604020202020204" pitchFamily="34" charset="0"/>
-              <a:buChar char="•"/>
-              <a:defRPr sz="2800" kern="1200">
-                <a:solidFill>
-                  <a:schemeClr val="tx1"/>
-                </a:solidFill>
-                <a:latin typeface="+mn-lt"/>
-                <a:ea typeface="+mn-ea"/>
-                <a:cs typeface="+mn-cs"/>
-              </a:defRPr>
-            </a:lvl1pPr>
-            <a:lvl2pPr marL="685800" indent="-228600" algn="l" defTabSz="914400" rtl="0" eaLnBrk="1" latinLnBrk="0" hangingPunct="1">
-              <a:lnSpc>
-                <a:spcPct val="90000"/>
-              </a:lnSpc>
-              <a:spcBef>
-                <a:spcPts val="500"/>
-              </a:spcBef>
-              <a:buFont typeface="Arial" panose="020B0604020202020204" pitchFamily="34" charset="0"/>
-              <a:buChar char="•"/>
-              <a:defRPr sz="2400" kern="1200">
-                <a:solidFill>
-                  <a:schemeClr val="tx1"/>
-                </a:solidFill>
-                <a:latin typeface="+mn-lt"/>
-                <a:ea typeface="+mn-ea"/>
-                <a:cs typeface="+mn-cs"/>
-              </a:defRPr>
-            </a:lvl2pPr>
-            <a:lvl3pPr marL="1143000" indent="-228600" algn="l" defTabSz="914400" rtl="0" eaLnBrk="1" latinLnBrk="0" hangingPunct="1">
-              <a:lnSpc>
-                <a:spcPct val="90000"/>
-              </a:lnSpc>
-              <a:spcBef>
-                <a:spcPts val="500"/>
-              </a:spcBef>
-              <a:buFont typeface="Arial" panose="020B0604020202020204" pitchFamily="34" charset="0"/>
-              <a:buChar char="•"/>
-              <a:defRPr sz="2000" kern="1200">
-                <a:solidFill>
-                  <a:schemeClr val="tx1"/>
-                </a:solidFill>
-                <a:latin typeface="+mn-lt"/>
-                <a:ea typeface="+mn-ea"/>
-                <a:cs typeface="+mn-cs"/>
-              </a:defRPr>
-            </a:lvl3pPr>
-            <a:lvl4pPr marL="1600200" indent="-228600" algn="l" defTabSz="914400" rtl="0" eaLnBrk="1" latinLnBrk="0" hangingPunct="1">
-              <a:lnSpc>
-                <a:spcPct val="90000"/>
-              </a:lnSpc>
-              <a:spcBef>
-                <a:spcPts val="500"/>
-              </a:spcBef>
-              <a:buFont typeface="Arial" panose="020B0604020202020204" pitchFamily="34" charset="0"/>
-              <a:buChar char="•"/>
-              <a:defRPr sz="1800" kern="1200">
-                <a:solidFill>
-                  <a:schemeClr val="tx1"/>
-                </a:solidFill>
-                <a:latin typeface="+mn-lt"/>
-                <a:ea typeface="+mn-ea"/>
-                <a:cs typeface="+mn-cs"/>
-              </a:defRPr>
-            </a:lvl4pPr>
-            <a:lvl5pPr marL="2057400" indent="-228600" algn="l" defTabSz="914400" rtl="0" eaLnBrk="1" latinLnBrk="0" hangingPunct="1">
-              <a:lnSpc>
-                <a:spcPct val="90000"/>
-              </a:lnSpc>
-              <a:spcBef>
-                <a:spcPts val="500"/>
-              </a:spcBef>
-              <a:buFont typeface="Arial" panose="020B0604020202020204" pitchFamily="34" charset="0"/>
-              <a:buChar char="•"/>
-              <a:defRPr sz="1800" kern="1200">
-                <a:solidFill>
-                  <a:schemeClr val="tx1"/>
-                </a:solidFill>
-                <a:latin typeface="+mn-lt"/>
-                <a:ea typeface="+mn-ea"/>
-                <a:cs typeface="+mn-cs"/>
-              </a:defRPr>
-            </a:lvl5pPr>
-            <a:lvl6pPr marL="2514600" indent="-228600" algn="l" defTabSz="914400" rtl="0" eaLnBrk="1" latinLnBrk="0" hangingPunct="1">
-              <a:lnSpc>
-                <a:spcPct val="90000"/>
-              </a:lnSpc>
-              <a:spcBef>
-                <a:spcPts val="500"/>
-              </a:spcBef>
-              <a:buFont typeface="Arial" panose="020B0604020202020204" pitchFamily="34" charset="0"/>
-              <a:buChar char="•"/>
-              <a:defRPr sz="1800" kern="1200">
-                <a:solidFill>
-                  <a:schemeClr val="tx1"/>
-                </a:solidFill>
-                <a:latin typeface="+mn-lt"/>
-                <a:ea typeface="+mn-ea"/>
-                <a:cs typeface="+mn-cs"/>
-              </a:defRPr>
-            </a:lvl6pPr>
-            <a:lvl7pPr marL="2971800" indent="-228600" algn="l" defTabSz="914400" rtl="0" eaLnBrk="1" latinLnBrk="0" hangingPunct="1">
-              <a:lnSpc>
-                <a:spcPct val="90000"/>
-              </a:lnSpc>
-              <a:spcBef>
-                <a:spcPts val="500"/>
-              </a:spcBef>
-              <a:buFont typeface="Arial" panose="020B0604020202020204" pitchFamily="34" charset="0"/>
-              <a:buChar char="•"/>
-              <a:defRPr sz="1800" kern="1200">
-                <a:solidFill>
-                  <a:schemeClr val="tx1"/>
-                </a:solidFill>
-                <a:latin typeface="+mn-lt"/>
-                <a:ea typeface="+mn-ea"/>
-                <a:cs typeface="+mn-cs"/>
-              </a:defRPr>
-            </a:lvl7pPr>
-            <a:lvl8pPr marL="3429000" indent="-228600" algn="l" defTabSz="914400" rtl="0" eaLnBrk="1" latinLnBrk="0" hangingPunct="1">
-              <a:lnSpc>
-                <a:spcPct val="90000"/>
-              </a:lnSpc>
-              <a:spcBef>
-                <a:spcPts val="500"/>
-              </a:spcBef>
-              <a:buFont typeface="Arial" panose="020B0604020202020204" pitchFamily="34" charset="0"/>
-              <a:buChar char="•"/>
-              <a:defRPr sz="1800" kern="1200">
-                <a:solidFill>
-                  <a:schemeClr val="tx1"/>
-                </a:solidFill>
-                <a:latin typeface="+mn-lt"/>
-                <a:ea typeface="+mn-ea"/>
-                <a:cs typeface="+mn-cs"/>
-              </a:defRPr>
-            </a:lvl8pPr>
-            <a:lvl9pPr marL="3886200" indent="-228600" algn="l" defTabSz="914400" rtl="0" eaLnBrk="1" latinLnBrk="0" hangingPunct="1">
-              <a:lnSpc>
-                <a:spcPct val="90000"/>
-              </a:lnSpc>
-              <a:spcBef>
-                <a:spcPts val="500"/>
-              </a:spcBef>
-              <a:buFont typeface="Arial" panose="020B0604020202020204" pitchFamily="34" charset="0"/>
-              <a:buChar char="•"/>
-              <a:defRPr sz="1800" kern="1200">
-                <a:solidFill>
-                  <a:schemeClr val="tx1"/>
-                </a:solidFill>
-                <a:latin typeface="+mn-lt"/>
-                <a:ea typeface="+mn-ea"/>
-                <a:cs typeface="+mn-cs"/>
-              </a:defRPr>
-            </a:lvl9pPr>
-          </a:lstStyle>
-          <a:p>
-            <a:pPr marL="0" indent="0">
-              <a:buNone/>
-            </a:pPr>
-            <a:r>
-              <a:rPr lang="en-US" sz="1200" b="1" dirty="0"/>
-              <a:t>Note:</a:t>
-            </a:r>
-            <a:r>
-              <a:rPr lang="en-US" sz="1200" dirty="0"/>
-              <a:t> To save the macro’s you have to enable macros, this changes the .ppt to .</a:t>
-            </a:r>
-            <a:r>
-              <a:rPr lang="en-US" sz="1200" dirty="0" err="1"/>
-              <a:t>pptm</a:t>
-            </a:r>
-            <a:r>
-              <a:rPr lang="en-US" sz="1200" dirty="0"/>
-              <a:t>. The template is not provided in the .</a:t>
-            </a:r>
-            <a:r>
-              <a:rPr lang="en-US" sz="1200" dirty="0" err="1"/>
-              <a:t>pptm</a:t>
-            </a:r>
-            <a:r>
-              <a:rPr lang="en-US" sz="1200" dirty="0"/>
-              <a:t> format as this is generally poor practice for security reasons. </a:t>
-            </a:r>
-          </a:p>
-        </p:txBody>
-      </p:sp>
-      <p:pic>
-        <p:nvPicPr>
-          <p:cNvPr id="23" name="Picture 22">
-            <a:extLst>
-              <a:ext uri="{FF2B5EF4-FFF2-40B4-BE49-F238E27FC236}">
-                <a16:creationId xmlns:a16="http://schemas.microsoft.com/office/drawing/2014/main" id="{E0292688-4BE1-4A81-A3B3-CBC609716F51}"/>
-              </a:ext>
-            </a:extLst>
-          </p:cNvPr>
-          <p:cNvPicPr>
-            <a:picLocks noChangeAspect="1"/>
-          </p:cNvPicPr>
-          <p:nvPr/>
-        </p:nvPicPr>
-        <p:blipFill>
-          <a:blip r:embed="rId2"/>
-          <a:stretch>
-            <a:fillRect/>
-          </a:stretch>
-        </p:blipFill>
-        <p:spPr>
-          <a:xfrm>
-            <a:off x="974160" y="4001368"/>
-            <a:ext cx="5048249" cy="2147887"/>
-          </a:xfrm>
-          <a:prstGeom prst="rect">
-            <a:avLst/>
-          </a:prstGeom>
-        </p:spPr>
-      </p:pic>
-      <p:sp>
-        <p:nvSpPr>
-          <p:cNvPr id="24" name="Text Placeholder 2">
-            <a:extLst>
-              <a:ext uri="{FF2B5EF4-FFF2-40B4-BE49-F238E27FC236}">
-                <a16:creationId xmlns:a16="http://schemas.microsoft.com/office/drawing/2014/main" id="{15AF4184-869A-4A7E-8DF9-98B7A4037DD9}"/>
-              </a:ext>
-            </a:extLst>
-          </p:cNvPr>
-          <p:cNvSpPr txBox="1">
-            <a:spLocks/>
-          </p:cNvSpPr>
-          <p:nvPr/>
-        </p:nvSpPr>
-        <p:spPr>
-          <a:xfrm>
-            <a:off x="6904081" y="2416915"/>
-            <a:ext cx="4678139" cy="716732"/>
-          </a:xfrm>
-          <a:prstGeom prst="rect">
-            <a:avLst/>
-          </a:prstGeom>
-        </p:spPr>
-        <p:txBody>
-          <a:bodyPr>
-            <a:normAutofit/>
-          </a:bodyPr>
-          <a:lstStyle>
-            <a:lvl1pPr marL="228600" indent="-228600" algn="l" defTabSz="914400" rtl="0" eaLnBrk="1" latinLnBrk="0" hangingPunct="1">
-              <a:lnSpc>
-                <a:spcPct val="90000"/>
-              </a:lnSpc>
-              <a:spcBef>
-                <a:spcPts val="1000"/>
-              </a:spcBef>
-              <a:buFont typeface="Arial" panose="020B0604020202020204" pitchFamily="34" charset="0"/>
-              <a:buChar char="•"/>
-              <a:defRPr sz="2800" kern="1200">
-                <a:solidFill>
-                  <a:schemeClr val="tx1"/>
-                </a:solidFill>
-                <a:latin typeface="+mn-lt"/>
-                <a:ea typeface="+mn-ea"/>
-                <a:cs typeface="+mn-cs"/>
-              </a:defRPr>
-            </a:lvl1pPr>
-            <a:lvl2pPr marL="685800" indent="-228600" algn="l" defTabSz="914400" rtl="0" eaLnBrk="1" latinLnBrk="0" hangingPunct="1">
-              <a:lnSpc>
-                <a:spcPct val="90000"/>
-              </a:lnSpc>
-              <a:spcBef>
-                <a:spcPts val="500"/>
-              </a:spcBef>
-              <a:buFont typeface="Arial" panose="020B0604020202020204" pitchFamily="34" charset="0"/>
-              <a:buChar char="•"/>
-              <a:defRPr sz="2400" kern="1200">
-                <a:solidFill>
-                  <a:schemeClr val="tx1"/>
-                </a:solidFill>
-                <a:latin typeface="+mn-lt"/>
-                <a:ea typeface="+mn-ea"/>
-                <a:cs typeface="+mn-cs"/>
-              </a:defRPr>
-            </a:lvl2pPr>
-            <a:lvl3pPr marL="1143000" indent="-228600" algn="l" defTabSz="914400" rtl="0" eaLnBrk="1" latinLnBrk="0" hangingPunct="1">
-              <a:lnSpc>
-                <a:spcPct val="90000"/>
-              </a:lnSpc>
-              <a:spcBef>
-                <a:spcPts val="500"/>
-              </a:spcBef>
-              <a:buFont typeface="Arial" panose="020B0604020202020204" pitchFamily="34" charset="0"/>
-              <a:buChar char="•"/>
-              <a:defRPr sz="2000" kern="1200">
-                <a:solidFill>
-                  <a:schemeClr val="tx1"/>
-                </a:solidFill>
-                <a:latin typeface="+mn-lt"/>
-                <a:ea typeface="+mn-ea"/>
-                <a:cs typeface="+mn-cs"/>
-              </a:defRPr>
-            </a:lvl3pPr>
-            <a:lvl4pPr marL="1600200" indent="-228600" algn="l" defTabSz="914400" rtl="0" eaLnBrk="1" latinLnBrk="0" hangingPunct="1">
-              <a:lnSpc>
-                <a:spcPct val="90000"/>
-              </a:lnSpc>
-              <a:spcBef>
-                <a:spcPts val="500"/>
-              </a:spcBef>
-              <a:buFont typeface="Arial" panose="020B0604020202020204" pitchFamily="34" charset="0"/>
-              <a:buChar char="•"/>
-              <a:defRPr sz="1800" kern="1200">
-                <a:solidFill>
-                  <a:schemeClr val="tx1"/>
-                </a:solidFill>
-                <a:latin typeface="+mn-lt"/>
-                <a:ea typeface="+mn-ea"/>
-                <a:cs typeface="+mn-cs"/>
-              </a:defRPr>
-            </a:lvl4pPr>
-            <a:lvl5pPr marL="2057400" indent="-228600" algn="l" defTabSz="914400" rtl="0" eaLnBrk="1" latinLnBrk="0" hangingPunct="1">
-              <a:lnSpc>
-                <a:spcPct val="90000"/>
-              </a:lnSpc>
-              <a:spcBef>
-                <a:spcPts val="500"/>
-              </a:spcBef>
-              <a:buFont typeface="Arial" panose="020B0604020202020204" pitchFamily="34" charset="0"/>
-              <a:buChar char="•"/>
-              <a:defRPr sz="1800" kern="1200">
-                <a:solidFill>
-                  <a:schemeClr val="tx1"/>
-                </a:solidFill>
-                <a:latin typeface="+mn-lt"/>
-                <a:ea typeface="+mn-ea"/>
-                <a:cs typeface="+mn-cs"/>
-              </a:defRPr>
-            </a:lvl5pPr>
-            <a:lvl6pPr marL="2514600" indent="-228600" algn="l" defTabSz="914400" rtl="0" eaLnBrk="1" latinLnBrk="0" hangingPunct="1">
-              <a:lnSpc>
-                <a:spcPct val="90000"/>
-              </a:lnSpc>
-              <a:spcBef>
-                <a:spcPts val="500"/>
-              </a:spcBef>
-              <a:buFont typeface="Arial" panose="020B0604020202020204" pitchFamily="34" charset="0"/>
-              <a:buChar char="•"/>
-              <a:defRPr sz="1800" kern="1200">
-                <a:solidFill>
-                  <a:schemeClr val="tx1"/>
-                </a:solidFill>
-                <a:latin typeface="+mn-lt"/>
-                <a:ea typeface="+mn-ea"/>
-                <a:cs typeface="+mn-cs"/>
-              </a:defRPr>
-            </a:lvl6pPr>
-            <a:lvl7pPr marL="2971800" indent="-228600" algn="l" defTabSz="914400" rtl="0" eaLnBrk="1" latinLnBrk="0" hangingPunct="1">
-              <a:lnSpc>
-                <a:spcPct val="90000"/>
-              </a:lnSpc>
-              <a:spcBef>
-                <a:spcPts val="500"/>
-              </a:spcBef>
-              <a:buFont typeface="Arial" panose="020B0604020202020204" pitchFamily="34" charset="0"/>
-              <a:buChar char="•"/>
-              <a:defRPr sz="1800" kern="1200">
-                <a:solidFill>
-                  <a:schemeClr val="tx1"/>
-                </a:solidFill>
-                <a:latin typeface="+mn-lt"/>
-                <a:ea typeface="+mn-ea"/>
-                <a:cs typeface="+mn-cs"/>
-              </a:defRPr>
-            </a:lvl7pPr>
-            <a:lvl8pPr marL="3429000" indent="-228600" algn="l" defTabSz="914400" rtl="0" eaLnBrk="1" latinLnBrk="0" hangingPunct="1">
-              <a:lnSpc>
-                <a:spcPct val="90000"/>
-              </a:lnSpc>
-              <a:spcBef>
-                <a:spcPts val="500"/>
-              </a:spcBef>
-              <a:buFont typeface="Arial" panose="020B0604020202020204" pitchFamily="34" charset="0"/>
-              <a:buChar char="•"/>
-              <a:defRPr sz="1800" kern="1200">
-                <a:solidFill>
-                  <a:schemeClr val="tx1"/>
-                </a:solidFill>
-                <a:latin typeface="+mn-lt"/>
-                <a:ea typeface="+mn-ea"/>
-                <a:cs typeface="+mn-cs"/>
-              </a:defRPr>
-            </a:lvl8pPr>
-            <a:lvl9pPr marL="3886200" indent="-228600" algn="l" defTabSz="914400" rtl="0" eaLnBrk="1" latinLnBrk="0" hangingPunct="1">
-              <a:lnSpc>
-                <a:spcPct val="90000"/>
-              </a:lnSpc>
-              <a:spcBef>
-                <a:spcPts val="500"/>
-              </a:spcBef>
-              <a:buFont typeface="Arial" panose="020B0604020202020204" pitchFamily="34" charset="0"/>
-              <a:buChar char="•"/>
-              <a:defRPr sz="1800" kern="1200">
-                <a:solidFill>
-                  <a:schemeClr val="tx1"/>
-                </a:solidFill>
-                <a:latin typeface="+mn-lt"/>
-                <a:ea typeface="+mn-ea"/>
-                <a:cs typeface="+mn-cs"/>
-              </a:defRPr>
-            </a:lvl9pPr>
-          </a:lstStyle>
-          <a:p>
-            <a:pPr marL="0" indent="0">
-              <a:buNone/>
-            </a:pPr>
-            <a:r>
-              <a:rPr lang="en-US" sz="1200" b="1" dirty="0"/>
-              <a:t>Note:</a:t>
-            </a:r>
-            <a:r>
-              <a:rPr lang="en-US" sz="1200" dirty="0"/>
-              <a:t> The macros are stored in the corresponding .txt files. Make sure not to copy in the first and last line of the code. </a:t>
-            </a:r>
-          </a:p>
-        </p:txBody>
-      </p:sp>
-      <p:pic>
-        <p:nvPicPr>
-          <p:cNvPr id="11" name="Picture 10">
-            <a:extLst>
-              <a:ext uri="{FF2B5EF4-FFF2-40B4-BE49-F238E27FC236}">
-                <a16:creationId xmlns:a16="http://schemas.microsoft.com/office/drawing/2014/main" id="{FDADAA46-F1E9-4731-963F-7F7D2F20F77D}"/>
-              </a:ext>
-            </a:extLst>
-          </p:cNvPr>
-          <p:cNvPicPr>
-            <a:picLocks noChangeAspect="1"/>
-          </p:cNvPicPr>
-          <p:nvPr/>
-        </p:nvPicPr>
-        <p:blipFill>
-          <a:blip r:embed="rId3"/>
-          <a:stretch>
-            <a:fillRect/>
-          </a:stretch>
-        </p:blipFill>
-        <p:spPr>
-          <a:xfrm>
-            <a:off x="974160" y="1488803"/>
-            <a:ext cx="5048249" cy="2162856"/>
-          </a:xfrm>
-          <a:prstGeom prst="rect">
-            <a:avLst/>
-          </a:prstGeom>
-        </p:spPr>
-      </p:pic>
-      <p:sp>
-        <p:nvSpPr>
-          <p:cNvPr id="16" name="Text Placeholder 2">
-            <a:extLst>
-              <a:ext uri="{FF2B5EF4-FFF2-40B4-BE49-F238E27FC236}">
-                <a16:creationId xmlns:a16="http://schemas.microsoft.com/office/drawing/2014/main" id="{C5529CF9-DB6F-4D5B-A6C5-353500D88674}"/>
-              </a:ext>
-            </a:extLst>
-          </p:cNvPr>
-          <p:cNvSpPr txBox="1">
-            <a:spLocks/>
-          </p:cNvSpPr>
-          <p:nvPr/>
-        </p:nvSpPr>
-        <p:spPr>
-          <a:xfrm>
-            <a:off x="6904081" y="3162187"/>
-            <a:ext cx="4678139" cy="716732"/>
-          </a:xfrm>
-          <a:prstGeom prst="rect">
-            <a:avLst/>
-          </a:prstGeom>
-        </p:spPr>
-        <p:txBody>
-          <a:bodyPr>
-            <a:normAutofit/>
-          </a:bodyPr>
-          <a:lstStyle>
-            <a:lvl1pPr marL="228600" indent="-228600" algn="l" defTabSz="914400" rtl="0" eaLnBrk="1" latinLnBrk="0" hangingPunct="1">
-              <a:lnSpc>
-                <a:spcPct val="90000"/>
-              </a:lnSpc>
-              <a:spcBef>
-                <a:spcPts val="1000"/>
-              </a:spcBef>
-              <a:buFont typeface="Arial" panose="020B0604020202020204" pitchFamily="34" charset="0"/>
-              <a:buChar char="•"/>
-              <a:defRPr sz="2800" kern="1200">
-                <a:solidFill>
-                  <a:schemeClr val="tx1"/>
-                </a:solidFill>
-                <a:latin typeface="+mn-lt"/>
-                <a:ea typeface="+mn-ea"/>
-                <a:cs typeface="+mn-cs"/>
-              </a:defRPr>
-            </a:lvl1pPr>
-            <a:lvl2pPr marL="685800" indent="-228600" algn="l" defTabSz="914400" rtl="0" eaLnBrk="1" latinLnBrk="0" hangingPunct="1">
-              <a:lnSpc>
-                <a:spcPct val="90000"/>
-              </a:lnSpc>
-              <a:spcBef>
-                <a:spcPts val="500"/>
-              </a:spcBef>
-              <a:buFont typeface="Arial" panose="020B0604020202020204" pitchFamily="34" charset="0"/>
-              <a:buChar char="•"/>
-              <a:defRPr sz="2400" kern="1200">
-                <a:solidFill>
-                  <a:schemeClr val="tx1"/>
-                </a:solidFill>
-                <a:latin typeface="+mn-lt"/>
-                <a:ea typeface="+mn-ea"/>
-                <a:cs typeface="+mn-cs"/>
-              </a:defRPr>
-            </a:lvl2pPr>
-            <a:lvl3pPr marL="1143000" indent="-228600" algn="l" defTabSz="914400" rtl="0" eaLnBrk="1" latinLnBrk="0" hangingPunct="1">
-              <a:lnSpc>
-                <a:spcPct val="90000"/>
-              </a:lnSpc>
-              <a:spcBef>
-                <a:spcPts val="500"/>
-              </a:spcBef>
-              <a:buFont typeface="Arial" panose="020B0604020202020204" pitchFamily="34" charset="0"/>
-              <a:buChar char="•"/>
-              <a:defRPr sz="2000" kern="1200">
-                <a:solidFill>
-                  <a:schemeClr val="tx1"/>
-                </a:solidFill>
-                <a:latin typeface="+mn-lt"/>
-                <a:ea typeface="+mn-ea"/>
-                <a:cs typeface="+mn-cs"/>
-              </a:defRPr>
-            </a:lvl3pPr>
-            <a:lvl4pPr marL="1600200" indent="-228600" algn="l" defTabSz="914400" rtl="0" eaLnBrk="1" latinLnBrk="0" hangingPunct="1">
-              <a:lnSpc>
-                <a:spcPct val="90000"/>
-              </a:lnSpc>
-              <a:spcBef>
-                <a:spcPts val="500"/>
-              </a:spcBef>
-              <a:buFont typeface="Arial" panose="020B0604020202020204" pitchFamily="34" charset="0"/>
-              <a:buChar char="•"/>
-              <a:defRPr sz="1800" kern="1200">
-                <a:solidFill>
-                  <a:schemeClr val="tx1"/>
-                </a:solidFill>
-                <a:latin typeface="+mn-lt"/>
-                <a:ea typeface="+mn-ea"/>
-                <a:cs typeface="+mn-cs"/>
-              </a:defRPr>
-            </a:lvl4pPr>
-            <a:lvl5pPr marL="2057400" indent="-228600" algn="l" defTabSz="914400" rtl="0" eaLnBrk="1" latinLnBrk="0" hangingPunct="1">
-              <a:lnSpc>
-                <a:spcPct val="90000"/>
-              </a:lnSpc>
-              <a:spcBef>
-                <a:spcPts val="500"/>
-              </a:spcBef>
-              <a:buFont typeface="Arial" panose="020B0604020202020204" pitchFamily="34" charset="0"/>
-              <a:buChar char="•"/>
-              <a:defRPr sz="1800" kern="1200">
-                <a:solidFill>
-                  <a:schemeClr val="tx1"/>
-                </a:solidFill>
-                <a:latin typeface="+mn-lt"/>
-                <a:ea typeface="+mn-ea"/>
-                <a:cs typeface="+mn-cs"/>
-              </a:defRPr>
-            </a:lvl5pPr>
-            <a:lvl6pPr marL="2514600" indent="-228600" algn="l" defTabSz="914400" rtl="0" eaLnBrk="1" latinLnBrk="0" hangingPunct="1">
-              <a:lnSpc>
-                <a:spcPct val="90000"/>
-              </a:lnSpc>
-              <a:spcBef>
-                <a:spcPts val="500"/>
-              </a:spcBef>
-              <a:buFont typeface="Arial" panose="020B0604020202020204" pitchFamily="34" charset="0"/>
-              <a:buChar char="•"/>
-              <a:defRPr sz="1800" kern="1200">
-                <a:solidFill>
-                  <a:schemeClr val="tx1"/>
-                </a:solidFill>
-                <a:latin typeface="+mn-lt"/>
-                <a:ea typeface="+mn-ea"/>
-                <a:cs typeface="+mn-cs"/>
-              </a:defRPr>
-            </a:lvl6pPr>
-            <a:lvl7pPr marL="2971800" indent="-228600" algn="l" defTabSz="914400" rtl="0" eaLnBrk="1" latinLnBrk="0" hangingPunct="1">
-              <a:lnSpc>
-                <a:spcPct val="90000"/>
-              </a:lnSpc>
-              <a:spcBef>
-                <a:spcPts val="500"/>
-              </a:spcBef>
-              <a:buFont typeface="Arial" panose="020B0604020202020204" pitchFamily="34" charset="0"/>
-              <a:buChar char="•"/>
-              <a:defRPr sz="1800" kern="1200">
-                <a:solidFill>
-                  <a:schemeClr val="tx1"/>
-                </a:solidFill>
-                <a:latin typeface="+mn-lt"/>
-                <a:ea typeface="+mn-ea"/>
-                <a:cs typeface="+mn-cs"/>
-              </a:defRPr>
-            </a:lvl7pPr>
-            <a:lvl8pPr marL="3429000" indent="-228600" algn="l" defTabSz="914400" rtl="0" eaLnBrk="1" latinLnBrk="0" hangingPunct="1">
-              <a:lnSpc>
-                <a:spcPct val="90000"/>
-              </a:lnSpc>
-              <a:spcBef>
-                <a:spcPts val="500"/>
-              </a:spcBef>
-              <a:buFont typeface="Arial" panose="020B0604020202020204" pitchFamily="34" charset="0"/>
-              <a:buChar char="•"/>
-              <a:defRPr sz="1800" kern="1200">
-                <a:solidFill>
-                  <a:schemeClr val="tx1"/>
-                </a:solidFill>
-                <a:latin typeface="+mn-lt"/>
-                <a:ea typeface="+mn-ea"/>
-                <a:cs typeface="+mn-cs"/>
-              </a:defRPr>
-            </a:lvl8pPr>
-            <a:lvl9pPr marL="3886200" indent="-228600" algn="l" defTabSz="914400" rtl="0" eaLnBrk="1" latinLnBrk="0" hangingPunct="1">
-              <a:lnSpc>
-                <a:spcPct val="90000"/>
-              </a:lnSpc>
-              <a:spcBef>
-                <a:spcPts val="500"/>
-              </a:spcBef>
-              <a:buFont typeface="Arial" panose="020B0604020202020204" pitchFamily="34" charset="0"/>
-              <a:buChar char="•"/>
-              <a:defRPr sz="1800" kern="1200">
-                <a:solidFill>
-                  <a:schemeClr val="tx1"/>
-                </a:solidFill>
-                <a:latin typeface="+mn-lt"/>
-                <a:ea typeface="+mn-ea"/>
-                <a:cs typeface="+mn-cs"/>
-              </a:defRPr>
-            </a:lvl9pPr>
-          </a:lstStyle>
-          <a:p>
-            <a:pPr marL="0" indent="0">
-              <a:buNone/>
-            </a:pPr>
-            <a:r>
-              <a:rPr lang="en-US" sz="1200" b="1" dirty="0"/>
-              <a:t>Note:</a:t>
-            </a:r>
-            <a:r>
-              <a:rPr lang="en-US" sz="1200" dirty="0"/>
-              <a:t> To delete, just click on the bar on the bottom of each slide and select delete. </a:t>
-            </a:r>
-          </a:p>
-        </p:txBody>
-      </p:sp>
-    </p:spTree>
-    <p:extLst>
-      <p:ext uri="{BB962C8B-B14F-4D97-AF65-F5344CB8AC3E}">
-        <p14:creationId xmlns:p14="http://schemas.microsoft.com/office/powerpoint/2010/main" val="2888686709"/>
-      </p:ext>
-    </p:extLst>
-  </p:cSld>
-  <p:clrMapOvr>
-    <a:masterClrMapping/>
-  </p:clrMapOvr>
-</p:sld>
-</file>
-
-<file path=ppt/slides/slide5.xml><?xml version="1.0" encoding="utf-8"?>
-<p:sld xmlns:a="http://schemas.openxmlformats.org/drawingml/2006/main" xmlns:r="http://schemas.openxmlformats.org/officeDocument/2006/relationships" xmlns:p="http://schemas.openxmlformats.org/presentationml/2006/main">
-  <p:cSld>
-    <p:spTree>
-      <p:nvGrpSpPr>
-        <p:cNvPr id="1" name=""/>
-        <p:cNvGrpSpPr/>
-        <p:nvPr/>
-      </p:nvGrpSpPr>
-      <p:grpSpPr>
-        <a:xfrm>
-          <a:off x="0" y="0"/>
-          <a:ext cx="0" cy="0"/>
-          <a:chOff x="0" y="0"/>
-          <a:chExt cx="0" cy="0"/>
-        </a:xfrm>
-      </p:grpSpPr>
-      <p:sp>
-        <p:nvSpPr>
-          <p:cNvPr id="3" name="Title 1">
-            <a:extLst>
-              <a:ext uri="{FF2B5EF4-FFF2-40B4-BE49-F238E27FC236}">
-                <a16:creationId xmlns:a16="http://schemas.microsoft.com/office/drawing/2014/main" id="{2260366C-9CC9-4815-B6A0-B9386B0FC8C7}"/>
-              </a:ext>
-            </a:extLst>
-          </p:cNvPr>
-          <p:cNvSpPr txBox="1">
-            <a:spLocks/>
-          </p:cNvSpPr>
-          <p:nvPr/>
-        </p:nvSpPr>
-        <p:spPr>
-          <a:xfrm>
-            <a:off x="536189" y="567444"/>
-            <a:ext cx="10972440" cy="1144800"/>
-          </a:xfrm>
-          <a:prstGeom prst="rect">
-            <a:avLst/>
-          </a:prstGeom>
-        </p:spPr>
-        <p:txBody>
-          <a:bodyPr/>
-          <a:lstStyle>
-            <a:lvl1pPr algn="l" defTabSz="914400" rtl="0" eaLnBrk="1" latinLnBrk="0" hangingPunct="1">
-              <a:lnSpc>
-                <a:spcPct val="90000"/>
-              </a:lnSpc>
-              <a:spcBef>
-                <a:spcPct val="0"/>
-              </a:spcBef>
-              <a:buNone/>
-              <a:defRPr sz="4800" kern="1200">
-                <a:solidFill>
-                  <a:schemeClr val="tx1"/>
-                </a:solidFill>
-                <a:latin typeface="+mj-lt"/>
-                <a:ea typeface="+mj-ea"/>
-                <a:cs typeface="+mj-cs"/>
-              </a:defRPr>
-            </a:lvl1pPr>
-          </a:lstStyle>
-          <a:p>
-            <a:r>
-              <a:rPr lang="en-US" sz="3000" dirty="0"/>
-              <a:t>How to run Custom Macros</a:t>
-            </a:r>
-          </a:p>
-        </p:txBody>
-      </p:sp>
-      <p:sp>
-        <p:nvSpPr>
-          <p:cNvPr id="4" name="Text Placeholder 2">
-            <a:extLst>
-              <a:ext uri="{FF2B5EF4-FFF2-40B4-BE49-F238E27FC236}">
-                <a16:creationId xmlns:a16="http://schemas.microsoft.com/office/drawing/2014/main" id="{3B9600C4-DAE1-425A-9DAE-DB1914B17067}"/>
-              </a:ext>
-            </a:extLst>
-          </p:cNvPr>
-          <p:cNvSpPr txBox="1">
-            <a:spLocks/>
-          </p:cNvSpPr>
-          <p:nvPr/>
-        </p:nvSpPr>
-        <p:spPr>
-          <a:xfrm>
-            <a:off x="683371" y="1214762"/>
-            <a:ext cx="10972440" cy="594167"/>
-          </a:xfrm>
-          <a:prstGeom prst="rect">
-            <a:avLst/>
-          </a:prstGeom>
-        </p:spPr>
-        <p:txBody>
-          <a:bodyPr>
-            <a:normAutofit/>
-          </a:bodyPr>
-          <a:lstStyle>
-            <a:lvl1pPr marL="228600" indent="-228600" algn="l" defTabSz="914400" rtl="0" eaLnBrk="1" latinLnBrk="0" hangingPunct="1">
-              <a:lnSpc>
-                <a:spcPct val="90000"/>
-              </a:lnSpc>
-              <a:spcBef>
-                <a:spcPts val="1000"/>
-              </a:spcBef>
-              <a:buFont typeface="Arial" panose="020B0604020202020204" pitchFamily="34" charset="0"/>
-              <a:buChar char="•"/>
-              <a:defRPr sz="2800" kern="1200">
-                <a:solidFill>
-                  <a:schemeClr val="tx1"/>
-                </a:solidFill>
-                <a:latin typeface="+mn-lt"/>
-                <a:ea typeface="+mn-ea"/>
-                <a:cs typeface="+mn-cs"/>
-              </a:defRPr>
-            </a:lvl1pPr>
-            <a:lvl2pPr marL="685800" indent="-228600" algn="l" defTabSz="914400" rtl="0" eaLnBrk="1" latinLnBrk="0" hangingPunct="1">
-              <a:lnSpc>
-                <a:spcPct val="90000"/>
-              </a:lnSpc>
-              <a:spcBef>
-                <a:spcPts val="500"/>
-              </a:spcBef>
-              <a:buFont typeface="Arial" panose="020B0604020202020204" pitchFamily="34" charset="0"/>
-              <a:buChar char="•"/>
-              <a:defRPr sz="2400" kern="1200">
-                <a:solidFill>
-                  <a:schemeClr val="tx1"/>
-                </a:solidFill>
-                <a:latin typeface="+mn-lt"/>
-                <a:ea typeface="+mn-ea"/>
-                <a:cs typeface="+mn-cs"/>
-              </a:defRPr>
-            </a:lvl2pPr>
-            <a:lvl3pPr marL="1143000" indent="-228600" algn="l" defTabSz="914400" rtl="0" eaLnBrk="1" latinLnBrk="0" hangingPunct="1">
-              <a:lnSpc>
-                <a:spcPct val="90000"/>
-              </a:lnSpc>
-              <a:spcBef>
-                <a:spcPts val="500"/>
-              </a:spcBef>
-              <a:buFont typeface="Arial" panose="020B0604020202020204" pitchFamily="34" charset="0"/>
-              <a:buChar char="•"/>
-              <a:defRPr sz="2000" kern="1200">
-                <a:solidFill>
-                  <a:schemeClr val="tx1"/>
-                </a:solidFill>
-                <a:latin typeface="+mn-lt"/>
-                <a:ea typeface="+mn-ea"/>
-                <a:cs typeface="+mn-cs"/>
-              </a:defRPr>
-            </a:lvl3pPr>
-            <a:lvl4pPr marL="1600200" indent="-228600" algn="l" defTabSz="914400" rtl="0" eaLnBrk="1" latinLnBrk="0" hangingPunct="1">
-              <a:lnSpc>
-                <a:spcPct val="90000"/>
-              </a:lnSpc>
-              <a:spcBef>
-                <a:spcPts val="500"/>
-              </a:spcBef>
-              <a:buFont typeface="Arial" panose="020B0604020202020204" pitchFamily="34" charset="0"/>
-              <a:buChar char="•"/>
-              <a:defRPr sz="1800" kern="1200">
-                <a:solidFill>
-                  <a:schemeClr val="tx1"/>
-                </a:solidFill>
-                <a:latin typeface="+mn-lt"/>
-                <a:ea typeface="+mn-ea"/>
-                <a:cs typeface="+mn-cs"/>
-              </a:defRPr>
-            </a:lvl4pPr>
-            <a:lvl5pPr marL="2057400" indent="-228600" algn="l" defTabSz="914400" rtl="0" eaLnBrk="1" latinLnBrk="0" hangingPunct="1">
-              <a:lnSpc>
-                <a:spcPct val="90000"/>
-              </a:lnSpc>
-              <a:spcBef>
-                <a:spcPts val="500"/>
-              </a:spcBef>
-              <a:buFont typeface="Arial" panose="020B0604020202020204" pitchFamily="34" charset="0"/>
-              <a:buChar char="•"/>
-              <a:defRPr sz="1800" kern="1200">
-                <a:solidFill>
-                  <a:schemeClr val="tx1"/>
-                </a:solidFill>
-                <a:latin typeface="+mn-lt"/>
-                <a:ea typeface="+mn-ea"/>
-                <a:cs typeface="+mn-cs"/>
-              </a:defRPr>
-            </a:lvl5pPr>
-            <a:lvl6pPr marL="2514600" indent="-228600" algn="l" defTabSz="914400" rtl="0" eaLnBrk="1" latinLnBrk="0" hangingPunct="1">
-              <a:lnSpc>
-                <a:spcPct val="90000"/>
-              </a:lnSpc>
-              <a:spcBef>
-                <a:spcPts val="500"/>
-              </a:spcBef>
-              <a:buFont typeface="Arial" panose="020B0604020202020204" pitchFamily="34" charset="0"/>
-              <a:buChar char="•"/>
-              <a:defRPr sz="1800" kern="1200">
-                <a:solidFill>
-                  <a:schemeClr val="tx1"/>
-                </a:solidFill>
-                <a:latin typeface="+mn-lt"/>
-                <a:ea typeface="+mn-ea"/>
-                <a:cs typeface="+mn-cs"/>
-              </a:defRPr>
-            </a:lvl6pPr>
-            <a:lvl7pPr marL="2971800" indent="-228600" algn="l" defTabSz="914400" rtl="0" eaLnBrk="1" latinLnBrk="0" hangingPunct="1">
-              <a:lnSpc>
-                <a:spcPct val="90000"/>
-              </a:lnSpc>
-              <a:spcBef>
-                <a:spcPts val="500"/>
-              </a:spcBef>
-              <a:buFont typeface="Arial" panose="020B0604020202020204" pitchFamily="34" charset="0"/>
-              <a:buChar char="•"/>
-              <a:defRPr sz="1800" kern="1200">
-                <a:solidFill>
-                  <a:schemeClr val="tx1"/>
-                </a:solidFill>
-                <a:latin typeface="+mn-lt"/>
-                <a:ea typeface="+mn-ea"/>
-                <a:cs typeface="+mn-cs"/>
-              </a:defRPr>
-            </a:lvl7pPr>
-            <a:lvl8pPr marL="3429000" indent="-228600" algn="l" defTabSz="914400" rtl="0" eaLnBrk="1" latinLnBrk="0" hangingPunct="1">
-              <a:lnSpc>
-                <a:spcPct val="90000"/>
-              </a:lnSpc>
-              <a:spcBef>
-                <a:spcPts val="500"/>
-              </a:spcBef>
-              <a:buFont typeface="Arial" panose="020B0604020202020204" pitchFamily="34" charset="0"/>
-              <a:buChar char="•"/>
-              <a:defRPr sz="1800" kern="1200">
-                <a:solidFill>
-                  <a:schemeClr val="tx1"/>
-                </a:solidFill>
-                <a:latin typeface="+mn-lt"/>
-                <a:ea typeface="+mn-ea"/>
-                <a:cs typeface="+mn-cs"/>
-              </a:defRPr>
-            </a:lvl8pPr>
-            <a:lvl9pPr marL="3886200" indent="-228600" algn="l" defTabSz="914400" rtl="0" eaLnBrk="1" latinLnBrk="0" hangingPunct="1">
-              <a:lnSpc>
-                <a:spcPct val="90000"/>
-              </a:lnSpc>
-              <a:spcBef>
-                <a:spcPts val="500"/>
-              </a:spcBef>
-              <a:buFont typeface="Arial" panose="020B0604020202020204" pitchFamily="34" charset="0"/>
-              <a:buChar char="•"/>
-              <a:defRPr sz="1800" kern="1200">
-                <a:solidFill>
-                  <a:schemeClr val="tx1"/>
-                </a:solidFill>
-                <a:latin typeface="+mn-lt"/>
-                <a:ea typeface="+mn-ea"/>
-                <a:cs typeface="+mn-cs"/>
-              </a:defRPr>
-            </a:lvl9pPr>
-          </a:lstStyle>
-          <a:p>
-            <a:r>
-              <a:rPr lang="en-US" sz="1800" dirty="0"/>
-              <a:t>Taken from [https://www.howtogeek.com/709523/how-to-create-a-progress-bar-in-microsoft-powerpoint/]</a:t>
-            </a:r>
-          </a:p>
-        </p:txBody>
-      </p:sp>
-      <p:pic>
-        <p:nvPicPr>
-          <p:cNvPr id="5" name="Picture 4">
-            <a:extLst>
-              <a:ext uri="{FF2B5EF4-FFF2-40B4-BE49-F238E27FC236}">
-                <a16:creationId xmlns:a16="http://schemas.microsoft.com/office/drawing/2014/main" id="{7EB0CEFD-E7FD-4F72-80F3-83293175F7F4}"/>
-              </a:ext>
-            </a:extLst>
-          </p:cNvPr>
-          <p:cNvPicPr>
-            <a:picLocks noChangeAspect="1"/>
-          </p:cNvPicPr>
-          <p:nvPr/>
-        </p:nvPicPr>
-        <p:blipFill>
-          <a:blip r:embed="rId2"/>
-          <a:stretch>
-            <a:fillRect/>
-          </a:stretch>
-        </p:blipFill>
-        <p:spPr>
-          <a:xfrm>
-            <a:off x="302075" y="1847190"/>
-            <a:ext cx="4374134" cy="4147560"/>
-          </a:xfrm>
-          <a:prstGeom prst="rect">
-            <a:avLst/>
-          </a:prstGeom>
-        </p:spPr>
-      </p:pic>
-      <p:pic>
-        <p:nvPicPr>
-          <p:cNvPr id="6" name="Picture 5">
-            <a:extLst>
-              <a:ext uri="{FF2B5EF4-FFF2-40B4-BE49-F238E27FC236}">
-                <a16:creationId xmlns:a16="http://schemas.microsoft.com/office/drawing/2014/main" id="{362B06C7-9F67-44DF-9929-74DE251DEB91}"/>
-              </a:ext>
-            </a:extLst>
-          </p:cNvPr>
-          <p:cNvPicPr>
-            <a:picLocks noChangeAspect="1"/>
-          </p:cNvPicPr>
-          <p:nvPr/>
-        </p:nvPicPr>
-        <p:blipFill>
-          <a:blip r:embed="rId3"/>
-          <a:stretch>
-            <a:fillRect/>
-          </a:stretch>
-        </p:blipFill>
-        <p:spPr>
-          <a:xfrm>
-            <a:off x="4608146" y="1847190"/>
-            <a:ext cx="3445964" cy="3977280"/>
-          </a:xfrm>
-          <a:prstGeom prst="rect">
-            <a:avLst/>
-          </a:prstGeom>
-        </p:spPr>
-      </p:pic>
-      <p:pic>
-        <p:nvPicPr>
-          <p:cNvPr id="7" name="Picture 6">
-            <a:extLst>
-              <a:ext uri="{FF2B5EF4-FFF2-40B4-BE49-F238E27FC236}">
-                <a16:creationId xmlns:a16="http://schemas.microsoft.com/office/drawing/2014/main" id="{04B67B7B-2CBD-4036-AECA-959AC9E5E1DD}"/>
-              </a:ext>
-            </a:extLst>
-          </p:cNvPr>
-          <p:cNvPicPr>
-            <a:picLocks noChangeAspect="1"/>
-          </p:cNvPicPr>
-          <p:nvPr/>
-        </p:nvPicPr>
-        <p:blipFill>
-          <a:blip r:embed="rId4"/>
-          <a:stretch>
-            <a:fillRect/>
-          </a:stretch>
-        </p:blipFill>
-        <p:spPr>
-          <a:xfrm>
-            <a:off x="8091055" y="1750505"/>
-            <a:ext cx="3638647" cy="4609370"/>
-          </a:xfrm>
-          <a:prstGeom prst="rect">
-            <a:avLst/>
-          </a:prstGeom>
-        </p:spPr>
-      </p:pic>
-    </p:spTree>
-    <p:extLst>
-      <p:ext uri="{BB962C8B-B14F-4D97-AF65-F5344CB8AC3E}">
-        <p14:creationId xmlns:p14="http://schemas.microsoft.com/office/powerpoint/2010/main" val="4100427686"/>
-      </p:ext>
-    </p:extLst>
-  </p:cSld>
-  <p:clrMapOvr>
-    <a:masterClrMapping/>
-  </p:clrMapOvr>
-</p:sld>
-</file>
-
-<file path=ppt/slides/slide6.xml><?xml version="1.0" encoding="utf-8"?>
 <p:sld xmlns:a="http://schemas.openxmlformats.org/drawingml/2006/main" xmlns:r="http://schemas.openxmlformats.org/officeDocument/2006/relationships" xmlns:p="http://schemas.openxmlformats.org/presentationml/2006/main">
   <p:cSld>
     <p:spTree>

--- a/PowerPoint/ARTS-Lab_UofSC_slide_template.pptx
+++ b/PowerPoint/ARTS-Lab_UofSC_slide_template.pptx
@@ -6,15 +6,18 @@
     <p:sldMasterId id="2147483674" r:id="rId2"/>
   </p:sldMasterIdLst>
   <p:notesMasterIdLst>
-    <p:notesMasterId r:id="rId6"/>
+    <p:notesMasterId r:id="rId9"/>
   </p:notesMasterIdLst>
   <p:handoutMasterIdLst>
-    <p:handoutMasterId r:id="rId7"/>
+    <p:handoutMasterId r:id="rId10"/>
   </p:handoutMasterIdLst>
   <p:sldIdLst>
     <p:sldId id="293" r:id="rId3"/>
     <p:sldId id="271" r:id="rId4"/>
-    <p:sldId id="284" r:id="rId5"/>
+    <p:sldId id="288" r:id="rId5"/>
+    <p:sldId id="292" r:id="rId6"/>
+    <p:sldId id="294" r:id="rId7"/>
+    <p:sldId id="284" r:id="rId8"/>
   </p:sldIdLst>
   <p:sldSz cx="12192000" cy="6858000"/>
   <p:notesSz cx="7772400" cy="10058400"/>
@@ -928,7 +931,7 @@
 
 <file path=ppt/slideLayouts/slideLayout1.xml><?xml version="1.0" encoding="utf-8"?>
 <p:sldLayout xmlns:a="http://schemas.openxmlformats.org/drawingml/2006/main" xmlns:r="http://schemas.openxmlformats.org/officeDocument/2006/relationships" xmlns:p="http://schemas.openxmlformats.org/presentationml/2006/main" userDrawn="1">
-  <p:cSld name="Blank Slide">
+  <p:cSld name="Blank Slide White">
     <p:spTree>
       <p:nvGrpSpPr>
         <p:cNvPr id="1" name=""/>
@@ -1162,406 +1165,7 @@
 
 <file path=ppt/slideLayouts/slideLayout2.xml><?xml version="1.0" encoding="utf-8"?>
 <p:sldLayout xmlns:a="http://schemas.openxmlformats.org/drawingml/2006/main" xmlns:r="http://schemas.openxmlformats.org/officeDocument/2006/relationships" xmlns:p="http://schemas.openxmlformats.org/presentationml/2006/main" preserve="1" userDrawn="1">
-  <p:cSld name="1_Blank Slide">
-    <p:spTree>
-      <p:nvGrpSpPr>
-        <p:cNvPr id="1" name=""/>
-        <p:cNvGrpSpPr/>
-        <p:nvPr/>
-      </p:nvGrpSpPr>
-      <p:grpSpPr>
-        <a:xfrm>
-          <a:off x="0" y="0"/>
-          <a:ext cx="0" cy="0"/>
-          <a:chOff x="0" y="0"/>
-          <a:chExt cx="0" cy="0"/>
-        </a:xfrm>
-      </p:grpSpPr>
-      <p:sp>
-        <p:nvSpPr>
-          <p:cNvPr id="2" name="PlaceHolder 1">
-            <a:extLst>
-              <a:ext uri="{FF2B5EF4-FFF2-40B4-BE49-F238E27FC236}">
-                <a16:creationId xmlns:a16="http://schemas.microsoft.com/office/drawing/2014/main" id="{3B810671-1097-4C07-9107-0E4DA6395EAF}"/>
-              </a:ext>
-            </a:extLst>
-          </p:cNvPr>
-          <p:cNvSpPr>
-            <a:spLocks noGrp="1"/>
-          </p:cNvSpPr>
-          <p:nvPr>
-            <p:ph type="title"/>
-          </p:nvPr>
-        </p:nvSpPr>
-        <p:spPr>
-          <a:xfrm>
-            <a:off x="609780" y="346172"/>
-            <a:ext cx="10972440" cy="1144800"/>
-          </a:xfrm>
-          <a:prstGeom prst="rect">
-            <a:avLst/>
-          </a:prstGeom>
-        </p:spPr>
-        <p:txBody>
-          <a:bodyPr lIns="0" tIns="0" rIns="0" bIns="0" anchor="ctr"/>
-          <a:lstStyle/>
-          <a:p>
-            <a:pPr algn="ctr"/>
-            <a:r>
-              <a:rPr lang="en-US" sz="4400" b="0" strike="noStrike" spc="-1" dirty="0">
-                <a:latin typeface="Arial"/>
-              </a:rPr>
-              <a:t>Click to edit the title text format</a:t>
-            </a:r>
-          </a:p>
-        </p:txBody>
-      </p:sp>
-      <p:sp>
-        <p:nvSpPr>
-          <p:cNvPr id="3" name="PlaceHolder 2">
-            <a:extLst>
-              <a:ext uri="{FF2B5EF4-FFF2-40B4-BE49-F238E27FC236}">
-                <a16:creationId xmlns:a16="http://schemas.microsoft.com/office/drawing/2014/main" id="{C02CB330-1EB7-4C3F-9A9F-235CFE68BDE3}"/>
-              </a:ext>
-            </a:extLst>
-          </p:cNvPr>
-          <p:cNvSpPr>
-            <a:spLocks noGrp="1"/>
-          </p:cNvSpPr>
-          <p:nvPr>
-            <p:ph idx="10"/>
-          </p:nvPr>
-        </p:nvSpPr>
-        <p:spPr>
-          <a:xfrm>
-            <a:off x="609780" y="1677092"/>
-            <a:ext cx="5123363" cy="3977280"/>
-          </a:xfrm>
-          <a:prstGeom prst="rect">
-            <a:avLst/>
-          </a:prstGeom>
-        </p:spPr>
-        <p:txBody>
-          <a:bodyPr lIns="0" tIns="0" rIns="0" bIns="0">
-            <a:normAutofit/>
-          </a:bodyPr>
-          <a:lstStyle/>
-          <a:p>
-            <a:pPr marL="432000" indent="-324000">
-              <a:spcBef>
-                <a:spcPts val="1417"/>
-              </a:spcBef>
-              <a:buClr>
-                <a:srgbClr val="000000"/>
-              </a:buClr>
-              <a:buSzPct val="45000"/>
-              <a:buFont typeface="Wingdings" charset="2"/>
-              <a:buChar char=""/>
-            </a:pPr>
-            <a:r>
-              <a:rPr lang="en-US" sz="3200" b="0" strike="noStrike" spc="-1" dirty="0">
-                <a:latin typeface="Arial"/>
-              </a:rPr>
-              <a:t>Click to edit the outline text format</a:t>
-            </a:r>
-          </a:p>
-          <a:p>
-            <a:pPr marL="864000" lvl="1" indent="-324000">
-              <a:spcBef>
-                <a:spcPts val="1134"/>
-              </a:spcBef>
-              <a:buClr>
-                <a:srgbClr val="000000"/>
-              </a:buClr>
-              <a:buSzPct val="75000"/>
-              <a:buFont typeface="Symbol" charset="2"/>
-              <a:buChar char=""/>
-            </a:pPr>
-            <a:r>
-              <a:rPr lang="en-US" sz="2800" b="0" strike="noStrike" spc="-1" dirty="0">
-                <a:latin typeface="Arial"/>
-              </a:rPr>
-              <a:t>Second Outline Level</a:t>
-            </a:r>
-          </a:p>
-          <a:p>
-            <a:pPr marL="1296000" lvl="2" indent="-288000">
-              <a:spcBef>
-                <a:spcPts val="850"/>
-              </a:spcBef>
-              <a:buClr>
-                <a:srgbClr val="000000"/>
-              </a:buClr>
-              <a:buSzPct val="45000"/>
-              <a:buFont typeface="Wingdings" charset="2"/>
-              <a:buChar char=""/>
-            </a:pPr>
-            <a:r>
-              <a:rPr lang="en-US" sz="2400" b="0" strike="noStrike" spc="-1" dirty="0">
-                <a:latin typeface="Arial"/>
-              </a:rPr>
-              <a:t>Third Outline Level</a:t>
-            </a:r>
-          </a:p>
-          <a:p>
-            <a:pPr marL="1728000" lvl="3" indent="-216000">
-              <a:spcBef>
-                <a:spcPts val="567"/>
-              </a:spcBef>
-              <a:buClr>
-                <a:srgbClr val="000000"/>
-              </a:buClr>
-              <a:buSzPct val="75000"/>
-              <a:buFont typeface="Symbol" charset="2"/>
-              <a:buChar char=""/>
-            </a:pPr>
-            <a:r>
-              <a:rPr lang="en-US" sz="2000" b="0" strike="noStrike" spc="-1" dirty="0">
-                <a:latin typeface="Arial"/>
-              </a:rPr>
-              <a:t>Fourth Outline Level</a:t>
-            </a:r>
-          </a:p>
-          <a:p>
-            <a:pPr marL="2160000" lvl="4" indent="-216000">
-              <a:spcBef>
-                <a:spcPts val="283"/>
-              </a:spcBef>
-              <a:buClr>
-                <a:srgbClr val="000000"/>
-              </a:buClr>
-              <a:buSzPct val="45000"/>
-              <a:buFont typeface="Wingdings" charset="2"/>
-              <a:buChar char=""/>
-            </a:pPr>
-            <a:r>
-              <a:rPr lang="en-US" sz="2000" b="0" strike="noStrike" spc="-1" dirty="0">
-                <a:latin typeface="Arial"/>
-              </a:rPr>
-              <a:t>Fifth Outline Level</a:t>
-            </a:r>
-          </a:p>
-          <a:p>
-            <a:pPr marL="2592000" lvl="5" indent="-216000">
-              <a:spcBef>
-                <a:spcPts val="283"/>
-              </a:spcBef>
-              <a:buClr>
-                <a:srgbClr val="000000"/>
-              </a:buClr>
-              <a:buSzPct val="45000"/>
-              <a:buFont typeface="Wingdings" charset="2"/>
-              <a:buChar char=""/>
-            </a:pPr>
-            <a:r>
-              <a:rPr lang="en-US" sz="2000" b="0" strike="noStrike" spc="-1" dirty="0">
-                <a:latin typeface="Arial"/>
-              </a:rPr>
-              <a:t>Sixth Outline Level</a:t>
-            </a:r>
-          </a:p>
-          <a:p>
-            <a:pPr marL="3024000" lvl="6" indent="-216000">
-              <a:spcBef>
-                <a:spcPts val="283"/>
-              </a:spcBef>
-              <a:buClr>
-                <a:srgbClr val="000000"/>
-              </a:buClr>
-              <a:buSzPct val="45000"/>
-              <a:buFont typeface="Wingdings" charset="2"/>
-              <a:buChar char=""/>
-            </a:pPr>
-            <a:r>
-              <a:rPr lang="en-US" sz="2000" b="0" strike="noStrike" spc="-1" dirty="0">
-                <a:latin typeface="Arial"/>
-              </a:rPr>
-              <a:t>Seventh Outline Level</a:t>
-            </a:r>
-          </a:p>
-        </p:txBody>
-      </p:sp>
-      <p:sp>
-        <p:nvSpPr>
-          <p:cNvPr id="4" name="PlaceHolder 2">
-            <a:extLst>
-              <a:ext uri="{FF2B5EF4-FFF2-40B4-BE49-F238E27FC236}">
-                <a16:creationId xmlns:a16="http://schemas.microsoft.com/office/drawing/2014/main" id="{5921B1FE-DD38-41BC-B944-920AAF27744D}"/>
-              </a:ext>
-            </a:extLst>
-          </p:cNvPr>
-          <p:cNvSpPr>
-            <a:spLocks noGrp="1"/>
-          </p:cNvSpPr>
-          <p:nvPr>
-            <p:ph idx="11"/>
-          </p:nvPr>
-        </p:nvSpPr>
-        <p:spPr>
-          <a:xfrm>
-            <a:off x="6096000" y="1677092"/>
-            <a:ext cx="5123363" cy="3977280"/>
-          </a:xfrm>
-          <a:prstGeom prst="rect">
-            <a:avLst/>
-          </a:prstGeom>
-        </p:spPr>
-        <p:txBody>
-          <a:bodyPr lIns="0" tIns="0" rIns="0" bIns="0">
-            <a:normAutofit/>
-          </a:bodyPr>
-          <a:lstStyle/>
-          <a:p>
-            <a:pPr marL="432000" indent="-324000">
-              <a:spcBef>
-                <a:spcPts val="1417"/>
-              </a:spcBef>
-              <a:buClr>
-                <a:srgbClr val="000000"/>
-              </a:buClr>
-              <a:buSzPct val="45000"/>
-              <a:buFont typeface="Wingdings" charset="2"/>
-              <a:buChar char=""/>
-            </a:pPr>
-            <a:r>
-              <a:rPr lang="en-US" sz="3200" b="0" strike="noStrike" spc="-1" dirty="0">
-                <a:latin typeface="Arial"/>
-              </a:rPr>
-              <a:t>Click to edit the outline text format</a:t>
-            </a:r>
-          </a:p>
-          <a:p>
-            <a:pPr marL="864000" lvl="1" indent="-324000">
-              <a:spcBef>
-                <a:spcPts val="1134"/>
-              </a:spcBef>
-              <a:buClr>
-                <a:srgbClr val="000000"/>
-              </a:buClr>
-              <a:buSzPct val="75000"/>
-              <a:buFont typeface="Symbol" charset="2"/>
-              <a:buChar char=""/>
-            </a:pPr>
-            <a:r>
-              <a:rPr lang="en-US" sz="2800" b="0" strike="noStrike" spc="-1" dirty="0">
-                <a:latin typeface="Arial"/>
-              </a:rPr>
-              <a:t>Second Outline Level</a:t>
-            </a:r>
-          </a:p>
-          <a:p>
-            <a:pPr marL="1296000" lvl="2" indent="-288000">
-              <a:spcBef>
-                <a:spcPts val="850"/>
-              </a:spcBef>
-              <a:buClr>
-                <a:srgbClr val="000000"/>
-              </a:buClr>
-              <a:buSzPct val="45000"/>
-              <a:buFont typeface="Wingdings" charset="2"/>
-              <a:buChar char=""/>
-            </a:pPr>
-            <a:r>
-              <a:rPr lang="en-US" sz="2400" b="0" strike="noStrike" spc="-1" dirty="0">
-                <a:latin typeface="Arial"/>
-              </a:rPr>
-              <a:t>Third Outline Level</a:t>
-            </a:r>
-          </a:p>
-          <a:p>
-            <a:pPr marL="1728000" lvl="3" indent="-216000">
-              <a:spcBef>
-                <a:spcPts val="567"/>
-              </a:spcBef>
-              <a:buClr>
-                <a:srgbClr val="000000"/>
-              </a:buClr>
-              <a:buSzPct val="75000"/>
-              <a:buFont typeface="Symbol" charset="2"/>
-              <a:buChar char=""/>
-            </a:pPr>
-            <a:r>
-              <a:rPr lang="en-US" sz="2000" b="0" strike="noStrike" spc="-1" dirty="0">
-                <a:latin typeface="Arial"/>
-              </a:rPr>
-              <a:t>Fourth Outline Level</a:t>
-            </a:r>
-          </a:p>
-          <a:p>
-            <a:pPr marL="2160000" lvl="4" indent="-216000">
-              <a:spcBef>
-                <a:spcPts val="283"/>
-              </a:spcBef>
-              <a:buClr>
-                <a:srgbClr val="000000"/>
-              </a:buClr>
-              <a:buSzPct val="45000"/>
-              <a:buFont typeface="Wingdings" charset="2"/>
-              <a:buChar char=""/>
-            </a:pPr>
-            <a:r>
-              <a:rPr lang="en-US" sz="2000" b="0" strike="noStrike" spc="-1" dirty="0">
-                <a:latin typeface="Arial"/>
-              </a:rPr>
-              <a:t>Fifth Outline Level</a:t>
-            </a:r>
-          </a:p>
-          <a:p>
-            <a:pPr marL="2592000" lvl="5" indent="-216000">
-              <a:spcBef>
-                <a:spcPts val="283"/>
-              </a:spcBef>
-              <a:buClr>
-                <a:srgbClr val="000000"/>
-              </a:buClr>
-              <a:buSzPct val="45000"/>
-              <a:buFont typeface="Wingdings" charset="2"/>
-              <a:buChar char=""/>
-            </a:pPr>
-            <a:r>
-              <a:rPr lang="en-US" sz="2000" b="0" strike="noStrike" spc="-1" dirty="0">
-                <a:latin typeface="Arial"/>
-              </a:rPr>
-              <a:t>Sixth Outline Level</a:t>
-            </a:r>
-          </a:p>
-          <a:p>
-            <a:pPr marL="3024000" lvl="6" indent="-216000">
-              <a:spcBef>
-                <a:spcPts val="283"/>
-              </a:spcBef>
-              <a:buClr>
-                <a:srgbClr val="000000"/>
-              </a:buClr>
-              <a:buSzPct val="45000"/>
-              <a:buFont typeface="Wingdings" charset="2"/>
-              <a:buChar char=""/>
-            </a:pPr>
-            <a:r>
-              <a:rPr lang="en-US" sz="2000" b="0" strike="noStrike" spc="-1" dirty="0">
-                <a:latin typeface="Arial"/>
-              </a:rPr>
-              <a:t>Seventh Outline Level</a:t>
-            </a:r>
-          </a:p>
-        </p:txBody>
-      </p:sp>
-    </p:spTree>
-    <p:extLst>
-      <p:ext uri="{BB962C8B-B14F-4D97-AF65-F5344CB8AC3E}">
-        <p14:creationId xmlns:p14="http://schemas.microsoft.com/office/powerpoint/2010/main" val="1492042712"/>
-      </p:ext>
-    </p:extLst>
-  </p:cSld>
-  <p:clrMapOvr>
-    <a:masterClrMapping/>
-  </p:clrMapOvr>
-</p:sldLayout>
-</file>
-
-<file path=ppt/slideLayouts/slideLayout3.xml><?xml version="1.0" encoding="utf-8"?>
-<p:sldLayout xmlns:a="http://schemas.openxmlformats.org/drawingml/2006/main" xmlns:r="http://schemas.openxmlformats.org/officeDocument/2006/relationships" xmlns:p="http://schemas.openxmlformats.org/presentationml/2006/main" preserve="1" userDrawn="1">
-  <p:cSld name="Blank Slide">
+  <p:cSld name="Blank Slide Red Title">
     <p:spTree>
       <p:nvGrpSpPr>
         <p:cNvPr id="1" name=""/>
@@ -1604,7 +1208,7 @@
         <p:txBody>
           <a:bodyPr lIns="0" tIns="0" rIns="0" bIns="0" anchor="ctr"/>
           <a:lstStyle>
-            <a:lvl1pPr>
+            <a:lvl1pPr algn="ctr">
               <a:defRPr sz="4800" b="1">
                 <a:solidFill>
                   <a:schemeClr val="bg1"/>
@@ -1631,9 +1235,9 @@
 </p:sldLayout>
 </file>
 
-<file path=ppt/slideLayouts/slideLayout4.xml><?xml version="1.0" encoding="utf-8"?>
+<file path=ppt/slideLayouts/slideLayout3.xml><?xml version="1.0" encoding="utf-8"?>
 <p:sldLayout xmlns:a="http://schemas.openxmlformats.org/drawingml/2006/main" xmlns:r="http://schemas.openxmlformats.org/officeDocument/2006/relationships" xmlns:p="http://schemas.openxmlformats.org/presentationml/2006/main" preserve="1" userDrawn="1">
-  <p:cSld name="Title, Content">
+  <p:cSld name="Blank Slide Red">
     <p:spTree>
       <p:nvGrpSpPr>
         <p:cNvPr id="1" name=""/>
@@ -1929,7 +1533,7 @@
     <p:bg>
       <p:bgPr>
         <a:blipFill rotWithShape="0">
-          <a:blip r:embed="rId4"/>
+          <a:blip r:embed="rId3"/>
           <a:stretch>
             <a:fillRect/>
           </a:stretch>
@@ -1958,7 +1562,7 @@
           <p:nvPr/>
         </p:nvPicPr>
         <p:blipFill>
-          <a:blip r:embed="rId5"/>
+          <a:blip r:embed="rId4"/>
           <a:srcRect l="6752" t="32283" r="7080" b="30331"/>
           <a:stretch/>
         </p:blipFill>
@@ -2307,7 +1911,6 @@
   <p:clrMap bg1="lt1" tx1="dk1" bg2="lt2" tx2="dk2" accent1="accent1" accent2="accent2" accent3="accent3" accent4="accent4" accent5="accent5" accent6="accent6" hlink="hlink" folHlink="folHlink"/>
   <p:sldLayoutIdLst>
     <p:sldLayoutId id="2147483693" r:id="rId1"/>
-    <p:sldLayoutId id="2147483694" r:id="rId2"/>
   </p:sldLayoutIdLst>
   <p:hf hdr="0" ftr="0" dt="0"/>
   <p:txStyles>
@@ -2693,7 +2296,7 @@
           <a:p>
             <a:pPr algn="ctr"/>
             <a:r>
-              <a:rPr lang="en-US" sz="4400" b="0" strike="noStrike" spc="-1">
+              <a:rPr lang="en-US" sz="4400" b="0" strike="noStrike" spc="-1" dirty="0">
                 <a:latin typeface="Arial"/>
               </a:rPr>
               <a:t>Click to edit the title text format</a:t>
@@ -3027,15 +2630,18 @@
       </a:lvl1pPr>
     </p:titleStyle>
     <p:bodyStyle>
-      <a:lvl1pPr marL="228600" indent="-228600" algn="l" defTabSz="914400" rtl="0" eaLnBrk="1" latinLnBrk="0" hangingPunct="1">
+      <a:lvl1pPr marL="108000" indent="0" algn="l" defTabSz="914400" rtl="0" eaLnBrk="1" latinLnBrk="0" hangingPunct="1">
         <a:lnSpc>
           <a:spcPct val="90000"/>
         </a:lnSpc>
         <a:spcBef>
           <a:spcPts val="1000"/>
         </a:spcBef>
-        <a:buFont typeface="Arial" panose="020B0604020202020204" pitchFamily="34" charset="0"/>
-        <a:buChar char="•"/>
+        <a:buClr>
+          <a:schemeClr val="bg1"/>
+        </a:buClr>
+        <a:buFontTx/>
+        <a:buNone/>
         <a:defRPr sz="2400" kern="1200">
           <a:solidFill>
             <a:schemeClr val="bg1"/>
@@ -3045,15 +2651,18 @@
           <a:cs typeface="+mn-cs"/>
         </a:defRPr>
       </a:lvl1pPr>
-      <a:lvl2pPr marL="685800" indent="-228600" algn="l" defTabSz="914400" rtl="0" eaLnBrk="1" latinLnBrk="0" hangingPunct="1">
+      <a:lvl2pPr marL="540000" indent="0" algn="l" defTabSz="914400" rtl="0" eaLnBrk="1" latinLnBrk="0" hangingPunct="1">
         <a:lnSpc>
           <a:spcPct val="90000"/>
         </a:lnSpc>
         <a:spcBef>
           <a:spcPts val="500"/>
         </a:spcBef>
-        <a:buFont typeface="Arial" panose="020B0604020202020204" pitchFamily="34" charset="0"/>
-        <a:buChar char="•"/>
+        <a:buClr>
+          <a:schemeClr val="bg1"/>
+        </a:buClr>
+        <a:buFontTx/>
+        <a:buNone/>
         <a:defRPr sz="2400" kern="1200">
           <a:solidFill>
             <a:schemeClr val="bg1"/>
@@ -3063,15 +2672,18 @@
           <a:cs typeface="+mn-cs"/>
         </a:defRPr>
       </a:lvl2pPr>
-      <a:lvl3pPr marL="1143000" indent="-228600" algn="l" defTabSz="914400" rtl="0" eaLnBrk="1" latinLnBrk="0" hangingPunct="1">
+      <a:lvl3pPr marL="1008000" indent="0" algn="l" defTabSz="914400" rtl="0" eaLnBrk="1" latinLnBrk="0" hangingPunct="1">
         <a:lnSpc>
           <a:spcPct val="90000"/>
         </a:lnSpc>
         <a:spcBef>
           <a:spcPts val="500"/>
         </a:spcBef>
-        <a:buFont typeface="Arial" panose="020B0604020202020204" pitchFamily="34" charset="0"/>
-        <a:buChar char="•"/>
+        <a:buClr>
+          <a:schemeClr val="bg1"/>
+        </a:buClr>
+        <a:buFontTx/>
+        <a:buNone/>
         <a:defRPr sz="2400" kern="1200">
           <a:solidFill>
             <a:schemeClr val="bg1"/>
@@ -3081,15 +2693,18 @@
           <a:cs typeface="+mn-cs"/>
         </a:defRPr>
       </a:lvl3pPr>
-      <a:lvl4pPr marL="1600200" indent="-228600" algn="l" defTabSz="914400" rtl="0" eaLnBrk="1" latinLnBrk="0" hangingPunct="1">
+      <a:lvl4pPr marL="1512000" indent="0" algn="l" defTabSz="914400" rtl="0" eaLnBrk="1" latinLnBrk="0" hangingPunct="1">
         <a:lnSpc>
           <a:spcPct val="90000"/>
         </a:lnSpc>
         <a:spcBef>
           <a:spcPts val="500"/>
         </a:spcBef>
-        <a:buFont typeface="Arial" panose="020B0604020202020204" pitchFamily="34" charset="0"/>
-        <a:buChar char="•"/>
+        <a:buClr>
+          <a:schemeClr val="bg1"/>
+        </a:buClr>
+        <a:buFontTx/>
+        <a:buNone/>
         <a:defRPr sz="2400" kern="1200">
           <a:solidFill>
             <a:schemeClr val="bg1"/>
@@ -3099,15 +2714,18 @@
           <a:cs typeface="+mn-cs"/>
         </a:defRPr>
       </a:lvl4pPr>
-      <a:lvl5pPr marL="2057400" indent="-228600" algn="l" defTabSz="914400" rtl="0" eaLnBrk="1" latinLnBrk="0" hangingPunct="1">
+      <a:lvl5pPr marL="1944000" indent="0" algn="l" defTabSz="914400" rtl="0" eaLnBrk="1" latinLnBrk="0" hangingPunct="1">
         <a:lnSpc>
           <a:spcPct val="90000"/>
         </a:lnSpc>
         <a:spcBef>
           <a:spcPts val="500"/>
         </a:spcBef>
-        <a:buFont typeface="Arial" panose="020B0604020202020204" pitchFamily="34" charset="0"/>
-        <a:buChar char="•"/>
+        <a:buClr>
+          <a:schemeClr val="bg1"/>
+        </a:buClr>
+        <a:buFontTx/>
+        <a:buNone/>
         <a:defRPr sz="2400" kern="1200">
           <a:solidFill>
             <a:schemeClr val="bg1"/>
@@ -3117,15 +2735,18 @@
           <a:cs typeface="+mn-cs"/>
         </a:defRPr>
       </a:lvl5pPr>
-      <a:lvl6pPr marL="2514600" indent="-228600" algn="l" defTabSz="914400" rtl="0" eaLnBrk="1" latinLnBrk="0" hangingPunct="1">
+      <a:lvl6pPr marL="2376000" indent="0" algn="l" defTabSz="914400" rtl="0" eaLnBrk="1" latinLnBrk="0" hangingPunct="1">
         <a:lnSpc>
           <a:spcPct val="90000"/>
         </a:lnSpc>
         <a:spcBef>
           <a:spcPts val="500"/>
         </a:spcBef>
-        <a:buFont typeface="Arial" panose="020B0604020202020204" pitchFamily="34" charset="0"/>
-        <a:buChar char="•"/>
+        <a:buClr>
+          <a:schemeClr val="bg1"/>
+        </a:buClr>
+        <a:buFontTx/>
+        <a:buNone/>
         <a:defRPr sz="2400" kern="1200">
           <a:solidFill>
             <a:schemeClr val="bg1"/>
@@ -3135,15 +2756,18 @@
           <a:cs typeface="+mn-cs"/>
         </a:defRPr>
       </a:lvl6pPr>
-      <a:lvl7pPr marL="2971800" indent="-228600" algn="l" defTabSz="914400" rtl="0" eaLnBrk="1" latinLnBrk="0" hangingPunct="1">
+      <a:lvl7pPr marL="2808000" indent="0" algn="l" defTabSz="914400" rtl="0" eaLnBrk="1" latinLnBrk="0" hangingPunct="1">
         <a:lnSpc>
           <a:spcPct val="90000"/>
         </a:lnSpc>
         <a:spcBef>
           <a:spcPts val="500"/>
         </a:spcBef>
-        <a:buFont typeface="Arial" panose="020B0604020202020204" pitchFamily="34" charset="0"/>
-        <a:buChar char="•"/>
+        <a:buClr>
+          <a:schemeClr val="bg1"/>
+        </a:buClr>
+        <a:buFontTx/>
+        <a:buNone/>
         <a:defRPr sz="2400" kern="1200">
           <a:solidFill>
             <a:schemeClr val="bg1"/>
@@ -3473,6 +3097,28 @@
               <a:t>Slide Template for the Arts-lab</a:t>
             </a:r>
           </a:p>
+          <a:p>
+            <a:pPr algn="ctr">
+              <a:lnSpc>
+                <a:spcPct val="90000"/>
+              </a:lnSpc>
+              <a:spcAft>
+                <a:spcPts val="600"/>
+              </a:spcAft>
+            </a:pPr>
+            <a:r>
+              <a:rPr lang="en-US" sz="2000" b="1" spc="-1" dirty="0">
+                <a:solidFill>
+                  <a:srgbClr val="000000"/>
+                </a:solidFill>
+                <a:latin typeface="+mj-lt"/>
+              </a:rPr>
+              <a:t>Subtitles can be helpful</a:t>
+            </a:r>
+            <a:endParaRPr lang="en-US" sz="1200" b="0" strike="noStrike" spc="-1" dirty="0">
+              <a:latin typeface="+mj-lt"/>
+            </a:endParaRPr>
+          </a:p>
         </p:txBody>
       </p:sp>
       <p:sp>
@@ -3590,6 +3236,55 @@
               <a:latin typeface="+mj-lt"/>
               <a:ea typeface="Arial"/>
             </a:endParaRPr>
+          </a:p>
+        </p:txBody>
+      </p:sp>
+      <p:sp>
+        <p:nvSpPr>
+          <p:cNvPr id="16" name="TextBox 15">
+            <a:extLst>
+              <a:ext uri="{FF2B5EF4-FFF2-40B4-BE49-F238E27FC236}">
+                <a16:creationId xmlns:a16="http://schemas.microsoft.com/office/drawing/2014/main" id="{3A89B833-E4F9-4C4F-AF6F-247BA76F3EAB}"/>
+              </a:ext>
+            </a:extLst>
+          </p:cNvPr>
+          <p:cNvSpPr txBox="1"/>
+          <p:nvPr/>
+        </p:nvSpPr>
+        <p:spPr>
+          <a:xfrm>
+            <a:off x="7721416" y="4711437"/>
+            <a:ext cx="4156364" cy="646331"/>
+          </a:xfrm>
+          <a:prstGeom prst="rect">
+            <a:avLst/>
+          </a:prstGeom>
+          <a:noFill/>
+        </p:spPr>
+        <p:txBody>
+          <a:bodyPr wrap="square" rtlCol="0">
+            <a:spAutoFit/>
+          </a:bodyPr>
+          <a:lstStyle/>
+          <a:p>
+            <a:r>
+              <a:rPr lang="en-US" sz="1200" b="1" dirty="0">
+                <a:solidFill>
+                  <a:srgbClr val="000000"/>
+                </a:solidFill>
+                <a:ea typeface="Arial"/>
+              </a:rPr>
+              <a:t>Note:</a:t>
+            </a:r>
+            <a:r>
+              <a:rPr lang="en-US" sz="1200" dirty="0">
+                <a:solidFill>
+                  <a:srgbClr val="000000"/>
+                </a:solidFill>
+                <a:ea typeface="Arial"/>
+              </a:rPr>
+              <a:t> This slide format is not in the slide master, rather it is a modified version of the basic slides with a white box in the bottom left to cover the UofSC logo.</a:t>
+            </a:r>
           </a:p>
         </p:txBody>
       </p:sp>
@@ -4077,6 +3772,1671 @@
       </p:grpSpPr>
       <p:sp>
         <p:nvSpPr>
+          <p:cNvPr id="2" name="Title 1">
+            <a:extLst>
+              <a:ext uri="{FF2B5EF4-FFF2-40B4-BE49-F238E27FC236}">
+                <a16:creationId xmlns:a16="http://schemas.microsoft.com/office/drawing/2014/main" id="{92D64792-864D-4F19-A38F-9E959A9D3592}"/>
+              </a:ext>
+            </a:extLst>
+          </p:cNvPr>
+          <p:cNvSpPr>
+            <a:spLocks noGrp="1"/>
+          </p:cNvSpPr>
+          <p:nvPr>
+            <p:ph type="title"/>
+          </p:nvPr>
+        </p:nvSpPr>
+        <p:spPr>
+          <a:xfrm>
+            <a:off x="609480" y="2448360"/>
+            <a:ext cx="10972440" cy="1144800"/>
+          </a:xfrm>
+        </p:spPr>
+        <p:txBody>
+          <a:bodyPr/>
+          <a:lstStyle/>
+          <a:p>
+            <a:pPr algn="ctr"/>
+            <a:r>
+              <a:rPr lang="en-US" dirty="0"/>
+              <a:t>Progress Bars with Macros</a:t>
+            </a:r>
+          </a:p>
+        </p:txBody>
+      </p:sp>
+      <p:sp>
+        <p:nvSpPr>
+          <p:cNvPr id="5" name="TextBox 4">
+            <a:extLst>
+              <a:ext uri="{FF2B5EF4-FFF2-40B4-BE49-F238E27FC236}">
+                <a16:creationId xmlns:a16="http://schemas.microsoft.com/office/drawing/2014/main" id="{5B75F26D-292D-4039-924A-CEF0258175F2}"/>
+              </a:ext>
+            </a:extLst>
+          </p:cNvPr>
+          <p:cNvSpPr txBox="1"/>
+          <p:nvPr/>
+        </p:nvSpPr>
+        <p:spPr>
+          <a:xfrm>
+            <a:off x="7732297" y="4515985"/>
+            <a:ext cx="4156364" cy="923330"/>
+          </a:xfrm>
+          <a:prstGeom prst="rect">
+            <a:avLst/>
+          </a:prstGeom>
+          <a:noFill/>
+        </p:spPr>
+        <p:txBody>
+          <a:bodyPr wrap="square" rtlCol="0">
+            <a:spAutoFit/>
+          </a:bodyPr>
+          <a:lstStyle/>
+          <a:p>
+            <a:r>
+              <a:rPr lang="en-US" sz="1200" b="1" spc="259" dirty="0">
+                <a:solidFill>
+                  <a:schemeClr val="bg1"/>
+                </a:solidFill>
+                <a:latin typeface="+mj-lt"/>
+                <a:ea typeface="Arial"/>
+              </a:rPr>
+              <a:t>Note:</a:t>
+            </a:r>
+            <a:r>
+              <a:rPr lang="en-US" sz="1200" spc="259" dirty="0">
+                <a:solidFill>
+                  <a:schemeClr val="bg1"/>
+                </a:solidFill>
+                <a:latin typeface="+mj-lt"/>
+                <a:ea typeface="Arial"/>
+              </a:rPr>
+              <a:t> You can use red slides for section breaks, does not work well with the snake macro</a:t>
+            </a:r>
+          </a:p>
+          <a:p>
+            <a:endParaRPr lang="en-US" dirty="0"/>
+          </a:p>
+        </p:txBody>
+      </p:sp>
+    </p:spTree>
+    <p:extLst>
+      <p:ext uri="{BB962C8B-B14F-4D97-AF65-F5344CB8AC3E}">
+        <p14:creationId xmlns:p14="http://schemas.microsoft.com/office/powerpoint/2010/main" val="4183398439"/>
+      </p:ext>
+    </p:extLst>
+  </p:cSld>
+  <p:clrMapOvr>
+    <a:masterClrMapping/>
+  </p:clrMapOvr>
+</p:sld>
+</file>
+
+<file path=ppt/slides/slide4.xml><?xml version="1.0" encoding="utf-8"?>
+<p:sld xmlns:a="http://schemas.openxmlformats.org/drawingml/2006/main" xmlns:r="http://schemas.openxmlformats.org/officeDocument/2006/relationships" xmlns:p="http://schemas.openxmlformats.org/presentationml/2006/main">
+  <p:cSld>
+    <p:spTree>
+      <p:nvGrpSpPr>
+        <p:cNvPr id="1" name=""/>
+        <p:cNvGrpSpPr/>
+        <p:nvPr/>
+      </p:nvGrpSpPr>
+      <p:grpSpPr>
+        <a:xfrm>
+          <a:off x="0" y="0"/>
+          <a:ext cx="0" cy="0"/>
+          <a:chOff x="0" y="0"/>
+          <a:chExt cx="0" cy="0"/>
+        </a:xfrm>
+      </p:grpSpPr>
+      <p:sp>
+        <p:nvSpPr>
+          <p:cNvPr id="3" name="Title 1">
+            <a:extLst>
+              <a:ext uri="{FF2B5EF4-FFF2-40B4-BE49-F238E27FC236}">
+                <a16:creationId xmlns:a16="http://schemas.microsoft.com/office/drawing/2014/main" id="{2260366C-9CC9-4815-B6A0-B9386B0FC8C7}"/>
+              </a:ext>
+            </a:extLst>
+          </p:cNvPr>
+          <p:cNvSpPr txBox="1">
+            <a:spLocks/>
+          </p:cNvSpPr>
+          <p:nvPr/>
+        </p:nvSpPr>
+        <p:spPr>
+          <a:xfrm>
+            <a:off x="536189" y="567444"/>
+            <a:ext cx="10972440" cy="1144800"/>
+          </a:xfrm>
+          <a:prstGeom prst="rect">
+            <a:avLst/>
+          </a:prstGeom>
+        </p:spPr>
+        <p:txBody>
+          <a:bodyPr/>
+          <a:lstStyle>
+            <a:lvl1pPr algn="l" defTabSz="914400" rtl="0" eaLnBrk="1" latinLnBrk="0" hangingPunct="1">
+              <a:lnSpc>
+                <a:spcPct val="90000"/>
+              </a:lnSpc>
+              <a:spcBef>
+                <a:spcPct val="0"/>
+              </a:spcBef>
+              <a:buNone/>
+              <a:defRPr sz="4800" kern="1200">
+                <a:solidFill>
+                  <a:schemeClr val="tx1"/>
+                </a:solidFill>
+                <a:latin typeface="+mj-lt"/>
+                <a:ea typeface="+mj-ea"/>
+                <a:cs typeface="+mj-cs"/>
+              </a:defRPr>
+            </a:lvl1pPr>
+          </a:lstStyle>
+          <a:p>
+            <a:r>
+              <a:rPr lang="en-US" sz="3000" dirty="0"/>
+              <a:t>Custom Macros to make progress bars</a:t>
+            </a:r>
+          </a:p>
+        </p:txBody>
+      </p:sp>
+      <p:sp>
+        <p:nvSpPr>
+          <p:cNvPr id="4" name="Text Placeholder 2">
+            <a:extLst>
+              <a:ext uri="{FF2B5EF4-FFF2-40B4-BE49-F238E27FC236}">
+                <a16:creationId xmlns:a16="http://schemas.microsoft.com/office/drawing/2014/main" id="{3B9600C4-DAE1-425A-9DAE-DB1914B17067}"/>
+              </a:ext>
+            </a:extLst>
+          </p:cNvPr>
+          <p:cNvSpPr txBox="1">
+            <a:spLocks/>
+          </p:cNvSpPr>
+          <p:nvPr/>
+        </p:nvSpPr>
+        <p:spPr>
+          <a:xfrm>
+            <a:off x="683371" y="1089537"/>
+            <a:ext cx="10972440" cy="594167"/>
+          </a:xfrm>
+          <a:prstGeom prst="rect">
+            <a:avLst/>
+          </a:prstGeom>
+        </p:spPr>
+        <p:txBody>
+          <a:bodyPr>
+            <a:normAutofit/>
+          </a:bodyPr>
+          <a:lstStyle>
+            <a:lvl1pPr marL="228600" indent="-228600" algn="l" defTabSz="914400" rtl="0" eaLnBrk="1" latinLnBrk="0" hangingPunct="1">
+              <a:lnSpc>
+                <a:spcPct val="90000"/>
+              </a:lnSpc>
+              <a:spcBef>
+                <a:spcPts val="1000"/>
+              </a:spcBef>
+              <a:buFont typeface="Arial" panose="020B0604020202020204" pitchFamily="34" charset="0"/>
+              <a:buChar char="•"/>
+              <a:defRPr sz="2800" kern="1200">
+                <a:solidFill>
+                  <a:schemeClr val="tx1"/>
+                </a:solidFill>
+                <a:latin typeface="+mn-lt"/>
+                <a:ea typeface="+mn-ea"/>
+                <a:cs typeface="+mn-cs"/>
+              </a:defRPr>
+            </a:lvl1pPr>
+            <a:lvl2pPr marL="685800" indent="-228600" algn="l" defTabSz="914400" rtl="0" eaLnBrk="1" latinLnBrk="0" hangingPunct="1">
+              <a:lnSpc>
+                <a:spcPct val="90000"/>
+              </a:lnSpc>
+              <a:spcBef>
+                <a:spcPts val="500"/>
+              </a:spcBef>
+              <a:buFont typeface="Arial" panose="020B0604020202020204" pitchFamily="34" charset="0"/>
+              <a:buChar char="•"/>
+              <a:defRPr sz="2400" kern="1200">
+                <a:solidFill>
+                  <a:schemeClr val="tx1"/>
+                </a:solidFill>
+                <a:latin typeface="+mn-lt"/>
+                <a:ea typeface="+mn-ea"/>
+                <a:cs typeface="+mn-cs"/>
+              </a:defRPr>
+            </a:lvl2pPr>
+            <a:lvl3pPr marL="1143000" indent="-228600" algn="l" defTabSz="914400" rtl="0" eaLnBrk="1" latinLnBrk="0" hangingPunct="1">
+              <a:lnSpc>
+                <a:spcPct val="90000"/>
+              </a:lnSpc>
+              <a:spcBef>
+                <a:spcPts val="500"/>
+              </a:spcBef>
+              <a:buFont typeface="Arial" panose="020B0604020202020204" pitchFamily="34" charset="0"/>
+              <a:buChar char="•"/>
+              <a:defRPr sz="2000" kern="1200">
+                <a:solidFill>
+                  <a:schemeClr val="tx1"/>
+                </a:solidFill>
+                <a:latin typeface="+mn-lt"/>
+                <a:ea typeface="+mn-ea"/>
+                <a:cs typeface="+mn-cs"/>
+              </a:defRPr>
+            </a:lvl3pPr>
+            <a:lvl4pPr marL="1600200" indent="-228600" algn="l" defTabSz="914400" rtl="0" eaLnBrk="1" latinLnBrk="0" hangingPunct="1">
+              <a:lnSpc>
+                <a:spcPct val="90000"/>
+              </a:lnSpc>
+              <a:spcBef>
+                <a:spcPts val="500"/>
+              </a:spcBef>
+              <a:buFont typeface="Arial" panose="020B0604020202020204" pitchFamily="34" charset="0"/>
+              <a:buChar char="•"/>
+              <a:defRPr sz="1800" kern="1200">
+                <a:solidFill>
+                  <a:schemeClr val="tx1"/>
+                </a:solidFill>
+                <a:latin typeface="+mn-lt"/>
+                <a:ea typeface="+mn-ea"/>
+                <a:cs typeface="+mn-cs"/>
+              </a:defRPr>
+            </a:lvl4pPr>
+            <a:lvl5pPr marL="2057400" indent="-228600" algn="l" defTabSz="914400" rtl="0" eaLnBrk="1" latinLnBrk="0" hangingPunct="1">
+              <a:lnSpc>
+                <a:spcPct val="90000"/>
+              </a:lnSpc>
+              <a:spcBef>
+                <a:spcPts val="500"/>
+              </a:spcBef>
+              <a:buFont typeface="Arial" panose="020B0604020202020204" pitchFamily="34" charset="0"/>
+              <a:buChar char="•"/>
+              <a:defRPr sz="1800" kern="1200">
+                <a:solidFill>
+                  <a:schemeClr val="tx1"/>
+                </a:solidFill>
+                <a:latin typeface="+mn-lt"/>
+                <a:ea typeface="+mn-ea"/>
+                <a:cs typeface="+mn-cs"/>
+              </a:defRPr>
+            </a:lvl5pPr>
+            <a:lvl6pPr marL="2514600" indent="-228600" algn="l" defTabSz="914400" rtl="0" eaLnBrk="1" latinLnBrk="0" hangingPunct="1">
+              <a:lnSpc>
+                <a:spcPct val="90000"/>
+              </a:lnSpc>
+              <a:spcBef>
+                <a:spcPts val="500"/>
+              </a:spcBef>
+              <a:buFont typeface="Arial" panose="020B0604020202020204" pitchFamily="34" charset="0"/>
+              <a:buChar char="•"/>
+              <a:defRPr sz="1800" kern="1200">
+                <a:solidFill>
+                  <a:schemeClr val="tx1"/>
+                </a:solidFill>
+                <a:latin typeface="+mn-lt"/>
+                <a:ea typeface="+mn-ea"/>
+                <a:cs typeface="+mn-cs"/>
+              </a:defRPr>
+            </a:lvl6pPr>
+            <a:lvl7pPr marL="2971800" indent="-228600" algn="l" defTabSz="914400" rtl="0" eaLnBrk="1" latinLnBrk="0" hangingPunct="1">
+              <a:lnSpc>
+                <a:spcPct val="90000"/>
+              </a:lnSpc>
+              <a:spcBef>
+                <a:spcPts val="500"/>
+              </a:spcBef>
+              <a:buFont typeface="Arial" panose="020B0604020202020204" pitchFamily="34" charset="0"/>
+              <a:buChar char="•"/>
+              <a:defRPr sz="1800" kern="1200">
+                <a:solidFill>
+                  <a:schemeClr val="tx1"/>
+                </a:solidFill>
+                <a:latin typeface="+mn-lt"/>
+                <a:ea typeface="+mn-ea"/>
+                <a:cs typeface="+mn-cs"/>
+              </a:defRPr>
+            </a:lvl7pPr>
+            <a:lvl8pPr marL="3429000" indent="-228600" algn="l" defTabSz="914400" rtl="0" eaLnBrk="1" latinLnBrk="0" hangingPunct="1">
+              <a:lnSpc>
+                <a:spcPct val="90000"/>
+              </a:lnSpc>
+              <a:spcBef>
+                <a:spcPts val="500"/>
+              </a:spcBef>
+              <a:buFont typeface="Arial" panose="020B0604020202020204" pitchFamily="34" charset="0"/>
+              <a:buChar char="•"/>
+              <a:defRPr sz="1800" kern="1200">
+                <a:solidFill>
+                  <a:schemeClr val="tx1"/>
+                </a:solidFill>
+                <a:latin typeface="+mn-lt"/>
+                <a:ea typeface="+mn-ea"/>
+                <a:cs typeface="+mn-cs"/>
+              </a:defRPr>
+            </a:lvl8pPr>
+            <a:lvl9pPr marL="3886200" indent="-228600" algn="l" defTabSz="914400" rtl="0" eaLnBrk="1" latinLnBrk="0" hangingPunct="1">
+              <a:lnSpc>
+                <a:spcPct val="90000"/>
+              </a:lnSpc>
+              <a:spcBef>
+                <a:spcPts val="500"/>
+              </a:spcBef>
+              <a:buFont typeface="Arial" panose="020B0604020202020204" pitchFamily="34" charset="0"/>
+              <a:buChar char="•"/>
+              <a:defRPr sz="1800" kern="1200">
+                <a:solidFill>
+                  <a:schemeClr val="tx1"/>
+                </a:solidFill>
+                <a:latin typeface="+mn-lt"/>
+                <a:ea typeface="+mn-ea"/>
+                <a:cs typeface="+mn-cs"/>
+              </a:defRPr>
+            </a:lvl9pPr>
+          </a:lstStyle>
+          <a:p>
+            <a:r>
+              <a:rPr lang="en-US" sz="1800" dirty="0" err="1"/>
+              <a:t>progressBarSnake</a:t>
+            </a:r>
+            <a:endParaRPr lang="en-US" sz="1800" dirty="0"/>
+          </a:p>
+        </p:txBody>
+      </p:sp>
+      <p:sp>
+        <p:nvSpPr>
+          <p:cNvPr id="8" name="Text Placeholder 2">
+            <a:extLst>
+              <a:ext uri="{FF2B5EF4-FFF2-40B4-BE49-F238E27FC236}">
+                <a16:creationId xmlns:a16="http://schemas.microsoft.com/office/drawing/2014/main" id="{F8E8F07C-6BC2-4145-8547-20704F221674}"/>
+              </a:ext>
+            </a:extLst>
+          </p:cNvPr>
+          <p:cNvSpPr txBox="1">
+            <a:spLocks/>
+          </p:cNvSpPr>
+          <p:nvPr/>
+        </p:nvSpPr>
+        <p:spPr>
+          <a:xfrm>
+            <a:off x="609780" y="3655740"/>
+            <a:ext cx="10972440" cy="594167"/>
+          </a:xfrm>
+          <a:prstGeom prst="rect">
+            <a:avLst/>
+          </a:prstGeom>
+        </p:spPr>
+        <p:txBody>
+          <a:bodyPr>
+            <a:normAutofit/>
+          </a:bodyPr>
+          <a:lstStyle>
+            <a:lvl1pPr marL="228600" indent="-228600" algn="l" defTabSz="914400" rtl="0" eaLnBrk="1" latinLnBrk="0" hangingPunct="1">
+              <a:lnSpc>
+                <a:spcPct val="90000"/>
+              </a:lnSpc>
+              <a:spcBef>
+                <a:spcPts val="1000"/>
+              </a:spcBef>
+              <a:buFont typeface="Arial" panose="020B0604020202020204" pitchFamily="34" charset="0"/>
+              <a:buChar char="•"/>
+              <a:defRPr sz="2800" kern="1200">
+                <a:solidFill>
+                  <a:schemeClr val="tx1"/>
+                </a:solidFill>
+                <a:latin typeface="+mn-lt"/>
+                <a:ea typeface="+mn-ea"/>
+                <a:cs typeface="+mn-cs"/>
+              </a:defRPr>
+            </a:lvl1pPr>
+            <a:lvl2pPr marL="685800" indent="-228600" algn="l" defTabSz="914400" rtl="0" eaLnBrk="1" latinLnBrk="0" hangingPunct="1">
+              <a:lnSpc>
+                <a:spcPct val="90000"/>
+              </a:lnSpc>
+              <a:spcBef>
+                <a:spcPts val="500"/>
+              </a:spcBef>
+              <a:buFont typeface="Arial" panose="020B0604020202020204" pitchFamily="34" charset="0"/>
+              <a:buChar char="•"/>
+              <a:defRPr sz="2400" kern="1200">
+                <a:solidFill>
+                  <a:schemeClr val="tx1"/>
+                </a:solidFill>
+                <a:latin typeface="+mn-lt"/>
+                <a:ea typeface="+mn-ea"/>
+                <a:cs typeface="+mn-cs"/>
+              </a:defRPr>
+            </a:lvl2pPr>
+            <a:lvl3pPr marL="1143000" indent="-228600" algn="l" defTabSz="914400" rtl="0" eaLnBrk="1" latinLnBrk="0" hangingPunct="1">
+              <a:lnSpc>
+                <a:spcPct val="90000"/>
+              </a:lnSpc>
+              <a:spcBef>
+                <a:spcPts val="500"/>
+              </a:spcBef>
+              <a:buFont typeface="Arial" panose="020B0604020202020204" pitchFamily="34" charset="0"/>
+              <a:buChar char="•"/>
+              <a:defRPr sz="2000" kern="1200">
+                <a:solidFill>
+                  <a:schemeClr val="tx1"/>
+                </a:solidFill>
+                <a:latin typeface="+mn-lt"/>
+                <a:ea typeface="+mn-ea"/>
+                <a:cs typeface="+mn-cs"/>
+              </a:defRPr>
+            </a:lvl3pPr>
+            <a:lvl4pPr marL="1600200" indent="-228600" algn="l" defTabSz="914400" rtl="0" eaLnBrk="1" latinLnBrk="0" hangingPunct="1">
+              <a:lnSpc>
+                <a:spcPct val="90000"/>
+              </a:lnSpc>
+              <a:spcBef>
+                <a:spcPts val="500"/>
+              </a:spcBef>
+              <a:buFont typeface="Arial" panose="020B0604020202020204" pitchFamily="34" charset="0"/>
+              <a:buChar char="•"/>
+              <a:defRPr sz="1800" kern="1200">
+                <a:solidFill>
+                  <a:schemeClr val="tx1"/>
+                </a:solidFill>
+                <a:latin typeface="+mn-lt"/>
+                <a:ea typeface="+mn-ea"/>
+                <a:cs typeface="+mn-cs"/>
+              </a:defRPr>
+            </a:lvl4pPr>
+            <a:lvl5pPr marL="2057400" indent="-228600" algn="l" defTabSz="914400" rtl="0" eaLnBrk="1" latinLnBrk="0" hangingPunct="1">
+              <a:lnSpc>
+                <a:spcPct val="90000"/>
+              </a:lnSpc>
+              <a:spcBef>
+                <a:spcPts val="500"/>
+              </a:spcBef>
+              <a:buFont typeface="Arial" panose="020B0604020202020204" pitchFamily="34" charset="0"/>
+              <a:buChar char="•"/>
+              <a:defRPr sz="1800" kern="1200">
+                <a:solidFill>
+                  <a:schemeClr val="tx1"/>
+                </a:solidFill>
+                <a:latin typeface="+mn-lt"/>
+                <a:ea typeface="+mn-ea"/>
+                <a:cs typeface="+mn-cs"/>
+              </a:defRPr>
+            </a:lvl5pPr>
+            <a:lvl6pPr marL="2514600" indent="-228600" algn="l" defTabSz="914400" rtl="0" eaLnBrk="1" latinLnBrk="0" hangingPunct="1">
+              <a:lnSpc>
+                <a:spcPct val="90000"/>
+              </a:lnSpc>
+              <a:spcBef>
+                <a:spcPts val="500"/>
+              </a:spcBef>
+              <a:buFont typeface="Arial" panose="020B0604020202020204" pitchFamily="34" charset="0"/>
+              <a:buChar char="•"/>
+              <a:defRPr sz="1800" kern="1200">
+                <a:solidFill>
+                  <a:schemeClr val="tx1"/>
+                </a:solidFill>
+                <a:latin typeface="+mn-lt"/>
+                <a:ea typeface="+mn-ea"/>
+                <a:cs typeface="+mn-cs"/>
+              </a:defRPr>
+            </a:lvl6pPr>
+            <a:lvl7pPr marL="2971800" indent="-228600" algn="l" defTabSz="914400" rtl="0" eaLnBrk="1" latinLnBrk="0" hangingPunct="1">
+              <a:lnSpc>
+                <a:spcPct val="90000"/>
+              </a:lnSpc>
+              <a:spcBef>
+                <a:spcPts val="500"/>
+              </a:spcBef>
+              <a:buFont typeface="Arial" panose="020B0604020202020204" pitchFamily="34" charset="0"/>
+              <a:buChar char="•"/>
+              <a:defRPr sz="1800" kern="1200">
+                <a:solidFill>
+                  <a:schemeClr val="tx1"/>
+                </a:solidFill>
+                <a:latin typeface="+mn-lt"/>
+                <a:ea typeface="+mn-ea"/>
+                <a:cs typeface="+mn-cs"/>
+              </a:defRPr>
+            </a:lvl7pPr>
+            <a:lvl8pPr marL="3429000" indent="-228600" algn="l" defTabSz="914400" rtl="0" eaLnBrk="1" latinLnBrk="0" hangingPunct="1">
+              <a:lnSpc>
+                <a:spcPct val="90000"/>
+              </a:lnSpc>
+              <a:spcBef>
+                <a:spcPts val="500"/>
+              </a:spcBef>
+              <a:buFont typeface="Arial" panose="020B0604020202020204" pitchFamily="34" charset="0"/>
+              <a:buChar char="•"/>
+              <a:defRPr sz="1800" kern="1200">
+                <a:solidFill>
+                  <a:schemeClr val="tx1"/>
+                </a:solidFill>
+                <a:latin typeface="+mn-lt"/>
+                <a:ea typeface="+mn-ea"/>
+                <a:cs typeface="+mn-cs"/>
+              </a:defRPr>
+            </a:lvl8pPr>
+            <a:lvl9pPr marL="3886200" indent="-228600" algn="l" defTabSz="914400" rtl="0" eaLnBrk="1" latinLnBrk="0" hangingPunct="1">
+              <a:lnSpc>
+                <a:spcPct val="90000"/>
+              </a:lnSpc>
+              <a:spcBef>
+                <a:spcPts val="500"/>
+              </a:spcBef>
+              <a:buFont typeface="Arial" panose="020B0604020202020204" pitchFamily="34" charset="0"/>
+              <a:buChar char="•"/>
+              <a:defRPr sz="1800" kern="1200">
+                <a:solidFill>
+                  <a:schemeClr val="tx1"/>
+                </a:solidFill>
+                <a:latin typeface="+mn-lt"/>
+                <a:ea typeface="+mn-ea"/>
+                <a:cs typeface="+mn-cs"/>
+              </a:defRPr>
+            </a:lvl9pPr>
+          </a:lstStyle>
+          <a:p>
+            <a:r>
+              <a:rPr lang="en-US" sz="1800" dirty="0" err="1"/>
+              <a:t>progressBarBlack</a:t>
+            </a:r>
+            <a:endParaRPr lang="en-US" sz="1800" dirty="0"/>
+          </a:p>
+        </p:txBody>
+      </p:sp>
+      <p:sp>
+        <p:nvSpPr>
+          <p:cNvPr id="9" name="Text Placeholder 2">
+            <a:extLst>
+              <a:ext uri="{FF2B5EF4-FFF2-40B4-BE49-F238E27FC236}">
+                <a16:creationId xmlns:a16="http://schemas.microsoft.com/office/drawing/2014/main" id="{E9DCC0D5-4DCC-4536-AE86-4C393404FA0E}"/>
+              </a:ext>
+            </a:extLst>
+          </p:cNvPr>
+          <p:cNvSpPr txBox="1">
+            <a:spLocks/>
+          </p:cNvSpPr>
+          <p:nvPr/>
+        </p:nvSpPr>
+        <p:spPr>
+          <a:xfrm>
+            <a:off x="6904081" y="1489065"/>
+            <a:ext cx="4678139" cy="716732"/>
+          </a:xfrm>
+          <a:prstGeom prst="rect">
+            <a:avLst/>
+          </a:prstGeom>
+        </p:spPr>
+        <p:txBody>
+          <a:bodyPr>
+            <a:normAutofit/>
+          </a:bodyPr>
+          <a:lstStyle>
+            <a:lvl1pPr marL="228600" indent="-228600" algn="l" defTabSz="914400" rtl="0" eaLnBrk="1" latinLnBrk="0" hangingPunct="1">
+              <a:lnSpc>
+                <a:spcPct val="90000"/>
+              </a:lnSpc>
+              <a:spcBef>
+                <a:spcPts val="1000"/>
+              </a:spcBef>
+              <a:buFont typeface="Arial" panose="020B0604020202020204" pitchFamily="34" charset="0"/>
+              <a:buChar char="•"/>
+              <a:defRPr sz="2800" kern="1200">
+                <a:solidFill>
+                  <a:schemeClr val="tx1"/>
+                </a:solidFill>
+                <a:latin typeface="+mn-lt"/>
+                <a:ea typeface="+mn-ea"/>
+                <a:cs typeface="+mn-cs"/>
+              </a:defRPr>
+            </a:lvl1pPr>
+            <a:lvl2pPr marL="685800" indent="-228600" algn="l" defTabSz="914400" rtl="0" eaLnBrk="1" latinLnBrk="0" hangingPunct="1">
+              <a:lnSpc>
+                <a:spcPct val="90000"/>
+              </a:lnSpc>
+              <a:spcBef>
+                <a:spcPts val="500"/>
+              </a:spcBef>
+              <a:buFont typeface="Arial" panose="020B0604020202020204" pitchFamily="34" charset="0"/>
+              <a:buChar char="•"/>
+              <a:defRPr sz="2400" kern="1200">
+                <a:solidFill>
+                  <a:schemeClr val="tx1"/>
+                </a:solidFill>
+                <a:latin typeface="+mn-lt"/>
+                <a:ea typeface="+mn-ea"/>
+                <a:cs typeface="+mn-cs"/>
+              </a:defRPr>
+            </a:lvl2pPr>
+            <a:lvl3pPr marL="1143000" indent="-228600" algn="l" defTabSz="914400" rtl="0" eaLnBrk="1" latinLnBrk="0" hangingPunct="1">
+              <a:lnSpc>
+                <a:spcPct val="90000"/>
+              </a:lnSpc>
+              <a:spcBef>
+                <a:spcPts val="500"/>
+              </a:spcBef>
+              <a:buFont typeface="Arial" panose="020B0604020202020204" pitchFamily="34" charset="0"/>
+              <a:buChar char="•"/>
+              <a:defRPr sz="2000" kern="1200">
+                <a:solidFill>
+                  <a:schemeClr val="tx1"/>
+                </a:solidFill>
+                <a:latin typeface="+mn-lt"/>
+                <a:ea typeface="+mn-ea"/>
+                <a:cs typeface="+mn-cs"/>
+              </a:defRPr>
+            </a:lvl3pPr>
+            <a:lvl4pPr marL="1600200" indent="-228600" algn="l" defTabSz="914400" rtl="0" eaLnBrk="1" latinLnBrk="0" hangingPunct="1">
+              <a:lnSpc>
+                <a:spcPct val="90000"/>
+              </a:lnSpc>
+              <a:spcBef>
+                <a:spcPts val="500"/>
+              </a:spcBef>
+              <a:buFont typeface="Arial" panose="020B0604020202020204" pitchFamily="34" charset="0"/>
+              <a:buChar char="•"/>
+              <a:defRPr sz="1800" kern="1200">
+                <a:solidFill>
+                  <a:schemeClr val="tx1"/>
+                </a:solidFill>
+                <a:latin typeface="+mn-lt"/>
+                <a:ea typeface="+mn-ea"/>
+                <a:cs typeface="+mn-cs"/>
+              </a:defRPr>
+            </a:lvl4pPr>
+            <a:lvl5pPr marL="2057400" indent="-228600" algn="l" defTabSz="914400" rtl="0" eaLnBrk="1" latinLnBrk="0" hangingPunct="1">
+              <a:lnSpc>
+                <a:spcPct val="90000"/>
+              </a:lnSpc>
+              <a:spcBef>
+                <a:spcPts val="500"/>
+              </a:spcBef>
+              <a:buFont typeface="Arial" panose="020B0604020202020204" pitchFamily="34" charset="0"/>
+              <a:buChar char="•"/>
+              <a:defRPr sz="1800" kern="1200">
+                <a:solidFill>
+                  <a:schemeClr val="tx1"/>
+                </a:solidFill>
+                <a:latin typeface="+mn-lt"/>
+                <a:ea typeface="+mn-ea"/>
+                <a:cs typeface="+mn-cs"/>
+              </a:defRPr>
+            </a:lvl5pPr>
+            <a:lvl6pPr marL="2514600" indent="-228600" algn="l" defTabSz="914400" rtl="0" eaLnBrk="1" latinLnBrk="0" hangingPunct="1">
+              <a:lnSpc>
+                <a:spcPct val="90000"/>
+              </a:lnSpc>
+              <a:spcBef>
+                <a:spcPts val="500"/>
+              </a:spcBef>
+              <a:buFont typeface="Arial" panose="020B0604020202020204" pitchFamily="34" charset="0"/>
+              <a:buChar char="•"/>
+              <a:defRPr sz="1800" kern="1200">
+                <a:solidFill>
+                  <a:schemeClr val="tx1"/>
+                </a:solidFill>
+                <a:latin typeface="+mn-lt"/>
+                <a:ea typeface="+mn-ea"/>
+                <a:cs typeface="+mn-cs"/>
+              </a:defRPr>
+            </a:lvl6pPr>
+            <a:lvl7pPr marL="2971800" indent="-228600" algn="l" defTabSz="914400" rtl="0" eaLnBrk="1" latinLnBrk="0" hangingPunct="1">
+              <a:lnSpc>
+                <a:spcPct val="90000"/>
+              </a:lnSpc>
+              <a:spcBef>
+                <a:spcPts val="500"/>
+              </a:spcBef>
+              <a:buFont typeface="Arial" panose="020B0604020202020204" pitchFamily="34" charset="0"/>
+              <a:buChar char="•"/>
+              <a:defRPr sz="1800" kern="1200">
+                <a:solidFill>
+                  <a:schemeClr val="tx1"/>
+                </a:solidFill>
+                <a:latin typeface="+mn-lt"/>
+                <a:ea typeface="+mn-ea"/>
+                <a:cs typeface="+mn-cs"/>
+              </a:defRPr>
+            </a:lvl7pPr>
+            <a:lvl8pPr marL="3429000" indent="-228600" algn="l" defTabSz="914400" rtl="0" eaLnBrk="1" latinLnBrk="0" hangingPunct="1">
+              <a:lnSpc>
+                <a:spcPct val="90000"/>
+              </a:lnSpc>
+              <a:spcBef>
+                <a:spcPts val="500"/>
+              </a:spcBef>
+              <a:buFont typeface="Arial" panose="020B0604020202020204" pitchFamily="34" charset="0"/>
+              <a:buChar char="•"/>
+              <a:defRPr sz="1800" kern="1200">
+                <a:solidFill>
+                  <a:schemeClr val="tx1"/>
+                </a:solidFill>
+                <a:latin typeface="+mn-lt"/>
+                <a:ea typeface="+mn-ea"/>
+                <a:cs typeface="+mn-cs"/>
+              </a:defRPr>
+            </a:lvl8pPr>
+            <a:lvl9pPr marL="3886200" indent="-228600" algn="l" defTabSz="914400" rtl="0" eaLnBrk="1" latinLnBrk="0" hangingPunct="1">
+              <a:lnSpc>
+                <a:spcPct val="90000"/>
+              </a:lnSpc>
+              <a:spcBef>
+                <a:spcPts val="500"/>
+              </a:spcBef>
+              <a:buFont typeface="Arial" panose="020B0604020202020204" pitchFamily="34" charset="0"/>
+              <a:buChar char="•"/>
+              <a:defRPr sz="1800" kern="1200">
+                <a:solidFill>
+                  <a:schemeClr val="tx1"/>
+                </a:solidFill>
+                <a:latin typeface="+mn-lt"/>
+                <a:ea typeface="+mn-ea"/>
+                <a:cs typeface="+mn-cs"/>
+              </a:defRPr>
+            </a:lvl9pPr>
+          </a:lstStyle>
+          <a:p>
+            <a:pPr marL="0" indent="0">
+              <a:buNone/>
+            </a:pPr>
+            <a:r>
+              <a:rPr lang="en-US" sz="1200" b="1" dirty="0"/>
+              <a:t>Note:</a:t>
+            </a:r>
+            <a:r>
+              <a:rPr lang="en-US" sz="1200" dirty="0"/>
+              <a:t> To save the macro’s you have to enable macros, this changes the .ppt to .</a:t>
+            </a:r>
+            <a:r>
+              <a:rPr lang="en-US" sz="1200" dirty="0" err="1"/>
+              <a:t>pptm</a:t>
+            </a:r>
+            <a:r>
+              <a:rPr lang="en-US" sz="1200" dirty="0"/>
+              <a:t>. The template is not provided in the .</a:t>
+            </a:r>
+            <a:r>
+              <a:rPr lang="en-US" sz="1200" dirty="0" err="1"/>
+              <a:t>pptm</a:t>
+            </a:r>
+            <a:r>
+              <a:rPr lang="en-US" sz="1200" dirty="0"/>
+              <a:t> format as this is generally poor practice for security reasons. </a:t>
+            </a:r>
+          </a:p>
+        </p:txBody>
+      </p:sp>
+      <p:pic>
+        <p:nvPicPr>
+          <p:cNvPr id="23" name="Picture 22">
+            <a:extLst>
+              <a:ext uri="{FF2B5EF4-FFF2-40B4-BE49-F238E27FC236}">
+                <a16:creationId xmlns:a16="http://schemas.microsoft.com/office/drawing/2014/main" id="{E0292688-4BE1-4A81-A3B3-CBC609716F51}"/>
+              </a:ext>
+            </a:extLst>
+          </p:cNvPr>
+          <p:cNvPicPr>
+            <a:picLocks noChangeAspect="1"/>
+          </p:cNvPicPr>
+          <p:nvPr/>
+        </p:nvPicPr>
+        <p:blipFill>
+          <a:blip r:embed="rId2"/>
+          <a:stretch>
+            <a:fillRect/>
+          </a:stretch>
+        </p:blipFill>
+        <p:spPr>
+          <a:xfrm>
+            <a:off x="974160" y="4001368"/>
+            <a:ext cx="5048249" cy="2147887"/>
+          </a:xfrm>
+          <a:prstGeom prst="rect">
+            <a:avLst/>
+          </a:prstGeom>
+        </p:spPr>
+      </p:pic>
+      <p:sp>
+        <p:nvSpPr>
+          <p:cNvPr id="24" name="Text Placeholder 2">
+            <a:extLst>
+              <a:ext uri="{FF2B5EF4-FFF2-40B4-BE49-F238E27FC236}">
+                <a16:creationId xmlns:a16="http://schemas.microsoft.com/office/drawing/2014/main" id="{15AF4184-869A-4A7E-8DF9-98B7A4037DD9}"/>
+              </a:ext>
+            </a:extLst>
+          </p:cNvPr>
+          <p:cNvSpPr txBox="1">
+            <a:spLocks/>
+          </p:cNvSpPr>
+          <p:nvPr/>
+        </p:nvSpPr>
+        <p:spPr>
+          <a:xfrm>
+            <a:off x="6904081" y="2416915"/>
+            <a:ext cx="4678139" cy="716732"/>
+          </a:xfrm>
+          <a:prstGeom prst="rect">
+            <a:avLst/>
+          </a:prstGeom>
+        </p:spPr>
+        <p:txBody>
+          <a:bodyPr>
+            <a:normAutofit/>
+          </a:bodyPr>
+          <a:lstStyle>
+            <a:lvl1pPr marL="228600" indent="-228600" algn="l" defTabSz="914400" rtl="0" eaLnBrk="1" latinLnBrk="0" hangingPunct="1">
+              <a:lnSpc>
+                <a:spcPct val="90000"/>
+              </a:lnSpc>
+              <a:spcBef>
+                <a:spcPts val="1000"/>
+              </a:spcBef>
+              <a:buFont typeface="Arial" panose="020B0604020202020204" pitchFamily="34" charset="0"/>
+              <a:buChar char="•"/>
+              <a:defRPr sz="2800" kern="1200">
+                <a:solidFill>
+                  <a:schemeClr val="tx1"/>
+                </a:solidFill>
+                <a:latin typeface="+mn-lt"/>
+                <a:ea typeface="+mn-ea"/>
+                <a:cs typeface="+mn-cs"/>
+              </a:defRPr>
+            </a:lvl1pPr>
+            <a:lvl2pPr marL="685800" indent="-228600" algn="l" defTabSz="914400" rtl="0" eaLnBrk="1" latinLnBrk="0" hangingPunct="1">
+              <a:lnSpc>
+                <a:spcPct val="90000"/>
+              </a:lnSpc>
+              <a:spcBef>
+                <a:spcPts val="500"/>
+              </a:spcBef>
+              <a:buFont typeface="Arial" panose="020B0604020202020204" pitchFamily="34" charset="0"/>
+              <a:buChar char="•"/>
+              <a:defRPr sz="2400" kern="1200">
+                <a:solidFill>
+                  <a:schemeClr val="tx1"/>
+                </a:solidFill>
+                <a:latin typeface="+mn-lt"/>
+                <a:ea typeface="+mn-ea"/>
+                <a:cs typeface="+mn-cs"/>
+              </a:defRPr>
+            </a:lvl2pPr>
+            <a:lvl3pPr marL="1143000" indent="-228600" algn="l" defTabSz="914400" rtl="0" eaLnBrk="1" latinLnBrk="0" hangingPunct="1">
+              <a:lnSpc>
+                <a:spcPct val="90000"/>
+              </a:lnSpc>
+              <a:spcBef>
+                <a:spcPts val="500"/>
+              </a:spcBef>
+              <a:buFont typeface="Arial" panose="020B0604020202020204" pitchFamily="34" charset="0"/>
+              <a:buChar char="•"/>
+              <a:defRPr sz="2000" kern="1200">
+                <a:solidFill>
+                  <a:schemeClr val="tx1"/>
+                </a:solidFill>
+                <a:latin typeface="+mn-lt"/>
+                <a:ea typeface="+mn-ea"/>
+                <a:cs typeface="+mn-cs"/>
+              </a:defRPr>
+            </a:lvl3pPr>
+            <a:lvl4pPr marL="1600200" indent="-228600" algn="l" defTabSz="914400" rtl="0" eaLnBrk="1" latinLnBrk="0" hangingPunct="1">
+              <a:lnSpc>
+                <a:spcPct val="90000"/>
+              </a:lnSpc>
+              <a:spcBef>
+                <a:spcPts val="500"/>
+              </a:spcBef>
+              <a:buFont typeface="Arial" panose="020B0604020202020204" pitchFamily="34" charset="0"/>
+              <a:buChar char="•"/>
+              <a:defRPr sz="1800" kern="1200">
+                <a:solidFill>
+                  <a:schemeClr val="tx1"/>
+                </a:solidFill>
+                <a:latin typeface="+mn-lt"/>
+                <a:ea typeface="+mn-ea"/>
+                <a:cs typeface="+mn-cs"/>
+              </a:defRPr>
+            </a:lvl4pPr>
+            <a:lvl5pPr marL="2057400" indent="-228600" algn="l" defTabSz="914400" rtl="0" eaLnBrk="1" latinLnBrk="0" hangingPunct="1">
+              <a:lnSpc>
+                <a:spcPct val="90000"/>
+              </a:lnSpc>
+              <a:spcBef>
+                <a:spcPts val="500"/>
+              </a:spcBef>
+              <a:buFont typeface="Arial" panose="020B0604020202020204" pitchFamily="34" charset="0"/>
+              <a:buChar char="•"/>
+              <a:defRPr sz="1800" kern="1200">
+                <a:solidFill>
+                  <a:schemeClr val="tx1"/>
+                </a:solidFill>
+                <a:latin typeface="+mn-lt"/>
+                <a:ea typeface="+mn-ea"/>
+                <a:cs typeface="+mn-cs"/>
+              </a:defRPr>
+            </a:lvl5pPr>
+            <a:lvl6pPr marL="2514600" indent="-228600" algn="l" defTabSz="914400" rtl="0" eaLnBrk="1" latinLnBrk="0" hangingPunct="1">
+              <a:lnSpc>
+                <a:spcPct val="90000"/>
+              </a:lnSpc>
+              <a:spcBef>
+                <a:spcPts val="500"/>
+              </a:spcBef>
+              <a:buFont typeface="Arial" panose="020B0604020202020204" pitchFamily="34" charset="0"/>
+              <a:buChar char="•"/>
+              <a:defRPr sz="1800" kern="1200">
+                <a:solidFill>
+                  <a:schemeClr val="tx1"/>
+                </a:solidFill>
+                <a:latin typeface="+mn-lt"/>
+                <a:ea typeface="+mn-ea"/>
+                <a:cs typeface="+mn-cs"/>
+              </a:defRPr>
+            </a:lvl6pPr>
+            <a:lvl7pPr marL="2971800" indent="-228600" algn="l" defTabSz="914400" rtl="0" eaLnBrk="1" latinLnBrk="0" hangingPunct="1">
+              <a:lnSpc>
+                <a:spcPct val="90000"/>
+              </a:lnSpc>
+              <a:spcBef>
+                <a:spcPts val="500"/>
+              </a:spcBef>
+              <a:buFont typeface="Arial" panose="020B0604020202020204" pitchFamily="34" charset="0"/>
+              <a:buChar char="•"/>
+              <a:defRPr sz="1800" kern="1200">
+                <a:solidFill>
+                  <a:schemeClr val="tx1"/>
+                </a:solidFill>
+                <a:latin typeface="+mn-lt"/>
+                <a:ea typeface="+mn-ea"/>
+                <a:cs typeface="+mn-cs"/>
+              </a:defRPr>
+            </a:lvl7pPr>
+            <a:lvl8pPr marL="3429000" indent="-228600" algn="l" defTabSz="914400" rtl="0" eaLnBrk="1" latinLnBrk="0" hangingPunct="1">
+              <a:lnSpc>
+                <a:spcPct val="90000"/>
+              </a:lnSpc>
+              <a:spcBef>
+                <a:spcPts val="500"/>
+              </a:spcBef>
+              <a:buFont typeface="Arial" panose="020B0604020202020204" pitchFamily="34" charset="0"/>
+              <a:buChar char="•"/>
+              <a:defRPr sz="1800" kern="1200">
+                <a:solidFill>
+                  <a:schemeClr val="tx1"/>
+                </a:solidFill>
+                <a:latin typeface="+mn-lt"/>
+                <a:ea typeface="+mn-ea"/>
+                <a:cs typeface="+mn-cs"/>
+              </a:defRPr>
+            </a:lvl8pPr>
+            <a:lvl9pPr marL="3886200" indent="-228600" algn="l" defTabSz="914400" rtl="0" eaLnBrk="1" latinLnBrk="0" hangingPunct="1">
+              <a:lnSpc>
+                <a:spcPct val="90000"/>
+              </a:lnSpc>
+              <a:spcBef>
+                <a:spcPts val="500"/>
+              </a:spcBef>
+              <a:buFont typeface="Arial" panose="020B0604020202020204" pitchFamily="34" charset="0"/>
+              <a:buChar char="•"/>
+              <a:defRPr sz="1800" kern="1200">
+                <a:solidFill>
+                  <a:schemeClr val="tx1"/>
+                </a:solidFill>
+                <a:latin typeface="+mn-lt"/>
+                <a:ea typeface="+mn-ea"/>
+                <a:cs typeface="+mn-cs"/>
+              </a:defRPr>
+            </a:lvl9pPr>
+          </a:lstStyle>
+          <a:p>
+            <a:pPr marL="0" indent="0">
+              <a:buNone/>
+            </a:pPr>
+            <a:r>
+              <a:rPr lang="en-US" sz="1200" b="1" dirty="0"/>
+              <a:t>Note:</a:t>
+            </a:r>
+            <a:r>
+              <a:rPr lang="en-US" sz="1200" dirty="0"/>
+              <a:t> The macros are stored in the corresponding .txt files. Make sure not to copy in the first and last line of the code. </a:t>
+            </a:r>
+          </a:p>
+        </p:txBody>
+      </p:sp>
+      <p:pic>
+        <p:nvPicPr>
+          <p:cNvPr id="11" name="Picture 10">
+            <a:extLst>
+              <a:ext uri="{FF2B5EF4-FFF2-40B4-BE49-F238E27FC236}">
+                <a16:creationId xmlns:a16="http://schemas.microsoft.com/office/drawing/2014/main" id="{FDADAA46-F1E9-4731-963F-7F7D2F20F77D}"/>
+              </a:ext>
+            </a:extLst>
+          </p:cNvPr>
+          <p:cNvPicPr>
+            <a:picLocks noChangeAspect="1"/>
+          </p:cNvPicPr>
+          <p:nvPr/>
+        </p:nvPicPr>
+        <p:blipFill>
+          <a:blip r:embed="rId3"/>
+          <a:stretch>
+            <a:fillRect/>
+          </a:stretch>
+        </p:blipFill>
+        <p:spPr>
+          <a:xfrm>
+            <a:off x="974160" y="1488803"/>
+            <a:ext cx="5048249" cy="2162856"/>
+          </a:xfrm>
+          <a:prstGeom prst="rect">
+            <a:avLst/>
+          </a:prstGeom>
+        </p:spPr>
+      </p:pic>
+      <p:sp>
+        <p:nvSpPr>
+          <p:cNvPr id="16" name="Text Placeholder 2">
+            <a:extLst>
+              <a:ext uri="{FF2B5EF4-FFF2-40B4-BE49-F238E27FC236}">
+                <a16:creationId xmlns:a16="http://schemas.microsoft.com/office/drawing/2014/main" id="{C5529CF9-DB6F-4D5B-A6C5-353500D88674}"/>
+              </a:ext>
+            </a:extLst>
+          </p:cNvPr>
+          <p:cNvSpPr txBox="1">
+            <a:spLocks/>
+          </p:cNvSpPr>
+          <p:nvPr/>
+        </p:nvSpPr>
+        <p:spPr>
+          <a:xfrm>
+            <a:off x="6904081" y="3162187"/>
+            <a:ext cx="4678139" cy="716732"/>
+          </a:xfrm>
+          <a:prstGeom prst="rect">
+            <a:avLst/>
+          </a:prstGeom>
+        </p:spPr>
+        <p:txBody>
+          <a:bodyPr>
+            <a:normAutofit/>
+          </a:bodyPr>
+          <a:lstStyle>
+            <a:lvl1pPr marL="228600" indent="-228600" algn="l" defTabSz="914400" rtl="0" eaLnBrk="1" latinLnBrk="0" hangingPunct="1">
+              <a:lnSpc>
+                <a:spcPct val="90000"/>
+              </a:lnSpc>
+              <a:spcBef>
+                <a:spcPts val="1000"/>
+              </a:spcBef>
+              <a:buFont typeface="Arial" panose="020B0604020202020204" pitchFamily="34" charset="0"/>
+              <a:buChar char="•"/>
+              <a:defRPr sz="2800" kern="1200">
+                <a:solidFill>
+                  <a:schemeClr val="tx1"/>
+                </a:solidFill>
+                <a:latin typeface="+mn-lt"/>
+                <a:ea typeface="+mn-ea"/>
+                <a:cs typeface="+mn-cs"/>
+              </a:defRPr>
+            </a:lvl1pPr>
+            <a:lvl2pPr marL="685800" indent="-228600" algn="l" defTabSz="914400" rtl="0" eaLnBrk="1" latinLnBrk="0" hangingPunct="1">
+              <a:lnSpc>
+                <a:spcPct val="90000"/>
+              </a:lnSpc>
+              <a:spcBef>
+                <a:spcPts val="500"/>
+              </a:spcBef>
+              <a:buFont typeface="Arial" panose="020B0604020202020204" pitchFamily="34" charset="0"/>
+              <a:buChar char="•"/>
+              <a:defRPr sz="2400" kern="1200">
+                <a:solidFill>
+                  <a:schemeClr val="tx1"/>
+                </a:solidFill>
+                <a:latin typeface="+mn-lt"/>
+                <a:ea typeface="+mn-ea"/>
+                <a:cs typeface="+mn-cs"/>
+              </a:defRPr>
+            </a:lvl2pPr>
+            <a:lvl3pPr marL="1143000" indent="-228600" algn="l" defTabSz="914400" rtl="0" eaLnBrk="1" latinLnBrk="0" hangingPunct="1">
+              <a:lnSpc>
+                <a:spcPct val="90000"/>
+              </a:lnSpc>
+              <a:spcBef>
+                <a:spcPts val="500"/>
+              </a:spcBef>
+              <a:buFont typeface="Arial" panose="020B0604020202020204" pitchFamily="34" charset="0"/>
+              <a:buChar char="•"/>
+              <a:defRPr sz="2000" kern="1200">
+                <a:solidFill>
+                  <a:schemeClr val="tx1"/>
+                </a:solidFill>
+                <a:latin typeface="+mn-lt"/>
+                <a:ea typeface="+mn-ea"/>
+                <a:cs typeface="+mn-cs"/>
+              </a:defRPr>
+            </a:lvl3pPr>
+            <a:lvl4pPr marL="1600200" indent="-228600" algn="l" defTabSz="914400" rtl="0" eaLnBrk="1" latinLnBrk="0" hangingPunct="1">
+              <a:lnSpc>
+                <a:spcPct val="90000"/>
+              </a:lnSpc>
+              <a:spcBef>
+                <a:spcPts val="500"/>
+              </a:spcBef>
+              <a:buFont typeface="Arial" panose="020B0604020202020204" pitchFamily="34" charset="0"/>
+              <a:buChar char="•"/>
+              <a:defRPr sz="1800" kern="1200">
+                <a:solidFill>
+                  <a:schemeClr val="tx1"/>
+                </a:solidFill>
+                <a:latin typeface="+mn-lt"/>
+                <a:ea typeface="+mn-ea"/>
+                <a:cs typeface="+mn-cs"/>
+              </a:defRPr>
+            </a:lvl4pPr>
+            <a:lvl5pPr marL="2057400" indent="-228600" algn="l" defTabSz="914400" rtl="0" eaLnBrk="1" latinLnBrk="0" hangingPunct="1">
+              <a:lnSpc>
+                <a:spcPct val="90000"/>
+              </a:lnSpc>
+              <a:spcBef>
+                <a:spcPts val="500"/>
+              </a:spcBef>
+              <a:buFont typeface="Arial" panose="020B0604020202020204" pitchFamily="34" charset="0"/>
+              <a:buChar char="•"/>
+              <a:defRPr sz="1800" kern="1200">
+                <a:solidFill>
+                  <a:schemeClr val="tx1"/>
+                </a:solidFill>
+                <a:latin typeface="+mn-lt"/>
+                <a:ea typeface="+mn-ea"/>
+                <a:cs typeface="+mn-cs"/>
+              </a:defRPr>
+            </a:lvl5pPr>
+            <a:lvl6pPr marL="2514600" indent="-228600" algn="l" defTabSz="914400" rtl="0" eaLnBrk="1" latinLnBrk="0" hangingPunct="1">
+              <a:lnSpc>
+                <a:spcPct val="90000"/>
+              </a:lnSpc>
+              <a:spcBef>
+                <a:spcPts val="500"/>
+              </a:spcBef>
+              <a:buFont typeface="Arial" panose="020B0604020202020204" pitchFamily="34" charset="0"/>
+              <a:buChar char="•"/>
+              <a:defRPr sz="1800" kern="1200">
+                <a:solidFill>
+                  <a:schemeClr val="tx1"/>
+                </a:solidFill>
+                <a:latin typeface="+mn-lt"/>
+                <a:ea typeface="+mn-ea"/>
+                <a:cs typeface="+mn-cs"/>
+              </a:defRPr>
+            </a:lvl6pPr>
+            <a:lvl7pPr marL="2971800" indent="-228600" algn="l" defTabSz="914400" rtl="0" eaLnBrk="1" latinLnBrk="0" hangingPunct="1">
+              <a:lnSpc>
+                <a:spcPct val="90000"/>
+              </a:lnSpc>
+              <a:spcBef>
+                <a:spcPts val="500"/>
+              </a:spcBef>
+              <a:buFont typeface="Arial" panose="020B0604020202020204" pitchFamily="34" charset="0"/>
+              <a:buChar char="•"/>
+              <a:defRPr sz="1800" kern="1200">
+                <a:solidFill>
+                  <a:schemeClr val="tx1"/>
+                </a:solidFill>
+                <a:latin typeface="+mn-lt"/>
+                <a:ea typeface="+mn-ea"/>
+                <a:cs typeface="+mn-cs"/>
+              </a:defRPr>
+            </a:lvl7pPr>
+            <a:lvl8pPr marL="3429000" indent="-228600" algn="l" defTabSz="914400" rtl="0" eaLnBrk="1" latinLnBrk="0" hangingPunct="1">
+              <a:lnSpc>
+                <a:spcPct val="90000"/>
+              </a:lnSpc>
+              <a:spcBef>
+                <a:spcPts val="500"/>
+              </a:spcBef>
+              <a:buFont typeface="Arial" panose="020B0604020202020204" pitchFamily="34" charset="0"/>
+              <a:buChar char="•"/>
+              <a:defRPr sz="1800" kern="1200">
+                <a:solidFill>
+                  <a:schemeClr val="tx1"/>
+                </a:solidFill>
+                <a:latin typeface="+mn-lt"/>
+                <a:ea typeface="+mn-ea"/>
+                <a:cs typeface="+mn-cs"/>
+              </a:defRPr>
+            </a:lvl8pPr>
+            <a:lvl9pPr marL="3886200" indent="-228600" algn="l" defTabSz="914400" rtl="0" eaLnBrk="1" latinLnBrk="0" hangingPunct="1">
+              <a:lnSpc>
+                <a:spcPct val="90000"/>
+              </a:lnSpc>
+              <a:spcBef>
+                <a:spcPts val="500"/>
+              </a:spcBef>
+              <a:buFont typeface="Arial" panose="020B0604020202020204" pitchFamily="34" charset="0"/>
+              <a:buChar char="•"/>
+              <a:defRPr sz="1800" kern="1200">
+                <a:solidFill>
+                  <a:schemeClr val="tx1"/>
+                </a:solidFill>
+                <a:latin typeface="+mn-lt"/>
+                <a:ea typeface="+mn-ea"/>
+                <a:cs typeface="+mn-cs"/>
+              </a:defRPr>
+            </a:lvl9pPr>
+          </a:lstStyle>
+          <a:p>
+            <a:pPr marL="0" indent="0">
+              <a:buNone/>
+            </a:pPr>
+            <a:r>
+              <a:rPr lang="en-US" sz="1200" b="1" dirty="0"/>
+              <a:t>Note:</a:t>
+            </a:r>
+            <a:r>
+              <a:rPr lang="en-US" sz="1200" dirty="0"/>
+              <a:t> To delete, just click on the bar on the bottom of each slide and select delete. </a:t>
+            </a:r>
+          </a:p>
+        </p:txBody>
+      </p:sp>
+    </p:spTree>
+    <p:extLst>
+      <p:ext uri="{BB962C8B-B14F-4D97-AF65-F5344CB8AC3E}">
+        <p14:creationId xmlns:p14="http://schemas.microsoft.com/office/powerpoint/2010/main" val="2888686709"/>
+      </p:ext>
+    </p:extLst>
+  </p:cSld>
+  <p:clrMapOvr>
+    <a:masterClrMapping/>
+  </p:clrMapOvr>
+</p:sld>
+</file>
+
+<file path=ppt/slides/slide5.xml><?xml version="1.0" encoding="utf-8"?>
+<p:sld xmlns:a="http://schemas.openxmlformats.org/drawingml/2006/main" xmlns:r="http://schemas.openxmlformats.org/officeDocument/2006/relationships" xmlns:p="http://schemas.openxmlformats.org/presentationml/2006/main">
+  <p:cSld>
+    <p:spTree>
+      <p:nvGrpSpPr>
+        <p:cNvPr id="1" name=""/>
+        <p:cNvGrpSpPr/>
+        <p:nvPr/>
+      </p:nvGrpSpPr>
+      <p:grpSpPr>
+        <a:xfrm>
+          <a:off x="0" y="0"/>
+          <a:ext cx="0" cy="0"/>
+          <a:chOff x="0" y="0"/>
+          <a:chExt cx="0" cy="0"/>
+        </a:xfrm>
+      </p:grpSpPr>
+      <p:sp>
+        <p:nvSpPr>
+          <p:cNvPr id="3" name="Title 1">
+            <a:extLst>
+              <a:ext uri="{FF2B5EF4-FFF2-40B4-BE49-F238E27FC236}">
+                <a16:creationId xmlns:a16="http://schemas.microsoft.com/office/drawing/2014/main" id="{2260366C-9CC9-4815-B6A0-B9386B0FC8C7}"/>
+              </a:ext>
+            </a:extLst>
+          </p:cNvPr>
+          <p:cNvSpPr txBox="1">
+            <a:spLocks/>
+          </p:cNvSpPr>
+          <p:nvPr/>
+        </p:nvSpPr>
+        <p:spPr>
+          <a:xfrm>
+            <a:off x="536189" y="567444"/>
+            <a:ext cx="10972440" cy="1144800"/>
+          </a:xfrm>
+          <a:prstGeom prst="rect">
+            <a:avLst/>
+          </a:prstGeom>
+        </p:spPr>
+        <p:txBody>
+          <a:bodyPr/>
+          <a:lstStyle>
+            <a:lvl1pPr algn="l" defTabSz="914400" rtl="0" eaLnBrk="1" latinLnBrk="0" hangingPunct="1">
+              <a:lnSpc>
+                <a:spcPct val="90000"/>
+              </a:lnSpc>
+              <a:spcBef>
+                <a:spcPct val="0"/>
+              </a:spcBef>
+              <a:buNone/>
+              <a:defRPr sz="4800" kern="1200">
+                <a:solidFill>
+                  <a:schemeClr val="tx1"/>
+                </a:solidFill>
+                <a:latin typeface="+mj-lt"/>
+                <a:ea typeface="+mj-ea"/>
+                <a:cs typeface="+mj-cs"/>
+              </a:defRPr>
+            </a:lvl1pPr>
+          </a:lstStyle>
+          <a:p>
+            <a:r>
+              <a:rPr lang="en-US" sz="3000" dirty="0"/>
+              <a:t>How to run Custom Macros</a:t>
+            </a:r>
+          </a:p>
+        </p:txBody>
+      </p:sp>
+      <p:sp>
+        <p:nvSpPr>
+          <p:cNvPr id="4" name="Text Placeholder 2">
+            <a:extLst>
+              <a:ext uri="{FF2B5EF4-FFF2-40B4-BE49-F238E27FC236}">
+                <a16:creationId xmlns:a16="http://schemas.microsoft.com/office/drawing/2014/main" id="{3B9600C4-DAE1-425A-9DAE-DB1914B17067}"/>
+              </a:ext>
+            </a:extLst>
+          </p:cNvPr>
+          <p:cNvSpPr txBox="1">
+            <a:spLocks/>
+          </p:cNvSpPr>
+          <p:nvPr/>
+        </p:nvSpPr>
+        <p:spPr>
+          <a:xfrm>
+            <a:off x="683371" y="1214762"/>
+            <a:ext cx="10972440" cy="594167"/>
+          </a:xfrm>
+          <a:prstGeom prst="rect">
+            <a:avLst/>
+          </a:prstGeom>
+        </p:spPr>
+        <p:txBody>
+          <a:bodyPr>
+            <a:normAutofit/>
+          </a:bodyPr>
+          <a:lstStyle>
+            <a:lvl1pPr marL="228600" indent="-228600" algn="l" defTabSz="914400" rtl="0" eaLnBrk="1" latinLnBrk="0" hangingPunct="1">
+              <a:lnSpc>
+                <a:spcPct val="90000"/>
+              </a:lnSpc>
+              <a:spcBef>
+                <a:spcPts val="1000"/>
+              </a:spcBef>
+              <a:buFont typeface="Arial" panose="020B0604020202020204" pitchFamily="34" charset="0"/>
+              <a:buChar char="•"/>
+              <a:defRPr sz="2800" kern="1200">
+                <a:solidFill>
+                  <a:schemeClr val="tx1"/>
+                </a:solidFill>
+                <a:latin typeface="+mn-lt"/>
+                <a:ea typeface="+mn-ea"/>
+                <a:cs typeface="+mn-cs"/>
+              </a:defRPr>
+            </a:lvl1pPr>
+            <a:lvl2pPr marL="685800" indent="-228600" algn="l" defTabSz="914400" rtl="0" eaLnBrk="1" latinLnBrk="0" hangingPunct="1">
+              <a:lnSpc>
+                <a:spcPct val="90000"/>
+              </a:lnSpc>
+              <a:spcBef>
+                <a:spcPts val="500"/>
+              </a:spcBef>
+              <a:buFont typeface="Arial" panose="020B0604020202020204" pitchFamily="34" charset="0"/>
+              <a:buChar char="•"/>
+              <a:defRPr sz="2400" kern="1200">
+                <a:solidFill>
+                  <a:schemeClr val="tx1"/>
+                </a:solidFill>
+                <a:latin typeface="+mn-lt"/>
+                <a:ea typeface="+mn-ea"/>
+                <a:cs typeface="+mn-cs"/>
+              </a:defRPr>
+            </a:lvl2pPr>
+            <a:lvl3pPr marL="1143000" indent="-228600" algn="l" defTabSz="914400" rtl="0" eaLnBrk="1" latinLnBrk="0" hangingPunct="1">
+              <a:lnSpc>
+                <a:spcPct val="90000"/>
+              </a:lnSpc>
+              <a:spcBef>
+                <a:spcPts val="500"/>
+              </a:spcBef>
+              <a:buFont typeface="Arial" panose="020B0604020202020204" pitchFamily="34" charset="0"/>
+              <a:buChar char="•"/>
+              <a:defRPr sz="2000" kern="1200">
+                <a:solidFill>
+                  <a:schemeClr val="tx1"/>
+                </a:solidFill>
+                <a:latin typeface="+mn-lt"/>
+                <a:ea typeface="+mn-ea"/>
+                <a:cs typeface="+mn-cs"/>
+              </a:defRPr>
+            </a:lvl3pPr>
+            <a:lvl4pPr marL="1600200" indent="-228600" algn="l" defTabSz="914400" rtl="0" eaLnBrk="1" latinLnBrk="0" hangingPunct="1">
+              <a:lnSpc>
+                <a:spcPct val="90000"/>
+              </a:lnSpc>
+              <a:spcBef>
+                <a:spcPts val="500"/>
+              </a:spcBef>
+              <a:buFont typeface="Arial" panose="020B0604020202020204" pitchFamily="34" charset="0"/>
+              <a:buChar char="•"/>
+              <a:defRPr sz="1800" kern="1200">
+                <a:solidFill>
+                  <a:schemeClr val="tx1"/>
+                </a:solidFill>
+                <a:latin typeface="+mn-lt"/>
+                <a:ea typeface="+mn-ea"/>
+                <a:cs typeface="+mn-cs"/>
+              </a:defRPr>
+            </a:lvl4pPr>
+            <a:lvl5pPr marL="2057400" indent="-228600" algn="l" defTabSz="914400" rtl="0" eaLnBrk="1" latinLnBrk="0" hangingPunct="1">
+              <a:lnSpc>
+                <a:spcPct val="90000"/>
+              </a:lnSpc>
+              <a:spcBef>
+                <a:spcPts val="500"/>
+              </a:spcBef>
+              <a:buFont typeface="Arial" panose="020B0604020202020204" pitchFamily="34" charset="0"/>
+              <a:buChar char="•"/>
+              <a:defRPr sz="1800" kern="1200">
+                <a:solidFill>
+                  <a:schemeClr val="tx1"/>
+                </a:solidFill>
+                <a:latin typeface="+mn-lt"/>
+                <a:ea typeface="+mn-ea"/>
+                <a:cs typeface="+mn-cs"/>
+              </a:defRPr>
+            </a:lvl5pPr>
+            <a:lvl6pPr marL="2514600" indent="-228600" algn="l" defTabSz="914400" rtl="0" eaLnBrk="1" latinLnBrk="0" hangingPunct="1">
+              <a:lnSpc>
+                <a:spcPct val="90000"/>
+              </a:lnSpc>
+              <a:spcBef>
+                <a:spcPts val="500"/>
+              </a:spcBef>
+              <a:buFont typeface="Arial" panose="020B0604020202020204" pitchFamily="34" charset="0"/>
+              <a:buChar char="•"/>
+              <a:defRPr sz="1800" kern="1200">
+                <a:solidFill>
+                  <a:schemeClr val="tx1"/>
+                </a:solidFill>
+                <a:latin typeface="+mn-lt"/>
+                <a:ea typeface="+mn-ea"/>
+                <a:cs typeface="+mn-cs"/>
+              </a:defRPr>
+            </a:lvl6pPr>
+            <a:lvl7pPr marL="2971800" indent="-228600" algn="l" defTabSz="914400" rtl="0" eaLnBrk="1" latinLnBrk="0" hangingPunct="1">
+              <a:lnSpc>
+                <a:spcPct val="90000"/>
+              </a:lnSpc>
+              <a:spcBef>
+                <a:spcPts val="500"/>
+              </a:spcBef>
+              <a:buFont typeface="Arial" panose="020B0604020202020204" pitchFamily="34" charset="0"/>
+              <a:buChar char="•"/>
+              <a:defRPr sz="1800" kern="1200">
+                <a:solidFill>
+                  <a:schemeClr val="tx1"/>
+                </a:solidFill>
+                <a:latin typeface="+mn-lt"/>
+                <a:ea typeface="+mn-ea"/>
+                <a:cs typeface="+mn-cs"/>
+              </a:defRPr>
+            </a:lvl7pPr>
+            <a:lvl8pPr marL="3429000" indent="-228600" algn="l" defTabSz="914400" rtl="0" eaLnBrk="1" latinLnBrk="0" hangingPunct="1">
+              <a:lnSpc>
+                <a:spcPct val="90000"/>
+              </a:lnSpc>
+              <a:spcBef>
+                <a:spcPts val="500"/>
+              </a:spcBef>
+              <a:buFont typeface="Arial" panose="020B0604020202020204" pitchFamily="34" charset="0"/>
+              <a:buChar char="•"/>
+              <a:defRPr sz="1800" kern="1200">
+                <a:solidFill>
+                  <a:schemeClr val="tx1"/>
+                </a:solidFill>
+                <a:latin typeface="+mn-lt"/>
+                <a:ea typeface="+mn-ea"/>
+                <a:cs typeface="+mn-cs"/>
+              </a:defRPr>
+            </a:lvl8pPr>
+            <a:lvl9pPr marL="3886200" indent="-228600" algn="l" defTabSz="914400" rtl="0" eaLnBrk="1" latinLnBrk="0" hangingPunct="1">
+              <a:lnSpc>
+                <a:spcPct val="90000"/>
+              </a:lnSpc>
+              <a:spcBef>
+                <a:spcPts val="500"/>
+              </a:spcBef>
+              <a:buFont typeface="Arial" panose="020B0604020202020204" pitchFamily="34" charset="0"/>
+              <a:buChar char="•"/>
+              <a:defRPr sz="1800" kern="1200">
+                <a:solidFill>
+                  <a:schemeClr val="tx1"/>
+                </a:solidFill>
+                <a:latin typeface="+mn-lt"/>
+                <a:ea typeface="+mn-ea"/>
+                <a:cs typeface="+mn-cs"/>
+              </a:defRPr>
+            </a:lvl9pPr>
+          </a:lstStyle>
+          <a:p>
+            <a:r>
+              <a:rPr lang="en-US" sz="1800" dirty="0"/>
+              <a:t>Taken from [https://www.howtogeek.com/709523/how-to-create-a-progress-bar-in-microsoft-powerpoint/]</a:t>
+            </a:r>
+          </a:p>
+        </p:txBody>
+      </p:sp>
+      <p:pic>
+        <p:nvPicPr>
+          <p:cNvPr id="5" name="Picture 4">
+            <a:extLst>
+              <a:ext uri="{FF2B5EF4-FFF2-40B4-BE49-F238E27FC236}">
+                <a16:creationId xmlns:a16="http://schemas.microsoft.com/office/drawing/2014/main" id="{7EB0CEFD-E7FD-4F72-80F3-83293175F7F4}"/>
+              </a:ext>
+            </a:extLst>
+          </p:cNvPr>
+          <p:cNvPicPr>
+            <a:picLocks noChangeAspect="1"/>
+          </p:cNvPicPr>
+          <p:nvPr/>
+        </p:nvPicPr>
+        <p:blipFill>
+          <a:blip r:embed="rId2"/>
+          <a:stretch>
+            <a:fillRect/>
+          </a:stretch>
+        </p:blipFill>
+        <p:spPr>
+          <a:xfrm>
+            <a:off x="302075" y="1847190"/>
+            <a:ext cx="4374134" cy="4147560"/>
+          </a:xfrm>
+          <a:prstGeom prst="rect">
+            <a:avLst/>
+          </a:prstGeom>
+        </p:spPr>
+      </p:pic>
+      <p:pic>
+        <p:nvPicPr>
+          <p:cNvPr id="6" name="Picture 5">
+            <a:extLst>
+              <a:ext uri="{FF2B5EF4-FFF2-40B4-BE49-F238E27FC236}">
+                <a16:creationId xmlns:a16="http://schemas.microsoft.com/office/drawing/2014/main" id="{362B06C7-9F67-44DF-9929-74DE251DEB91}"/>
+              </a:ext>
+            </a:extLst>
+          </p:cNvPr>
+          <p:cNvPicPr>
+            <a:picLocks noChangeAspect="1"/>
+          </p:cNvPicPr>
+          <p:nvPr/>
+        </p:nvPicPr>
+        <p:blipFill>
+          <a:blip r:embed="rId3"/>
+          <a:stretch>
+            <a:fillRect/>
+          </a:stretch>
+        </p:blipFill>
+        <p:spPr>
+          <a:xfrm>
+            <a:off x="4608146" y="1847190"/>
+            <a:ext cx="3445964" cy="3977280"/>
+          </a:xfrm>
+          <a:prstGeom prst="rect">
+            <a:avLst/>
+          </a:prstGeom>
+        </p:spPr>
+      </p:pic>
+      <p:pic>
+        <p:nvPicPr>
+          <p:cNvPr id="7" name="Picture 6">
+            <a:extLst>
+              <a:ext uri="{FF2B5EF4-FFF2-40B4-BE49-F238E27FC236}">
+                <a16:creationId xmlns:a16="http://schemas.microsoft.com/office/drawing/2014/main" id="{04B67B7B-2CBD-4036-AECA-959AC9E5E1DD}"/>
+              </a:ext>
+            </a:extLst>
+          </p:cNvPr>
+          <p:cNvPicPr>
+            <a:picLocks noChangeAspect="1"/>
+          </p:cNvPicPr>
+          <p:nvPr/>
+        </p:nvPicPr>
+        <p:blipFill>
+          <a:blip r:embed="rId4"/>
+          <a:stretch>
+            <a:fillRect/>
+          </a:stretch>
+        </p:blipFill>
+        <p:spPr>
+          <a:xfrm>
+            <a:off x="8091055" y="1750505"/>
+            <a:ext cx="3638647" cy="4609370"/>
+          </a:xfrm>
+          <a:prstGeom prst="rect">
+            <a:avLst/>
+          </a:prstGeom>
+        </p:spPr>
+      </p:pic>
+    </p:spTree>
+    <p:extLst>
+      <p:ext uri="{BB962C8B-B14F-4D97-AF65-F5344CB8AC3E}">
+        <p14:creationId xmlns:p14="http://schemas.microsoft.com/office/powerpoint/2010/main" val="4100427686"/>
+      </p:ext>
+    </p:extLst>
+  </p:cSld>
+  <p:clrMapOvr>
+    <a:masterClrMapping/>
+  </p:clrMapOvr>
+</p:sld>
+</file>
+
+<file path=ppt/slides/slide6.xml><?xml version="1.0" encoding="utf-8"?>
+<p:sld xmlns:a="http://schemas.openxmlformats.org/drawingml/2006/main" xmlns:r="http://schemas.openxmlformats.org/officeDocument/2006/relationships" xmlns:p="http://schemas.openxmlformats.org/presentationml/2006/main">
+  <p:cSld>
+    <p:spTree>
+      <p:nvGrpSpPr>
+        <p:cNvPr id="1" name=""/>
+        <p:cNvGrpSpPr/>
+        <p:nvPr/>
+      </p:nvGrpSpPr>
+      <p:grpSpPr>
+        <a:xfrm>
+          <a:off x="0" y="0"/>
+          <a:ext cx="0" cy="0"/>
+          <a:chOff x="0" y="0"/>
+          <a:chExt cx="0" cy="0"/>
+        </a:xfrm>
+      </p:grpSpPr>
+      <p:sp>
+        <p:nvSpPr>
           <p:cNvPr id="310" name="CustomShape 1"/>
           <p:cNvSpPr/>
           <p:nvPr/>
@@ -4263,7 +5623,7 @@
 </file>
 
 <file path=ppt/theme/theme1.xml><?xml version="1.0" encoding="utf-8"?>
-<a:theme xmlns:a="http://schemas.openxmlformats.org/drawingml/2006/main" name="1_Office Theme">
+<a:theme xmlns:a="http://schemas.openxmlformats.org/drawingml/2006/main" name="ARTS-Lab_Office Theme White">
   <a:themeElements>
     <a:clrScheme name="Office">
       <a:dk1>
@@ -4488,7 +5848,7 @@
 </file>
 
 <file path=ppt/theme/theme2.xml><?xml version="1.0" encoding="utf-8"?>
-<a:theme xmlns:a="http://schemas.openxmlformats.org/drawingml/2006/main" name="Office Theme">
+<a:theme xmlns:a="http://schemas.openxmlformats.org/drawingml/2006/main" name="ARTS-Lab_Office Theme Red">
   <a:themeElements>
     <a:clrScheme name="Office">
       <a:dk1>

--- a/PowerPoint/ARTS-Lab_UofSC_slide_template.pptx
+++ b/PowerPoint/ARTS-Lab_UofSC_slide_template.pptx
@@ -1,29 +1,461 @@
 
 <file path=ppt/presentation.xml><?xml version="1.0" encoding="utf-8"?>
-<p:presentation xmlns:a="http://schemas.openxmlformats.org/drawingml/2006/main" xmlns:p="http://schemas.openxmlformats.org/presentationml/2006/main" xmlns:r="http://schemas.openxmlformats.org/officeDocument/2006/relationships" xmlns:p14="http://schemas.microsoft.com/office/powerpoint/2010/main" xmlns:p15="http://schemas.microsoft.com/office/powerpoint/2012/main" xmlns:mc="http://schemas.openxmlformats.org/markup-compatibility/2006">
+<p:presentation xmlns:a="http://schemas.openxmlformats.org/drawingml/2006/main" xmlns:r="http://schemas.openxmlformats.org/officeDocument/2006/relationships" xmlns:p="http://schemas.openxmlformats.org/presentationml/2006/main">
   <p:sldMasterIdLst>
-    <p:sldMasterId id="2147483648" r:id="rId2"/>
-    <p:sldMasterId id="2147483661" r:id="rId3"/>
-    <p:sldMasterId id="2147483674" r:id="rId4"/>
+    <p:sldMasterId id="2147483648" r:id="rId1"/>
+    <p:sldMasterId id="2147483661" r:id="rId2"/>
+    <p:sldMasterId id="2147483674" r:id="rId3"/>
   </p:sldMasterIdLst>
   <p:notesMasterIdLst>
-    <p:notesMasterId r:id="rId5"/>
+    <p:notesMasterId r:id="rId10"/>
   </p:notesMasterIdLst>
   <p:sldIdLst>
-    <p:sldId id="256" r:id="rId6"/>
-    <p:sldId id="257" r:id="rId7"/>
-    <p:sldId id="258" r:id="rId8"/>
-    <p:sldId id="259" r:id="rId9"/>
-    <p:sldId id="260" r:id="rId10"/>
-    <p:sldId id="261" r:id="rId11"/>
+    <p:sldId id="256" r:id="rId4"/>
+    <p:sldId id="257" r:id="rId5"/>
+    <p:sldId id="258" r:id="rId6"/>
+    <p:sldId id="259" r:id="rId7"/>
+    <p:sldId id="260" r:id="rId8"/>
+    <p:sldId id="261" r:id="rId9"/>
   </p:sldIdLst>
   <p:sldSz cx="12192000" cy="6858000"/>
   <p:notesSz cx="7772400" cy="10058400"/>
+  <p:defaultTextStyle>
+    <a:defPPr>
+      <a:defRPr lang="en-US"/>
+    </a:defPPr>
+    <a:lvl1pPr marL="0" algn="l" defTabSz="914400" rtl="0" eaLnBrk="1" latinLnBrk="0" hangingPunct="1">
+      <a:defRPr sz="1800" kern="1200">
+        <a:solidFill>
+          <a:schemeClr val="tx1"/>
+        </a:solidFill>
+        <a:latin typeface="+mn-lt"/>
+        <a:ea typeface="+mn-ea"/>
+        <a:cs typeface="+mn-cs"/>
+      </a:defRPr>
+    </a:lvl1pPr>
+    <a:lvl2pPr marL="457200" algn="l" defTabSz="914400" rtl="0" eaLnBrk="1" latinLnBrk="0" hangingPunct="1">
+      <a:defRPr sz="1800" kern="1200">
+        <a:solidFill>
+          <a:schemeClr val="tx1"/>
+        </a:solidFill>
+        <a:latin typeface="+mn-lt"/>
+        <a:ea typeface="+mn-ea"/>
+        <a:cs typeface="+mn-cs"/>
+      </a:defRPr>
+    </a:lvl2pPr>
+    <a:lvl3pPr marL="914400" algn="l" defTabSz="914400" rtl="0" eaLnBrk="1" latinLnBrk="0" hangingPunct="1">
+      <a:defRPr sz="1800" kern="1200">
+        <a:solidFill>
+          <a:schemeClr val="tx1"/>
+        </a:solidFill>
+        <a:latin typeface="+mn-lt"/>
+        <a:ea typeface="+mn-ea"/>
+        <a:cs typeface="+mn-cs"/>
+      </a:defRPr>
+    </a:lvl3pPr>
+    <a:lvl4pPr marL="1371600" algn="l" defTabSz="914400" rtl="0" eaLnBrk="1" latinLnBrk="0" hangingPunct="1">
+      <a:defRPr sz="1800" kern="1200">
+        <a:solidFill>
+          <a:schemeClr val="tx1"/>
+        </a:solidFill>
+        <a:latin typeface="+mn-lt"/>
+        <a:ea typeface="+mn-ea"/>
+        <a:cs typeface="+mn-cs"/>
+      </a:defRPr>
+    </a:lvl4pPr>
+    <a:lvl5pPr marL="1828800" algn="l" defTabSz="914400" rtl="0" eaLnBrk="1" latinLnBrk="0" hangingPunct="1">
+      <a:defRPr sz="1800" kern="1200">
+        <a:solidFill>
+          <a:schemeClr val="tx1"/>
+        </a:solidFill>
+        <a:latin typeface="+mn-lt"/>
+        <a:ea typeface="+mn-ea"/>
+        <a:cs typeface="+mn-cs"/>
+      </a:defRPr>
+    </a:lvl5pPr>
+    <a:lvl6pPr marL="2286000" algn="l" defTabSz="914400" rtl="0" eaLnBrk="1" latinLnBrk="0" hangingPunct="1">
+      <a:defRPr sz="1800" kern="1200">
+        <a:solidFill>
+          <a:schemeClr val="tx1"/>
+        </a:solidFill>
+        <a:latin typeface="+mn-lt"/>
+        <a:ea typeface="+mn-ea"/>
+        <a:cs typeface="+mn-cs"/>
+      </a:defRPr>
+    </a:lvl6pPr>
+    <a:lvl7pPr marL="2743200" algn="l" defTabSz="914400" rtl="0" eaLnBrk="1" latinLnBrk="0" hangingPunct="1">
+      <a:defRPr sz="1800" kern="1200">
+        <a:solidFill>
+          <a:schemeClr val="tx1"/>
+        </a:solidFill>
+        <a:latin typeface="+mn-lt"/>
+        <a:ea typeface="+mn-ea"/>
+        <a:cs typeface="+mn-cs"/>
+      </a:defRPr>
+    </a:lvl7pPr>
+    <a:lvl8pPr marL="3200400" algn="l" defTabSz="914400" rtl="0" eaLnBrk="1" latinLnBrk="0" hangingPunct="1">
+      <a:defRPr sz="1800" kern="1200">
+        <a:solidFill>
+          <a:schemeClr val="tx1"/>
+        </a:solidFill>
+        <a:latin typeface="+mn-lt"/>
+        <a:ea typeface="+mn-ea"/>
+        <a:cs typeface="+mn-cs"/>
+      </a:defRPr>
+    </a:lvl8pPr>
+    <a:lvl9pPr marL="3657600" algn="l" defTabSz="914400" rtl="0" eaLnBrk="1" latinLnBrk="0" hangingPunct="1">
+      <a:defRPr sz="1800" kern="1200">
+        <a:solidFill>
+          <a:schemeClr val="tx1"/>
+        </a:solidFill>
+        <a:latin typeface="+mn-lt"/>
+        <a:ea typeface="+mn-ea"/>
+        <a:cs typeface="+mn-cs"/>
+      </a:defRPr>
+    </a:lvl9pPr>
+  </p:defaultTextStyle>
+  <p:extLst>
+    <p:ext uri="{EFAFB233-063F-42B5-8137-9DF3F51BA10A}">
+      <p15:sldGuideLst xmlns:p15="http://schemas.microsoft.com/office/powerpoint/2012/main"/>
+    </p:ext>
+  </p:extLst>
 </p:presentation>
 </file>
 
 <file path=ppt/notesMasters/notesMaster1.xml><?xml version="1.0" encoding="utf-8"?>
-<p:notesMaster xmlns:a="http://schemas.openxmlformats.org/drawingml/2006/main" xmlns:p="http://schemas.openxmlformats.org/presentationml/2006/main" xmlns:r="http://schemas.openxmlformats.org/officeDocument/2006/relationships" xmlns:p14="http://schemas.microsoft.com/office/powerpoint/2010/main" xmlns:p15="http://schemas.microsoft.com/office/powerpoint/2012/main" xmlns:mc="http://schemas.openxmlformats.org/markup-compatibility/2006">
+<p:notesMaster xmlns:a="http://schemas.openxmlformats.org/drawingml/2006/main" xmlns:r="http://schemas.openxmlformats.org/officeDocument/2006/relationships" xmlns:p="http://schemas.openxmlformats.org/presentationml/2006/main">
+  <p:cSld>
+    <p:bg>
+      <p:bgRef idx="1001">
+        <a:schemeClr val="bg1"/>
+      </p:bgRef>
+    </p:bg>
+    <p:spTree>
+      <p:nvGrpSpPr>
+        <p:cNvPr id="1" name=""/>
+        <p:cNvGrpSpPr/>
+        <p:nvPr/>
+      </p:nvGrpSpPr>
+      <p:grpSpPr>
+        <a:xfrm>
+          <a:off x="0" y="0"/>
+          <a:ext cx="0" cy="0"/>
+          <a:chOff x="0" y="0"/>
+          <a:chExt cx="0" cy="0"/>
+        </a:xfrm>
+      </p:grpSpPr>
+      <p:sp>
+        <p:nvSpPr>
+          <p:cNvPr id="122" name="PlaceHolder 1"/>
+          <p:cNvSpPr>
+            <a:spLocks noGrp="1" noRot="1" noChangeAspect="1"/>
+          </p:cNvSpPr>
+          <p:nvPr>
+            <p:ph type="sldImg"/>
+          </p:nvPr>
+        </p:nvSpPr>
+        <p:spPr>
+          <a:xfrm>
+            <a:off x="533520" y="764280"/>
+            <a:ext cx="6704640" cy="3771360"/>
+          </a:xfrm>
+          <a:prstGeom prst="rect">
+            <a:avLst/>
+          </a:prstGeom>
+        </p:spPr>
+        <p:txBody>
+          <a:bodyPr lIns="0" tIns="0" rIns="0" bIns="0" anchor="ctr">
+            <a:noAutofit/>
+          </a:bodyPr>
+          <a:lstStyle/>
+          <a:p>
+            <a:r>
+              <a:rPr lang="en-US" sz="1800" b="0" strike="noStrike" spc="-1">
+                <a:solidFill>
+                  <a:srgbClr val="000000"/>
+                </a:solidFill>
+                <a:latin typeface="Arial"/>
+              </a:rPr>
+              <a:t>Click to move the slide</a:t>
+            </a:r>
+          </a:p>
+        </p:txBody>
+      </p:sp>
+      <p:sp>
+        <p:nvSpPr>
+          <p:cNvPr id="123" name="PlaceHolder 2"/>
+          <p:cNvSpPr>
+            <a:spLocks noGrp="1"/>
+          </p:cNvSpPr>
+          <p:nvPr>
+            <p:ph type="body"/>
+          </p:nvPr>
+        </p:nvSpPr>
+        <p:spPr>
+          <a:xfrm>
+            <a:off x="777240" y="4777560"/>
+            <a:ext cx="6217560" cy="4525920"/>
+          </a:xfrm>
+          <a:prstGeom prst="rect">
+            <a:avLst/>
+          </a:prstGeom>
+        </p:spPr>
+        <p:txBody>
+          <a:bodyPr lIns="0" tIns="0" rIns="0" bIns="0">
+            <a:noAutofit/>
+          </a:bodyPr>
+          <a:lstStyle/>
+          <a:p>
+            <a:r>
+              <a:rPr lang="en-US" sz="2000" b="0" strike="noStrike" spc="-1">
+                <a:latin typeface="Arial"/>
+              </a:rPr>
+              <a:t>Click to edit the notes format</a:t>
+            </a:r>
+          </a:p>
+        </p:txBody>
+      </p:sp>
+      <p:sp>
+        <p:nvSpPr>
+          <p:cNvPr id="124" name="PlaceHolder 3"/>
+          <p:cNvSpPr>
+            <a:spLocks noGrp="1"/>
+          </p:cNvSpPr>
+          <p:nvPr>
+            <p:ph type="hdr"/>
+          </p:nvPr>
+        </p:nvSpPr>
+        <p:spPr>
+          <a:xfrm>
+            <a:off x="0" y="0"/>
+            <a:ext cx="3372840" cy="502560"/>
+          </a:xfrm>
+          <a:prstGeom prst="rect">
+            <a:avLst/>
+          </a:prstGeom>
+        </p:spPr>
+        <p:txBody>
+          <a:bodyPr lIns="0" tIns="0" rIns="0" bIns="0">
+            <a:noAutofit/>
+          </a:bodyPr>
+          <a:lstStyle/>
+          <a:p>
+            <a:r>
+              <a:rPr lang="en-US" sz="1400" b="0" strike="noStrike" spc="-1">
+                <a:latin typeface="Times New Roman"/>
+              </a:rPr>
+              <a:t>&lt;header&gt;</a:t>
+            </a:r>
+          </a:p>
+        </p:txBody>
+      </p:sp>
+      <p:sp>
+        <p:nvSpPr>
+          <p:cNvPr id="125" name="PlaceHolder 4"/>
+          <p:cNvSpPr>
+            <a:spLocks noGrp="1"/>
+          </p:cNvSpPr>
+          <p:nvPr>
+            <p:ph type="dt"/>
+          </p:nvPr>
+        </p:nvSpPr>
+        <p:spPr>
+          <a:xfrm>
+            <a:off x="4399200" y="0"/>
+            <a:ext cx="3372840" cy="502560"/>
+          </a:xfrm>
+          <a:prstGeom prst="rect">
+            <a:avLst/>
+          </a:prstGeom>
+        </p:spPr>
+        <p:txBody>
+          <a:bodyPr lIns="0" tIns="0" rIns="0" bIns="0">
+            <a:noAutofit/>
+          </a:bodyPr>
+          <a:lstStyle/>
+          <a:p>
+            <a:pPr algn="r"/>
+            <a:r>
+              <a:rPr lang="en-US" sz="1400" b="0" strike="noStrike" spc="-1">
+                <a:latin typeface="Times New Roman"/>
+              </a:rPr>
+              <a:t>&lt;date/time&gt;</a:t>
+            </a:r>
+          </a:p>
+        </p:txBody>
+      </p:sp>
+      <p:sp>
+        <p:nvSpPr>
+          <p:cNvPr id="126" name="PlaceHolder 5"/>
+          <p:cNvSpPr>
+            <a:spLocks noGrp="1"/>
+          </p:cNvSpPr>
+          <p:nvPr>
+            <p:ph type="ftr"/>
+          </p:nvPr>
+        </p:nvSpPr>
+        <p:spPr>
+          <a:xfrm>
+            <a:off x="0" y="9555480"/>
+            <a:ext cx="3372840" cy="502560"/>
+          </a:xfrm>
+          <a:prstGeom prst="rect">
+            <a:avLst/>
+          </a:prstGeom>
+        </p:spPr>
+        <p:txBody>
+          <a:bodyPr lIns="0" tIns="0" rIns="0" bIns="0" anchor="b">
+            <a:noAutofit/>
+          </a:bodyPr>
+          <a:lstStyle/>
+          <a:p>
+            <a:r>
+              <a:rPr lang="en-US" sz="1400" b="0" strike="noStrike" spc="-1">
+                <a:latin typeface="Times New Roman"/>
+              </a:rPr>
+              <a:t>&lt;footer&gt;</a:t>
+            </a:r>
+          </a:p>
+        </p:txBody>
+      </p:sp>
+      <p:sp>
+        <p:nvSpPr>
+          <p:cNvPr id="127" name="PlaceHolder 6"/>
+          <p:cNvSpPr>
+            <a:spLocks noGrp="1"/>
+          </p:cNvSpPr>
+          <p:nvPr>
+            <p:ph type="sldNum"/>
+          </p:nvPr>
+        </p:nvSpPr>
+        <p:spPr>
+          <a:xfrm>
+            <a:off x="4399200" y="9555480"/>
+            <a:ext cx="3372840" cy="502560"/>
+          </a:xfrm>
+          <a:prstGeom prst="rect">
+            <a:avLst/>
+          </a:prstGeom>
+        </p:spPr>
+        <p:txBody>
+          <a:bodyPr lIns="0" tIns="0" rIns="0" bIns="0" anchor="b">
+            <a:noAutofit/>
+          </a:bodyPr>
+          <a:lstStyle/>
+          <a:p>
+            <a:pPr algn="r"/>
+            <a:fld id="{F0C8BC9A-FE6D-4B51-A5C0-02F5EC7EAA8F}" type="slidenum">
+              <a:rPr lang="en-US" sz="1400" b="0" strike="noStrike" spc="-1">
+                <a:latin typeface="Times New Roman"/>
+              </a:rPr>
+              <a:t>‹#›</a:t>
+            </a:fld>
+            <a:endParaRPr lang="en-US" sz="1400" b="0" strike="noStrike" spc="-1">
+              <a:latin typeface="Times New Roman"/>
+            </a:endParaRPr>
+          </a:p>
+        </p:txBody>
+      </p:sp>
+    </p:spTree>
+  </p:cSld>
+  <p:clrMap bg1="lt1" tx1="dk1" bg2="lt2" tx2="dk2" accent1="accent1" accent2="accent2" accent3="accent3" accent4="accent4" accent5="accent5" accent6="accent6" hlink="hlink" folHlink="folHlink"/>
+  <p:notesStyle>
+    <a:lvl1pPr marL="0" algn="l" defTabSz="914400" rtl="0" eaLnBrk="1" latinLnBrk="0" hangingPunct="1">
+      <a:defRPr sz="1200" kern="1200">
+        <a:solidFill>
+          <a:schemeClr val="tx1"/>
+        </a:solidFill>
+        <a:latin typeface="+mn-lt"/>
+        <a:ea typeface="+mn-ea"/>
+        <a:cs typeface="+mn-cs"/>
+      </a:defRPr>
+    </a:lvl1pPr>
+    <a:lvl2pPr marL="457200" algn="l" defTabSz="914400" rtl="0" eaLnBrk="1" latinLnBrk="0" hangingPunct="1">
+      <a:defRPr sz="1200" kern="1200">
+        <a:solidFill>
+          <a:schemeClr val="tx1"/>
+        </a:solidFill>
+        <a:latin typeface="+mn-lt"/>
+        <a:ea typeface="+mn-ea"/>
+        <a:cs typeface="+mn-cs"/>
+      </a:defRPr>
+    </a:lvl2pPr>
+    <a:lvl3pPr marL="914400" algn="l" defTabSz="914400" rtl="0" eaLnBrk="1" latinLnBrk="0" hangingPunct="1">
+      <a:defRPr sz="1200" kern="1200">
+        <a:solidFill>
+          <a:schemeClr val="tx1"/>
+        </a:solidFill>
+        <a:latin typeface="+mn-lt"/>
+        <a:ea typeface="+mn-ea"/>
+        <a:cs typeface="+mn-cs"/>
+      </a:defRPr>
+    </a:lvl3pPr>
+    <a:lvl4pPr marL="1371600" algn="l" defTabSz="914400" rtl="0" eaLnBrk="1" latinLnBrk="0" hangingPunct="1">
+      <a:defRPr sz="1200" kern="1200">
+        <a:solidFill>
+          <a:schemeClr val="tx1"/>
+        </a:solidFill>
+        <a:latin typeface="+mn-lt"/>
+        <a:ea typeface="+mn-ea"/>
+        <a:cs typeface="+mn-cs"/>
+      </a:defRPr>
+    </a:lvl4pPr>
+    <a:lvl5pPr marL="1828800" algn="l" defTabSz="914400" rtl="0" eaLnBrk="1" latinLnBrk="0" hangingPunct="1">
+      <a:defRPr sz="1200" kern="1200">
+        <a:solidFill>
+          <a:schemeClr val="tx1"/>
+        </a:solidFill>
+        <a:latin typeface="+mn-lt"/>
+        <a:ea typeface="+mn-ea"/>
+        <a:cs typeface="+mn-cs"/>
+      </a:defRPr>
+    </a:lvl5pPr>
+    <a:lvl6pPr marL="2286000" algn="l" defTabSz="914400" rtl="0" eaLnBrk="1" latinLnBrk="0" hangingPunct="1">
+      <a:defRPr sz="1200" kern="1200">
+        <a:solidFill>
+          <a:schemeClr val="tx1"/>
+        </a:solidFill>
+        <a:latin typeface="+mn-lt"/>
+        <a:ea typeface="+mn-ea"/>
+        <a:cs typeface="+mn-cs"/>
+      </a:defRPr>
+    </a:lvl6pPr>
+    <a:lvl7pPr marL="2743200" algn="l" defTabSz="914400" rtl="0" eaLnBrk="1" latinLnBrk="0" hangingPunct="1">
+      <a:defRPr sz="1200" kern="1200">
+        <a:solidFill>
+          <a:schemeClr val="tx1"/>
+        </a:solidFill>
+        <a:latin typeface="+mn-lt"/>
+        <a:ea typeface="+mn-ea"/>
+        <a:cs typeface="+mn-cs"/>
+      </a:defRPr>
+    </a:lvl7pPr>
+    <a:lvl8pPr marL="3200400" algn="l" defTabSz="914400" rtl="0" eaLnBrk="1" latinLnBrk="0" hangingPunct="1">
+      <a:defRPr sz="1200" kern="1200">
+        <a:solidFill>
+          <a:schemeClr val="tx1"/>
+        </a:solidFill>
+        <a:latin typeface="+mn-lt"/>
+        <a:ea typeface="+mn-ea"/>
+        <a:cs typeface="+mn-cs"/>
+      </a:defRPr>
+    </a:lvl8pPr>
+    <a:lvl9pPr marL="3657600" algn="l" defTabSz="914400" rtl="0" eaLnBrk="1" latinLnBrk="0" hangingPunct="1">
+      <a:defRPr sz="1200" kern="1200">
+        <a:solidFill>
+          <a:schemeClr val="tx1"/>
+        </a:solidFill>
+        <a:latin typeface="+mn-lt"/>
+        <a:ea typeface="+mn-ea"/>
+        <a:cs typeface="+mn-cs"/>
+      </a:defRPr>
+    </a:lvl9pPr>
+  </p:notesStyle>
+</p:notesMaster>
+</file>
+
+<file path=ppt/notesSlides/notesSlide1.xml><?xml version="1.0" encoding="utf-8"?>
+<p:notes xmlns:a="http://schemas.openxmlformats.org/drawingml/2006/main" xmlns:r="http://schemas.openxmlformats.org/officeDocument/2006/relationships" xmlns:p="http://schemas.openxmlformats.org/presentationml/2006/main">
   <p:cSld>
     <p:spTree>
       <p:nvGrpSpPr>
@@ -41,49 +473,85 @@
       </p:grpSpPr>
       <p:sp>
         <p:nvSpPr>
-          <p:cNvPr id="122" name="PlaceHolder 1"/>
-          <p:cNvSpPr>
-            <a:spLocks noGrp="1"/>
-          </p:cNvSpPr>
-          <p:nvPr>
-            <p:ph type="sldImg"/>
-          </p:nvPr>
-        </p:nvSpPr>
-        <p:spPr>
-          <a:xfrm>
-            <a:off x="533520" y="764280"/>
-            <a:ext cx="6704640" cy="3771360"/>
-          </a:xfrm>
-          <a:prstGeom prst="rect">
-            <a:avLst/>
-          </a:prstGeom>
-        </p:spPr>
-        <p:txBody>
-          <a:bodyPr lIns="0" rIns="0" tIns="0" bIns="0" anchor="ctr">
+          <p:cNvPr id="154" name="CustomShape 1"/>
+          <p:cNvSpPr/>
+          <p:nvPr/>
+        </p:nvSpPr>
+        <p:spPr>
+          <a:xfrm>
+            <a:off x="4398840" y="9555120"/>
+            <a:ext cx="3370680" cy="500400"/>
+          </a:xfrm>
+          <a:prstGeom prst="rect">
+            <a:avLst/>
+          </a:prstGeom>
+          <a:noFill/>
+          <a:ln>
+            <a:noFill/>
+          </a:ln>
+        </p:spPr>
+        <p:style>
+          <a:lnRef idx="0">
+            <a:scrgbClr r="0" g="0" b="0"/>
+          </a:lnRef>
+          <a:fillRef idx="0">
+            <a:scrgbClr r="0" g="0" b="0"/>
+          </a:fillRef>
+          <a:effectRef idx="0">
+            <a:scrgbClr r="0" g="0" b="0"/>
+          </a:effectRef>
+          <a:fontRef idx="minor"/>
+        </p:style>
+        <p:txBody>
+          <a:bodyPr lIns="0" tIns="0" rIns="0" bIns="0" anchor="b">
             <a:noAutofit/>
           </a:bodyPr>
-          <a:p>
-            <a:r>
-              <a:rPr b="0" lang="en-US" sz="1800" spc="-1" strike="noStrike">
+          <a:lstStyle/>
+          <a:p>
+            <a:pPr algn="r">
+              <a:lnSpc>
+                <a:spcPct val="93000"/>
+              </a:lnSpc>
+            </a:pPr>
+            <a:fld id="{0EFA2183-8B3E-4073-AA2B-4719A8A912D0}" type="slidenum">
+              <a:rPr lang="en-US" sz="1400" b="0" strike="noStrike" spc="-1">
                 <a:solidFill>
                   <a:srgbClr val="000000"/>
                 </a:solidFill>
-                <a:latin typeface="Arial"/>
+                <a:latin typeface="Times New Roman"/>
+                <a:ea typeface="+mn-ea"/>
               </a:rPr>
-              <a:t>Click to move the slide</a:t>
-            </a:r>
-            <a:endParaRPr b="0" lang="en-US" sz="1800" spc="-1" strike="noStrike">
-              <a:solidFill>
-                <a:srgbClr val="000000"/>
-              </a:solidFill>
-              <a:latin typeface="Arial"/>
-            </a:endParaRPr>
-          </a:p>
-        </p:txBody>
-      </p:sp>
-      <p:sp>
-        <p:nvSpPr>
-          <p:cNvPr id="123" name="PlaceHolder 2"/>
+              <a:t>1</a:t>
+            </a:fld>
+            <a:endParaRPr lang="en-US" sz="1400" b="0" strike="noStrike" spc="-1">
+              <a:latin typeface="Arial"/>
+            </a:endParaRPr>
+          </a:p>
+        </p:txBody>
+      </p:sp>
+      <p:sp>
+        <p:nvSpPr>
+          <p:cNvPr id="155" name="PlaceHolder 2"/>
+          <p:cNvSpPr>
+            <a:spLocks noGrp="1" noRot="1" noChangeAspect="1"/>
+          </p:cNvSpPr>
+          <p:nvPr>
+            <p:ph type="sldImg"/>
+          </p:nvPr>
+        </p:nvSpPr>
+        <p:spPr>
+          <a:xfrm>
+            <a:off x="533520" y="763560"/>
+            <a:ext cx="6703560" cy="3771720"/>
+          </a:xfrm>
+          <a:prstGeom prst="rect">
+            <a:avLst/>
+          </a:prstGeom>
+        </p:spPr>
+      </p:sp>
+      <p:sp>
+        <p:nvSpPr>
+          <p:cNvPr id="156" name="PlaceHolder 3"/>
           <p:cNvSpPr>
             <a:spLocks noGrp="1"/>
           </p:cNvSpPr>
@@ -93,184 +561,35 @@
         </p:nvSpPr>
         <p:spPr>
           <a:xfrm>
-            <a:off x="777240" y="4777560"/>
-            <a:ext cx="6217560" cy="4525920"/>
-          </a:xfrm>
-          <a:prstGeom prst="rect">
-            <a:avLst/>
-          </a:prstGeom>
-        </p:spPr>
-        <p:txBody>
-          <a:bodyPr lIns="0" rIns="0" tIns="0" bIns="0">
+            <a:off x="777960" y="4776840"/>
+            <a:ext cx="6217200" cy="4524840"/>
+          </a:xfrm>
+          <a:prstGeom prst="rect">
+            <a:avLst/>
+          </a:prstGeom>
+        </p:spPr>
+        <p:txBody>
+          <a:bodyPr lIns="0" tIns="0" rIns="0" bIns="0" anchor="ctr">
             <a:noAutofit/>
           </a:bodyPr>
-          <a:p>
-            <a:r>
-              <a:rPr b="0" lang="en-US" sz="2000" spc="-1" strike="noStrike">
-                <a:latin typeface="Arial"/>
-              </a:rPr>
-              <a:t>Click to edit the notes format</a:t>
-            </a:r>
-            <a:endParaRPr b="0" lang="en-US" sz="2000" spc="-1" strike="noStrike">
-              <a:latin typeface="Arial"/>
-            </a:endParaRPr>
-          </a:p>
-        </p:txBody>
-      </p:sp>
-      <p:sp>
-        <p:nvSpPr>
-          <p:cNvPr id="124" name="PlaceHolder 3"/>
-          <p:cNvSpPr>
-            <a:spLocks noGrp="1"/>
-          </p:cNvSpPr>
-          <p:nvPr>
-            <p:ph type="hdr"/>
-          </p:nvPr>
-        </p:nvSpPr>
-        <p:spPr>
-          <a:xfrm>
-            <a:off x="0" y="0"/>
-            <a:ext cx="3372840" cy="502560"/>
-          </a:xfrm>
-          <a:prstGeom prst="rect">
-            <a:avLst/>
-          </a:prstGeom>
-        </p:spPr>
-        <p:txBody>
-          <a:bodyPr lIns="0" rIns="0" tIns="0" bIns="0">
-            <a:noAutofit/>
-          </a:bodyPr>
-          <a:p>
-            <a:r>
-              <a:rPr b="0" lang="en-US" sz="1400" spc="-1" strike="noStrike">
-                <a:latin typeface="Times New Roman"/>
-              </a:rPr>
-              <a:t>&lt;header&gt;</a:t>
-            </a:r>
-            <a:endParaRPr b="0" lang="en-US" sz="1400" spc="-1" strike="noStrike">
-              <a:latin typeface="Times New Roman"/>
-            </a:endParaRPr>
-          </a:p>
-        </p:txBody>
-      </p:sp>
-      <p:sp>
-        <p:nvSpPr>
-          <p:cNvPr id="125" name="PlaceHolder 4"/>
-          <p:cNvSpPr>
-            <a:spLocks noGrp="1"/>
-          </p:cNvSpPr>
-          <p:nvPr>
-            <p:ph type="dt"/>
-          </p:nvPr>
-        </p:nvSpPr>
-        <p:spPr>
-          <a:xfrm>
-            <a:off x="4399200" y="0"/>
-            <a:ext cx="3372840" cy="502560"/>
-          </a:xfrm>
-          <a:prstGeom prst="rect">
-            <a:avLst/>
-          </a:prstGeom>
-        </p:spPr>
-        <p:txBody>
-          <a:bodyPr lIns="0" rIns="0" tIns="0" bIns="0">
-            <a:noAutofit/>
-          </a:bodyPr>
-          <a:p>
-            <a:pPr algn="r"/>
-            <a:r>
-              <a:rPr b="0" lang="en-US" sz="1400" spc="-1" strike="noStrike">
-                <a:latin typeface="Times New Roman"/>
-              </a:rPr>
-              <a:t>&lt;date/time&gt;</a:t>
-            </a:r>
-            <a:endParaRPr b="0" lang="en-US" sz="1400" spc="-1" strike="noStrike">
-              <a:latin typeface="Times New Roman"/>
-            </a:endParaRPr>
-          </a:p>
-        </p:txBody>
-      </p:sp>
-      <p:sp>
-        <p:nvSpPr>
-          <p:cNvPr id="126" name="PlaceHolder 5"/>
-          <p:cNvSpPr>
-            <a:spLocks noGrp="1"/>
-          </p:cNvSpPr>
-          <p:nvPr>
-            <p:ph type="ftr"/>
-          </p:nvPr>
-        </p:nvSpPr>
-        <p:spPr>
-          <a:xfrm>
-            <a:off x="0" y="9555480"/>
-            <a:ext cx="3372840" cy="502560"/>
-          </a:xfrm>
-          <a:prstGeom prst="rect">
-            <a:avLst/>
-          </a:prstGeom>
-        </p:spPr>
-        <p:txBody>
-          <a:bodyPr lIns="0" rIns="0" tIns="0" bIns="0" anchor="b">
-            <a:noAutofit/>
-          </a:bodyPr>
-          <a:p>
-            <a:r>
-              <a:rPr b="0" lang="en-US" sz="1400" spc="-1" strike="noStrike">
-                <a:latin typeface="Times New Roman"/>
-              </a:rPr>
-              <a:t>&lt;footer&gt;</a:t>
-            </a:r>
-            <a:endParaRPr b="0" lang="en-US" sz="1400" spc="-1" strike="noStrike">
-              <a:latin typeface="Times New Roman"/>
-            </a:endParaRPr>
-          </a:p>
-        </p:txBody>
-      </p:sp>
-      <p:sp>
-        <p:nvSpPr>
-          <p:cNvPr id="127" name="PlaceHolder 6"/>
-          <p:cNvSpPr>
-            <a:spLocks noGrp="1"/>
-          </p:cNvSpPr>
-          <p:nvPr>
-            <p:ph type="sldNum"/>
-          </p:nvPr>
-        </p:nvSpPr>
-        <p:spPr>
-          <a:xfrm>
-            <a:off x="4399200" y="9555480"/>
-            <a:ext cx="3372840" cy="502560"/>
-          </a:xfrm>
-          <a:prstGeom prst="rect">
-            <a:avLst/>
-          </a:prstGeom>
-        </p:spPr>
-        <p:txBody>
-          <a:bodyPr lIns="0" rIns="0" tIns="0" bIns="0" anchor="b">
-            <a:noAutofit/>
-          </a:bodyPr>
-          <a:p>
-            <a:pPr algn="r"/>
-            <a:fld id="{F0C8BC9A-FE6D-4B51-A5C0-02F5EC7EAA8F}" type="slidenum">
-              <a:rPr b="0" lang="en-US" sz="1400" spc="-1" strike="noStrike">
-                <a:latin typeface="Times New Roman"/>
-              </a:rPr>
-              <a:t>&lt;number&gt;</a:t>
-            </a:fld>
-            <a:endParaRPr b="0" lang="en-US" sz="1400" spc="-1" strike="noStrike">
-              <a:latin typeface="Times New Roman"/>
+          <a:lstStyle/>
+          <a:p>
+            <a:endParaRPr lang="en-US" sz="2000" b="0" strike="noStrike" spc="-1">
+              <a:latin typeface="Arial"/>
             </a:endParaRPr>
           </a:p>
         </p:txBody>
       </p:sp>
     </p:spTree>
   </p:cSld>
-  <p:clrMap bg1="lt1" bg2="lt2" tx1="dk1" tx2="dk2" accent1="accent1" accent2="accent2" accent3="accent3" accent4="accent4" accent5="accent5" accent6="accent6" hlink="hlink" folHlink="folHlink"/>
-</p:notesMaster>
+  <p:clrMapOvr>
+    <a:masterClrMapping/>
+  </p:clrMapOvr>
+</p:notes>
 </file>
 
-<file path=ppt/notesSlides/notesSlide1.xml><?xml version="1.0" encoding="utf-8"?>
-<p:notes xmlns:a="http://schemas.openxmlformats.org/drawingml/2006/main" xmlns:p="http://schemas.openxmlformats.org/presentationml/2006/main" xmlns:r="http://schemas.openxmlformats.org/officeDocument/2006/relationships" xmlns:p14="http://schemas.microsoft.com/office/powerpoint/2010/main" xmlns:p15="http://schemas.microsoft.com/office/powerpoint/2012/main" xmlns:mc="http://schemas.openxmlformats.org/markup-compatibility/2006">
+<file path=ppt/notesSlides/notesSlide2.xml><?xml version="1.0" encoding="utf-8"?>
+<p:notes xmlns:a="http://schemas.openxmlformats.org/drawingml/2006/main" xmlns:r="http://schemas.openxmlformats.org/officeDocument/2006/relationships" xmlns:p="http://schemas.openxmlformats.org/presentationml/2006/main">
   <p:cSld>
     <p:spTree>
       <p:nvGrpSpPr>
@@ -288,7 +607,7 @@
       </p:grpSpPr>
       <p:sp>
         <p:nvSpPr>
-          <p:cNvPr id="154" name="CustomShape 1"/>
+          <p:cNvPr id="157" name="CustomShape 1"/>
           <p:cNvSpPr/>
           <p:nvPr/>
         </p:nvSpPr>
@@ -306,42 +625,49 @@
           </a:ln>
         </p:spPr>
         <p:style>
-          <a:lnRef idx="0"/>
-          <a:fillRef idx="0"/>
-          <a:effectRef idx="0"/>
+          <a:lnRef idx="0">
+            <a:scrgbClr r="0" g="0" b="0"/>
+          </a:lnRef>
+          <a:fillRef idx="0">
+            <a:scrgbClr r="0" g="0" b="0"/>
+          </a:fillRef>
+          <a:effectRef idx="0">
+            <a:scrgbClr r="0" g="0" b="0"/>
+          </a:effectRef>
           <a:fontRef idx="minor"/>
         </p:style>
         <p:txBody>
-          <a:bodyPr lIns="0" rIns="0" tIns="0" bIns="0" anchor="b">
+          <a:bodyPr lIns="0" tIns="0" rIns="0" bIns="0" anchor="b">
             <a:noAutofit/>
           </a:bodyPr>
+          <a:lstStyle/>
           <a:p>
             <a:pPr algn="r">
               <a:lnSpc>
                 <a:spcPct val="93000"/>
               </a:lnSpc>
             </a:pPr>
-            <a:fld id="{0EFA2183-8B3E-4073-AA2B-4719A8A912D0}" type="slidenum">
-              <a:rPr b="0" lang="en-US" sz="1400" spc="-1" strike="noStrike">
+            <a:fld id="{4224723B-03C1-43E8-92CC-358796046CC7}" type="slidenum">
+              <a:rPr lang="en-US" sz="1400" b="0" strike="noStrike" spc="-1">
                 <a:solidFill>
                   <a:srgbClr val="000000"/>
                 </a:solidFill>
                 <a:latin typeface="Times New Roman"/>
                 <a:ea typeface="+mn-ea"/>
               </a:rPr>
-              <a:t>&lt;number&gt;</a:t>
+              <a:t>2</a:t>
             </a:fld>
-            <a:endParaRPr b="0" lang="en-US" sz="1400" spc="-1" strike="noStrike">
-              <a:latin typeface="Arial"/>
-            </a:endParaRPr>
-          </a:p>
-        </p:txBody>
-      </p:sp>
-      <p:sp>
-        <p:nvSpPr>
-          <p:cNvPr id="155" name="PlaceHolder 2"/>
-          <p:cNvSpPr>
-            <a:spLocks noGrp="1"/>
+            <a:endParaRPr lang="en-US" sz="1400" b="0" strike="noStrike" spc="-1">
+              <a:latin typeface="Arial"/>
+            </a:endParaRPr>
+          </a:p>
+        </p:txBody>
+      </p:sp>
+      <p:sp>
+        <p:nvSpPr>
+          <p:cNvPr id="158" name="PlaceHolder 2"/>
+          <p:cNvSpPr>
+            <a:spLocks noGrp="1" noRot="1" noChangeAspect="1"/>
           </p:cNvSpPr>
           <p:nvPr>
             <p:ph type="sldImg"/>
@@ -349,17 +675,17 @@
         </p:nvSpPr>
         <p:spPr>
           <a:xfrm>
-            <a:off x="533520" y="763560"/>
-            <a:ext cx="6703560" cy="3771720"/>
-          </a:xfrm>
-          <a:prstGeom prst="rect">
-            <a:avLst/>
-          </a:prstGeom>
-        </p:spPr>
-      </p:sp>
-      <p:sp>
-        <p:nvSpPr>
-          <p:cNvPr id="156" name="PlaceHolder 3"/>
+            <a:off x="533400" y="763588"/>
+            <a:ext cx="6704013" cy="3771900"/>
+          </a:xfrm>
+          <a:prstGeom prst="rect">
+            <a:avLst/>
+          </a:prstGeom>
+        </p:spPr>
+      </p:sp>
+      <p:sp>
+        <p:nvSpPr>
+          <p:cNvPr id="159" name="PlaceHolder 3"/>
           <p:cNvSpPr>
             <a:spLocks noGrp="1"/>
           </p:cNvSpPr>
@@ -377,11 +703,12 @@
           </a:prstGeom>
         </p:spPr>
         <p:txBody>
-          <a:bodyPr lIns="0" rIns="0" tIns="0" bIns="0" anchor="ctr">
+          <a:bodyPr lIns="0" tIns="0" rIns="0" bIns="0" anchor="ctr">
             <a:noAutofit/>
           </a:bodyPr>
-          <a:p>
-            <a:endParaRPr b="0" lang="en-US" sz="2000" spc="-1" strike="noStrike">
+          <a:lstStyle/>
+          <a:p>
+            <a:endParaRPr lang="en-US" sz="2000" b="0" strike="noStrike" spc="-1">
               <a:latin typeface="Arial"/>
             </a:endParaRPr>
           </a:p>
@@ -389,134 +716,14 @@
       </p:sp>
     </p:spTree>
   </p:cSld>
-</p:notes>
-</file>
-
-<file path=ppt/notesSlides/notesSlide2.xml><?xml version="1.0" encoding="utf-8"?>
-<p:notes xmlns:a="http://schemas.openxmlformats.org/drawingml/2006/main" xmlns:p="http://schemas.openxmlformats.org/presentationml/2006/main" xmlns:r="http://schemas.openxmlformats.org/officeDocument/2006/relationships" xmlns:p14="http://schemas.microsoft.com/office/powerpoint/2010/main" xmlns:p15="http://schemas.microsoft.com/office/powerpoint/2012/main" xmlns:mc="http://schemas.openxmlformats.org/markup-compatibility/2006">
-  <p:cSld>
-    <p:spTree>
-      <p:nvGrpSpPr>
-        <p:cNvPr id="1" name=""/>
-        <p:cNvGrpSpPr/>
-        <p:nvPr/>
-      </p:nvGrpSpPr>
-      <p:grpSpPr>
-        <a:xfrm>
-          <a:off x="0" y="0"/>
-          <a:ext cx="0" cy="0"/>
-          <a:chOff x="0" y="0"/>
-          <a:chExt cx="0" cy="0"/>
-        </a:xfrm>
-      </p:grpSpPr>
-      <p:sp>
-        <p:nvSpPr>
-          <p:cNvPr id="157" name="CustomShape 1"/>
-          <p:cNvSpPr/>
-          <p:nvPr/>
-        </p:nvSpPr>
-        <p:spPr>
-          <a:xfrm>
-            <a:off x="4398840" y="9555120"/>
-            <a:ext cx="3370680" cy="500400"/>
-          </a:xfrm>
-          <a:prstGeom prst="rect">
-            <a:avLst/>
-          </a:prstGeom>
-          <a:noFill/>
-          <a:ln>
-            <a:noFill/>
-          </a:ln>
-        </p:spPr>
-        <p:style>
-          <a:lnRef idx="0"/>
-          <a:fillRef idx="0"/>
-          <a:effectRef idx="0"/>
-          <a:fontRef idx="minor"/>
-        </p:style>
-        <p:txBody>
-          <a:bodyPr lIns="0" rIns="0" tIns="0" bIns="0" anchor="b">
-            <a:noAutofit/>
-          </a:bodyPr>
-          <a:p>
-            <a:pPr algn="r">
-              <a:lnSpc>
-                <a:spcPct val="93000"/>
-              </a:lnSpc>
-            </a:pPr>
-            <a:fld id="{4224723B-03C1-43E8-92CC-358796046CC7}" type="slidenum">
-              <a:rPr b="0" lang="en-US" sz="1400" spc="-1" strike="noStrike">
-                <a:solidFill>
-                  <a:srgbClr val="000000"/>
-                </a:solidFill>
-                <a:latin typeface="Times New Roman"/>
-                <a:ea typeface="+mn-ea"/>
-              </a:rPr>
-              <a:t>&lt;number&gt;</a:t>
-            </a:fld>
-            <a:endParaRPr b="0" lang="en-US" sz="1400" spc="-1" strike="noStrike">
-              <a:latin typeface="Arial"/>
-            </a:endParaRPr>
-          </a:p>
-        </p:txBody>
-      </p:sp>
-      <p:sp>
-        <p:nvSpPr>
-          <p:cNvPr id="158" name="PlaceHolder 2"/>
-          <p:cNvSpPr>
-            <a:spLocks noGrp="1"/>
-          </p:cNvSpPr>
-          <p:nvPr>
-            <p:ph type="sldImg"/>
-          </p:nvPr>
-        </p:nvSpPr>
-        <p:spPr>
-          <a:xfrm>
-            <a:off x="533520" y="763560"/>
-            <a:ext cx="6703560" cy="3771720"/>
-          </a:xfrm>
-          <a:prstGeom prst="rect">
-            <a:avLst/>
-          </a:prstGeom>
-        </p:spPr>
-      </p:sp>
-      <p:sp>
-        <p:nvSpPr>
-          <p:cNvPr id="159" name="PlaceHolder 3"/>
-          <p:cNvSpPr>
-            <a:spLocks noGrp="1"/>
-          </p:cNvSpPr>
-          <p:nvPr>
-            <p:ph type="body"/>
-          </p:nvPr>
-        </p:nvSpPr>
-        <p:spPr>
-          <a:xfrm>
-            <a:off x="777960" y="4776840"/>
-            <a:ext cx="6217200" cy="4524840"/>
-          </a:xfrm>
-          <a:prstGeom prst="rect">
-            <a:avLst/>
-          </a:prstGeom>
-        </p:spPr>
-        <p:txBody>
-          <a:bodyPr lIns="0" rIns="0" tIns="0" bIns="0" anchor="ctr">
-            <a:noAutofit/>
-          </a:bodyPr>
-          <a:p>
-            <a:endParaRPr b="0" lang="en-US" sz="2000" spc="-1" strike="noStrike">
-              <a:latin typeface="Arial"/>
-            </a:endParaRPr>
-          </a:p>
-        </p:txBody>
-      </p:sp>
-    </p:spTree>
-  </p:cSld>
+  <p:clrMapOvr>
+    <a:masterClrMapping/>
+  </p:clrMapOvr>
 </p:notes>
 </file>
 
 <file path=ppt/slideLayouts/slideLayout1.xml><?xml version="1.0" encoding="utf-8"?>
-<p:sldLayout xmlns:a="http://schemas.openxmlformats.org/drawingml/2006/main" xmlns:p="http://schemas.openxmlformats.org/presentationml/2006/main" xmlns:r="http://schemas.openxmlformats.org/officeDocument/2006/relationships" xmlns:p14="http://schemas.microsoft.com/office/powerpoint/2010/main" xmlns:p15="http://schemas.microsoft.com/office/powerpoint/2012/main" xmlns:mc="http://schemas.openxmlformats.org/markup-compatibility/2006" type="blank" preserve="1">
+<p:sldLayout xmlns:a="http://schemas.openxmlformats.org/drawingml/2006/main" xmlns:r="http://schemas.openxmlformats.org/officeDocument/2006/relationships" xmlns:p="http://schemas.openxmlformats.org/presentationml/2006/main" type="blank" preserve="1">
   <p:cSld name="Blank Slide">
     <p:spTree>
       <p:nvGrpSpPr>
@@ -534,11 +741,14 @@
       </p:grpSpPr>
     </p:spTree>
   </p:cSld>
+  <p:clrMapOvr>
+    <a:masterClrMapping/>
+  </p:clrMapOvr>
 </p:sldLayout>
 </file>
 
 <file path=ppt/slideLayouts/slideLayout10.xml><?xml version="1.0" encoding="utf-8"?>
-<p:sldLayout xmlns:a="http://schemas.openxmlformats.org/drawingml/2006/main" xmlns:p="http://schemas.openxmlformats.org/presentationml/2006/main" xmlns:r="http://schemas.openxmlformats.org/officeDocument/2006/relationships" xmlns:p14="http://schemas.microsoft.com/office/powerpoint/2010/main" xmlns:p15="http://schemas.microsoft.com/office/powerpoint/2012/main" xmlns:mc="http://schemas.openxmlformats.org/markup-compatibility/2006" type="objOverTx" preserve="1">
+<p:sldLayout xmlns:a="http://schemas.openxmlformats.org/drawingml/2006/main" xmlns:r="http://schemas.openxmlformats.org/officeDocument/2006/relationships" xmlns:p="http://schemas.openxmlformats.org/presentationml/2006/main" type="objOverTx" preserve="1">
   <p:cSld name="Title, Content over Content">
     <p:spTree>
       <p:nvGrpSpPr>
@@ -574,11 +784,12 @@
           </a:prstGeom>
         </p:spPr>
         <p:txBody>
-          <a:bodyPr lIns="0" rIns="0" tIns="0" bIns="0" anchor="ctr">
+          <a:bodyPr lIns="0" tIns="0" rIns="0" bIns="0" anchor="ctr">
             <a:noAutofit/>
           </a:bodyPr>
-          <a:p>
-            <a:endParaRPr b="0" lang="en-US" sz="1800" spc="-1" strike="noStrike">
+          <a:lstStyle/>
+          <a:p>
+            <a:endParaRPr lang="en-US" sz="1800" b="0" strike="noStrike" spc="-1">
               <a:solidFill>
                 <a:srgbClr val="000000"/>
               </a:solidFill>
@@ -607,13 +818,14 @@
           </a:prstGeom>
         </p:spPr>
         <p:txBody>
-          <a:bodyPr lIns="0" rIns="0" tIns="0" bIns="0">
+          <a:bodyPr lIns="0" tIns="0" rIns="0" bIns="0">
             <a:normAutofit/>
           </a:bodyPr>
-          <a:p>
-            <a:endParaRPr b="0" lang="en-US" sz="2400" spc="-1" strike="noStrike">
-              <a:solidFill>
-                <a:srgbClr val="ffffff"/>
+          <a:lstStyle/>
+          <a:p>
+            <a:endParaRPr lang="en-US" sz="2400" b="0" strike="noStrike" spc="-1">
+              <a:solidFill>
+                <a:srgbClr val="FFFFFF"/>
               </a:solidFill>
               <a:latin typeface="Arial"/>
             </a:endParaRPr>
@@ -640,13 +852,14 @@
           </a:prstGeom>
         </p:spPr>
         <p:txBody>
-          <a:bodyPr lIns="0" rIns="0" tIns="0" bIns="0">
+          <a:bodyPr lIns="0" tIns="0" rIns="0" bIns="0">
             <a:normAutofit/>
           </a:bodyPr>
-          <a:p>
-            <a:endParaRPr b="0" lang="en-US" sz="2400" spc="-1" strike="noStrike">
-              <a:solidFill>
-                <a:srgbClr val="ffffff"/>
+          <a:lstStyle/>
+          <a:p>
+            <a:endParaRPr lang="en-US" sz="2400" b="0" strike="noStrike" spc="-1">
+              <a:solidFill>
+                <a:srgbClr val="FFFFFF"/>
               </a:solidFill>
               <a:latin typeface="Arial"/>
             </a:endParaRPr>
@@ -655,11 +868,14 @@
       </p:sp>
     </p:spTree>
   </p:cSld>
+  <p:clrMapOvr>
+    <a:masterClrMapping/>
+  </p:clrMapOvr>
 </p:sldLayout>
 </file>
 
 <file path=ppt/slideLayouts/slideLayout11.xml><?xml version="1.0" encoding="utf-8"?>
-<p:sldLayout xmlns:a="http://schemas.openxmlformats.org/drawingml/2006/main" xmlns:p="http://schemas.openxmlformats.org/presentationml/2006/main" xmlns:r="http://schemas.openxmlformats.org/officeDocument/2006/relationships" xmlns:p14="http://schemas.microsoft.com/office/powerpoint/2010/main" xmlns:p15="http://schemas.microsoft.com/office/powerpoint/2012/main" xmlns:mc="http://schemas.openxmlformats.org/markup-compatibility/2006" type="fourObj" preserve="1">
+<p:sldLayout xmlns:a="http://schemas.openxmlformats.org/drawingml/2006/main" xmlns:r="http://schemas.openxmlformats.org/officeDocument/2006/relationships" xmlns:p="http://schemas.openxmlformats.org/presentationml/2006/main" type="fourObj" preserve="1">
   <p:cSld name="Title, 4 Content">
     <p:spTree>
       <p:nvGrpSpPr>
@@ -695,11 +911,12 @@
           </a:prstGeom>
         </p:spPr>
         <p:txBody>
-          <a:bodyPr lIns="0" rIns="0" tIns="0" bIns="0" anchor="ctr">
+          <a:bodyPr lIns="0" tIns="0" rIns="0" bIns="0" anchor="ctr">
             <a:noAutofit/>
           </a:bodyPr>
-          <a:p>
-            <a:endParaRPr b="0" lang="en-US" sz="1800" spc="-1" strike="noStrike">
+          <a:lstStyle/>
+          <a:p>
+            <a:endParaRPr lang="en-US" sz="1800" b="0" strike="noStrike" spc="-1">
               <a:solidFill>
                 <a:srgbClr val="000000"/>
               </a:solidFill>
@@ -728,13 +945,14 @@
           </a:prstGeom>
         </p:spPr>
         <p:txBody>
-          <a:bodyPr lIns="0" rIns="0" tIns="0" bIns="0">
+          <a:bodyPr lIns="0" tIns="0" rIns="0" bIns="0">
             <a:normAutofit/>
           </a:bodyPr>
-          <a:p>
-            <a:endParaRPr b="0" lang="en-US" sz="2400" spc="-1" strike="noStrike">
-              <a:solidFill>
-                <a:srgbClr val="ffffff"/>
+          <a:lstStyle/>
+          <a:p>
+            <a:endParaRPr lang="en-US" sz="2400" b="0" strike="noStrike" spc="-1">
+              <a:solidFill>
+                <a:srgbClr val="FFFFFF"/>
               </a:solidFill>
               <a:latin typeface="Arial"/>
             </a:endParaRPr>
@@ -761,13 +979,14 @@
           </a:prstGeom>
         </p:spPr>
         <p:txBody>
-          <a:bodyPr lIns="0" rIns="0" tIns="0" bIns="0">
+          <a:bodyPr lIns="0" tIns="0" rIns="0" bIns="0">
             <a:normAutofit/>
           </a:bodyPr>
-          <a:p>
-            <a:endParaRPr b="0" lang="en-US" sz="2400" spc="-1" strike="noStrike">
-              <a:solidFill>
-                <a:srgbClr val="ffffff"/>
+          <a:lstStyle/>
+          <a:p>
+            <a:endParaRPr lang="en-US" sz="2400" b="0" strike="noStrike" spc="-1">
+              <a:solidFill>
+                <a:srgbClr val="FFFFFF"/>
               </a:solidFill>
               <a:latin typeface="Arial"/>
             </a:endParaRPr>
@@ -794,13 +1013,14 @@
           </a:prstGeom>
         </p:spPr>
         <p:txBody>
-          <a:bodyPr lIns="0" rIns="0" tIns="0" bIns="0">
+          <a:bodyPr lIns="0" tIns="0" rIns="0" bIns="0">
             <a:normAutofit/>
           </a:bodyPr>
-          <a:p>
-            <a:endParaRPr b="0" lang="en-US" sz="2400" spc="-1" strike="noStrike">
-              <a:solidFill>
-                <a:srgbClr val="ffffff"/>
+          <a:lstStyle/>
+          <a:p>
+            <a:endParaRPr lang="en-US" sz="2400" b="0" strike="noStrike" spc="-1">
+              <a:solidFill>
+                <a:srgbClr val="FFFFFF"/>
               </a:solidFill>
               <a:latin typeface="Arial"/>
             </a:endParaRPr>
@@ -827,13 +1047,14 @@
           </a:prstGeom>
         </p:spPr>
         <p:txBody>
-          <a:bodyPr lIns="0" rIns="0" tIns="0" bIns="0">
+          <a:bodyPr lIns="0" tIns="0" rIns="0" bIns="0">
             <a:normAutofit/>
           </a:bodyPr>
-          <a:p>
-            <a:endParaRPr b="0" lang="en-US" sz="2400" spc="-1" strike="noStrike">
-              <a:solidFill>
-                <a:srgbClr val="ffffff"/>
+          <a:lstStyle/>
+          <a:p>
+            <a:endParaRPr lang="en-US" sz="2400" b="0" strike="noStrike" spc="-1">
+              <a:solidFill>
+                <a:srgbClr val="FFFFFF"/>
               </a:solidFill>
               <a:latin typeface="Arial"/>
             </a:endParaRPr>
@@ -842,11 +1063,14 @@
       </p:sp>
     </p:spTree>
   </p:cSld>
+  <p:clrMapOvr>
+    <a:masterClrMapping/>
+  </p:clrMapOvr>
 </p:sldLayout>
 </file>
 
 <file path=ppt/slideLayouts/slideLayout12.xml><?xml version="1.0" encoding="utf-8"?>
-<p:sldLayout xmlns:a="http://schemas.openxmlformats.org/drawingml/2006/main" xmlns:p="http://schemas.openxmlformats.org/presentationml/2006/main" xmlns:r="http://schemas.openxmlformats.org/officeDocument/2006/relationships" xmlns:p14="http://schemas.microsoft.com/office/powerpoint/2010/main" xmlns:p15="http://schemas.microsoft.com/office/powerpoint/2012/main" xmlns:mc="http://schemas.openxmlformats.org/markup-compatibility/2006" type="blank" preserve="1">
+<p:sldLayout xmlns:a="http://schemas.openxmlformats.org/drawingml/2006/main" xmlns:r="http://schemas.openxmlformats.org/officeDocument/2006/relationships" xmlns:p="http://schemas.openxmlformats.org/presentationml/2006/main" type="blank" preserve="1">
   <p:cSld name="Title, 6 Content">
     <p:spTree>
       <p:nvGrpSpPr>
@@ -882,11 +1106,12 @@
           </a:prstGeom>
         </p:spPr>
         <p:txBody>
-          <a:bodyPr lIns="0" rIns="0" tIns="0" bIns="0" anchor="ctr">
+          <a:bodyPr lIns="0" tIns="0" rIns="0" bIns="0" anchor="ctr">
             <a:noAutofit/>
           </a:bodyPr>
-          <a:p>
-            <a:endParaRPr b="0" lang="en-US" sz="1800" spc="-1" strike="noStrike">
+          <a:lstStyle/>
+          <a:p>
+            <a:endParaRPr lang="en-US" sz="1800" b="0" strike="noStrike" spc="-1">
               <a:solidFill>
                 <a:srgbClr val="000000"/>
               </a:solidFill>
@@ -915,13 +1140,14 @@
           </a:prstGeom>
         </p:spPr>
         <p:txBody>
-          <a:bodyPr lIns="0" rIns="0" tIns="0" bIns="0">
+          <a:bodyPr lIns="0" tIns="0" rIns="0" bIns="0">
             <a:normAutofit/>
           </a:bodyPr>
-          <a:p>
-            <a:endParaRPr b="0" lang="en-US" sz="2400" spc="-1" strike="noStrike">
-              <a:solidFill>
-                <a:srgbClr val="ffffff"/>
+          <a:lstStyle/>
+          <a:p>
+            <a:endParaRPr lang="en-US" sz="2400" b="0" strike="noStrike" spc="-1">
+              <a:solidFill>
+                <a:srgbClr val="FFFFFF"/>
               </a:solidFill>
               <a:latin typeface="Arial"/>
             </a:endParaRPr>
@@ -948,13 +1174,14 @@
           </a:prstGeom>
         </p:spPr>
         <p:txBody>
-          <a:bodyPr lIns="0" rIns="0" tIns="0" bIns="0">
+          <a:bodyPr lIns="0" tIns="0" rIns="0" bIns="0">
             <a:normAutofit/>
           </a:bodyPr>
-          <a:p>
-            <a:endParaRPr b="0" lang="en-US" sz="2400" spc="-1" strike="noStrike">
-              <a:solidFill>
-                <a:srgbClr val="ffffff"/>
+          <a:lstStyle/>
+          <a:p>
+            <a:endParaRPr lang="en-US" sz="2400" b="0" strike="noStrike" spc="-1">
+              <a:solidFill>
+                <a:srgbClr val="FFFFFF"/>
               </a:solidFill>
               <a:latin typeface="Arial"/>
             </a:endParaRPr>
@@ -981,13 +1208,14 @@
           </a:prstGeom>
         </p:spPr>
         <p:txBody>
-          <a:bodyPr lIns="0" rIns="0" tIns="0" bIns="0">
+          <a:bodyPr lIns="0" tIns="0" rIns="0" bIns="0">
             <a:normAutofit/>
           </a:bodyPr>
-          <a:p>
-            <a:endParaRPr b="0" lang="en-US" sz="2400" spc="-1" strike="noStrike">
-              <a:solidFill>
-                <a:srgbClr val="ffffff"/>
+          <a:lstStyle/>
+          <a:p>
+            <a:endParaRPr lang="en-US" sz="2400" b="0" strike="noStrike" spc="-1">
+              <a:solidFill>
+                <a:srgbClr val="FFFFFF"/>
               </a:solidFill>
               <a:latin typeface="Arial"/>
             </a:endParaRPr>
@@ -1014,13 +1242,14 @@
           </a:prstGeom>
         </p:spPr>
         <p:txBody>
-          <a:bodyPr lIns="0" rIns="0" tIns="0" bIns="0">
+          <a:bodyPr lIns="0" tIns="0" rIns="0" bIns="0">
             <a:normAutofit/>
           </a:bodyPr>
-          <a:p>
-            <a:endParaRPr b="0" lang="en-US" sz="2400" spc="-1" strike="noStrike">
-              <a:solidFill>
-                <a:srgbClr val="ffffff"/>
+          <a:lstStyle/>
+          <a:p>
+            <a:endParaRPr lang="en-US" sz="2400" b="0" strike="noStrike" spc="-1">
+              <a:solidFill>
+                <a:srgbClr val="FFFFFF"/>
               </a:solidFill>
               <a:latin typeface="Arial"/>
             </a:endParaRPr>
@@ -1047,13 +1276,14 @@
           </a:prstGeom>
         </p:spPr>
         <p:txBody>
-          <a:bodyPr lIns="0" rIns="0" tIns="0" bIns="0">
+          <a:bodyPr lIns="0" tIns="0" rIns="0" bIns="0">
             <a:normAutofit/>
           </a:bodyPr>
-          <a:p>
-            <a:endParaRPr b="0" lang="en-US" sz="2400" spc="-1" strike="noStrike">
-              <a:solidFill>
-                <a:srgbClr val="ffffff"/>
+          <a:lstStyle/>
+          <a:p>
+            <a:endParaRPr lang="en-US" sz="2400" b="0" strike="noStrike" spc="-1">
+              <a:solidFill>
+                <a:srgbClr val="FFFFFF"/>
               </a:solidFill>
               <a:latin typeface="Arial"/>
             </a:endParaRPr>
@@ -1080,13 +1310,14 @@
           </a:prstGeom>
         </p:spPr>
         <p:txBody>
-          <a:bodyPr lIns="0" rIns="0" tIns="0" bIns="0">
+          <a:bodyPr lIns="0" tIns="0" rIns="0" bIns="0">
             <a:normAutofit/>
           </a:bodyPr>
-          <a:p>
-            <a:endParaRPr b="0" lang="en-US" sz="2400" spc="-1" strike="noStrike">
-              <a:solidFill>
-                <a:srgbClr val="ffffff"/>
+          <a:lstStyle/>
+          <a:p>
+            <a:endParaRPr lang="en-US" sz="2400" b="0" strike="noStrike" spc="-1">
+              <a:solidFill>
+                <a:srgbClr val="FFFFFF"/>
               </a:solidFill>
               <a:latin typeface="Arial"/>
             </a:endParaRPr>
@@ -1095,11 +1326,14 @@
       </p:sp>
     </p:spTree>
   </p:cSld>
+  <p:clrMapOvr>
+    <a:masterClrMapping/>
+  </p:clrMapOvr>
 </p:sldLayout>
 </file>
 
 <file path=ppt/slideLayouts/slideLayout13.xml><?xml version="1.0" encoding="utf-8"?>
-<p:sldLayout xmlns:a="http://schemas.openxmlformats.org/drawingml/2006/main" xmlns:p="http://schemas.openxmlformats.org/presentationml/2006/main" xmlns:r="http://schemas.openxmlformats.org/officeDocument/2006/relationships" xmlns:p14="http://schemas.microsoft.com/office/powerpoint/2010/main" xmlns:p15="http://schemas.microsoft.com/office/powerpoint/2012/main" xmlns:mc="http://schemas.openxmlformats.org/markup-compatibility/2006" type="blank" preserve="1">
+<p:sldLayout xmlns:a="http://schemas.openxmlformats.org/drawingml/2006/main" xmlns:r="http://schemas.openxmlformats.org/officeDocument/2006/relationships" xmlns:p="http://schemas.openxmlformats.org/presentationml/2006/main" type="blank" preserve="1">
   <p:cSld name="Blank Slide">
     <p:spTree>
       <p:nvGrpSpPr>
@@ -1117,11 +1351,14 @@
       </p:grpSpPr>
     </p:spTree>
   </p:cSld>
+  <p:clrMapOvr>
+    <a:masterClrMapping/>
+  </p:clrMapOvr>
 </p:sldLayout>
 </file>
 
 <file path=ppt/slideLayouts/slideLayout14.xml><?xml version="1.0" encoding="utf-8"?>
-<p:sldLayout xmlns:a="http://schemas.openxmlformats.org/drawingml/2006/main" xmlns:p="http://schemas.openxmlformats.org/presentationml/2006/main" xmlns:r="http://schemas.openxmlformats.org/officeDocument/2006/relationships" xmlns:p14="http://schemas.microsoft.com/office/powerpoint/2010/main" xmlns:p15="http://schemas.microsoft.com/office/powerpoint/2012/main" xmlns:mc="http://schemas.openxmlformats.org/markup-compatibility/2006" type="tx" preserve="1">
+<p:sldLayout xmlns:a="http://schemas.openxmlformats.org/drawingml/2006/main" xmlns:r="http://schemas.openxmlformats.org/officeDocument/2006/relationships" xmlns:p="http://schemas.openxmlformats.org/presentationml/2006/main" type="tx" preserve="1">
   <p:cSld name="Title Slide">
     <p:spTree>
       <p:nvGrpSpPr>
@@ -1157,11 +1394,12 @@
           </a:prstGeom>
         </p:spPr>
         <p:txBody>
-          <a:bodyPr lIns="0" rIns="0" tIns="0" bIns="0" anchor="ctr">
+          <a:bodyPr lIns="0" tIns="0" rIns="0" bIns="0" anchor="ctr">
             <a:noAutofit/>
           </a:bodyPr>
-          <a:p>
-            <a:endParaRPr b="0" lang="en-US" sz="1800" spc="-1" strike="noStrike">
+          <a:lstStyle/>
+          <a:p>
+            <a:endParaRPr lang="en-US" sz="1800" b="0" strike="noStrike" spc="-1">
               <a:solidFill>
                 <a:srgbClr val="000000"/>
               </a:solidFill>
@@ -1190,12 +1428,13 @@
           </a:prstGeom>
         </p:spPr>
         <p:txBody>
-          <a:bodyPr lIns="0" rIns="0" tIns="0" bIns="0" anchor="ctr">
+          <a:bodyPr lIns="0" tIns="0" rIns="0" bIns="0" anchor="ctr">
             <a:noAutofit/>
           </a:bodyPr>
+          <a:lstStyle/>
           <a:p>
             <a:pPr algn="ctr"/>
-            <a:endParaRPr b="0" lang="en-US" sz="3200" spc="-1" strike="noStrike">
+            <a:endParaRPr lang="en-US" sz="3200" b="0" strike="noStrike" spc="-1">
               <a:latin typeface="Arial"/>
             </a:endParaRPr>
           </a:p>
@@ -1203,11 +1442,14 @@
       </p:sp>
     </p:spTree>
   </p:cSld>
+  <p:clrMapOvr>
+    <a:masterClrMapping/>
+  </p:clrMapOvr>
 </p:sldLayout>
 </file>
 
 <file path=ppt/slideLayouts/slideLayout15.xml><?xml version="1.0" encoding="utf-8"?>
-<p:sldLayout xmlns:a="http://schemas.openxmlformats.org/drawingml/2006/main" xmlns:p="http://schemas.openxmlformats.org/presentationml/2006/main" xmlns:r="http://schemas.openxmlformats.org/officeDocument/2006/relationships" xmlns:p14="http://schemas.microsoft.com/office/powerpoint/2010/main" xmlns:p15="http://schemas.microsoft.com/office/powerpoint/2012/main" xmlns:mc="http://schemas.openxmlformats.org/markup-compatibility/2006" type="obj" preserve="1">
+<p:sldLayout xmlns:a="http://schemas.openxmlformats.org/drawingml/2006/main" xmlns:r="http://schemas.openxmlformats.org/officeDocument/2006/relationships" xmlns:p="http://schemas.openxmlformats.org/presentationml/2006/main" type="obj" preserve="1">
   <p:cSld name="Title, Content">
     <p:spTree>
       <p:nvGrpSpPr>
@@ -1243,11 +1485,12 @@
           </a:prstGeom>
         </p:spPr>
         <p:txBody>
-          <a:bodyPr lIns="0" rIns="0" tIns="0" bIns="0" anchor="ctr">
+          <a:bodyPr lIns="0" tIns="0" rIns="0" bIns="0" anchor="ctr">
             <a:noAutofit/>
           </a:bodyPr>
-          <a:p>
-            <a:endParaRPr b="0" lang="en-US" sz="1800" spc="-1" strike="noStrike">
+          <a:lstStyle/>
+          <a:p>
+            <a:endParaRPr lang="en-US" sz="1800" b="0" strike="noStrike" spc="-1">
               <a:solidFill>
                 <a:srgbClr val="000000"/>
               </a:solidFill>
@@ -1276,13 +1519,14 @@
           </a:prstGeom>
         </p:spPr>
         <p:txBody>
-          <a:bodyPr lIns="0" rIns="0" tIns="0" bIns="0">
+          <a:bodyPr lIns="0" tIns="0" rIns="0" bIns="0">
             <a:normAutofit/>
           </a:bodyPr>
-          <a:p>
-            <a:endParaRPr b="0" lang="en-US" sz="2400" spc="-1" strike="noStrike">
-              <a:solidFill>
-                <a:srgbClr val="ffffff"/>
+          <a:lstStyle/>
+          <a:p>
+            <a:endParaRPr lang="en-US" sz="2400" b="0" strike="noStrike" spc="-1">
+              <a:solidFill>
+                <a:srgbClr val="FFFFFF"/>
               </a:solidFill>
               <a:latin typeface="Arial"/>
             </a:endParaRPr>
@@ -1291,11 +1535,14 @@
       </p:sp>
     </p:spTree>
   </p:cSld>
+  <p:clrMapOvr>
+    <a:masterClrMapping/>
+  </p:clrMapOvr>
 </p:sldLayout>
 </file>
 
 <file path=ppt/slideLayouts/slideLayout16.xml><?xml version="1.0" encoding="utf-8"?>
-<p:sldLayout xmlns:a="http://schemas.openxmlformats.org/drawingml/2006/main" xmlns:p="http://schemas.openxmlformats.org/presentationml/2006/main" xmlns:r="http://schemas.openxmlformats.org/officeDocument/2006/relationships" xmlns:p14="http://schemas.microsoft.com/office/powerpoint/2010/main" xmlns:p15="http://schemas.microsoft.com/office/powerpoint/2012/main" xmlns:mc="http://schemas.openxmlformats.org/markup-compatibility/2006" type="twoObj" preserve="1">
+<p:sldLayout xmlns:a="http://schemas.openxmlformats.org/drawingml/2006/main" xmlns:r="http://schemas.openxmlformats.org/officeDocument/2006/relationships" xmlns:p="http://schemas.openxmlformats.org/presentationml/2006/main" type="twoObj" preserve="1">
   <p:cSld name="Title, 2 Content">
     <p:spTree>
       <p:nvGrpSpPr>
@@ -1331,11 +1578,12 @@
           </a:prstGeom>
         </p:spPr>
         <p:txBody>
-          <a:bodyPr lIns="0" rIns="0" tIns="0" bIns="0" anchor="ctr">
+          <a:bodyPr lIns="0" tIns="0" rIns="0" bIns="0" anchor="ctr">
             <a:noAutofit/>
           </a:bodyPr>
-          <a:p>
-            <a:endParaRPr b="0" lang="en-US" sz="1800" spc="-1" strike="noStrike">
+          <a:lstStyle/>
+          <a:p>
+            <a:endParaRPr lang="en-US" sz="1800" b="0" strike="noStrike" spc="-1">
               <a:solidFill>
                 <a:srgbClr val="000000"/>
               </a:solidFill>
@@ -1364,13 +1612,14 @@
           </a:prstGeom>
         </p:spPr>
         <p:txBody>
-          <a:bodyPr lIns="0" rIns="0" tIns="0" bIns="0">
+          <a:bodyPr lIns="0" tIns="0" rIns="0" bIns="0">
             <a:normAutofit/>
           </a:bodyPr>
-          <a:p>
-            <a:endParaRPr b="0" lang="en-US" sz="2400" spc="-1" strike="noStrike">
-              <a:solidFill>
-                <a:srgbClr val="ffffff"/>
+          <a:lstStyle/>
+          <a:p>
+            <a:endParaRPr lang="en-US" sz="2400" b="0" strike="noStrike" spc="-1">
+              <a:solidFill>
+                <a:srgbClr val="FFFFFF"/>
               </a:solidFill>
               <a:latin typeface="Arial"/>
             </a:endParaRPr>
@@ -1397,13 +1646,14 @@
           </a:prstGeom>
         </p:spPr>
         <p:txBody>
-          <a:bodyPr lIns="0" rIns="0" tIns="0" bIns="0">
+          <a:bodyPr lIns="0" tIns="0" rIns="0" bIns="0">
             <a:normAutofit/>
           </a:bodyPr>
-          <a:p>
-            <a:endParaRPr b="0" lang="en-US" sz="2400" spc="-1" strike="noStrike">
-              <a:solidFill>
-                <a:srgbClr val="ffffff"/>
+          <a:lstStyle/>
+          <a:p>
+            <a:endParaRPr lang="en-US" sz="2400" b="0" strike="noStrike" spc="-1">
+              <a:solidFill>
+                <a:srgbClr val="FFFFFF"/>
               </a:solidFill>
               <a:latin typeface="Arial"/>
             </a:endParaRPr>
@@ -1412,11 +1662,14 @@
       </p:sp>
     </p:spTree>
   </p:cSld>
+  <p:clrMapOvr>
+    <a:masterClrMapping/>
+  </p:clrMapOvr>
 </p:sldLayout>
 </file>
 
 <file path=ppt/slideLayouts/slideLayout17.xml><?xml version="1.0" encoding="utf-8"?>
-<p:sldLayout xmlns:a="http://schemas.openxmlformats.org/drawingml/2006/main" xmlns:p="http://schemas.openxmlformats.org/presentationml/2006/main" xmlns:r="http://schemas.openxmlformats.org/officeDocument/2006/relationships" xmlns:p14="http://schemas.microsoft.com/office/powerpoint/2010/main" xmlns:p15="http://schemas.microsoft.com/office/powerpoint/2012/main" xmlns:mc="http://schemas.openxmlformats.org/markup-compatibility/2006" type="titleOnly" preserve="1">
+<p:sldLayout xmlns:a="http://schemas.openxmlformats.org/drawingml/2006/main" xmlns:r="http://schemas.openxmlformats.org/officeDocument/2006/relationships" xmlns:p="http://schemas.openxmlformats.org/presentationml/2006/main" type="titleOnly" preserve="1">
   <p:cSld name="Title Only">
     <p:spTree>
       <p:nvGrpSpPr>
@@ -1452,11 +1705,12 @@
           </a:prstGeom>
         </p:spPr>
         <p:txBody>
-          <a:bodyPr lIns="0" rIns="0" tIns="0" bIns="0" anchor="ctr">
+          <a:bodyPr lIns="0" tIns="0" rIns="0" bIns="0" anchor="ctr">
             <a:noAutofit/>
           </a:bodyPr>
-          <a:p>
-            <a:endParaRPr b="0" lang="en-US" sz="1800" spc="-1" strike="noStrike">
+          <a:lstStyle/>
+          <a:p>
+            <a:endParaRPr lang="en-US" sz="1800" b="0" strike="noStrike" spc="-1">
               <a:solidFill>
                 <a:srgbClr val="000000"/>
               </a:solidFill>
@@ -1467,11 +1721,14 @@
       </p:sp>
     </p:spTree>
   </p:cSld>
+  <p:clrMapOvr>
+    <a:masterClrMapping/>
+  </p:clrMapOvr>
 </p:sldLayout>
 </file>
 
 <file path=ppt/slideLayouts/slideLayout18.xml><?xml version="1.0" encoding="utf-8"?>
-<p:sldLayout xmlns:a="http://schemas.openxmlformats.org/drawingml/2006/main" xmlns:p="http://schemas.openxmlformats.org/presentationml/2006/main" xmlns:r="http://schemas.openxmlformats.org/officeDocument/2006/relationships" xmlns:p14="http://schemas.microsoft.com/office/powerpoint/2010/main" xmlns:p15="http://schemas.microsoft.com/office/powerpoint/2012/main" xmlns:mc="http://schemas.openxmlformats.org/markup-compatibility/2006" type="objOnly" preserve="1">
+<p:sldLayout xmlns:a="http://schemas.openxmlformats.org/drawingml/2006/main" xmlns:r="http://schemas.openxmlformats.org/officeDocument/2006/relationships" xmlns:p="http://schemas.openxmlformats.org/presentationml/2006/main" type="objOnly" preserve="1">
   <p:cSld name="Centered Text">
     <p:spTree>
       <p:nvGrpSpPr>
@@ -1507,12 +1764,13 @@
           </a:prstGeom>
         </p:spPr>
         <p:txBody>
-          <a:bodyPr lIns="0" rIns="0" tIns="0" bIns="0" anchor="ctr">
+          <a:bodyPr lIns="0" tIns="0" rIns="0" bIns="0" anchor="ctr">
             <a:noAutofit/>
           </a:bodyPr>
+          <a:lstStyle/>
           <a:p>
             <a:pPr algn="ctr"/>
-            <a:endParaRPr b="0" lang="en-US" sz="3200" spc="-1" strike="noStrike">
+            <a:endParaRPr lang="en-US" sz="3200" b="0" strike="noStrike" spc="-1">
               <a:latin typeface="Arial"/>
             </a:endParaRPr>
           </a:p>
@@ -1520,11 +1778,14 @@
       </p:sp>
     </p:spTree>
   </p:cSld>
+  <p:clrMapOvr>
+    <a:masterClrMapping/>
+  </p:clrMapOvr>
 </p:sldLayout>
 </file>
 
 <file path=ppt/slideLayouts/slideLayout19.xml><?xml version="1.0" encoding="utf-8"?>
-<p:sldLayout xmlns:a="http://schemas.openxmlformats.org/drawingml/2006/main" xmlns:p="http://schemas.openxmlformats.org/presentationml/2006/main" xmlns:r="http://schemas.openxmlformats.org/officeDocument/2006/relationships" xmlns:p14="http://schemas.microsoft.com/office/powerpoint/2010/main" xmlns:p15="http://schemas.microsoft.com/office/powerpoint/2012/main" xmlns:mc="http://schemas.openxmlformats.org/markup-compatibility/2006" type="twoObjAndObj" preserve="1">
+<p:sldLayout xmlns:a="http://schemas.openxmlformats.org/drawingml/2006/main" xmlns:r="http://schemas.openxmlformats.org/officeDocument/2006/relationships" xmlns:p="http://schemas.openxmlformats.org/presentationml/2006/main" type="twoObjAndObj" preserve="1">
   <p:cSld name="Title, 2 Content and Content">
     <p:spTree>
       <p:nvGrpSpPr>
@@ -1560,11 +1821,12 @@
           </a:prstGeom>
         </p:spPr>
         <p:txBody>
-          <a:bodyPr lIns="0" rIns="0" tIns="0" bIns="0" anchor="ctr">
+          <a:bodyPr lIns="0" tIns="0" rIns="0" bIns="0" anchor="ctr">
             <a:noAutofit/>
           </a:bodyPr>
-          <a:p>
-            <a:endParaRPr b="0" lang="en-US" sz="1800" spc="-1" strike="noStrike">
+          <a:lstStyle/>
+          <a:p>
+            <a:endParaRPr lang="en-US" sz="1800" b="0" strike="noStrike" spc="-1">
               <a:solidFill>
                 <a:srgbClr val="000000"/>
               </a:solidFill>
@@ -1593,13 +1855,14 @@
           </a:prstGeom>
         </p:spPr>
         <p:txBody>
-          <a:bodyPr lIns="0" rIns="0" tIns="0" bIns="0">
+          <a:bodyPr lIns="0" tIns="0" rIns="0" bIns="0">
             <a:normAutofit/>
           </a:bodyPr>
-          <a:p>
-            <a:endParaRPr b="0" lang="en-US" sz="2400" spc="-1" strike="noStrike">
-              <a:solidFill>
-                <a:srgbClr val="ffffff"/>
+          <a:lstStyle/>
+          <a:p>
+            <a:endParaRPr lang="en-US" sz="2400" b="0" strike="noStrike" spc="-1">
+              <a:solidFill>
+                <a:srgbClr val="FFFFFF"/>
               </a:solidFill>
               <a:latin typeface="Arial"/>
             </a:endParaRPr>
@@ -1626,13 +1889,14 @@
           </a:prstGeom>
         </p:spPr>
         <p:txBody>
-          <a:bodyPr lIns="0" rIns="0" tIns="0" bIns="0">
+          <a:bodyPr lIns="0" tIns="0" rIns="0" bIns="0">
             <a:normAutofit/>
           </a:bodyPr>
-          <a:p>
-            <a:endParaRPr b="0" lang="en-US" sz="2400" spc="-1" strike="noStrike">
-              <a:solidFill>
-                <a:srgbClr val="ffffff"/>
+          <a:lstStyle/>
+          <a:p>
+            <a:endParaRPr lang="en-US" sz="2400" b="0" strike="noStrike" spc="-1">
+              <a:solidFill>
+                <a:srgbClr val="FFFFFF"/>
               </a:solidFill>
               <a:latin typeface="Arial"/>
             </a:endParaRPr>
@@ -1659,13 +1923,14 @@
           </a:prstGeom>
         </p:spPr>
         <p:txBody>
-          <a:bodyPr lIns="0" rIns="0" tIns="0" bIns="0">
+          <a:bodyPr lIns="0" tIns="0" rIns="0" bIns="0">
             <a:normAutofit/>
           </a:bodyPr>
-          <a:p>
-            <a:endParaRPr b="0" lang="en-US" sz="2400" spc="-1" strike="noStrike">
-              <a:solidFill>
-                <a:srgbClr val="ffffff"/>
+          <a:lstStyle/>
+          <a:p>
+            <a:endParaRPr lang="en-US" sz="2400" b="0" strike="noStrike" spc="-1">
+              <a:solidFill>
+                <a:srgbClr val="FFFFFF"/>
               </a:solidFill>
               <a:latin typeface="Arial"/>
             </a:endParaRPr>
@@ -1674,11 +1939,14 @@
       </p:sp>
     </p:spTree>
   </p:cSld>
+  <p:clrMapOvr>
+    <a:masterClrMapping/>
+  </p:clrMapOvr>
 </p:sldLayout>
 </file>
 
 <file path=ppt/slideLayouts/slideLayout2.xml><?xml version="1.0" encoding="utf-8"?>
-<p:sldLayout xmlns:a="http://schemas.openxmlformats.org/drawingml/2006/main" xmlns:p="http://schemas.openxmlformats.org/presentationml/2006/main" xmlns:r="http://schemas.openxmlformats.org/officeDocument/2006/relationships" xmlns:p14="http://schemas.microsoft.com/office/powerpoint/2010/main" xmlns:p15="http://schemas.microsoft.com/office/powerpoint/2012/main" xmlns:mc="http://schemas.openxmlformats.org/markup-compatibility/2006" type="tx" preserve="1">
+<p:sldLayout xmlns:a="http://schemas.openxmlformats.org/drawingml/2006/main" xmlns:r="http://schemas.openxmlformats.org/officeDocument/2006/relationships" xmlns:p="http://schemas.openxmlformats.org/presentationml/2006/main" type="tx" preserve="1">
   <p:cSld name="Title Slide">
     <p:spTree>
       <p:nvGrpSpPr>
@@ -1714,11 +1982,12 @@
           </a:prstGeom>
         </p:spPr>
         <p:txBody>
-          <a:bodyPr lIns="0" rIns="0" tIns="0" bIns="0" anchor="ctr">
+          <a:bodyPr lIns="0" tIns="0" rIns="0" bIns="0" anchor="ctr">
             <a:noAutofit/>
           </a:bodyPr>
-          <a:p>
-            <a:endParaRPr b="0" lang="en-US" sz="1800" spc="-1" strike="noStrike">
+          <a:lstStyle/>
+          <a:p>
+            <a:endParaRPr lang="en-US" sz="1800" b="0" strike="noStrike" spc="-1">
               <a:solidFill>
                 <a:srgbClr val="000000"/>
               </a:solidFill>
@@ -1747,12 +2016,13 @@
           </a:prstGeom>
         </p:spPr>
         <p:txBody>
-          <a:bodyPr lIns="0" rIns="0" tIns="0" bIns="0" anchor="ctr">
+          <a:bodyPr lIns="0" tIns="0" rIns="0" bIns="0" anchor="ctr">
             <a:noAutofit/>
           </a:bodyPr>
+          <a:lstStyle/>
           <a:p>
             <a:pPr algn="ctr"/>
-            <a:endParaRPr b="0" lang="en-US" sz="3200" spc="-1" strike="noStrike">
+            <a:endParaRPr lang="en-US" sz="3200" b="0" strike="noStrike" spc="-1">
               <a:latin typeface="Arial"/>
             </a:endParaRPr>
           </a:p>
@@ -1760,11 +2030,14 @@
       </p:sp>
     </p:spTree>
   </p:cSld>
+  <p:clrMapOvr>
+    <a:masterClrMapping/>
+  </p:clrMapOvr>
 </p:sldLayout>
 </file>
 
 <file path=ppt/slideLayouts/slideLayout20.xml><?xml version="1.0" encoding="utf-8"?>
-<p:sldLayout xmlns:a="http://schemas.openxmlformats.org/drawingml/2006/main" xmlns:p="http://schemas.openxmlformats.org/presentationml/2006/main" xmlns:r="http://schemas.openxmlformats.org/officeDocument/2006/relationships" xmlns:p14="http://schemas.microsoft.com/office/powerpoint/2010/main" xmlns:p15="http://schemas.microsoft.com/office/powerpoint/2012/main" xmlns:mc="http://schemas.openxmlformats.org/markup-compatibility/2006" type="objAndTwoObj" preserve="1">
+<p:sldLayout xmlns:a="http://schemas.openxmlformats.org/drawingml/2006/main" xmlns:r="http://schemas.openxmlformats.org/officeDocument/2006/relationships" xmlns:p="http://schemas.openxmlformats.org/presentationml/2006/main" type="objAndTwoObj" preserve="1">
   <p:cSld name="Title Content and 2 Content">
     <p:spTree>
       <p:nvGrpSpPr>
@@ -1800,11 +2073,12 @@
           </a:prstGeom>
         </p:spPr>
         <p:txBody>
-          <a:bodyPr lIns="0" rIns="0" tIns="0" bIns="0" anchor="ctr">
+          <a:bodyPr lIns="0" tIns="0" rIns="0" bIns="0" anchor="ctr">
             <a:noAutofit/>
           </a:bodyPr>
-          <a:p>
-            <a:endParaRPr b="0" lang="en-US" sz="1800" spc="-1" strike="noStrike">
+          <a:lstStyle/>
+          <a:p>
+            <a:endParaRPr lang="en-US" sz="1800" b="0" strike="noStrike" spc="-1">
               <a:solidFill>
                 <a:srgbClr val="000000"/>
               </a:solidFill>
@@ -1833,13 +2107,14 @@
           </a:prstGeom>
         </p:spPr>
         <p:txBody>
-          <a:bodyPr lIns="0" rIns="0" tIns="0" bIns="0">
+          <a:bodyPr lIns="0" tIns="0" rIns="0" bIns="0">
             <a:normAutofit/>
           </a:bodyPr>
-          <a:p>
-            <a:endParaRPr b="0" lang="en-US" sz="2400" spc="-1" strike="noStrike">
-              <a:solidFill>
-                <a:srgbClr val="ffffff"/>
+          <a:lstStyle/>
+          <a:p>
+            <a:endParaRPr lang="en-US" sz="2400" b="0" strike="noStrike" spc="-1">
+              <a:solidFill>
+                <a:srgbClr val="FFFFFF"/>
               </a:solidFill>
               <a:latin typeface="Arial"/>
             </a:endParaRPr>
@@ -1866,13 +2141,14 @@
           </a:prstGeom>
         </p:spPr>
         <p:txBody>
-          <a:bodyPr lIns="0" rIns="0" tIns="0" bIns="0">
+          <a:bodyPr lIns="0" tIns="0" rIns="0" bIns="0">
             <a:normAutofit/>
           </a:bodyPr>
-          <a:p>
-            <a:endParaRPr b="0" lang="en-US" sz="2400" spc="-1" strike="noStrike">
-              <a:solidFill>
-                <a:srgbClr val="ffffff"/>
+          <a:lstStyle/>
+          <a:p>
+            <a:endParaRPr lang="en-US" sz="2400" b="0" strike="noStrike" spc="-1">
+              <a:solidFill>
+                <a:srgbClr val="FFFFFF"/>
               </a:solidFill>
               <a:latin typeface="Arial"/>
             </a:endParaRPr>
@@ -1899,13 +2175,14 @@
           </a:prstGeom>
         </p:spPr>
         <p:txBody>
-          <a:bodyPr lIns="0" rIns="0" tIns="0" bIns="0">
+          <a:bodyPr lIns="0" tIns="0" rIns="0" bIns="0">
             <a:normAutofit/>
           </a:bodyPr>
-          <a:p>
-            <a:endParaRPr b="0" lang="en-US" sz="2400" spc="-1" strike="noStrike">
-              <a:solidFill>
-                <a:srgbClr val="ffffff"/>
+          <a:lstStyle/>
+          <a:p>
+            <a:endParaRPr lang="en-US" sz="2400" b="0" strike="noStrike" spc="-1">
+              <a:solidFill>
+                <a:srgbClr val="FFFFFF"/>
               </a:solidFill>
               <a:latin typeface="Arial"/>
             </a:endParaRPr>
@@ -1914,11 +2191,14 @@
       </p:sp>
     </p:spTree>
   </p:cSld>
+  <p:clrMapOvr>
+    <a:masterClrMapping/>
+  </p:clrMapOvr>
 </p:sldLayout>
 </file>
 
 <file path=ppt/slideLayouts/slideLayout21.xml><?xml version="1.0" encoding="utf-8"?>
-<p:sldLayout xmlns:a="http://schemas.openxmlformats.org/drawingml/2006/main" xmlns:p="http://schemas.openxmlformats.org/presentationml/2006/main" xmlns:r="http://schemas.openxmlformats.org/officeDocument/2006/relationships" xmlns:p14="http://schemas.microsoft.com/office/powerpoint/2010/main" xmlns:p15="http://schemas.microsoft.com/office/powerpoint/2012/main" xmlns:mc="http://schemas.openxmlformats.org/markup-compatibility/2006" type="twoObjOverTx" preserve="1">
+<p:sldLayout xmlns:a="http://schemas.openxmlformats.org/drawingml/2006/main" xmlns:r="http://schemas.openxmlformats.org/officeDocument/2006/relationships" xmlns:p="http://schemas.openxmlformats.org/presentationml/2006/main" type="twoObjOverTx" preserve="1">
   <p:cSld name="Title, 2 Content over Content">
     <p:spTree>
       <p:nvGrpSpPr>
@@ -1954,11 +2234,12 @@
           </a:prstGeom>
         </p:spPr>
         <p:txBody>
-          <a:bodyPr lIns="0" rIns="0" tIns="0" bIns="0" anchor="ctr">
+          <a:bodyPr lIns="0" tIns="0" rIns="0" bIns="0" anchor="ctr">
             <a:noAutofit/>
           </a:bodyPr>
-          <a:p>
-            <a:endParaRPr b="0" lang="en-US" sz="1800" spc="-1" strike="noStrike">
+          <a:lstStyle/>
+          <a:p>
+            <a:endParaRPr lang="en-US" sz="1800" b="0" strike="noStrike" spc="-1">
               <a:solidFill>
                 <a:srgbClr val="000000"/>
               </a:solidFill>
@@ -1987,13 +2268,14 @@
           </a:prstGeom>
         </p:spPr>
         <p:txBody>
-          <a:bodyPr lIns="0" rIns="0" tIns="0" bIns="0">
+          <a:bodyPr lIns="0" tIns="0" rIns="0" bIns="0">
             <a:normAutofit/>
           </a:bodyPr>
-          <a:p>
-            <a:endParaRPr b="0" lang="en-US" sz="2400" spc="-1" strike="noStrike">
-              <a:solidFill>
-                <a:srgbClr val="ffffff"/>
+          <a:lstStyle/>
+          <a:p>
+            <a:endParaRPr lang="en-US" sz="2400" b="0" strike="noStrike" spc="-1">
+              <a:solidFill>
+                <a:srgbClr val="FFFFFF"/>
               </a:solidFill>
               <a:latin typeface="Arial"/>
             </a:endParaRPr>
@@ -2020,13 +2302,14 @@
           </a:prstGeom>
         </p:spPr>
         <p:txBody>
-          <a:bodyPr lIns="0" rIns="0" tIns="0" bIns="0">
+          <a:bodyPr lIns="0" tIns="0" rIns="0" bIns="0">
             <a:normAutofit/>
           </a:bodyPr>
-          <a:p>
-            <a:endParaRPr b="0" lang="en-US" sz="2400" spc="-1" strike="noStrike">
-              <a:solidFill>
-                <a:srgbClr val="ffffff"/>
+          <a:lstStyle/>
+          <a:p>
+            <a:endParaRPr lang="en-US" sz="2400" b="0" strike="noStrike" spc="-1">
+              <a:solidFill>
+                <a:srgbClr val="FFFFFF"/>
               </a:solidFill>
               <a:latin typeface="Arial"/>
             </a:endParaRPr>
@@ -2053,13 +2336,14 @@
           </a:prstGeom>
         </p:spPr>
         <p:txBody>
-          <a:bodyPr lIns="0" rIns="0" tIns="0" bIns="0">
+          <a:bodyPr lIns="0" tIns="0" rIns="0" bIns="0">
             <a:normAutofit/>
           </a:bodyPr>
-          <a:p>
-            <a:endParaRPr b="0" lang="en-US" sz="2400" spc="-1" strike="noStrike">
-              <a:solidFill>
-                <a:srgbClr val="ffffff"/>
+          <a:lstStyle/>
+          <a:p>
+            <a:endParaRPr lang="en-US" sz="2400" b="0" strike="noStrike" spc="-1">
+              <a:solidFill>
+                <a:srgbClr val="FFFFFF"/>
               </a:solidFill>
               <a:latin typeface="Arial"/>
             </a:endParaRPr>
@@ -2068,11 +2352,14 @@
       </p:sp>
     </p:spTree>
   </p:cSld>
+  <p:clrMapOvr>
+    <a:masterClrMapping/>
+  </p:clrMapOvr>
 </p:sldLayout>
 </file>
 
 <file path=ppt/slideLayouts/slideLayout22.xml><?xml version="1.0" encoding="utf-8"?>
-<p:sldLayout xmlns:a="http://schemas.openxmlformats.org/drawingml/2006/main" xmlns:p="http://schemas.openxmlformats.org/presentationml/2006/main" xmlns:r="http://schemas.openxmlformats.org/officeDocument/2006/relationships" xmlns:p14="http://schemas.microsoft.com/office/powerpoint/2010/main" xmlns:p15="http://schemas.microsoft.com/office/powerpoint/2012/main" xmlns:mc="http://schemas.openxmlformats.org/markup-compatibility/2006" type="objOverTx" preserve="1">
+<p:sldLayout xmlns:a="http://schemas.openxmlformats.org/drawingml/2006/main" xmlns:r="http://schemas.openxmlformats.org/officeDocument/2006/relationships" xmlns:p="http://schemas.openxmlformats.org/presentationml/2006/main" type="objOverTx" preserve="1">
   <p:cSld name="Title, Content over Content">
     <p:spTree>
       <p:nvGrpSpPr>
@@ -2108,11 +2395,12 @@
           </a:prstGeom>
         </p:spPr>
         <p:txBody>
-          <a:bodyPr lIns="0" rIns="0" tIns="0" bIns="0" anchor="ctr">
+          <a:bodyPr lIns="0" tIns="0" rIns="0" bIns="0" anchor="ctr">
             <a:noAutofit/>
           </a:bodyPr>
-          <a:p>
-            <a:endParaRPr b="0" lang="en-US" sz="1800" spc="-1" strike="noStrike">
+          <a:lstStyle/>
+          <a:p>
+            <a:endParaRPr lang="en-US" sz="1800" b="0" strike="noStrike" spc="-1">
               <a:solidFill>
                 <a:srgbClr val="000000"/>
               </a:solidFill>
@@ -2141,13 +2429,14 @@
           </a:prstGeom>
         </p:spPr>
         <p:txBody>
-          <a:bodyPr lIns="0" rIns="0" tIns="0" bIns="0">
+          <a:bodyPr lIns="0" tIns="0" rIns="0" bIns="0">
             <a:normAutofit/>
           </a:bodyPr>
-          <a:p>
-            <a:endParaRPr b="0" lang="en-US" sz="2400" spc="-1" strike="noStrike">
-              <a:solidFill>
-                <a:srgbClr val="ffffff"/>
+          <a:lstStyle/>
+          <a:p>
+            <a:endParaRPr lang="en-US" sz="2400" b="0" strike="noStrike" spc="-1">
+              <a:solidFill>
+                <a:srgbClr val="FFFFFF"/>
               </a:solidFill>
               <a:latin typeface="Arial"/>
             </a:endParaRPr>
@@ -2174,13 +2463,14 @@
           </a:prstGeom>
         </p:spPr>
         <p:txBody>
-          <a:bodyPr lIns="0" rIns="0" tIns="0" bIns="0">
+          <a:bodyPr lIns="0" tIns="0" rIns="0" bIns="0">
             <a:normAutofit/>
           </a:bodyPr>
-          <a:p>
-            <a:endParaRPr b="0" lang="en-US" sz="2400" spc="-1" strike="noStrike">
-              <a:solidFill>
-                <a:srgbClr val="ffffff"/>
+          <a:lstStyle/>
+          <a:p>
+            <a:endParaRPr lang="en-US" sz="2400" b="0" strike="noStrike" spc="-1">
+              <a:solidFill>
+                <a:srgbClr val="FFFFFF"/>
               </a:solidFill>
               <a:latin typeface="Arial"/>
             </a:endParaRPr>
@@ -2189,11 +2479,14 @@
       </p:sp>
     </p:spTree>
   </p:cSld>
+  <p:clrMapOvr>
+    <a:masterClrMapping/>
+  </p:clrMapOvr>
 </p:sldLayout>
 </file>
 
 <file path=ppt/slideLayouts/slideLayout23.xml><?xml version="1.0" encoding="utf-8"?>
-<p:sldLayout xmlns:a="http://schemas.openxmlformats.org/drawingml/2006/main" xmlns:p="http://schemas.openxmlformats.org/presentationml/2006/main" xmlns:r="http://schemas.openxmlformats.org/officeDocument/2006/relationships" xmlns:p14="http://schemas.microsoft.com/office/powerpoint/2010/main" xmlns:p15="http://schemas.microsoft.com/office/powerpoint/2012/main" xmlns:mc="http://schemas.openxmlformats.org/markup-compatibility/2006" type="fourObj" preserve="1">
+<p:sldLayout xmlns:a="http://schemas.openxmlformats.org/drawingml/2006/main" xmlns:r="http://schemas.openxmlformats.org/officeDocument/2006/relationships" xmlns:p="http://schemas.openxmlformats.org/presentationml/2006/main" type="fourObj" preserve="1">
   <p:cSld name="Title, 4 Content">
     <p:spTree>
       <p:nvGrpSpPr>
@@ -2229,11 +2522,12 @@
           </a:prstGeom>
         </p:spPr>
         <p:txBody>
-          <a:bodyPr lIns="0" rIns="0" tIns="0" bIns="0" anchor="ctr">
+          <a:bodyPr lIns="0" tIns="0" rIns="0" bIns="0" anchor="ctr">
             <a:noAutofit/>
           </a:bodyPr>
-          <a:p>
-            <a:endParaRPr b="0" lang="en-US" sz="1800" spc="-1" strike="noStrike">
+          <a:lstStyle/>
+          <a:p>
+            <a:endParaRPr lang="en-US" sz="1800" b="0" strike="noStrike" spc="-1">
               <a:solidFill>
                 <a:srgbClr val="000000"/>
               </a:solidFill>
@@ -2262,13 +2556,14 @@
           </a:prstGeom>
         </p:spPr>
         <p:txBody>
-          <a:bodyPr lIns="0" rIns="0" tIns="0" bIns="0">
+          <a:bodyPr lIns="0" tIns="0" rIns="0" bIns="0">
             <a:normAutofit/>
           </a:bodyPr>
-          <a:p>
-            <a:endParaRPr b="0" lang="en-US" sz="2400" spc="-1" strike="noStrike">
-              <a:solidFill>
-                <a:srgbClr val="ffffff"/>
+          <a:lstStyle/>
+          <a:p>
+            <a:endParaRPr lang="en-US" sz="2400" b="0" strike="noStrike" spc="-1">
+              <a:solidFill>
+                <a:srgbClr val="FFFFFF"/>
               </a:solidFill>
               <a:latin typeface="Arial"/>
             </a:endParaRPr>
@@ -2295,13 +2590,14 @@
           </a:prstGeom>
         </p:spPr>
         <p:txBody>
-          <a:bodyPr lIns="0" rIns="0" tIns="0" bIns="0">
+          <a:bodyPr lIns="0" tIns="0" rIns="0" bIns="0">
             <a:normAutofit/>
           </a:bodyPr>
-          <a:p>
-            <a:endParaRPr b="0" lang="en-US" sz="2400" spc="-1" strike="noStrike">
-              <a:solidFill>
-                <a:srgbClr val="ffffff"/>
+          <a:lstStyle/>
+          <a:p>
+            <a:endParaRPr lang="en-US" sz="2400" b="0" strike="noStrike" spc="-1">
+              <a:solidFill>
+                <a:srgbClr val="FFFFFF"/>
               </a:solidFill>
               <a:latin typeface="Arial"/>
             </a:endParaRPr>
@@ -2328,13 +2624,14 @@
           </a:prstGeom>
         </p:spPr>
         <p:txBody>
-          <a:bodyPr lIns="0" rIns="0" tIns="0" bIns="0">
+          <a:bodyPr lIns="0" tIns="0" rIns="0" bIns="0">
             <a:normAutofit/>
           </a:bodyPr>
-          <a:p>
-            <a:endParaRPr b="0" lang="en-US" sz="2400" spc="-1" strike="noStrike">
-              <a:solidFill>
-                <a:srgbClr val="ffffff"/>
+          <a:lstStyle/>
+          <a:p>
+            <a:endParaRPr lang="en-US" sz="2400" b="0" strike="noStrike" spc="-1">
+              <a:solidFill>
+                <a:srgbClr val="FFFFFF"/>
               </a:solidFill>
               <a:latin typeface="Arial"/>
             </a:endParaRPr>
@@ -2361,13 +2658,14 @@
           </a:prstGeom>
         </p:spPr>
         <p:txBody>
-          <a:bodyPr lIns="0" rIns="0" tIns="0" bIns="0">
+          <a:bodyPr lIns="0" tIns="0" rIns="0" bIns="0">
             <a:normAutofit/>
           </a:bodyPr>
-          <a:p>
-            <a:endParaRPr b="0" lang="en-US" sz="2400" spc="-1" strike="noStrike">
-              <a:solidFill>
-                <a:srgbClr val="ffffff"/>
+          <a:lstStyle/>
+          <a:p>
+            <a:endParaRPr lang="en-US" sz="2400" b="0" strike="noStrike" spc="-1">
+              <a:solidFill>
+                <a:srgbClr val="FFFFFF"/>
               </a:solidFill>
               <a:latin typeface="Arial"/>
             </a:endParaRPr>
@@ -2376,11 +2674,14 @@
       </p:sp>
     </p:spTree>
   </p:cSld>
+  <p:clrMapOvr>
+    <a:masterClrMapping/>
+  </p:clrMapOvr>
 </p:sldLayout>
 </file>
 
 <file path=ppt/slideLayouts/slideLayout24.xml><?xml version="1.0" encoding="utf-8"?>
-<p:sldLayout xmlns:a="http://schemas.openxmlformats.org/drawingml/2006/main" xmlns:p="http://schemas.openxmlformats.org/presentationml/2006/main" xmlns:r="http://schemas.openxmlformats.org/officeDocument/2006/relationships" xmlns:p14="http://schemas.microsoft.com/office/powerpoint/2010/main" xmlns:p15="http://schemas.microsoft.com/office/powerpoint/2012/main" xmlns:mc="http://schemas.openxmlformats.org/markup-compatibility/2006" type="blank" preserve="1">
+<p:sldLayout xmlns:a="http://schemas.openxmlformats.org/drawingml/2006/main" xmlns:r="http://schemas.openxmlformats.org/officeDocument/2006/relationships" xmlns:p="http://schemas.openxmlformats.org/presentationml/2006/main" type="blank" preserve="1">
   <p:cSld name="Title, 6 Content">
     <p:spTree>
       <p:nvGrpSpPr>
@@ -2416,11 +2717,12 @@
           </a:prstGeom>
         </p:spPr>
         <p:txBody>
-          <a:bodyPr lIns="0" rIns="0" tIns="0" bIns="0" anchor="ctr">
+          <a:bodyPr lIns="0" tIns="0" rIns="0" bIns="0" anchor="ctr">
             <a:noAutofit/>
           </a:bodyPr>
-          <a:p>
-            <a:endParaRPr b="0" lang="en-US" sz="1800" spc="-1" strike="noStrike">
+          <a:lstStyle/>
+          <a:p>
+            <a:endParaRPr lang="en-US" sz="1800" b="0" strike="noStrike" spc="-1">
               <a:solidFill>
                 <a:srgbClr val="000000"/>
               </a:solidFill>
@@ -2449,13 +2751,14 @@
           </a:prstGeom>
         </p:spPr>
         <p:txBody>
-          <a:bodyPr lIns="0" rIns="0" tIns="0" bIns="0">
+          <a:bodyPr lIns="0" tIns="0" rIns="0" bIns="0">
             <a:normAutofit/>
           </a:bodyPr>
-          <a:p>
-            <a:endParaRPr b="0" lang="en-US" sz="2400" spc="-1" strike="noStrike">
-              <a:solidFill>
-                <a:srgbClr val="ffffff"/>
+          <a:lstStyle/>
+          <a:p>
+            <a:endParaRPr lang="en-US" sz="2400" b="0" strike="noStrike" spc="-1">
+              <a:solidFill>
+                <a:srgbClr val="FFFFFF"/>
               </a:solidFill>
               <a:latin typeface="Arial"/>
             </a:endParaRPr>
@@ -2482,13 +2785,14 @@
           </a:prstGeom>
         </p:spPr>
         <p:txBody>
-          <a:bodyPr lIns="0" rIns="0" tIns="0" bIns="0">
+          <a:bodyPr lIns="0" tIns="0" rIns="0" bIns="0">
             <a:normAutofit/>
           </a:bodyPr>
-          <a:p>
-            <a:endParaRPr b="0" lang="en-US" sz="2400" spc="-1" strike="noStrike">
-              <a:solidFill>
-                <a:srgbClr val="ffffff"/>
+          <a:lstStyle/>
+          <a:p>
+            <a:endParaRPr lang="en-US" sz="2400" b="0" strike="noStrike" spc="-1">
+              <a:solidFill>
+                <a:srgbClr val="FFFFFF"/>
               </a:solidFill>
               <a:latin typeface="Arial"/>
             </a:endParaRPr>
@@ -2515,13 +2819,14 @@
           </a:prstGeom>
         </p:spPr>
         <p:txBody>
-          <a:bodyPr lIns="0" rIns="0" tIns="0" bIns="0">
+          <a:bodyPr lIns="0" tIns="0" rIns="0" bIns="0">
             <a:normAutofit/>
           </a:bodyPr>
-          <a:p>
-            <a:endParaRPr b="0" lang="en-US" sz="2400" spc="-1" strike="noStrike">
-              <a:solidFill>
-                <a:srgbClr val="ffffff"/>
+          <a:lstStyle/>
+          <a:p>
+            <a:endParaRPr lang="en-US" sz="2400" b="0" strike="noStrike" spc="-1">
+              <a:solidFill>
+                <a:srgbClr val="FFFFFF"/>
               </a:solidFill>
               <a:latin typeface="Arial"/>
             </a:endParaRPr>
@@ -2548,13 +2853,14 @@
           </a:prstGeom>
         </p:spPr>
         <p:txBody>
-          <a:bodyPr lIns="0" rIns="0" tIns="0" bIns="0">
+          <a:bodyPr lIns="0" tIns="0" rIns="0" bIns="0">
             <a:normAutofit/>
           </a:bodyPr>
-          <a:p>
-            <a:endParaRPr b="0" lang="en-US" sz="2400" spc="-1" strike="noStrike">
-              <a:solidFill>
-                <a:srgbClr val="ffffff"/>
+          <a:lstStyle/>
+          <a:p>
+            <a:endParaRPr lang="en-US" sz="2400" b="0" strike="noStrike" spc="-1">
+              <a:solidFill>
+                <a:srgbClr val="FFFFFF"/>
               </a:solidFill>
               <a:latin typeface="Arial"/>
             </a:endParaRPr>
@@ -2581,13 +2887,14 @@
           </a:prstGeom>
         </p:spPr>
         <p:txBody>
-          <a:bodyPr lIns="0" rIns="0" tIns="0" bIns="0">
+          <a:bodyPr lIns="0" tIns="0" rIns="0" bIns="0">
             <a:normAutofit/>
           </a:bodyPr>
-          <a:p>
-            <a:endParaRPr b="0" lang="en-US" sz="2400" spc="-1" strike="noStrike">
-              <a:solidFill>
-                <a:srgbClr val="ffffff"/>
+          <a:lstStyle/>
+          <a:p>
+            <a:endParaRPr lang="en-US" sz="2400" b="0" strike="noStrike" spc="-1">
+              <a:solidFill>
+                <a:srgbClr val="FFFFFF"/>
               </a:solidFill>
               <a:latin typeface="Arial"/>
             </a:endParaRPr>
@@ -2614,13 +2921,14 @@
           </a:prstGeom>
         </p:spPr>
         <p:txBody>
-          <a:bodyPr lIns="0" rIns="0" tIns="0" bIns="0">
+          <a:bodyPr lIns="0" tIns="0" rIns="0" bIns="0">
             <a:normAutofit/>
           </a:bodyPr>
-          <a:p>
-            <a:endParaRPr b="0" lang="en-US" sz="2400" spc="-1" strike="noStrike">
-              <a:solidFill>
-                <a:srgbClr val="ffffff"/>
+          <a:lstStyle/>
+          <a:p>
+            <a:endParaRPr lang="en-US" sz="2400" b="0" strike="noStrike" spc="-1">
+              <a:solidFill>
+                <a:srgbClr val="FFFFFF"/>
               </a:solidFill>
               <a:latin typeface="Arial"/>
             </a:endParaRPr>
@@ -2629,11 +2937,14 @@
       </p:sp>
     </p:spTree>
   </p:cSld>
+  <p:clrMapOvr>
+    <a:masterClrMapping/>
+  </p:clrMapOvr>
 </p:sldLayout>
 </file>
 
 <file path=ppt/slideLayouts/slideLayout25.xml><?xml version="1.0" encoding="utf-8"?>
-<p:sldLayout xmlns:a="http://schemas.openxmlformats.org/drawingml/2006/main" xmlns:p="http://schemas.openxmlformats.org/presentationml/2006/main" xmlns:r="http://schemas.openxmlformats.org/officeDocument/2006/relationships" xmlns:p14="http://schemas.microsoft.com/office/powerpoint/2010/main" xmlns:p15="http://schemas.microsoft.com/office/powerpoint/2012/main" xmlns:mc="http://schemas.openxmlformats.org/markup-compatibility/2006" type="blank" preserve="1">
+<p:sldLayout xmlns:a="http://schemas.openxmlformats.org/drawingml/2006/main" xmlns:r="http://schemas.openxmlformats.org/officeDocument/2006/relationships" xmlns:p="http://schemas.openxmlformats.org/presentationml/2006/main" type="blank" preserve="1">
   <p:cSld name="Blank Slide">
     <p:spTree>
       <p:nvGrpSpPr>
@@ -2651,11 +2962,14 @@
       </p:grpSpPr>
     </p:spTree>
   </p:cSld>
+  <p:clrMapOvr>
+    <a:masterClrMapping/>
+  </p:clrMapOvr>
 </p:sldLayout>
 </file>
 
 <file path=ppt/slideLayouts/slideLayout26.xml><?xml version="1.0" encoding="utf-8"?>
-<p:sldLayout xmlns:a="http://schemas.openxmlformats.org/drawingml/2006/main" xmlns:p="http://schemas.openxmlformats.org/presentationml/2006/main" xmlns:r="http://schemas.openxmlformats.org/officeDocument/2006/relationships" xmlns:p14="http://schemas.microsoft.com/office/powerpoint/2010/main" xmlns:p15="http://schemas.microsoft.com/office/powerpoint/2012/main" xmlns:mc="http://schemas.openxmlformats.org/markup-compatibility/2006" type="tx" preserve="1">
+<p:sldLayout xmlns:a="http://schemas.openxmlformats.org/drawingml/2006/main" xmlns:r="http://schemas.openxmlformats.org/officeDocument/2006/relationships" xmlns:p="http://schemas.openxmlformats.org/presentationml/2006/main" type="tx" preserve="1">
   <p:cSld name="Title Slide">
     <p:spTree>
       <p:nvGrpSpPr>
@@ -2691,11 +3005,12 @@
           </a:prstGeom>
         </p:spPr>
         <p:txBody>
-          <a:bodyPr lIns="0" rIns="0" tIns="0" bIns="0" anchor="ctr">
+          <a:bodyPr lIns="0" tIns="0" rIns="0" bIns="0" anchor="ctr">
             <a:noAutofit/>
           </a:bodyPr>
-          <a:p>
-            <a:endParaRPr b="0" lang="en-US" sz="1800" spc="-1" strike="noStrike">
+          <a:lstStyle/>
+          <a:p>
+            <a:endParaRPr lang="en-US" sz="1800" b="0" strike="noStrike" spc="-1">
               <a:solidFill>
                 <a:srgbClr val="000000"/>
               </a:solidFill>
@@ -2724,12 +3039,13 @@
           </a:prstGeom>
         </p:spPr>
         <p:txBody>
-          <a:bodyPr lIns="0" rIns="0" tIns="0" bIns="0" anchor="ctr">
+          <a:bodyPr lIns="0" tIns="0" rIns="0" bIns="0" anchor="ctr">
             <a:noAutofit/>
           </a:bodyPr>
+          <a:lstStyle/>
           <a:p>
             <a:pPr algn="ctr"/>
-            <a:endParaRPr b="0" lang="en-US" sz="3200" spc="-1" strike="noStrike">
+            <a:endParaRPr lang="en-US" sz="3200" b="0" strike="noStrike" spc="-1">
               <a:latin typeface="Arial"/>
             </a:endParaRPr>
           </a:p>
@@ -2737,11 +3053,14 @@
       </p:sp>
     </p:spTree>
   </p:cSld>
+  <p:clrMapOvr>
+    <a:masterClrMapping/>
+  </p:clrMapOvr>
 </p:sldLayout>
 </file>
 
 <file path=ppt/slideLayouts/slideLayout27.xml><?xml version="1.0" encoding="utf-8"?>
-<p:sldLayout xmlns:a="http://schemas.openxmlformats.org/drawingml/2006/main" xmlns:p="http://schemas.openxmlformats.org/presentationml/2006/main" xmlns:r="http://schemas.openxmlformats.org/officeDocument/2006/relationships" xmlns:p14="http://schemas.microsoft.com/office/powerpoint/2010/main" xmlns:p15="http://schemas.microsoft.com/office/powerpoint/2012/main" xmlns:mc="http://schemas.openxmlformats.org/markup-compatibility/2006" type="obj" preserve="1">
+<p:sldLayout xmlns:a="http://schemas.openxmlformats.org/drawingml/2006/main" xmlns:r="http://schemas.openxmlformats.org/officeDocument/2006/relationships" xmlns:p="http://schemas.openxmlformats.org/presentationml/2006/main" type="obj" preserve="1">
   <p:cSld name="Title, Content">
     <p:spTree>
       <p:nvGrpSpPr>
@@ -2777,11 +3096,12 @@
           </a:prstGeom>
         </p:spPr>
         <p:txBody>
-          <a:bodyPr lIns="0" rIns="0" tIns="0" bIns="0" anchor="ctr">
+          <a:bodyPr lIns="0" tIns="0" rIns="0" bIns="0" anchor="ctr">
             <a:noAutofit/>
           </a:bodyPr>
-          <a:p>
-            <a:endParaRPr b="0" lang="en-US" sz="1800" spc="-1" strike="noStrike">
+          <a:lstStyle/>
+          <a:p>
+            <a:endParaRPr lang="en-US" sz="1800" b="0" strike="noStrike" spc="-1">
               <a:solidFill>
                 <a:srgbClr val="000000"/>
               </a:solidFill>
@@ -2810,13 +3130,14 @@
           </a:prstGeom>
         </p:spPr>
         <p:txBody>
-          <a:bodyPr lIns="0" rIns="0" tIns="0" bIns="0">
+          <a:bodyPr lIns="0" tIns="0" rIns="0" bIns="0">
             <a:normAutofit/>
           </a:bodyPr>
-          <a:p>
-            <a:endParaRPr b="0" lang="en-US" sz="2400" spc="-1" strike="noStrike">
-              <a:solidFill>
-                <a:srgbClr val="ffffff"/>
+          <a:lstStyle/>
+          <a:p>
+            <a:endParaRPr lang="en-US" sz="2400" b="0" strike="noStrike" spc="-1">
+              <a:solidFill>
+                <a:srgbClr val="FFFFFF"/>
               </a:solidFill>
               <a:latin typeface="Arial"/>
             </a:endParaRPr>
@@ -2825,11 +3146,14 @@
       </p:sp>
     </p:spTree>
   </p:cSld>
+  <p:clrMapOvr>
+    <a:masterClrMapping/>
+  </p:clrMapOvr>
 </p:sldLayout>
 </file>
 
 <file path=ppt/slideLayouts/slideLayout28.xml><?xml version="1.0" encoding="utf-8"?>
-<p:sldLayout xmlns:a="http://schemas.openxmlformats.org/drawingml/2006/main" xmlns:p="http://schemas.openxmlformats.org/presentationml/2006/main" xmlns:r="http://schemas.openxmlformats.org/officeDocument/2006/relationships" xmlns:p14="http://schemas.microsoft.com/office/powerpoint/2010/main" xmlns:p15="http://schemas.microsoft.com/office/powerpoint/2012/main" xmlns:mc="http://schemas.openxmlformats.org/markup-compatibility/2006" type="twoObj" preserve="1">
+<p:sldLayout xmlns:a="http://schemas.openxmlformats.org/drawingml/2006/main" xmlns:r="http://schemas.openxmlformats.org/officeDocument/2006/relationships" xmlns:p="http://schemas.openxmlformats.org/presentationml/2006/main" type="twoObj" preserve="1">
   <p:cSld name="Title, 2 Content">
     <p:spTree>
       <p:nvGrpSpPr>
@@ -2865,11 +3189,12 @@
           </a:prstGeom>
         </p:spPr>
         <p:txBody>
-          <a:bodyPr lIns="0" rIns="0" tIns="0" bIns="0" anchor="ctr">
+          <a:bodyPr lIns="0" tIns="0" rIns="0" bIns="0" anchor="ctr">
             <a:noAutofit/>
           </a:bodyPr>
-          <a:p>
-            <a:endParaRPr b="0" lang="en-US" sz="1800" spc="-1" strike="noStrike">
+          <a:lstStyle/>
+          <a:p>
+            <a:endParaRPr lang="en-US" sz="1800" b="0" strike="noStrike" spc="-1">
               <a:solidFill>
                 <a:srgbClr val="000000"/>
               </a:solidFill>
@@ -2898,13 +3223,14 @@
           </a:prstGeom>
         </p:spPr>
         <p:txBody>
-          <a:bodyPr lIns="0" rIns="0" tIns="0" bIns="0">
+          <a:bodyPr lIns="0" tIns="0" rIns="0" bIns="0">
             <a:normAutofit/>
           </a:bodyPr>
-          <a:p>
-            <a:endParaRPr b="0" lang="en-US" sz="2400" spc="-1" strike="noStrike">
-              <a:solidFill>
-                <a:srgbClr val="ffffff"/>
+          <a:lstStyle/>
+          <a:p>
+            <a:endParaRPr lang="en-US" sz="2400" b="0" strike="noStrike" spc="-1">
+              <a:solidFill>
+                <a:srgbClr val="FFFFFF"/>
               </a:solidFill>
               <a:latin typeface="Arial"/>
             </a:endParaRPr>
@@ -2931,13 +3257,14 @@
           </a:prstGeom>
         </p:spPr>
         <p:txBody>
-          <a:bodyPr lIns="0" rIns="0" tIns="0" bIns="0">
+          <a:bodyPr lIns="0" tIns="0" rIns="0" bIns="0">
             <a:normAutofit/>
           </a:bodyPr>
-          <a:p>
-            <a:endParaRPr b="0" lang="en-US" sz="2400" spc="-1" strike="noStrike">
-              <a:solidFill>
-                <a:srgbClr val="ffffff"/>
+          <a:lstStyle/>
+          <a:p>
+            <a:endParaRPr lang="en-US" sz="2400" b="0" strike="noStrike" spc="-1">
+              <a:solidFill>
+                <a:srgbClr val="FFFFFF"/>
               </a:solidFill>
               <a:latin typeface="Arial"/>
             </a:endParaRPr>
@@ -2946,11 +3273,14 @@
       </p:sp>
     </p:spTree>
   </p:cSld>
+  <p:clrMapOvr>
+    <a:masterClrMapping/>
+  </p:clrMapOvr>
 </p:sldLayout>
 </file>
 
 <file path=ppt/slideLayouts/slideLayout29.xml><?xml version="1.0" encoding="utf-8"?>
-<p:sldLayout xmlns:a="http://schemas.openxmlformats.org/drawingml/2006/main" xmlns:p="http://schemas.openxmlformats.org/presentationml/2006/main" xmlns:r="http://schemas.openxmlformats.org/officeDocument/2006/relationships" xmlns:p14="http://schemas.microsoft.com/office/powerpoint/2010/main" xmlns:p15="http://schemas.microsoft.com/office/powerpoint/2012/main" xmlns:mc="http://schemas.openxmlformats.org/markup-compatibility/2006" type="titleOnly" preserve="1">
+<p:sldLayout xmlns:a="http://schemas.openxmlformats.org/drawingml/2006/main" xmlns:r="http://schemas.openxmlformats.org/officeDocument/2006/relationships" xmlns:p="http://schemas.openxmlformats.org/presentationml/2006/main" type="titleOnly" preserve="1">
   <p:cSld name="Title Only">
     <p:spTree>
       <p:nvGrpSpPr>
@@ -2986,11 +3316,12 @@
           </a:prstGeom>
         </p:spPr>
         <p:txBody>
-          <a:bodyPr lIns="0" rIns="0" tIns="0" bIns="0" anchor="ctr">
+          <a:bodyPr lIns="0" tIns="0" rIns="0" bIns="0" anchor="ctr">
             <a:noAutofit/>
           </a:bodyPr>
-          <a:p>
-            <a:endParaRPr b="0" lang="en-US" sz="1800" spc="-1" strike="noStrike">
+          <a:lstStyle/>
+          <a:p>
+            <a:endParaRPr lang="en-US" sz="1800" b="0" strike="noStrike" spc="-1">
               <a:solidFill>
                 <a:srgbClr val="000000"/>
               </a:solidFill>
@@ -3001,11 +3332,14 @@
       </p:sp>
     </p:spTree>
   </p:cSld>
+  <p:clrMapOvr>
+    <a:masterClrMapping/>
+  </p:clrMapOvr>
 </p:sldLayout>
 </file>
 
 <file path=ppt/slideLayouts/slideLayout3.xml><?xml version="1.0" encoding="utf-8"?>
-<p:sldLayout xmlns:a="http://schemas.openxmlformats.org/drawingml/2006/main" xmlns:p="http://schemas.openxmlformats.org/presentationml/2006/main" xmlns:r="http://schemas.openxmlformats.org/officeDocument/2006/relationships" xmlns:p14="http://schemas.microsoft.com/office/powerpoint/2010/main" xmlns:p15="http://schemas.microsoft.com/office/powerpoint/2012/main" xmlns:mc="http://schemas.openxmlformats.org/markup-compatibility/2006" type="obj" preserve="1">
+<p:sldLayout xmlns:a="http://schemas.openxmlformats.org/drawingml/2006/main" xmlns:r="http://schemas.openxmlformats.org/officeDocument/2006/relationships" xmlns:p="http://schemas.openxmlformats.org/presentationml/2006/main" type="obj" preserve="1">
   <p:cSld name="Title, Content">
     <p:spTree>
       <p:nvGrpSpPr>
@@ -3041,11 +3375,12 @@
           </a:prstGeom>
         </p:spPr>
         <p:txBody>
-          <a:bodyPr lIns="0" rIns="0" tIns="0" bIns="0" anchor="ctr">
+          <a:bodyPr lIns="0" tIns="0" rIns="0" bIns="0" anchor="ctr">
             <a:noAutofit/>
           </a:bodyPr>
-          <a:p>
-            <a:endParaRPr b="0" lang="en-US" sz="1800" spc="-1" strike="noStrike">
+          <a:lstStyle/>
+          <a:p>
+            <a:endParaRPr lang="en-US" sz="1800" b="0" strike="noStrike" spc="-1">
               <a:solidFill>
                 <a:srgbClr val="000000"/>
               </a:solidFill>
@@ -3074,13 +3409,14 @@
           </a:prstGeom>
         </p:spPr>
         <p:txBody>
-          <a:bodyPr lIns="0" rIns="0" tIns="0" bIns="0">
+          <a:bodyPr lIns="0" tIns="0" rIns="0" bIns="0">
             <a:normAutofit/>
           </a:bodyPr>
-          <a:p>
-            <a:endParaRPr b="0" lang="en-US" sz="2400" spc="-1" strike="noStrike">
-              <a:solidFill>
-                <a:srgbClr val="ffffff"/>
+          <a:lstStyle/>
+          <a:p>
+            <a:endParaRPr lang="en-US" sz="2400" b="0" strike="noStrike" spc="-1">
+              <a:solidFill>
+                <a:srgbClr val="FFFFFF"/>
               </a:solidFill>
               <a:latin typeface="Arial"/>
             </a:endParaRPr>
@@ -3089,11 +3425,14 @@
       </p:sp>
     </p:spTree>
   </p:cSld>
+  <p:clrMapOvr>
+    <a:masterClrMapping/>
+  </p:clrMapOvr>
 </p:sldLayout>
 </file>
 
 <file path=ppt/slideLayouts/slideLayout30.xml><?xml version="1.0" encoding="utf-8"?>
-<p:sldLayout xmlns:a="http://schemas.openxmlformats.org/drawingml/2006/main" xmlns:p="http://schemas.openxmlformats.org/presentationml/2006/main" xmlns:r="http://schemas.openxmlformats.org/officeDocument/2006/relationships" xmlns:p14="http://schemas.microsoft.com/office/powerpoint/2010/main" xmlns:p15="http://schemas.microsoft.com/office/powerpoint/2012/main" xmlns:mc="http://schemas.openxmlformats.org/markup-compatibility/2006" type="objOnly" preserve="1">
+<p:sldLayout xmlns:a="http://schemas.openxmlformats.org/drawingml/2006/main" xmlns:r="http://schemas.openxmlformats.org/officeDocument/2006/relationships" xmlns:p="http://schemas.openxmlformats.org/presentationml/2006/main" type="objOnly" preserve="1">
   <p:cSld name="Centered Text">
     <p:spTree>
       <p:nvGrpSpPr>
@@ -3129,12 +3468,13 @@
           </a:prstGeom>
         </p:spPr>
         <p:txBody>
-          <a:bodyPr lIns="0" rIns="0" tIns="0" bIns="0" anchor="ctr">
+          <a:bodyPr lIns="0" tIns="0" rIns="0" bIns="0" anchor="ctr">
             <a:noAutofit/>
           </a:bodyPr>
+          <a:lstStyle/>
           <a:p>
             <a:pPr algn="ctr"/>
-            <a:endParaRPr b="0" lang="en-US" sz="3200" spc="-1" strike="noStrike">
+            <a:endParaRPr lang="en-US" sz="3200" b="0" strike="noStrike" spc="-1">
               <a:latin typeface="Arial"/>
             </a:endParaRPr>
           </a:p>
@@ -3142,11 +3482,14 @@
       </p:sp>
     </p:spTree>
   </p:cSld>
+  <p:clrMapOvr>
+    <a:masterClrMapping/>
+  </p:clrMapOvr>
 </p:sldLayout>
 </file>
 
 <file path=ppt/slideLayouts/slideLayout31.xml><?xml version="1.0" encoding="utf-8"?>
-<p:sldLayout xmlns:a="http://schemas.openxmlformats.org/drawingml/2006/main" xmlns:p="http://schemas.openxmlformats.org/presentationml/2006/main" xmlns:r="http://schemas.openxmlformats.org/officeDocument/2006/relationships" xmlns:p14="http://schemas.microsoft.com/office/powerpoint/2010/main" xmlns:p15="http://schemas.microsoft.com/office/powerpoint/2012/main" xmlns:mc="http://schemas.openxmlformats.org/markup-compatibility/2006" type="twoObjAndObj" preserve="1">
+<p:sldLayout xmlns:a="http://schemas.openxmlformats.org/drawingml/2006/main" xmlns:r="http://schemas.openxmlformats.org/officeDocument/2006/relationships" xmlns:p="http://schemas.openxmlformats.org/presentationml/2006/main" type="twoObjAndObj" preserve="1">
   <p:cSld name="Title, 2 Content and Content">
     <p:spTree>
       <p:nvGrpSpPr>
@@ -3182,11 +3525,12 @@
           </a:prstGeom>
         </p:spPr>
         <p:txBody>
-          <a:bodyPr lIns="0" rIns="0" tIns="0" bIns="0" anchor="ctr">
+          <a:bodyPr lIns="0" tIns="0" rIns="0" bIns="0" anchor="ctr">
             <a:noAutofit/>
           </a:bodyPr>
-          <a:p>
-            <a:endParaRPr b="0" lang="en-US" sz="1800" spc="-1" strike="noStrike">
+          <a:lstStyle/>
+          <a:p>
+            <a:endParaRPr lang="en-US" sz="1800" b="0" strike="noStrike" spc="-1">
               <a:solidFill>
                 <a:srgbClr val="000000"/>
               </a:solidFill>
@@ -3215,13 +3559,14 @@
           </a:prstGeom>
         </p:spPr>
         <p:txBody>
-          <a:bodyPr lIns="0" rIns="0" tIns="0" bIns="0">
+          <a:bodyPr lIns="0" tIns="0" rIns="0" bIns="0">
             <a:normAutofit/>
           </a:bodyPr>
-          <a:p>
-            <a:endParaRPr b="0" lang="en-US" sz="2400" spc="-1" strike="noStrike">
-              <a:solidFill>
-                <a:srgbClr val="ffffff"/>
+          <a:lstStyle/>
+          <a:p>
+            <a:endParaRPr lang="en-US" sz="2400" b="0" strike="noStrike" spc="-1">
+              <a:solidFill>
+                <a:srgbClr val="FFFFFF"/>
               </a:solidFill>
               <a:latin typeface="Arial"/>
             </a:endParaRPr>
@@ -3248,13 +3593,14 @@
           </a:prstGeom>
         </p:spPr>
         <p:txBody>
-          <a:bodyPr lIns="0" rIns="0" tIns="0" bIns="0">
+          <a:bodyPr lIns="0" tIns="0" rIns="0" bIns="0">
             <a:normAutofit/>
           </a:bodyPr>
-          <a:p>
-            <a:endParaRPr b="0" lang="en-US" sz="2400" spc="-1" strike="noStrike">
-              <a:solidFill>
-                <a:srgbClr val="ffffff"/>
+          <a:lstStyle/>
+          <a:p>
+            <a:endParaRPr lang="en-US" sz="2400" b="0" strike="noStrike" spc="-1">
+              <a:solidFill>
+                <a:srgbClr val="FFFFFF"/>
               </a:solidFill>
               <a:latin typeface="Arial"/>
             </a:endParaRPr>
@@ -3281,13 +3627,14 @@
           </a:prstGeom>
         </p:spPr>
         <p:txBody>
-          <a:bodyPr lIns="0" rIns="0" tIns="0" bIns="0">
+          <a:bodyPr lIns="0" tIns="0" rIns="0" bIns="0">
             <a:normAutofit/>
           </a:bodyPr>
-          <a:p>
-            <a:endParaRPr b="0" lang="en-US" sz="2400" spc="-1" strike="noStrike">
-              <a:solidFill>
-                <a:srgbClr val="ffffff"/>
+          <a:lstStyle/>
+          <a:p>
+            <a:endParaRPr lang="en-US" sz="2400" b="0" strike="noStrike" spc="-1">
+              <a:solidFill>
+                <a:srgbClr val="FFFFFF"/>
               </a:solidFill>
               <a:latin typeface="Arial"/>
             </a:endParaRPr>
@@ -3296,11 +3643,14 @@
       </p:sp>
     </p:spTree>
   </p:cSld>
+  <p:clrMapOvr>
+    <a:masterClrMapping/>
+  </p:clrMapOvr>
 </p:sldLayout>
 </file>
 
 <file path=ppt/slideLayouts/slideLayout32.xml><?xml version="1.0" encoding="utf-8"?>
-<p:sldLayout xmlns:a="http://schemas.openxmlformats.org/drawingml/2006/main" xmlns:p="http://schemas.openxmlformats.org/presentationml/2006/main" xmlns:r="http://schemas.openxmlformats.org/officeDocument/2006/relationships" xmlns:p14="http://schemas.microsoft.com/office/powerpoint/2010/main" xmlns:p15="http://schemas.microsoft.com/office/powerpoint/2012/main" xmlns:mc="http://schemas.openxmlformats.org/markup-compatibility/2006" type="objAndTwoObj" preserve="1">
+<p:sldLayout xmlns:a="http://schemas.openxmlformats.org/drawingml/2006/main" xmlns:r="http://schemas.openxmlformats.org/officeDocument/2006/relationships" xmlns:p="http://schemas.openxmlformats.org/presentationml/2006/main" type="objAndTwoObj" preserve="1">
   <p:cSld name="Title Content and 2 Content">
     <p:spTree>
       <p:nvGrpSpPr>
@@ -3336,11 +3686,12 @@
           </a:prstGeom>
         </p:spPr>
         <p:txBody>
-          <a:bodyPr lIns="0" rIns="0" tIns="0" bIns="0" anchor="ctr">
+          <a:bodyPr lIns="0" tIns="0" rIns="0" bIns="0" anchor="ctr">
             <a:noAutofit/>
           </a:bodyPr>
-          <a:p>
-            <a:endParaRPr b="0" lang="en-US" sz="1800" spc="-1" strike="noStrike">
+          <a:lstStyle/>
+          <a:p>
+            <a:endParaRPr lang="en-US" sz="1800" b="0" strike="noStrike" spc="-1">
               <a:solidFill>
                 <a:srgbClr val="000000"/>
               </a:solidFill>
@@ -3369,13 +3720,14 @@
           </a:prstGeom>
         </p:spPr>
         <p:txBody>
-          <a:bodyPr lIns="0" rIns="0" tIns="0" bIns="0">
+          <a:bodyPr lIns="0" tIns="0" rIns="0" bIns="0">
             <a:normAutofit/>
           </a:bodyPr>
-          <a:p>
-            <a:endParaRPr b="0" lang="en-US" sz="2400" spc="-1" strike="noStrike">
-              <a:solidFill>
-                <a:srgbClr val="ffffff"/>
+          <a:lstStyle/>
+          <a:p>
+            <a:endParaRPr lang="en-US" sz="2400" b="0" strike="noStrike" spc="-1">
+              <a:solidFill>
+                <a:srgbClr val="FFFFFF"/>
               </a:solidFill>
               <a:latin typeface="Arial"/>
             </a:endParaRPr>
@@ -3402,13 +3754,14 @@
           </a:prstGeom>
         </p:spPr>
         <p:txBody>
-          <a:bodyPr lIns="0" rIns="0" tIns="0" bIns="0">
+          <a:bodyPr lIns="0" tIns="0" rIns="0" bIns="0">
             <a:normAutofit/>
           </a:bodyPr>
-          <a:p>
-            <a:endParaRPr b="0" lang="en-US" sz="2400" spc="-1" strike="noStrike">
-              <a:solidFill>
-                <a:srgbClr val="ffffff"/>
+          <a:lstStyle/>
+          <a:p>
+            <a:endParaRPr lang="en-US" sz="2400" b="0" strike="noStrike" spc="-1">
+              <a:solidFill>
+                <a:srgbClr val="FFFFFF"/>
               </a:solidFill>
               <a:latin typeface="Arial"/>
             </a:endParaRPr>
@@ -3435,13 +3788,14 @@
           </a:prstGeom>
         </p:spPr>
         <p:txBody>
-          <a:bodyPr lIns="0" rIns="0" tIns="0" bIns="0">
+          <a:bodyPr lIns="0" tIns="0" rIns="0" bIns="0">
             <a:normAutofit/>
           </a:bodyPr>
-          <a:p>
-            <a:endParaRPr b="0" lang="en-US" sz="2400" spc="-1" strike="noStrike">
-              <a:solidFill>
-                <a:srgbClr val="ffffff"/>
+          <a:lstStyle/>
+          <a:p>
+            <a:endParaRPr lang="en-US" sz="2400" b="0" strike="noStrike" spc="-1">
+              <a:solidFill>
+                <a:srgbClr val="FFFFFF"/>
               </a:solidFill>
               <a:latin typeface="Arial"/>
             </a:endParaRPr>
@@ -3450,11 +3804,14 @@
       </p:sp>
     </p:spTree>
   </p:cSld>
+  <p:clrMapOvr>
+    <a:masterClrMapping/>
+  </p:clrMapOvr>
 </p:sldLayout>
 </file>
 
 <file path=ppt/slideLayouts/slideLayout33.xml><?xml version="1.0" encoding="utf-8"?>
-<p:sldLayout xmlns:a="http://schemas.openxmlformats.org/drawingml/2006/main" xmlns:p="http://schemas.openxmlformats.org/presentationml/2006/main" xmlns:r="http://schemas.openxmlformats.org/officeDocument/2006/relationships" xmlns:p14="http://schemas.microsoft.com/office/powerpoint/2010/main" xmlns:p15="http://schemas.microsoft.com/office/powerpoint/2012/main" xmlns:mc="http://schemas.openxmlformats.org/markup-compatibility/2006" type="twoObjOverTx" preserve="1">
+<p:sldLayout xmlns:a="http://schemas.openxmlformats.org/drawingml/2006/main" xmlns:r="http://schemas.openxmlformats.org/officeDocument/2006/relationships" xmlns:p="http://schemas.openxmlformats.org/presentationml/2006/main" type="twoObjOverTx" preserve="1">
   <p:cSld name="Title, 2 Content over Content">
     <p:spTree>
       <p:nvGrpSpPr>
@@ -3490,11 +3847,12 @@
           </a:prstGeom>
         </p:spPr>
         <p:txBody>
-          <a:bodyPr lIns="0" rIns="0" tIns="0" bIns="0" anchor="ctr">
+          <a:bodyPr lIns="0" tIns="0" rIns="0" bIns="0" anchor="ctr">
             <a:noAutofit/>
           </a:bodyPr>
-          <a:p>
-            <a:endParaRPr b="0" lang="en-US" sz="1800" spc="-1" strike="noStrike">
+          <a:lstStyle/>
+          <a:p>
+            <a:endParaRPr lang="en-US" sz="1800" b="0" strike="noStrike" spc="-1">
               <a:solidFill>
                 <a:srgbClr val="000000"/>
               </a:solidFill>
@@ -3523,13 +3881,14 @@
           </a:prstGeom>
         </p:spPr>
         <p:txBody>
-          <a:bodyPr lIns="0" rIns="0" tIns="0" bIns="0">
+          <a:bodyPr lIns="0" tIns="0" rIns="0" bIns="0">
             <a:normAutofit/>
           </a:bodyPr>
-          <a:p>
-            <a:endParaRPr b="0" lang="en-US" sz="2400" spc="-1" strike="noStrike">
-              <a:solidFill>
-                <a:srgbClr val="ffffff"/>
+          <a:lstStyle/>
+          <a:p>
+            <a:endParaRPr lang="en-US" sz="2400" b="0" strike="noStrike" spc="-1">
+              <a:solidFill>
+                <a:srgbClr val="FFFFFF"/>
               </a:solidFill>
               <a:latin typeface="Arial"/>
             </a:endParaRPr>
@@ -3556,13 +3915,14 @@
           </a:prstGeom>
         </p:spPr>
         <p:txBody>
-          <a:bodyPr lIns="0" rIns="0" tIns="0" bIns="0">
+          <a:bodyPr lIns="0" tIns="0" rIns="0" bIns="0">
             <a:normAutofit/>
           </a:bodyPr>
-          <a:p>
-            <a:endParaRPr b="0" lang="en-US" sz="2400" spc="-1" strike="noStrike">
-              <a:solidFill>
-                <a:srgbClr val="ffffff"/>
+          <a:lstStyle/>
+          <a:p>
+            <a:endParaRPr lang="en-US" sz="2400" b="0" strike="noStrike" spc="-1">
+              <a:solidFill>
+                <a:srgbClr val="FFFFFF"/>
               </a:solidFill>
               <a:latin typeface="Arial"/>
             </a:endParaRPr>
@@ -3589,13 +3949,14 @@
           </a:prstGeom>
         </p:spPr>
         <p:txBody>
-          <a:bodyPr lIns="0" rIns="0" tIns="0" bIns="0">
+          <a:bodyPr lIns="0" tIns="0" rIns="0" bIns="0">
             <a:normAutofit/>
           </a:bodyPr>
-          <a:p>
-            <a:endParaRPr b="0" lang="en-US" sz="2400" spc="-1" strike="noStrike">
-              <a:solidFill>
-                <a:srgbClr val="ffffff"/>
+          <a:lstStyle/>
+          <a:p>
+            <a:endParaRPr lang="en-US" sz="2400" b="0" strike="noStrike" spc="-1">
+              <a:solidFill>
+                <a:srgbClr val="FFFFFF"/>
               </a:solidFill>
               <a:latin typeface="Arial"/>
             </a:endParaRPr>
@@ -3604,11 +3965,14 @@
       </p:sp>
     </p:spTree>
   </p:cSld>
+  <p:clrMapOvr>
+    <a:masterClrMapping/>
+  </p:clrMapOvr>
 </p:sldLayout>
 </file>
 
 <file path=ppt/slideLayouts/slideLayout34.xml><?xml version="1.0" encoding="utf-8"?>
-<p:sldLayout xmlns:a="http://schemas.openxmlformats.org/drawingml/2006/main" xmlns:p="http://schemas.openxmlformats.org/presentationml/2006/main" xmlns:r="http://schemas.openxmlformats.org/officeDocument/2006/relationships" xmlns:p14="http://schemas.microsoft.com/office/powerpoint/2010/main" xmlns:p15="http://schemas.microsoft.com/office/powerpoint/2012/main" xmlns:mc="http://schemas.openxmlformats.org/markup-compatibility/2006" type="objOverTx" preserve="1">
+<p:sldLayout xmlns:a="http://schemas.openxmlformats.org/drawingml/2006/main" xmlns:r="http://schemas.openxmlformats.org/officeDocument/2006/relationships" xmlns:p="http://schemas.openxmlformats.org/presentationml/2006/main" type="objOverTx" preserve="1">
   <p:cSld name="Title, Content over Content">
     <p:spTree>
       <p:nvGrpSpPr>
@@ -3644,11 +4008,12 @@
           </a:prstGeom>
         </p:spPr>
         <p:txBody>
-          <a:bodyPr lIns="0" rIns="0" tIns="0" bIns="0" anchor="ctr">
+          <a:bodyPr lIns="0" tIns="0" rIns="0" bIns="0" anchor="ctr">
             <a:noAutofit/>
           </a:bodyPr>
-          <a:p>
-            <a:endParaRPr b="0" lang="en-US" sz="1800" spc="-1" strike="noStrike">
+          <a:lstStyle/>
+          <a:p>
+            <a:endParaRPr lang="en-US" sz="1800" b="0" strike="noStrike" spc="-1">
               <a:solidFill>
                 <a:srgbClr val="000000"/>
               </a:solidFill>
@@ -3677,13 +4042,14 @@
           </a:prstGeom>
         </p:spPr>
         <p:txBody>
-          <a:bodyPr lIns="0" rIns="0" tIns="0" bIns="0">
+          <a:bodyPr lIns="0" tIns="0" rIns="0" bIns="0">
             <a:normAutofit/>
           </a:bodyPr>
-          <a:p>
-            <a:endParaRPr b="0" lang="en-US" sz="2400" spc="-1" strike="noStrike">
-              <a:solidFill>
-                <a:srgbClr val="ffffff"/>
+          <a:lstStyle/>
+          <a:p>
+            <a:endParaRPr lang="en-US" sz="2400" b="0" strike="noStrike" spc="-1">
+              <a:solidFill>
+                <a:srgbClr val="FFFFFF"/>
               </a:solidFill>
               <a:latin typeface="Arial"/>
             </a:endParaRPr>
@@ -3710,13 +4076,14 @@
           </a:prstGeom>
         </p:spPr>
         <p:txBody>
-          <a:bodyPr lIns="0" rIns="0" tIns="0" bIns="0">
+          <a:bodyPr lIns="0" tIns="0" rIns="0" bIns="0">
             <a:normAutofit/>
           </a:bodyPr>
-          <a:p>
-            <a:endParaRPr b="0" lang="en-US" sz="2400" spc="-1" strike="noStrike">
-              <a:solidFill>
-                <a:srgbClr val="ffffff"/>
+          <a:lstStyle/>
+          <a:p>
+            <a:endParaRPr lang="en-US" sz="2400" b="0" strike="noStrike" spc="-1">
+              <a:solidFill>
+                <a:srgbClr val="FFFFFF"/>
               </a:solidFill>
               <a:latin typeface="Arial"/>
             </a:endParaRPr>
@@ -3725,11 +4092,14 @@
       </p:sp>
     </p:spTree>
   </p:cSld>
+  <p:clrMapOvr>
+    <a:masterClrMapping/>
+  </p:clrMapOvr>
 </p:sldLayout>
 </file>
 
 <file path=ppt/slideLayouts/slideLayout35.xml><?xml version="1.0" encoding="utf-8"?>
-<p:sldLayout xmlns:a="http://schemas.openxmlformats.org/drawingml/2006/main" xmlns:p="http://schemas.openxmlformats.org/presentationml/2006/main" xmlns:r="http://schemas.openxmlformats.org/officeDocument/2006/relationships" xmlns:p14="http://schemas.microsoft.com/office/powerpoint/2010/main" xmlns:p15="http://schemas.microsoft.com/office/powerpoint/2012/main" xmlns:mc="http://schemas.openxmlformats.org/markup-compatibility/2006" type="fourObj" preserve="1">
+<p:sldLayout xmlns:a="http://schemas.openxmlformats.org/drawingml/2006/main" xmlns:r="http://schemas.openxmlformats.org/officeDocument/2006/relationships" xmlns:p="http://schemas.openxmlformats.org/presentationml/2006/main" type="fourObj" preserve="1">
   <p:cSld name="Title, 4 Content">
     <p:spTree>
       <p:nvGrpSpPr>
@@ -3765,11 +4135,12 @@
           </a:prstGeom>
         </p:spPr>
         <p:txBody>
-          <a:bodyPr lIns="0" rIns="0" tIns="0" bIns="0" anchor="ctr">
+          <a:bodyPr lIns="0" tIns="0" rIns="0" bIns="0" anchor="ctr">
             <a:noAutofit/>
           </a:bodyPr>
-          <a:p>
-            <a:endParaRPr b="0" lang="en-US" sz="1800" spc="-1" strike="noStrike">
+          <a:lstStyle/>
+          <a:p>
+            <a:endParaRPr lang="en-US" sz="1800" b="0" strike="noStrike" spc="-1">
               <a:solidFill>
                 <a:srgbClr val="000000"/>
               </a:solidFill>
@@ -3798,13 +4169,14 @@
           </a:prstGeom>
         </p:spPr>
         <p:txBody>
-          <a:bodyPr lIns="0" rIns="0" tIns="0" bIns="0">
+          <a:bodyPr lIns="0" tIns="0" rIns="0" bIns="0">
             <a:normAutofit/>
           </a:bodyPr>
-          <a:p>
-            <a:endParaRPr b="0" lang="en-US" sz="2400" spc="-1" strike="noStrike">
-              <a:solidFill>
-                <a:srgbClr val="ffffff"/>
+          <a:lstStyle/>
+          <a:p>
+            <a:endParaRPr lang="en-US" sz="2400" b="0" strike="noStrike" spc="-1">
+              <a:solidFill>
+                <a:srgbClr val="FFFFFF"/>
               </a:solidFill>
               <a:latin typeface="Arial"/>
             </a:endParaRPr>
@@ -3831,13 +4203,14 @@
           </a:prstGeom>
         </p:spPr>
         <p:txBody>
-          <a:bodyPr lIns="0" rIns="0" tIns="0" bIns="0">
+          <a:bodyPr lIns="0" tIns="0" rIns="0" bIns="0">
             <a:normAutofit/>
           </a:bodyPr>
-          <a:p>
-            <a:endParaRPr b="0" lang="en-US" sz="2400" spc="-1" strike="noStrike">
-              <a:solidFill>
-                <a:srgbClr val="ffffff"/>
+          <a:lstStyle/>
+          <a:p>
+            <a:endParaRPr lang="en-US" sz="2400" b="0" strike="noStrike" spc="-1">
+              <a:solidFill>
+                <a:srgbClr val="FFFFFF"/>
               </a:solidFill>
               <a:latin typeface="Arial"/>
             </a:endParaRPr>
@@ -3864,13 +4237,14 @@
           </a:prstGeom>
         </p:spPr>
         <p:txBody>
-          <a:bodyPr lIns="0" rIns="0" tIns="0" bIns="0">
+          <a:bodyPr lIns="0" tIns="0" rIns="0" bIns="0">
             <a:normAutofit/>
           </a:bodyPr>
-          <a:p>
-            <a:endParaRPr b="0" lang="en-US" sz="2400" spc="-1" strike="noStrike">
-              <a:solidFill>
-                <a:srgbClr val="ffffff"/>
+          <a:lstStyle/>
+          <a:p>
+            <a:endParaRPr lang="en-US" sz="2400" b="0" strike="noStrike" spc="-1">
+              <a:solidFill>
+                <a:srgbClr val="FFFFFF"/>
               </a:solidFill>
               <a:latin typeface="Arial"/>
             </a:endParaRPr>
@@ -3897,13 +4271,14 @@
           </a:prstGeom>
         </p:spPr>
         <p:txBody>
-          <a:bodyPr lIns="0" rIns="0" tIns="0" bIns="0">
+          <a:bodyPr lIns="0" tIns="0" rIns="0" bIns="0">
             <a:normAutofit/>
           </a:bodyPr>
-          <a:p>
-            <a:endParaRPr b="0" lang="en-US" sz="2400" spc="-1" strike="noStrike">
-              <a:solidFill>
-                <a:srgbClr val="ffffff"/>
+          <a:lstStyle/>
+          <a:p>
+            <a:endParaRPr lang="en-US" sz="2400" b="0" strike="noStrike" spc="-1">
+              <a:solidFill>
+                <a:srgbClr val="FFFFFF"/>
               </a:solidFill>
               <a:latin typeface="Arial"/>
             </a:endParaRPr>
@@ -3912,11 +4287,14 @@
       </p:sp>
     </p:spTree>
   </p:cSld>
+  <p:clrMapOvr>
+    <a:masterClrMapping/>
+  </p:clrMapOvr>
 </p:sldLayout>
 </file>
 
 <file path=ppt/slideLayouts/slideLayout36.xml><?xml version="1.0" encoding="utf-8"?>
-<p:sldLayout xmlns:a="http://schemas.openxmlformats.org/drawingml/2006/main" xmlns:p="http://schemas.openxmlformats.org/presentationml/2006/main" xmlns:r="http://schemas.openxmlformats.org/officeDocument/2006/relationships" xmlns:p14="http://schemas.microsoft.com/office/powerpoint/2010/main" xmlns:p15="http://schemas.microsoft.com/office/powerpoint/2012/main" xmlns:mc="http://schemas.openxmlformats.org/markup-compatibility/2006" type="blank" preserve="1">
+<p:sldLayout xmlns:a="http://schemas.openxmlformats.org/drawingml/2006/main" xmlns:r="http://schemas.openxmlformats.org/officeDocument/2006/relationships" xmlns:p="http://schemas.openxmlformats.org/presentationml/2006/main" type="blank" preserve="1">
   <p:cSld name="Title, 6 Content">
     <p:spTree>
       <p:nvGrpSpPr>
@@ -3952,11 +4330,12 @@
           </a:prstGeom>
         </p:spPr>
         <p:txBody>
-          <a:bodyPr lIns="0" rIns="0" tIns="0" bIns="0" anchor="ctr">
+          <a:bodyPr lIns="0" tIns="0" rIns="0" bIns="0" anchor="ctr">
             <a:noAutofit/>
           </a:bodyPr>
-          <a:p>
-            <a:endParaRPr b="0" lang="en-US" sz="1800" spc="-1" strike="noStrike">
+          <a:lstStyle/>
+          <a:p>
+            <a:endParaRPr lang="en-US" sz="1800" b="0" strike="noStrike" spc="-1">
               <a:solidFill>
                 <a:srgbClr val="000000"/>
               </a:solidFill>
@@ -3985,13 +4364,14 @@
           </a:prstGeom>
         </p:spPr>
         <p:txBody>
-          <a:bodyPr lIns="0" rIns="0" tIns="0" bIns="0">
+          <a:bodyPr lIns="0" tIns="0" rIns="0" bIns="0">
             <a:normAutofit/>
           </a:bodyPr>
-          <a:p>
-            <a:endParaRPr b="0" lang="en-US" sz="2400" spc="-1" strike="noStrike">
-              <a:solidFill>
-                <a:srgbClr val="ffffff"/>
+          <a:lstStyle/>
+          <a:p>
+            <a:endParaRPr lang="en-US" sz="2400" b="0" strike="noStrike" spc="-1">
+              <a:solidFill>
+                <a:srgbClr val="FFFFFF"/>
               </a:solidFill>
               <a:latin typeface="Arial"/>
             </a:endParaRPr>
@@ -4018,13 +4398,14 @@
           </a:prstGeom>
         </p:spPr>
         <p:txBody>
-          <a:bodyPr lIns="0" rIns="0" tIns="0" bIns="0">
+          <a:bodyPr lIns="0" tIns="0" rIns="0" bIns="0">
             <a:normAutofit/>
           </a:bodyPr>
-          <a:p>
-            <a:endParaRPr b="0" lang="en-US" sz="2400" spc="-1" strike="noStrike">
-              <a:solidFill>
-                <a:srgbClr val="ffffff"/>
+          <a:lstStyle/>
+          <a:p>
+            <a:endParaRPr lang="en-US" sz="2400" b="0" strike="noStrike" spc="-1">
+              <a:solidFill>
+                <a:srgbClr val="FFFFFF"/>
               </a:solidFill>
               <a:latin typeface="Arial"/>
             </a:endParaRPr>
@@ -4051,13 +4432,14 @@
           </a:prstGeom>
         </p:spPr>
         <p:txBody>
-          <a:bodyPr lIns="0" rIns="0" tIns="0" bIns="0">
+          <a:bodyPr lIns="0" tIns="0" rIns="0" bIns="0">
             <a:normAutofit/>
           </a:bodyPr>
-          <a:p>
-            <a:endParaRPr b="0" lang="en-US" sz="2400" spc="-1" strike="noStrike">
-              <a:solidFill>
-                <a:srgbClr val="ffffff"/>
+          <a:lstStyle/>
+          <a:p>
+            <a:endParaRPr lang="en-US" sz="2400" b="0" strike="noStrike" spc="-1">
+              <a:solidFill>
+                <a:srgbClr val="FFFFFF"/>
               </a:solidFill>
               <a:latin typeface="Arial"/>
             </a:endParaRPr>
@@ -4084,13 +4466,14 @@
           </a:prstGeom>
         </p:spPr>
         <p:txBody>
-          <a:bodyPr lIns="0" rIns="0" tIns="0" bIns="0">
+          <a:bodyPr lIns="0" tIns="0" rIns="0" bIns="0">
             <a:normAutofit/>
           </a:bodyPr>
-          <a:p>
-            <a:endParaRPr b="0" lang="en-US" sz="2400" spc="-1" strike="noStrike">
-              <a:solidFill>
-                <a:srgbClr val="ffffff"/>
+          <a:lstStyle/>
+          <a:p>
+            <a:endParaRPr lang="en-US" sz="2400" b="0" strike="noStrike" spc="-1">
+              <a:solidFill>
+                <a:srgbClr val="FFFFFF"/>
               </a:solidFill>
               <a:latin typeface="Arial"/>
             </a:endParaRPr>
@@ -4117,13 +4500,14 @@
           </a:prstGeom>
         </p:spPr>
         <p:txBody>
-          <a:bodyPr lIns="0" rIns="0" tIns="0" bIns="0">
+          <a:bodyPr lIns="0" tIns="0" rIns="0" bIns="0">
             <a:normAutofit/>
           </a:bodyPr>
-          <a:p>
-            <a:endParaRPr b="0" lang="en-US" sz="2400" spc="-1" strike="noStrike">
-              <a:solidFill>
-                <a:srgbClr val="ffffff"/>
+          <a:lstStyle/>
+          <a:p>
+            <a:endParaRPr lang="en-US" sz="2400" b="0" strike="noStrike" spc="-1">
+              <a:solidFill>
+                <a:srgbClr val="FFFFFF"/>
               </a:solidFill>
               <a:latin typeface="Arial"/>
             </a:endParaRPr>
@@ -4150,13 +4534,14 @@
           </a:prstGeom>
         </p:spPr>
         <p:txBody>
-          <a:bodyPr lIns="0" rIns="0" tIns="0" bIns="0">
+          <a:bodyPr lIns="0" tIns="0" rIns="0" bIns="0">
             <a:normAutofit/>
           </a:bodyPr>
-          <a:p>
-            <a:endParaRPr b="0" lang="en-US" sz="2400" spc="-1" strike="noStrike">
-              <a:solidFill>
-                <a:srgbClr val="ffffff"/>
+          <a:lstStyle/>
+          <a:p>
+            <a:endParaRPr lang="en-US" sz="2400" b="0" strike="noStrike" spc="-1">
+              <a:solidFill>
+                <a:srgbClr val="FFFFFF"/>
               </a:solidFill>
               <a:latin typeface="Arial"/>
             </a:endParaRPr>
@@ -4165,11 +4550,14 @@
       </p:sp>
     </p:spTree>
   </p:cSld>
+  <p:clrMapOvr>
+    <a:masterClrMapping/>
+  </p:clrMapOvr>
 </p:sldLayout>
 </file>
 
 <file path=ppt/slideLayouts/slideLayout4.xml><?xml version="1.0" encoding="utf-8"?>
-<p:sldLayout xmlns:a="http://schemas.openxmlformats.org/drawingml/2006/main" xmlns:p="http://schemas.openxmlformats.org/presentationml/2006/main" xmlns:r="http://schemas.openxmlformats.org/officeDocument/2006/relationships" xmlns:p14="http://schemas.microsoft.com/office/powerpoint/2010/main" xmlns:p15="http://schemas.microsoft.com/office/powerpoint/2012/main" xmlns:mc="http://schemas.openxmlformats.org/markup-compatibility/2006" type="twoObj" preserve="1">
+<p:sldLayout xmlns:a="http://schemas.openxmlformats.org/drawingml/2006/main" xmlns:r="http://schemas.openxmlformats.org/officeDocument/2006/relationships" xmlns:p="http://schemas.openxmlformats.org/presentationml/2006/main" type="twoObj" preserve="1">
   <p:cSld name="Title, 2 Content">
     <p:spTree>
       <p:nvGrpSpPr>
@@ -4205,11 +4593,12 @@
           </a:prstGeom>
         </p:spPr>
         <p:txBody>
-          <a:bodyPr lIns="0" rIns="0" tIns="0" bIns="0" anchor="ctr">
+          <a:bodyPr lIns="0" tIns="0" rIns="0" bIns="0" anchor="ctr">
             <a:noAutofit/>
           </a:bodyPr>
-          <a:p>
-            <a:endParaRPr b="0" lang="en-US" sz="1800" spc="-1" strike="noStrike">
+          <a:lstStyle/>
+          <a:p>
+            <a:endParaRPr lang="en-US" sz="1800" b="0" strike="noStrike" spc="-1">
               <a:solidFill>
                 <a:srgbClr val="000000"/>
               </a:solidFill>
@@ -4238,13 +4627,14 @@
           </a:prstGeom>
         </p:spPr>
         <p:txBody>
-          <a:bodyPr lIns="0" rIns="0" tIns="0" bIns="0">
+          <a:bodyPr lIns="0" tIns="0" rIns="0" bIns="0">
             <a:normAutofit/>
           </a:bodyPr>
-          <a:p>
-            <a:endParaRPr b="0" lang="en-US" sz="2400" spc="-1" strike="noStrike">
-              <a:solidFill>
-                <a:srgbClr val="ffffff"/>
+          <a:lstStyle/>
+          <a:p>
+            <a:endParaRPr lang="en-US" sz="2400" b="0" strike="noStrike" spc="-1">
+              <a:solidFill>
+                <a:srgbClr val="FFFFFF"/>
               </a:solidFill>
               <a:latin typeface="Arial"/>
             </a:endParaRPr>
@@ -4271,13 +4661,14 @@
           </a:prstGeom>
         </p:spPr>
         <p:txBody>
-          <a:bodyPr lIns="0" rIns="0" tIns="0" bIns="0">
+          <a:bodyPr lIns="0" tIns="0" rIns="0" bIns="0">
             <a:normAutofit/>
           </a:bodyPr>
-          <a:p>
-            <a:endParaRPr b="0" lang="en-US" sz="2400" spc="-1" strike="noStrike">
-              <a:solidFill>
-                <a:srgbClr val="ffffff"/>
+          <a:lstStyle/>
+          <a:p>
+            <a:endParaRPr lang="en-US" sz="2400" b="0" strike="noStrike" spc="-1">
+              <a:solidFill>
+                <a:srgbClr val="FFFFFF"/>
               </a:solidFill>
               <a:latin typeface="Arial"/>
             </a:endParaRPr>
@@ -4286,11 +4677,14 @@
       </p:sp>
     </p:spTree>
   </p:cSld>
+  <p:clrMapOvr>
+    <a:masterClrMapping/>
+  </p:clrMapOvr>
 </p:sldLayout>
 </file>
 
 <file path=ppt/slideLayouts/slideLayout5.xml><?xml version="1.0" encoding="utf-8"?>
-<p:sldLayout xmlns:a="http://schemas.openxmlformats.org/drawingml/2006/main" xmlns:p="http://schemas.openxmlformats.org/presentationml/2006/main" xmlns:r="http://schemas.openxmlformats.org/officeDocument/2006/relationships" xmlns:p14="http://schemas.microsoft.com/office/powerpoint/2010/main" xmlns:p15="http://schemas.microsoft.com/office/powerpoint/2012/main" xmlns:mc="http://schemas.openxmlformats.org/markup-compatibility/2006" type="titleOnly" preserve="1">
+<p:sldLayout xmlns:a="http://schemas.openxmlformats.org/drawingml/2006/main" xmlns:r="http://schemas.openxmlformats.org/officeDocument/2006/relationships" xmlns:p="http://schemas.openxmlformats.org/presentationml/2006/main" type="titleOnly" preserve="1">
   <p:cSld name="Title Only">
     <p:spTree>
       <p:nvGrpSpPr>
@@ -4326,11 +4720,12 @@
           </a:prstGeom>
         </p:spPr>
         <p:txBody>
-          <a:bodyPr lIns="0" rIns="0" tIns="0" bIns="0" anchor="ctr">
+          <a:bodyPr lIns="0" tIns="0" rIns="0" bIns="0" anchor="ctr">
             <a:noAutofit/>
           </a:bodyPr>
-          <a:p>
-            <a:endParaRPr b="0" lang="en-US" sz="1800" spc="-1" strike="noStrike">
+          <a:lstStyle/>
+          <a:p>
+            <a:endParaRPr lang="en-US" sz="1800" b="0" strike="noStrike" spc="-1">
               <a:solidFill>
                 <a:srgbClr val="000000"/>
               </a:solidFill>
@@ -4341,11 +4736,14 @@
       </p:sp>
     </p:spTree>
   </p:cSld>
+  <p:clrMapOvr>
+    <a:masterClrMapping/>
+  </p:clrMapOvr>
 </p:sldLayout>
 </file>
 
 <file path=ppt/slideLayouts/slideLayout6.xml><?xml version="1.0" encoding="utf-8"?>
-<p:sldLayout xmlns:a="http://schemas.openxmlformats.org/drawingml/2006/main" xmlns:p="http://schemas.openxmlformats.org/presentationml/2006/main" xmlns:r="http://schemas.openxmlformats.org/officeDocument/2006/relationships" xmlns:p14="http://schemas.microsoft.com/office/powerpoint/2010/main" xmlns:p15="http://schemas.microsoft.com/office/powerpoint/2012/main" xmlns:mc="http://schemas.openxmlformats.org/markup-compatibility/2006" type="objOnly" preserve="1">
+<p:sldLayout xmlns:a="http://schemas.openxmlformats.org/drawingml/2006/main" xmlns:r="http://schemas.openxmlformats.org/officeDocument/2006/relationships" xmlns:p="http://schemas.openxmlformats.org/presentationml/2006/main" type="objOnly" preserve="1">
   <p:cSld name="Centered Text">
     <p:spTree>
       <p:nvGrpSpPr>
@@ -4381,12 +4779,13 @@
           </a:prstGeom>
         </p:spPr>
         <p:txBody>
-          <a:bodyPr lIns="0" rIns="0" tIns="0" bIns="0" anchor="ctr">
+          <a:bodyPr lIns="0" tIns="0" rIns="0" bIns="0" anchor="ctr">
             <a:noAutofit/>
           </a:bodyPr>
+          <a:lstStyle/>
           <a:p>
             <a:pPr algn="ctr"/>
-            <a:endParaRPr b="0" lang="en-US" sz="3200" spc="-1" strike="noStrike">
+            <a:endParaRPr lang="en-US" sz="3200" b="0" strike="noStrike" spc="-1">
               <a:latin typeface="Arial"/>
             </a:endParaRPr>
           </a:p>
@@ -4394,11 +4793,14 @@
       </p:sp>
     </p:spTree>
   </p:cSld>
+  <p:clrMapOvr>
+    <a:masterClrMapping/>
+  </p:clrMapOvr>
 </p:sldLayout>
 </file>
 
 <file path=ppt/slideLayouts/slideLayout7.xml><?xml version="1.0" encoding="utf-8"?>
-<p:sldLayout xmlns:a="http://schemas.openxmlformats.org/drawingml/2006/main" xmlns:p="http://schemas.openxmlformats.org/presentationml/2006/main" xmlns:r="http://schemas.openxmlformats.org/officeDocument/2006/relationships" xmlns:p14="http://schemas.microsoft.com/office/powerpoint/2010/main" xmlns:p15="http://schemas.microsoft.com/office/powerpoint/2012/main" xmlns:mc="http://schemas.openxmlformats.org/markup-compatibility/2006" type="twoObjAndObj" preserve="1">
+<p:sldLayout xmlns:a="http://schemas.openxmlformats.org/drawingml/2006/main" xmlns:r="http://schemas.openxmlformats.org/officeDocument/2006/relationships" xmlns:p="http://schemas.openxmlformats.org/presentationml/2006/main" type="twoObjAndObj" preserve="1">
   <p:cSld name="Title, 2 Content and Content">
     <p:spTree>
       <p:nvGrpSpPr>
@@ -4434,11 +4836,12 @@
           </a:prstGeom>
         </p:spPr>
         <p:txBody>
-          <a:bodyPr lIns="0" rIns="0" tIns="0" bIns="0" anchor="ctr">
+          <a:bodyPr lIns="0" tIns="0" rIns="0" bIns="0" anchor="ctr">
             <a:noAutofit/>
           </a:bodyPr>
-          <a:p>
-            <a:endParaRPr b="0" lang="en-US" sz="1800" spc="-1" strike="noStrike">
+          <a:lstStyle/>
+          <a:p>
+            <a:endParaRPr lang="en-US" sz="1800" b="0" strike="noStrike" spc="-1">
               <a:solidFill>
                 <a:srgbClr val="000000"/>
               </a:solidFill>
@@ -4467,13 +4870,14 @@
           </a:prstGeom>
         </p:spPr>
         <p:txBody>
-          <a:bodyPr lIns="0" rIns="0" tIns="0" bIns="0">
+          <a:bodyPr lIns="0" tIns="0" rIns="0" bIns="0">
             <a:normAutofit/>
           </a:bodyPr>
-          <a:p>
-            <a:endParaRPr b="0" lang="en-US" sz="2400" spc="-1" strike="noStrike">
-              <a:solidFill>
-                <a:srgbClr val="ffffff"/>
+          <a:lstStyle/>
+          <a:p>
+            <a:endParaRPr lang="en-US" sz="2400" b="0" strike="noStrike" spc="-1">
+              <a:solidFill>
+                <a:srgbClr val="FFFFFF"/>
               </a:solidFill>
               <a:latin typeface="Arial"/>
             </a:endParaRPr>
@@ -4500,13 +4904,14 @@
           </a:prstGeom>
         </p:spPr>
         <p:txBody>
-          <a:bodyPr lIns="0" rIns="0" tIns="0" bIns="0">
+          <a:bodyPr lIns="0" tIns="0" rIns="0" bIns="0">
             <a:normAutofit/>
           </a:bodyPr>
-          <a:p>
-            <a:endParaRPr b="0" lang="en-US" sz="2400" spc="-1" strike="noStrike">
-              <a:solidFill>
-                <a:srgbClr val="ffffff"/>
+          <a:lstStyle/>
+          <a:p>
+            <a:endParaRPr lang="en-US" sz="2400" b="0" strike="noStrike" spc="-1">
+              <a:solidFill>
+                <a:srgbClr val="FFFFFF"/>
               </a:solidFill>
               <a:latin typeface="Arial"/>
             </a:endParaRPr>
@@ -4533,13 +4938,14 @@
           </a:prstGeom>
         </p:spPr>
         <p:txBody>
-          <a:bodyPr lIns="0" rIns="0" tIns="0" bIns="0">
+          <a:bodyPr lIns="0" tIns="0" rIns="0" bIns="0">
             <a:normAutofit/>
           </a:bodyPr>
-          <a:p>
-            <a:endParaRPr b="0" lang="en-US" sz="2400" spc="-1" strike="noStrike">
-              <a:solidFill>
-                <a:srgbClr val="ffffff"/>
+          <a:lstStyle/>
+          <a:p>
+            <a:endParaRPr lang="en-US" sz="2400" b="0" strike="noStrike" spc="-1">
+              <a:solidFill>
+                <a:srgbClr val="FFFFFF"/>
               </a:solidFill>
               <a:latin typeface="Arial"/>
             </a:endParaRPr>
@@ -4548,11 +4954,14 @@
       </p:sp>
     </p:spTree>
   </p:cSld>
+  <p:clrMapOvr>
+    <a:masterClrMapping/>
+  </p:clrMapOvr>
 </p:sldLayout>
 </file>
 
 <file path=ppt/slideLayouts/slideLayout8.xml><?xml version="1.0" encoding="utf-8"?>
-<p:sldLayout xmlns:a="http://schemas.openxmlformats.org/drawingml/2006/main" xmlns:p="http://schemas.openxmlformats.org/presentationml/2006/main" xmlns:r="http://schemas.openxmlformats.org/officeDocument/2006/relationships" xmlns:p14="http://schemas.microsoft.com/office/powerpoint/2010/main" xmlns:p15="http://schemas.microsoft.com/office/powerpoint/2012/main" xmlns:mc="http://schemas.openxmlformats.org/markup-compatibility/2006" type="objAndTwoObj" preserve="1">
+<p:sldLayout xmlns:a="http://schemas.openxmlformats.org/drawingml/2006/main" xmlns:r="http://schemas.openxmlformats.org/officeDocument/2006/relationships" xmlns:p="http://schemas.openxmlformats.org/presentationml/2006/main" type="objAndTwoObj" preserve="1">
   <p:cSld name="Title Content and 2 Content">
     <p:spTree>
       <p:nvGrpSpPr>
@@ -4588,11 +4997,12 @@
           </a:prstGeom>
         </p:spPr>
         <p:txBody>
-          <a:bodyPr lIns="0" rIns="0" tIns="0" bIns="0" anchor="ctr">
+          <a:bodyPr lIns="0" tIns="0" rIns="0" bIns="0" anchor="ctr">
             <a:noAutofit/>
           </a:bodyPr>
-          <a:p>
-            <a:endParaRPr b="0" lang="en-US" sz="1800" spc="-1" strike="noStrike">
+          <a:lstStyle/>
+          <a:p>
+            <a:endParaRPr lang="en-US" sz="1800" b="0" strike="noStrike" spc="-1">
               <a:solidFill>
                 <a:srgbClr val="000000"/>
               </a:solidFill>
@@ -4621,13 +5031,14 @@
           </a:prstGeom>
         </p:spPr>
         <p:txBody>
-          <a:bodyPr lIns="0" rIns="0" tIns="0" bIns="0">
+          <a:bodyPr lIns="0" tIns="0" rIns="0" bIns="0">
             <a:normAutofit/>
           </a:bodyPr>
-          <a:p>
-            <a:endParaRPr b="0" lang="en-US" sz="2400" spc="-1" strike="noStrike">
-              <a:solidFill>
-                <a:srgbClr val="ffffff"/>
+          <a:lstStyle/>
+          <a:p>
+            <a:endParaRPr lang="en-US" sz="2400" b="0" strike="noStrike" spc="-1">
+              <a:solidFill>
+                <a:srgbClr val="FFFFFF"/>
               </a:solidFill>
               <a:latin typeface="Arial"/>
             </a:endParaRPr>
@@ -4654,13 +5065,14 @@
           </a:prstGeom>
         </p:spPr>
         <p:txBody>
-          <a:bodyPr lIns="0" rIns="0" tIns="0" bIns="0">
+          <a:bodyPr lIns="0" tIns="0" rIns="0" bIns="0">
             <a:normAutofit/>
           </a:bodyPr>
-          <a:p>
-            <a:endParaRPr b="0" lang="en-US" sz="2400" spc="-1" strike="noStrike">
-              <a:solidFill>
-                <a:srgbClr val="ffffff"/>
+          <a:lstStyle/>
+          <a:p>
+            <a:endParaRPr lang="en-US" sz="2400" b="0" strike="noStrike" spc="-1">
+              <a:solidFill>
+                <a:srgbClr val="FFFFFF"/>
               </a:solidFill>
               <a:latin typeface="Arial"/>
             </a:endParaRPr>
@@ -4687,13 +5099,14 @@
           </a:prstGeom>
         </p:spPr>
         <p:txBody>
-          <a:bodyPr lIns="0" rIns="0" tIns="0" bIns="0">
+          <a:bodyPr lIns="0" tIns="0" rIns="0" bIns="0">
             <a:normAutofit/>
           </a:bodyPr>
-          <a:p>
-            <a:endParaRPr b="0" lang="en-US" sz="2400" spc="-1" strike="noStrike">
-              <a:solidFill>
-                <a:srgbClr val="ffffff"/>
+          <a:lstStyle/>
+          <a:p>
+            <a:endParaRPr lang="en-US" sz="2400" b="0" strike="noStrike" spc="-1">
+              <a:solidFill>
+                <a:srgbClr val="FFFFFF"/>
               </a:solidFill>
               <a:latin typeface="Arial"/>
             </a:endParaRPr>
@@ -4702,11 +5115,14 @@
       </p:sp>
     </p:spTree>
   </p:cSld>
+  <p:clrMapOvr>
+    <a:masterClrMapping/>
+  </p:clrMapOvr>
 </p:sldLayout>
 </file>
 
 <file path=ppt/slideLayouts/slideLayout9.xml><?xml version="1.0" encoding="utf-8"?>
-<p:sldLayout xmlns:a="http://schemas.openxmlformats.org/drawingml/2006/main" xmlns:p="http://schemas.openxmlformats.org/presentationml/2006/main" xmlns:r="http://schemas.openxmlformats.org/officeDocument/2006/relationships" xmlns:p14="http://schemas.microsoft.com/office/powerpoint/2010/main" xmlns:p15="http://schemas.microsoft.com/office/powerpoint/2012/main" xmlns:mc="http://schemas.openxmlformats.org/markup-compatibility/2006" type="twoObjOverTx" preserve="1">
+<p:sldLayout xmlns:a="http://schemas.openxmlformats.org/drawingml/2006/main" xmlns:r="http://schemas.openxmlformats.org/officeDocument/2006/relationships" xmlns:p="http://schemas.openxmlformats.org/presentationml/2006/main" type="twoObjOverTx" preserve="1">
   <p:cSld name="Title, 2 Content over Content">
     <p:spTree>
       <p:nvGrpSpPr>
@@ -4742,11 +5158,12 @@
           </a:prstGeom>
         </p:spPr>
         <p:txBody>
-          <a:bodyPr lIns="0" rIns="0" tIns="0" bIns="0" anchor="ctr">
+          <a:bodyPr lIns="0" tIns="0" rIns="0" bIns="0" anchor="ctr">
             <a:noAutofit/>
           </a:bodyPr>
-          <a:p>
-            <a:endParaRPr b="0" lang="en-US" sz="1800" spc="-1" strike="noStrike">
+          <a:lstStyle/>
+          <a:p>
+            <a:endParaRPr lang="en-US" sz="1800" b="0" strike="noStrike" spc="-1">
               <a:solidFill>
                 <a:srgbClr val="000000"/>
               </a:solidFill>
@@ -4775,13 +5192,14 @@
           </a:prstGeom>
         </p:spPr>
         <p:txBody>
-          <a:bodyPr lIns="0" rIns="0" tIns="0" bIns="0">
+          <a:bodyPr lIns="0" tIns="0" rIns="0" bIns="0">
             <a:normAutofit/>
           </a:bodyPr>
-          <a:p>
-            <a:endParaRPr b="0" lang="en-US" sz="2400" spc="-1" strike="noStrike">
-              <a:solidFill>
-                <a:srgbClr val="ffffff"/>
+          <a:lstStyle/>
+          <a:p>
+            <a:endParaRPr lang="en-US" sz="2400" b="0" strike="noStrike" spc="-1">
+              <a:solidFill>
+                <a:srgbClr val="FFFFFF"/>
               </a:solidFill>
               <a:latin typeface="Arial"/>
             </a:endParaRPr>
@@ -4808,13 +5226,14 @@
           </a:prstGeom>
         </p:spPr>
         <p:txBody>
-          <a:bodyPr lIns="0" rIns="0" tIns="0" bIns="0">
+          <a:bodyPr lIns="0" tIns="0" rIns="0" bIns="0">
             <a:normAutofit/>
           </a:bodyPr>
-          <a:p>
-            <a:endParaRPr b="0" lang="en-US" sz="2400" spc="-1" strike="noStrike">
-              <a:solidFill>
-                <a:srgbClr val="ffffff"/>
+          <a:lstStyle/>
+          <a:p>
+            <a:endParaRPr lang="en-US" sz="2400" b="0" strike="noStrike" spc="-1">
+              <a:solidFill>
+                <a:srgbClr val="FFFFFF"/>
               </a:solidFill>
               <a:latin typeface="Arial"/>
             </a:endParaRPr>
@@ -4841,13 +5260,14 @@
           </a:prstGeom>
         </p:spPr>
         <p:txBody>
-          <a:bodyPr lIns="0" rIns="0" tIns="0" bIns="0">
+          <a:bodyPr lIns="0" tIns="0" rIns="0" bIns="0">
             <a:normAutofit/>
           </a:bodyPr>
-          <a:p>
-            <a:endParaRPr b="0" lang="en-US" sz="2400" spc="-1" strike="noStrike">
-              <a:solidFill>
-                <a:srgbClr val="ffffff"/>
+          <a:lstStyle/>
+          <a:p>
+            <a:endParaRPr lang="en-US" sz="2400" b="0" strike="noStrike" spc="-1">
+              <a:solidFill>
+                <a:srgbClr val="FFFFFF"/>
               </a:solidFill>
               <a:latin typeface="Arial"/>
             </a:endParaRPr>
@@ -4856,20 +5276,24 @@
       </p:sp>
     </p:spTree>
   </p:cSld>
+  <p:clrMapOvr>
+    <a:masterClrMapping/>
+  </p:clrMapOvr>
 </p:sldLayout>
 </file>
 
 <file path=ppt/slideMasters/slideMaster1.xml><?xml version="1.0" encoding="utf-8"?>
-<p:sldMaster xmlns:a="http://schemas.openxmlformats.org/drawingml/2006/main" xmlns:p="http://schemas.openxmlformats.org/presentationml/2006/main" xmlns:r="http://schemas.openxmlformats.org/officeDocument/2006/relationships" xmlns:p14="http://schemas.microsoft.com/office/powerpoint/2010/main" xmlns:p15="http://schemas.microsoft.com/office/powerpoint/2012/main" xmlns:mc="http://schemas.openxmlformats.org/markup-compatibility/2006">
+<p:sldMaster xmlns:a="http://schemas.openxmlformats.org/drawingml/2006/main" xmlns:r="http://schemas.openxmlformats.org/officeDocument/2006/relationships" xmlns:p="http://schemas.openxmlformats.org/presentationml/2006/main">
   <p:cSld>
     <p:bg>
       <p:bgPr>
         <a:blipFill rotWithShape="0">
-          <a:blip r:embed="rId2"/>
+          <a:blip r:embed="rId14"/>
           <a:stretch>
             <a:fillRect/>
           </a:stretch>
         </a:blipFill>
+        <a:effectLst/>
       </p:bgPr>
     </p:bg>
     <p:spTree>
@@ -4888,12 +5312,12 @@
       </p:grpSpPr>
       <p:pic>
         <p:nvPicPr>
-          <p:cNvPr id="0" name="Picture 11" descr=""/>
+          <p:cNvPr id="4" name="Picture 11"/>
           <p:cNvPicPr/>
           <p:nvPr/>
         </p:nvPicPr>
         <p:blipFill>
-          <a:blip r:embed="rId3"/>
+          <a:blip r:embed="rId15"/>
           <a:srcRect l="6752" t="32283" r="7080" b="30331"/>
           <a:stretch/>
         </p:blipFill>
@@ -4912,7 +5336,7 @@
       </p:pic>
       <p:sp>
         <p:nvSpPr>
-          <p:cNvPr id="1" name="CustomShape 1"/>
+          <p:cNvPr id="5" name="CustomShape 1"/>
           <p:cNvSpPr/>
           <p:nvPr/>
         </p:nvSpPr>
@@ -4930,15 +5354,22 @@
           </a:ln>
         </p:spPr>
         <p:style>
-          <a:lnRef idx="0"/>
-          <a:fillRef idx="0"/>
-          <a:effectRef idx="0"/>
+          <a:lnRef idx="0">
+            <a:scrgbClr r="0" g="0" b="0"/>
+          </a:lnRef>
+          <a:fillRef idx="0">
+            <a:scrgbClr r="0" g="0" b="0"/>
+          </a:fillRef>
+          <a:effectRef idx="0">
+            <a:scrgbClr r="0" g="0" b="0"/>
+          </a:effectRef>
           <a:fontRef idx="minor"/>
         </p:style>
         <p:txBody>
-          <a:bodyPr lIns="90000" rIns="90000" tIns="45000" bIns="45000">
+          <a:bodyPr lIns="90000" tIns="45000" rIns="90000" bIns="45000">
             <a:noAutofit/>
           </a:bodyPr>
+          <a:lstStyle/>
           <a:p>
             <a:pPr>
               <a:lnSpc>
@@ -4946,16 +5377,16 @@
               </a:lnSpc>
             </a:pPr>
             <a:fld id="{490FA30D-0574-41CE-9336-A01623439735}" type="slidenum">
-              <a:rPr b="0" lang="en-US" sz="1400" spc="-1" strike="noStrike">
+              <a:rPr lang="en-US" sz="1400" b="0" strike="noStrike" spc="-1">
                 <a:solidFill>
                   <a:srgbClr val="000000"/>
                 </a:solidFill>
                 <a:latin typeface="Arial"/>
                 <a:ea typeface="DejaVu Sans"/>
               </a:rPr>
-              <a:t>&lt;number&gt;</a:t>
+              <a:t>‹#›</a:t>
             </a:fld>
-            <a:endParaRPr b="0" lang="en-US" sz="1400" spc="-1" strike="noStrike">
+            <a:endParaRPr lang="en-US" sz="1400" b="0" strike="noStrike" spc="-1">
               <a:latin typeface="Arial"/>
             </a:endParaRPr>
           </a:p>
@@ -4981,9 +5412,10 @@
           </a:prstGeom>
         </p:spPr>
         <p:txBody>
-          <a:bodyPr lIns="0" rIns="0" tIns="0" bIns="0" anchor="ctr">
+          <a:bodyPr lIns="0" tIns="0" rIns="0" bIns="0" anchor="ctr">
             <a:noAutofit/>
           </a:bodyPr>
+          <a:lstStyle/>
           <a:p>
             <a:pPr algn="ctr">
               <a:lnSpc>
@@ -4991,7 +5423,7 @@
               </a:lnSpc>
             </a:pPr>
             <a:r>
-              <a:rPr b="0" lang="en-US" sz="4400" spc="-1" strike="noStrike">
+              <a:rPr lang="en-US" sz="4400" b="0" strike="noStrike" spc="-1" dirty="0">
                 <a:solidFill>
                   <a:srgbClr val="000000"/>
                 </a:solidFill>
@@ -5000,7 +5432,7 @@
               </a:rPr>
               <a:t>Click to edit the title text format</a:t>
             </a:r>
-            <a:endParaRPr b="0" lang="en-US" sz="4400" spc="-1" strike="noStrike">
+            <a:endParaRPr lang="en-US" sz="4400" b="0" strike="noStrike" spc="-1" dirty="0">
               <a:solidFill>
                 <a:srgbClr val="000000"/>
               </a:solidFill>
@@ -5029,9 +5461,10 @@
           </a:prstGeom>
         </p:spPr>
         <p:txBody>
-          <a:bodyPr lIns="0" rIns="0" tIns="0" bIns="0">
+          <a:bodyPr lIns="0" tIns="0" rIns="0" bIns="0">
             <a:normAutofit/>
           </a:bodyPr>
+          <a:lstStyle/>
           <a:p>
             <a:pPr marL="432000" indent="-323640">
               <a:lnSpc>
@@ -5048,7 +5481,7 @@
               <a:buChar char=""/>
             </a:pPr>
             <a:r>
-              <a:rPr b="0" lang="en-US" sz="3200" spc="-1" strike="noStrike">
+              <a:rPr lang="en-US" sz="3200" b="0" strike="noStrike" spc="-1">
                 <a:solidFill>
                   <a:srgbClr val="000000"/>
                 </a:solidFill>
@@ -5057,7 +5490,7 @@
               </a:rPr>
               <a:t>Click to edit the outline text format</a:t>
             </a:r>
-            <a:endParaRPr b="0" lang="en-US" sz="3200" spc="-1" strike="noStrike">
+            <a:endParaRPr lang="en-US" sz="3200" b="0" strike="noStrike" spc="-1">
               <a:solidFill>
                 <a:srgbClr val="000000"/>
               </a:solidFill>
@@ -5065,7 +5498,7 @@
             </a:endParaRPr>
           </a:p>
           <a:p>
-            <a:pPr lvl="1" marL="864000" indent="-323640">
+            <a:pPr marL="864000" lvl="1" indent="-323640">
               <a:lnSpc>
                 <a:spcPct val="90000"/>
               </a:lnSpc>
@@ -5080,7 +5513,7 @@
               <a:buChar char=""/>
             </a:pPr>
             <a:r>
-              <a:rPr b="0" lang="en-US" sz="2800" spc="-1" strike="noStrike">
+              <a:rPr lang="en-US" sz="2800" b="0" strike="noStrike" spc="-1">
                 <a:solidFill>
                   <a:srgbClr val="000000"/>
                 </a:solidFill>
@@ -5089,7 +5522,7 @@
               </a:rPr>
               <a:t>Second Outline Level</a:t>
             </a:r>
-            <a:endParaRPr b="0" lang="en-US" sz="2800" spc="-1" strike="noStrike">
+            <a:endParaRPr lang="en-US" sz="2800" b="0" strike="noStrike" spc="-1">
               <a:solidFill>
                 <a:srgbClr val="000000"/>
               </a:solidFill>
@@ -5097,7 +5530,7 @@
             </a:endParaRPr>
           </a:p>
           <a:p>
-            <a:pPr lvl="2" marL="1296000" indent="-287640">
+            <a:pPr marL="1296000" lvl="2" indent="-287640">
               <a:lnSpc>
                 <a:spcPct val="90000"/>
               </a:lnSpc>
@@ -5112,7 +5545,7 @@
               <a:buChar char=""/>
             </a:pPr>
             <a:r>
-              <a:rPr b="0" lang="en-US" sz="2400" spc="-1" strike="noStrike">
+              <a:rPr lang="en-US" sz="2400" b="0" strike="noStrike" spc="-1">
                 <a:solidFill>
                   <a:srgbClr val="000000"/>
                 </a:solidFill>
@@ -5121,7 +5554,7 @@
               </a:rPr>
               <a:t>Third Outline Level</a:t>
             </a:r>
-            <a:endParaRPr b="0" lang="en-US" sz="2400" spc="-1" strike="noStrike">
+            <a:endParaRPr lang="en-US" sz="2400" b="0" strike="noStrike" spc="-1">
               <a:solidFill>
                 <a:srgbClr val="000000"/>
               </a:solidFill>
@@ -5129,7 +5562,7 @@
             </a:endParaRPr>
           </a:p>
           <a:p>
-            <a:pPr lvl="3" marL="1728000" indent="-215640">
+            <a:pPr marL="1728000" lvl="3" indent="-215640">
               <a:lnSpc>
                 <a:spcPct val="90000"/>
               </a:lnSpc>
@@ -5144,7 +5577,7 @@
               <a:buChar char=""/>
             </a:pPr>
             <a:r>
-              <a:rPr b="0" lang="en-US" sz="2000" spc="-1" strike="noStrike">
+              <a:rPr lang="en-US" sz="2000" b="0" strike="noStrike" spc="-1">
                 <a:solidFill>
                   <a:srgbClr val="000000"/>
                 </a:solidFill>
@@ -5153,7 +5586,7 @@
               </a:rPr>
               <a:t>Fourth Outline Level</a:t>
             </a:r>
-            <a:endParaRPr b="0" lang="en-US" sz="2000" spc="-1" strike="noStrike">
+            <a:endParaRPr lang="en-US" sz="2000" b="0" strike="noStrike" spc="-1">
               <a:solidFill>
                 <a:srgbClr val="000000"/>
               </a:solidFill>
@@ -5161,7 +5594,7 @@
             </a:endParaRPr>
           </a:p>
           <a:p>
-            <a:pPr lvl="4" marL="2160000" indent="-215640">
+            <a:pPr marL="2160000" lvl="4" indent="-215640">
               <a:lnSpc>
                 <a:spcPct val="90000"/>
               </a:lnSpc>
@@ -5176,7 +5609,7 @@
               <a:buChar char=""/>
             </a:pPr>
             <a:r>
-              <a:rPr b="0" lang="en-US" sz="2000" spc="-1" strike="noStrike">
+              <a:rPr lang="en-US" sz="2000" b="0" strike="noStrike" spc="-1">
                 <a:solidFill>
                   <a:srgbClr val="000000"/>
                 </a:solidFill>
@@ -5185,7 +5618,7 @@
               </a:rPr>
               <a:t>Fifth Outline Level</a:t>
             </a:r>
-            <a:endParaRPr b="0" lang="en-US" sz="2000" spc="-1" strike="noStrike">
+            <a:endParaRPr lang="en-US" sz="2000" b="0" strike="noStrike" spc="-1">
               <a:solidFill>
                 <a:srgbClr val="000000"/>
               </a:solidFill>
@@ -5193,7 +5626,7 @@
             </a:endParaRPr>
           </a:p>
           <a:p>
-            <a:pPr lvl="5" marL="2592000" indent="-215640">
+            <a:pPr marL="2592000" lvl="5" indent="-215640">
               <a:lnSpc>
                 <a:spcPct val="90000"/>
               </a:lnSpc>
@@ -5208,7 +5641,7 @@
               <a:buChar char=""/>
             </a:pPr>
             <a:r>
-              <a:rPr b="0" lang="en-US" sz="2000" spc="-1" strike="noStrike">
+              <a:rPr lang="en-US" sz="2000" b="0" strike="noStrike" spc="-1">
                 <a:solidFill>
                   <a:srgbClr val="000000"/>
                 </a:solidFill>
@@ -5217,7 +5650,7 @@
               </a:rPr>
               <a:t>Sixth Outline Level</a:t>
             </a:r>
-            <a:endParaRPr b="0" lang="en-US" sz="2000" spc="-1" strike="noStrike">
+            <a:endParaRPr lang="en-US" sz="2000" b="0" strike="noStrike" spc="-1">
               <a:solidFill>
                 <a:srgbClr val="000000"/>
               </a:solidFill>
@@ -5225,7 +5658,7 @@
             </a:endParaRPr>
           </a:p>
           <a:p>
-            <a:pPr lvl="6" marL="3024000" indent="-215640">
+            <a:pPr marL="3024000" lvl="6" indent="-215640">
               <a:lnSpc>
                 <a:spcPct val="90000"/>
               </a:lnSpc>
@@ -5240,7 +5673,7 @@
               <a:buChar char=""/>
             </a:pPr>
             <a:r>
-              <a:rPr b="0" lang="en-US" sz="2000" spc="-1" strike="noStrike">
+              <a:rPr lang="en-US" sz="2000" b="0" strike="noStrike" spc="-1">
                 <a:solidFill>
                   <a:srgbClr val="000000"/>
                 </a:solidFill>
@@ -5249,7 +5682,7 @@
               </a:rPr>
               <a:t>Seventh Outline Level</a:t>
             </a:r>
-            <a:endParaRPr b="0" lang="en-US" sz="2000" spc="-1" strike="noStrike">
+            <a:endParaRPr lang="en-US" sz="2000" b="0" strike="noStrike" spc="-1">
               <a:solidFill>
                 <a:srgbClr val="000000"/>
               </a:solidFill>
@@ -5260,35 +5693,316 @@
       </p:sp>
     </p:spTree>
   </p:cSld>
-  <p:clrMap bg1="lt1" bg2="lt2" tx1="dk1" tx2="dk2" accent1="accent1" accent2="accent2" accent3="accent3" accent4="accent4" accent5="accent5" accent6="accent6" hlink="hlink" folHlink="folHlink"/>
+  <p:clrMap bg1="lt1" tx1="dk1" bg2="lt2" tx2="dk2" accent1="accent1" accent2="accent2" accent3="accent3" accent4="accent4" accent5="accent5" accent6="accent6" hlink="hlink" folHlink="folHlink"/>
   <p:sldLayoutIdLst>
-    <p:sldLayoutId id="2147483649" r:id="rId4"/>
-    <p:sldLayoutId id="2147483650" r:id="rId5"/>
-    <p:sldLayoutId id="2147483651" r:id="rId6"/>
-    <p:sldLayoutId id="2147483652" r:id="rId7"/>
-    <p:sldLayoutId id="2147483653" r:id="rId8"/>
-    <p:sldLayoutId id="2147483654" r:id="rId9"/>
-    <p:sldLayoutId id="2147483655" r:id="rId10"/>
-    <p:sldLayoutId id="2147483656" r:id="rId11"/>
-    <p:sldLayoutId id="2147483657" r:id="rId12"/>
-    <p:sldLayoutId id="2147483658" r:id="rId13"/>
-    <p:sldLayoutId id="2147483659" r:id="rId14"/>
-    <p:sldLayoutId id="2147483660" r:id="rId15"/>
+    <p:sldLayoutId id="2147483649" r:id="rId1"/>
+    <p:sldLayoutId id="2147483650" r:id="rId2"/>
+    <p:sldLayoutId id="2147483651" r:id="rId3"/>
+    <p:sldLayoutId id="2147483652" r:id="rId4"/>
+    <p:sldLayoutId id="2147483653" r:id="rId5"/>
+    <p:sldLayoutId id="2147483654" r:id="rId6"/>
+    <p:sldLayoutId id="2147483655" r:id="rId7"/>
+    <p:sldLayoutId id="2147483656" r:id="rId8"/>
+    <p:sldLayoutId id="2147483657" r:id="rId9"/>
+    <p:sldLayoutId id="2147483658" r:id="rId10"/>
+    <p:sldLayoutId id="2147483659" r:id="rId11"/>
+    <p:sldLayoutId id="2147483660" r:id="rId12"/>
   </p:sldLayoutIdLst>
+  <p:txStyles>
+    <p:titleStyle>
+      <a:lvl1pPr algn="l" defTabSz="914400" rtl="0" eaLnBrk="1" latinLnBrk="0" hangingPunct="1">
+        <a:lnSpc>
+          <a:spcPct val="90000"/>
+        </a:lnSpc>
+        <a:spcBef>
+          <a:spcPct val="0"/>
+        </a:spcBef>
+        <a:buNone/>
+        <a:defRPr sz="4400" kern="1200">
+          <a:solidFill>
+            <a:schemeClr val="tx1"/>
+          </a:solidFill>
+          <a:latin typeface="+mj-lt"/>
+          <a:ea typeface="+mj-ea"/>
+          <a:cs typeface="+mj-cs"/>
+        </a:defRPr>
+      </a:lvl1pPr>
+    </p:titleStyle>
+    <p:bodyStyle>
+      <a:lvl1pPr marL="228600" indent="-228600" algn="l" defTabSz="914400" rtl="0" eaLnBrk="1" latinLnBrk="0" hangingPunct="1">
+        <a:lnSpc>
+          <a:spcPct val="90000"/>
+        </a:lnSpc>
+        <a:spcBef>
+          <a:spcPts val="1000"/>
+        </a:spcBef>
+        <a:buFont typeface="Arial" panose="020B0604020202020204" pitchFamily="34" charset="0"/>
+        <a:buChar char="•"/>
+        <a:defRPr sz="2800" kern="1200">
+          <a:solidFill>
+            <a:schemeClr val="tx1"/>
+          </a:solidFill>
+          <a:latin typeface="+mn-lt"/>
+          <a:ea typeface="+mn-ea"/>
+          <a:cs typeface="+mn-cs"/>
+        </a:defRPr>
+      </a:lvl1pPr>
+      <a:lvl2pPr marL="685800" indent="-228600" algn="l" defTabSz="914400" rtl="0" eaLnBrk="1" latinLnBrk="0" hangingPunct="1">
+        <a:lnSpc>
+          <a:spcPct val="90000"/>
+        </a:lnSpc>
+        <a:spcBef>
+          <a:spcPts val="500"/>
+        </a:spcBef>
+        <a:buFont typeface="Arial" panose="020B0604020202020204" pitchFamily="34" charset="0"/>
+        <a:buChar char="•"/>
+        <a:defRPr sz="2400" kern="1200">
+          <a:solidFill>
+            <a:schemeClr val="tx1"/>
+          </a:solidFill>
+          <a:latin typeface="+mn-lt"/>
+          <a:ea typeface="+mn-ea"/>
+          <a:cs typeface="+mn-cs"/>
+        </a:defRPr>
+      </a:lvl2pPr>
+      <a:lvl3pPr marL="1143000" indent="-228600" algn="l" defTabSz="914400" rtl="0" eaLnBrk="1" latinLnBrk="0" hangingPunct="1">
+        <a:lnSpc>
+          <a:spcPct val="90000"/>
+        </a:lnSpc>
+        <a:spcBef>
+          <a:spcPts val="500"/>
+        </a:spcBef>
+        <a:buFont typeface="Arial" panose="020B0604020202020204" pitchFamily="34" charset="0"/>
+        <a:buChar char="•"/>
+        <a:defRPr sz="2000" kern="1200">
+          <a:solidFill>
+            <a:schemeClr val="tx1"/>
+          </a:solidFill>
+          <a:latin typeface="+mn-lt"/>
+          <a:ea typeface="+mn-ea"/>
+          <a:cs typeface="+mn-cs"/>
+        </a:defRPr>
+      </a:lvl3pPr>
+      <a:lvl4pPr marL="1600200" indent="-228600" algn="l" defTabSz="914400" rtl="0" eaLnBrk="1" latinLnBrk="0" hangingPunct="1">
+        <a:lnSpc>
+          <a:spcPct val="90000"/>
+        </a:lnSpc>
+        <a:spcBef>
+          <a:spcPts val="500"/>
+        </a:spcBef>
+        <a:buFont typeface="Arial" panose="020B0604020202020204" pitchFamily="34" charset="0"/>
+        <a:buChar char="•"/>
+        <a:defRPr sz="1800" kern="1200">
+          <a:solidFill>
+            <a:schemeClr val="tx1"/>
+          </a:solidFill>
+          <a:latin typeface="+mn-lt"/>
+          <a:ea typeface="+mn-ea"/>
+          <a:cs typeface="+mn-cs"/>
+        </a:defRPr>
+      </a:lvl4pPr>
+      <a:lvl5pPr marL="2057400" indent="-228600" algn="l" defTabSz="914400" rtl="0" eaLnBrk="1" latinLnBrk="0" hangingPunct="1">
+        <a:lnSpc>
+          <a:spcPct val="90000"/>
+        </a:lnSpc>
+        <a:spcBef>
+          <a:spcPts val="500"/>
+        </a:spcBef>
+        <a:buFont typeface="Arial" panose="020B0604020202020204" pitchFamily="34" charset="0"/>
+        <a:buChar char="•"/>
+        <a:defRPr sz="1800" kern="1200">
+          <a:solidFill>
+            <a:schemeClr val="tx1"/>
+          </a:solidFill>
+          <a:latin typeface="+mn-lt"/>
+          <a:ea typeface="+mn-ea"/>
+          <a:cs typeface="+mn-cs"/>
+        </a:defRPr>
+      </a:lvl5pPr>
+      <a:lvl6pPr marL="2514600" indent="-228600" algn="l" defTabSz="914400" rtl="0" eaLnBrk="1" latinLnBrk="0" hangingPunct="1">
+        <a:lnSpc>
+          <a:spcPct val="90000"/>
+        </a:lnSpc>
+        <a:spcBef>
+          <a:spcPts val="500"/>
+        </a:spcBef>
+        <a:buFont typeface="Arial" panose="020B0604020202020204" pitchFamily="34" charset="0"/>
+        <a:buChar char="•"/>
+        <a:defRPr sz="1800" kern="1200">
+          <a:solidFill>
+            <a:schemeClr val="tx1"/>
+          </a:solidFill>
+          <a:latin typeface="+mn-lt"/>
+          <a:ea typeface="+mn-ea"/>
+          <a:cs typeface="+mn-cs"/>
+        </a:defRPr>
+      </a:lvl6pPr>
+      <a:lvl7pPr marL="2971800" indent="-228600" algn="l" defTabSz="914400" rtl="0" eaLnBrk="1" latinLnBrk="0" hangingPunct="1">
+        <a:lnSpc>
+          <a:spcPct val="90000"/>
+        </a:lnSpc>
+        <a:spcBef>
+          <a:spcPts val="500"/>
+        </a:spcBef>
+        <a:buFont typeface="Arial" panose="020B0604020202020204" pitchFamily="34" charset="0"/>
+        <a:buChar char="•"/>
+        <a:defRPr sz="1800" kern="1200">
+          <a:solidFill>
+            <a:schemeClr val="tx1"/>
+          </a:solidFill>
+          <a:latin typeface="+mn-lt"/>
+          <a:ea typeface="+mn-ea"/>
+          <a:cs typeface="+mn-cs"/>
+        </a:defRPr>
+      </a:lvl7pPr>
+      <a:lvl8pPr marL="3429000" indent="-228600" algn="l" defTabSz="914400" rtl="0" eaLnBrk="1" latinLnBrk="0" hangingPunct="1">
+        <a:lnSpc>
+          <a:spcPct val="90000"/>
+        </a:lnSpc>
+        <a:spcBef>
+          <a:spcPts val="500"/>
+        </a:spcBef>
+        <a:buFont typeface="Arial" panose="020B0604020202020204" pitchFamily="34" charset="0"/>
+        <a:buChar char="•"/>
+        <a:defRPr sz="1800" kern="1200">
+          <a:solidFill>
+            <a:schemeClr val="tx1"/>
+          </a:solidFill>
+          <a:latin typeface="+mn-lt"/>
+          <a:ea typeface="+mn-ea"/>
+          <a:cs typeface="+mn-cs"/>
+        </a:defRPr>
+      </a:lvl8pPr>
+      <a:lvl9pPr marL="3886200" indent="-228600" algn="l" defTabSz="914400" rtl="0" eaLnBrk="1" latinLnBrk="0" hangingPunct="1">
+        <a:lnSpc>
+          <a:spcPct val="90000"/>
+        </a:lnSpc>
+        <a:spcBef>
+          <a:spcPts val="500"/>
+        </a:spcBef>
+        <a:buFont typeface="Arial" panose="020B0604020202020204" pitchFamily="34" charset="0"/>
+        <a:buChar char="•"/>
+        <a:defRPr sz="1800" kern="1200">
+          <a:solidFill>
+            <a:schemeClr val="tx1"/>
+          </a:solidFill>
+          <a:latin typeface="+mn-lt"/>
+          <a:ea typeface="+mn-ea"/>
+          <a:cs typeface="+mn-cs"/>
+        </a:defRPr>
+      </a:lvl9pPr>
+    </p:bodyStyle>
+    <p:otherStyle>
+      <a:defPPr>
+        <a:defRPr lang="en-US"/>
+      </a:defPPr>
+      <a:lvl1pPr marL="0" algn="l" defTabSz="914400" rtl="0" eaLnBrk="1" latinLnBrk="0" hangingPunct="1">
+        <a:defRPr sz="1800" kern="1200">
+          <a:solidFill>
+            <a:schemeClr val="tx1"/>
+          </a:solidFill>
+          <a:latin typeface="+mn-lt"/>
+          <a:ea typeface="+mn-ea"/>
+          <a:cs typeface="+mn-cs"/>
+        </a:defRPr>
+      </a:lvl1pPr>
+      <a:lvl2pPr marL="457200" algn="l" defTabSz="914400" rtl="0" eaLnBrk="1" latinLnBrk="0" hangingPunct="1">
+        <a:defRPr sz="1800" kern="1200">
+          <a:solidFill>
+            <a:schemeClr val="tx1"/>
+          </a:solidFill>
+          <a:latin typeface="+mn-lt"/>
+          <a:ea typeface="+mn-ea"/>
+          <a:cs typeface="+mn-cs"/>
+        </a:defRPr>
+      </a:lvl2pPr>
+      <a:lvl3pPr marL="914400" algn="l" defTabSz="914400" rtl="0" eaLnBrk="1" latinLnBrk="0" hangingPunct="1">
+        <a:defRPr sz="1800" kern="1200">
+          <a:solidFill>
+            <a:schemeClr val="tx1"/>
+          </a:solidFill>
+          <a:latin typeface="+mn-lt"/>
+          <a:ea typeface="+mn-ea"/>
+          <a:cs typeface="+mn-cs"/>
+        </a:defRPr>
+      </a:lvl3pPr>
+      <a:lvl4pPr marL="1371600" algn="l" defTabSz="914400" rtl="0" eaLnBrk="1" latinLnBrk="0" hangingPunct="1">
+        <a:defRPr sz="1800" kern="1200">
+          <a:solidFill>
+            <a:schemeClr val="tx1"/>
+          </a:solidFill>
+          <a:latin typeface="+mn-lt"/>
+          <a:ea typeface="+mn-ea"/>
+          <a:cs typeface="+mn-cs"/>
+        </a:defRPr>
+      </a:lvl4pPr>
+      <a:lvl5pPr marL="1828800" algn="l" defTabSz="914400" rtl="0" eaLnBrk="1" latinLnBrk="0" hangingPunct="1">
+        <a:defRPr sz="1800" kern="1200">
+          <a:solidFill>
+            <a:schemeClr val="tx1"/>
+          </a:solidFill>
+          <a:latin typeface="+mn-lt"/>
+          <a:ea typeface="+mn-ea"/>
+          <a:cs typeface="+mn-cs"/>
+        </a:defRPr>
+      </a:lvl5pPr>
+      <a:lvl6pPr marL="2286000" algn="l" defTabSz="914400" rtl="0" eaLnBrk="1" latinLnBrk="0" hangingPunct="1">
+        <a:defRPr sz="1800" kern="1200">
+          <a:solidFill>
+            <a:schemeClr val="tx1"/>
+          </a:solidFill>
+          <a:latin typeface="+mn-lt"/>
+          <a:ea typeface="+mn-ea"/>
+          <a:cs typeface="+mn-cs"/>
+        </a:defRPr>
+      </a:lvl6pPr>
+      <a:lvl7pPr marL="2743200" algn="l" defTabSz="914400" rtl="0" eaLnBrk="1" latinLnBrk="0" hangingPunct="1">
+        <a:defRPr sz="1800" kern="1200">
+          <a:solidFill>
+            <a:schemeClr val="tx1"/>
+          </a:solidFill>
+          <a:latin typeface="+mn-lt"/>
+          <a:ea typeface="+mn-ea"/>
+          <a:cs typeface="+mn-cs"/>
+        </a:defRPr>
+      </a:lvl7pPr>
+      <a:lvl8pPr marL="3200400" algn="l" defTabSz="914400" rtl="0" eaLnBrk="1" latinLnBrk="0" hangingPunct="1">
+        <a:defRPr sz="1800" kern="1200">
+          <a:solidFill>
+            <a:schemeClr val="tx1"/>
+          </a:solidFill>
+          <a:latin typeface="+mn-lt"/>
+          <a:ea typeface="+mn-ea"/>
+          <a:cs typeface="+mn-cs"/>
+        </a:defRPr>
+      </a:lvl8pPr>
+      <a:lvl9pPr marL="3657600" algn="l" defTabSz="914400" rtl="0" eaLnBrk="1" latinLnBrk="0" hangingPunct="1">
+        <a:defRPr sz="1800" kern="1200">
+          <a:solidFill>
+            <a:schemeClr val="tx1"/>
+          </a:solidFill>
+          <a:latin typeface="+mn-lt"/>
+          <a:ea typeface="+mn-ea"/>
+          <a:cs typeface="+mn-cs"/>
+        </a:defRPr>
+      </a:lvl9pPr>
+    </p:otherStyle>
+  </p:txStyles>
 </p:sldMaster>
 </file>
 
 <file path=ppt/slideMasters/slideMaster2.xml><?xml version="1.0" encoding="utf-8"?>
-<p:sldMaster xmlns:a="http://schemas.openxmlformats.org/drawingml/2006/main" xmlns:p="http://schemas.openxmlformats.org/presentationml/2006/main" xmlns:r="http://schemas.openxmlformats.org/officeDocument/2006/relationships" xmlns:p14="http://schemas.microsoft.com/office/powerpoint/2010/main" xmlns:p15="http://schemas.microsoft.com/office/powerpoint/2012/main" xmlns:mc="http://schemas.openxmlformats.org/markup-compatibility/2006">
+<p:sldMaster xmlns:a="http://schemas.openxmlformats.org/drawingml/2006/main" xmlns:r="http://schemas.openxmlformats.org/officeDocument/2006/relationships" xmlns:p="http://schemas.openxmlformats.org/presentationml/2006/main">
   <p:cSld>
     <p:bg>
       <p:bgPr>
         <a:blipFill rotWithShape="0">
-          <a:blip r:embed="rId2"/>
+          <a:blip r:embed="rId14"/>
           <a:stretch>
             <a:fillRect/>
           </a:stretch>
         </a:blipFill>
+        <a:effectLst/>
       </p:bgPr>
     </p:bg>
     <p:spTree>
@@ -5307,12 +6021,12 @@
       </p:grpSpPr>
       <p:pic>
         <p:nvPicPr>
-          <p:cNvPr id="40" name="Picture 11" descr=""/>
+          <p:cNvPr id="40" name="Picture 11"/>
           <p:cNvPicPr/>
           <p:nvPr/>
         </p:nvPicPr>
         <p:blipFill>
-          <a:blip r:embed="rId3"/>
+          <a:blip r:embed="rId15"/>
           <a:srcRect l="6752" t="32283" r="7080" b="30331"/>
           <a:stretch/>
         </p:blipFill>
@@ -5331,12 +6045,12 @@
       </p:pic>
       <p:pic>
         <p:nvPicPr>
-          <p:cNvPr id="41" name="Picture 11" descr=""/>
+          <p:cNvPr id="41" name="Picture 11"/>
           <p:cNvPicPr/>
           <p:nvPr/>
         </p:nvPicPr>
         <p:blipFill>
-          <a:blip r:embed="rId4"/>
+          <a:blip r:embed="rId16"/>
           <a:stretch/>
         </p:blipFill>
         <p:spPr>
@@ -5372,15 +6086,22 @@
           </a:ln>
         </p:spPr>
         <p:style>
-          <a:lnRef idx="0"/>
-          <a:fillRef idx="0"/>
-          <a:effectRef idx="0"/>
+          <a:lnRef idx="0">
+            <a:scrgbClr r="0" g="0" b="0"/>
+          </a:lnRef>
+          <a:fillRef idx="0">
+            <a:scrgbClr r="0" g="0" b="0"/>
+          </a:fillRef>
+          <a:effectRef idx="0">
+            <a:scrgbClr r="0" g="0" b="0"/>
+          </a:effectRef>
           <a:fontRef idx="minor"/>
         </p:style>
         <p:txBody>
-          <a:bodyPr lIns="90000" rIns="90000" tIns="45000" bIns="45000">
+          <a:bodyPr lIns="90000" tIns="45000" rIns="90000" bIns="45000">
             <a:noAutofit/>
           </a:bodyPr>
+          <a:lstStyle/>
           <a:p>
             <a:pPr>
               <a:lnSpc>
@@ -5388,16 +6109,16 @@
               </a:lnSpc>
             </a:pPr>
             <a:fld id="{ED131A6F-BEAA-4470-AFD3-FF7319B4A0F8}" type="slidenum">
-              <a:rPr b="0" lang="en-US" sz="1400" spc="-1" strike="noStrike">
+              <a:rPr lang="en-US" sz="1400" b="0" strike="noStrike" spc="-1">
                 <a:solidFill>
-                  <a:srgbClr val="ffffff"/>
+                  <a:srgbClr val="FFFFFF"/>
                 </a:solidFill>
                 <a:latin typeface="Arial"/>
                 <a:ea typeface="DejaVu Sans"/>
               </a:rPr>
-              <a:t>&lt;number&gt;</a:t>
+              <a:t>‹#›</a:t>
             </a:fld>
-            <a:endParaRPr b="0" lang="en-US" sz="1400" spc="-1" strike="noStrike">
+            <a:endParaRPr lang="en-US" sz="1400" b="0" strike="noStrike" spc="-1">
               <a:latin typeface="Arial"/>
             </a:endParaRPr>
           </a:p>
@@ -5423,12 +6144,13 @@
           </a:prstGeom>
         </p:spPr>
         <p:txBody>
-          <a:bodyPr lIns="0" rIns="0" tIns="0" bIns="0" anchor="ctr">
+          <a:bodyPr lIns="0" tIns="0" rIns="0" bIns="0" anchor="ctr">
             <a:noAutofit/>
           </a:bodyPr>
+          <a:lstStyle/>
           <a:p>
             <a:r>
-              <a:rPr b="0" lang="en-US" sz="4400" spc="-1" strike="noStrike">
+              <a:rPr lang="en-US" sz="4400" b="0" strike="noStrike" spc="-1" dirty="0">
                 <a:solidFill>
                   <a:srgbClr val="000000"/>
                 </a:solidFill>
@@ -5436,12 +6158,6 @@
               </a:rPr>
               <a:t>Click to edit the title text format</a:t>
             </a:r>
-            <a:endParaRPr b="0" lang="en-US" sz="4400" spc="-1" strike="noStrike">
-              <a:solidFill>
-                <a:srgbClr val="000000"/>
-              </a:solidFill>
-              <a:latin typeface="Arial"/>
-            </a:endParaRPr>
           </a:p>
         </p:txBody>
       </p:sp>
@@ -5465,9 +6181,10 @@
           </a:prstGeom>
         </p:spPr>
         <p:txBody>
-          <a:bodyPr lIns="0" rIns="0" tIns="0" bIns="0">
+          <a:bodyPr lIns="0" tIns="0" rIns="0" bIns="0">
             <a:normAutofit/>
           </a:bodyPr>
+          <a:lstStyle/>
           <a:p>
             <a:pPr marL="432000" indent="-323640">
               <a:lnSpc>
@@ -5484,24 +6201,24 @@
               <a:buChar char=""/>
             </a:pPr>
             <a:r>
-              <a:rPr b="0" lang="en-US" sz="3200" spc="-1" strike="noStrike">
+              <a:rPr lang="en-US" sz="3200" b="0" strike="noStrike" spc="-1">
                 <a:solidFill>
-                  <a:srgbClr val="ffffff"/>
+                  <a:srgbClr val="FFFFFF"/>
                 </a:solidFill>
                 <a:latin typeface="Arial"/>
                 <a:ea typeface="DejaVu Sans"/>
               </a:rPr>
               <a:t>Click to edit the outline text format</a:t>
             </a:r>
-            <a:endParaRPr b="0" lang="en-US" sz="3200" spc="-1" strike="noStrike">
-              <a:solidFill>
-                <a:srgbClr val="ffffff"/>
-              </a:solidFill>
-              <a:latin typeface="Arial"/>
-            </a:endParaRPr>
-          </a:p>
-          <a:p>
-            <a:pPr lvl="1" marL="864000" indent="-323640">
+            <a:endParaRPr lang="en-US" sz="3200" b="0" strike="noStrike" spc="-1">
+              <a:solidFill>
+                <a:srgbClr val="FFFFFF"/>
+              </a:solidFill>
+              <a:latin typeface="Arial"/>
+            </a:endParaRPr>
+          </a:p>
+          <a:p>
+            <a:pPr marL="864000" lvl="1" indent="-323640">
               <a:lnSpc>
                 <a:spcPct val="90000"/>
               </a:lnSpc>
@@ -5516,24 +6233,24 @@
               <a:buChar char=""/>
             </a:pPr>
             <a:r>
-              <a:rPr b="0" lang="en-US" sz="2800" spc="-1" strike="noStrike">
+              <a:rPr lang="en-US" sz="2800" b="0" strike="noStrike" spc="-1">
                 <a:solidFill>
-                  <a:srgbClr val="ffffff"/>
+                  <a:srgbClr val="FFFFFF"/>
                 </a:solidFill>
                 <a:latin typeface="Arial"/>
                 <a:ea typeface="DejaVu Sans"/>
               </a:rPr>
               <a:t>Second Outline Level</a:t>
             </a:r>
-            <a:endParaRPr b="0" lang="en-US" sz="2800" spc="-1" strike="noStrike">
-              <a:solidFill>
-                <a:srgbClr val="ffffff"/>
-              </a:solidFill>
-              <a:latin typeface="Arial"/>
-            </a:endParaRPr>
-          </a:p>
-          <a:p>
-            <a:pPr lvl="2" marL="1296000" indent="-287640">
+            <a:endParaRPr lang="en-US" sz="2800" b="0" strike="noStrike" spc="-1">
+              <a:solidFill>
+                <a:srgbClr val="FFFFFF"/>
+              </a:solidFill>
+              <a:latin typeface="Arial"/>
+            </a:endParaRPr>
+          </a:p>
+          <a:p>
+            <a:pPr marL="1296000" lvl="2" indent="-287640">
               <a:lnSpc>
                 <a:spcPct val="90000"/>
               </a:lnSpc>
@@ -5548,24 +6265,24 @@
               <a:buChar char=""/>
             </a:pPr>
             <a:r>
-              <a:rPr b="0" lang="en-US" sz="2400" spc="-1" strike="noStrike">
+              <a:rPr lang="en-US" sz="2400" b="0" strike="noStrike" spc="-1">
                 <a:solidFill>
-                  <a:srgbClr val="ffffff"/>
+                  <a:srgbClr val="FFFFFF"/>
                 </a:solidFill>
                 <a:latin typeface="Arial"/>
                 <a:ea typeface="DejaVu Sans"/>
               </a:rPr>
               <a:t>Third Outline Level</a:t>
             </a:r>
-            <a:endParaRPr b="0" lang="en-US" sz="2400" spc="-1" strike="noStrike">
-              <a:solidFill>
-                <a:srgbClr val="ffffff"/>
-              </a:solidFill>
-              <a:latin typeface="Arial"/>
-            </a:endParaRPr>
-          </a:p>
-          <a:p>
-            <a:pPr lvl="3" marL="1728000" indent="-215640">
+            <a:endParaRPr lang="en-US" sz="2400" b="0" strike="noStrike" spc="-1">
+              <a:solidFill>
+                <a:srgbClr val="FFFFFF"/>
+              </a:solidFill>
+              <a:latin typeface="Arial"/>
+            </a:endParaRPr>
+          </a:p>
+          <a:p>
+            <a:pPr marL="1728000" lvl="3" indent="-215640">
               <a:lnSpc>
                 <a:spcPct val="90000"/>
               </a:lnSpc>
@@ -5580,24 +6297,24 @@
               <a:buChar char=""/>
             </a:pPr>
             <a:r>
-              <a:rPr b="0" lang="en-US" sz="2000" spc="-1" strike="noStrike">
+              <a:rPr lang="en-US" sz="2000" b="0" strike="noStrike" spc="-1">
                 <a:solidFill>
-                  <a:srgbClr val="ffffff"/>
+                  <a:srgbClr val="FFFFFF"/>
                 </a:solidFill>
                 <a:latin typeface="Arial"/>
                 <a:ea typeface="DejaVu Sans"/>
               </a:rPr>
               <a:t>Fourth Outline Level</a:t>
             </a:r>
-            <a:endParaRPr b="0" lang="en-US" sz="2000" spc="-1" strike="noStrike">
-              <a:solidFill>
-                <a:srgbClr val="ffffff"/>
-              </a:solidFill>
-              <a:latin typeface="Arial"/>
-            </a:endParaRPr>
-          </a:p>
-          <a:p>
-            <a:pPr lvl="4" marL="2160000" indent="-215640">
+            <a:endParaRPr lang="en-US" sz="2000" b="0" strike="noStrike" spc="-1">
+              <a:solidFill>
+                <a:srgbClr val="FFFFFF"/>
+              </a:solidFill>
+              <a:latin typeface="Arial"/>
+            </a:endParaRPr>
+          </a:p>
+          <a:p>
+            <a:pPr marL="2160000" lvl="4" indent="-215640">
               <a:lnSpc>
                 <a:spcPct val="90000"/>
               </a:lnSpc>
@@ -5612,24 +6329,24 @@
               <a:buChar char=""/>
             </a:pPr>
             <a:r>
-              <a:rPr b="0" lang="en-US" sz="2000" spc="-1" strike="noStrike">
+              <a:rPr lang="en-US" sz="2000" b="0" strike="noStrike" spc="-1">
                 <a:solidFill>
-                  <a:srgbClr val="ffffff"/>
+                  <a:srgbClr val="FFFFFF"/>
                 </a:solidFill>
                 <a:latin typeface="Arial"/>
                 <a:ea typeface="DejaVu Sans"/>
               </a:rPr>
               <a:t>Fifth Outline Level</a:t>
             </a:r>
-            <a:endParaRPr b="0" lang="en-US" sz="2000" spc="-1" strike="noStrike">
-              <a:solidFill>
-                <a:srgbClr val="ffffff"/>
-              </a:solidFill>
-              <a:latin typeface="Arial"/>
-            </a:endParaRPr>
-          </a:p>
-          <a:p>
-            <a:pPr lvl="5" marL="2592000" indent="-215640">
+            <a:endParaRPr lang="en-US" sz="2000" b="0" strike="noStrike" spc="-1">
+              <a:solidFill>
+                <a:srgbClr val="FFFFFF"/>
+              </a:solidFill>
+              <a:latin typeface="Arial"/>
+            </a:endParaRPr>
+          </a:p>
+          <a:p>
+            <a:pPr marL="2592000" lvl="5" indent="-215640">
               <a:lnSpc>
                 <a:spcPct val="90000"/>
               </a:lnSpc>
@@ -5644,24 +6361,24 @@
               <a:buChar char=""/>
             </a:pPr>
             <a:r>
-              <a:rPr b="0" lang="en-US" sz="2000" spc="-1" strike="noStrike">
+              <a:rPr lang="en-US" sz="2000" b="0" strike="noStrike" spc="-1">
                 <a:solidFill>
-                  <a:srgbClr val="ffffff"/>
+                  <a:srgbClr val="FFFFFF"/>
                 </a:solidFill>
                 <a:latin typeface="Arial"/>
                 <a:ea typeface="DejaVu Sans"/>
               </a:rPr>
               <a:t>Sixth Outline Level</a:t>
             </a:r>
-            <a:endParaRPr b="0" lang="en-US" sz="2000" spc="-1" strike="noStrike">
-              <a:solidFill>
-                <a:srgbClr val="ffffff"/>
-              </a:solidFill>
-              <a:latin typeface="Arial"/>
-            </a:endParaRPr>
-          </a:p>
-          <a:p>
-            <a:pPr lvl="6" marL="3024000" indent="-215640">
+            <a:endParaRPr lang="en-US" sz="2000" b="0" strike="noStrike" spc="-1">
+              <a:solidFill>
+                <a:srgbClr val="FFFFFF"/>
+              </a:solidFill>
+              <a:latin typeface="Arial"/>
+            </a:endParaRPr>
+          </a:p>
+          <a:p>
+            <a:pPr marL="3024000" lvl="6" indent="-215640">
               <a:lnSpc>
                 <a:spcPct val="90000"/>
               </a:lnSpc>
@@ -5676,18 +6393,18 @@
               <a:buChar char=""/>
             </a:pPr>
             <a:r>
-              <a:rPr b="0" lang="en-US" sz="2000" spc="-1" strike="noStrike">
+              <a:rPr lang="en-US" sz="2000" b="0" strike="noStrike" spc="-1">
                 <a:solidFill>
-                  <a:srgbClr val="ffffff"/>
+                  <a:srgbClr val="FFFFFF"/>
                 </a:solidFill>
                 <a:latin typeface="Arial"/>
                 <a:ea typeface="DejaVu Sans"/>
               </a:rPr>
               <a:t>Seventh Outline Level</a:t>
             </a:r>
-            <a:endParaRPr b="0" lang="en-US" sz="2000" spc="-1" strike="noStrike">
-              <a:solidFill>
-                <a:srgbClr val="ffffff"/>
+            <a:endParaRPr lang="en-US" sz="2000" b="0" strike="noStrike" spc="-1">
+              <a:solidFill>
+                <a:srgbClr val="FFFFFF"/>
               </a:solidFill>
               <a:latin typeface="Arial"/>
             </a:endParaRPr>
@@ -5696,35 +6413,316 @@
       </p:sp>
     </p:spTree>
   </p:cSld>
-  <p:clrMap bg1="lt1" bg2="lt2" tx1="dk1" tx2="dk2" accent1="accent1" accent2="accent2" accent3="accent3" accent4="accent4" accent5="accent5" accent6="accent6" hlink="hlink" folHlink="folHlink"/>
+  <p:clrMap bg1="lt1" tx1="dk1" bg2="lt2" tx2="dk2" accent1="accent1" accent2="accent2" accent3="accent3" accent4="accent4" accent5="accent5" accent6="accent6" hlink="hlink" folHlink="folHlink"/>
   <p:sldLayoutIdLst>
-    <p:sldLayoutId id="2147483662" r:id="rId5"/>
-    <p:sldLayoutId id="2147483663" r:id="rId6"/>
-    <p:sldLayoutId id="2147483664" r:id="rId7"/>
-    <p:sldLayoutId id="2147483665" r:id="rId8"/>
-    <p:sldLayoutId id="2147483666" r:id="rId9"/>
-    <p:sldLayoutId id="2147483667" r:id="rId10"/>
-    <p:sldLayoutId id="2147483668" r:id="rId11"/>
-    <p:sldLayoutId id="2147483669" r:id="rId12"/>
-    <p:sldLayoutId id="2147483670" r:id="rId13"/>
-    <p:sldLayoutId id="2147483671" r:id="rId14"/>
-    <p:sldLayoutId id="2147483672" r:id="rId15"/>
-    <p:sldLayoutId id="2147483673" r:id="rId16"/>
+    <p:sldLayoutId id="2147483662" r:id="rId1"/>
+    <p:sldLayoutId id="2147483663" r:id="rId2"/>
+    <p:sldLayoutId id="2147483664" r:id="rId3"/>
+    <p:sldLayoutId id="2147483665" r:id="rId4"/>
+    <p:sldLayoutId id="2147483666" r:id="rId5"/>
+    <p:sldLayoutId id="2147483667" r:id="rId6"/>
+    <p:sldLayoutId id="2147483668" r:id="rId7"/>
+    <p:sldLayoutId id="2147483669" r:id="rId8"/>
+    <p:sldLayoutId id="2147483670" r:id="rId9"/>
+    <p:sldLayoutId id="2147483671" r:id="rId10"/>
+    <p:sldLayoutId id="2147483672" r:id="rId11"/>
+    <p:sldLayoutId id="2147483673" r:id="rId12"/>
   </p:sldLayoutIdLst>
+  <p:txStyles>
+    <p:titleStyle>
+      <a:lvl1pPr algn="l" defTabSz="914400" rtl="0" eaLnBrk="1" latinLnBrk="0" hangingPunct="1">
+        <a:lnSpc>
+          <a:spcPct val="90000"/>
+        </a:lnSpc>
+        <a:spcBef>
+          <a:spcPct val="0"/>
+        </a:spcBef>
+        <a:buNone/>
+        <a:defRPr sz="4400" kern="1200">
+          <a:solidFill>
+            <a:schemeClr val="tx1"/>
+          </a:solidFill>
+          <a:latin typeface="+mj-lt"/>
+          <a:ea typeface="+mj-ea"/>
+          <a:cs typeface="+mj-cs"/>
+        </a:defRPr>
+      </a:lvl1pPr>
+    </p:titleStyle>
+    <p:bodyStyle>
+      <a:lvl1pPr marL="228600" indent="-228600" algn="l" defTabSz="914400" rtl="0" eaLnBrk="1" latinLnBrk="0" hangingPunct="1">
+        <a:lnSpc>
+          <a:spcPct val="90000"/>
+        </a:lnSpc>
+        <a:spcBef>
+          <a:spcPts val="1000"/>
+        </a:spcBef>
+        <a:buFont typeface="Arial" panose="020B0604020202020204" pitchFamily="34" charset="0"/>
+        <a:buChar char="•"/>
+        <a:defRPr sz="2800" kern="1200">
+          <a:solidFill>
+            <a:schemeClr val="tx1"/>
+          </a:solidFill>
+          <a:latin typeface="+mn-lt"/>
+          <a:ea typeface="+mn-ea"/>
+          <a:cs typeface="+mn-cs"/>
+        </a:defRPr>
+      </a:lvl1pPr>
+      <a:lvl2pPr marL="685800" indent="-228600" algn="l" defTabSz="914400" rtl="0" eaLnBrk="1" latinLnBrk="0" hangingPunct="1">
+        <a:lnSpc>
+          <a:spcPct val="90000"/>
+        </a:lnSpc>
+        <a:spcBef>
+          <a:spcPts val="500"/>
+        </a:spcBef>
+        <a:buFont typeface="Arial" panose="020B0604020202020204" pitchFamily="34" charset="0"/>
+        <a:buChar char="•"/>
+        <a:defRPr sz="2400" kern="1200">
+          <a:solidFill>
+            <a:schemeClr val="tx1"/>
+          </a:solidFill>
+          <a:latin typeface="+mn-lt"/>
+          <a:ea typeface="+mn-ea"/>
+          <a:cs typeface="+mn-cs"/>
+        </a:defRPr>
+      </a:lvl2pPr>
+      <a:lvl3pPr marL="1143000" indent="-228600" algn="l" defTabSz="914400" rtl="0" eaLnBrk="1" latinLnBrk="0" hangingPunct="1">
+        <a:lnSpc>
+          <a:spcPct val="90000"/>
+        </a:lnSpc>
+        <a:spcBef>
+          <a:spcPts val="500"/>
+        </a:spcBef>
+        <a:buFont typeface="Arial" panose="020B0604020202020204" pitchFamily="34" charset="0"/>
+        <a:buChar char="•"/>
+        <a:defRPr sz="2000" kern="1200">
+          <a:solidFill>
+            <a:schemeClr val="tx1"/>
+          </a:solidFill>
+          <a:latin typeface="+mn-lt"/>
+          <a:ea typeface="+mn-ea"/>
+          <a:cs typeface="+mn-cs"/>
+        </a:defRPr>
+      </a:lvl3pPr>
+      <a:lvl4pPr marL="1600200" indent="-228600" algn="l" defTabSz="914400" rtl="0" eaLnBrk="1" latinLnBrk="0" hangingPunct="1">
+        <a:lnSpc>
+          <a:spcPct val="90000"/>
+        </a:lnSpc>
+        <a:spcBef>
+          <a:spcPts val="500"/>
+        </a:spcBef>
+        <a:buFont typeface="Arial" panose="020B0604020202020204" pitchFamily="34" charset="0"/>
+        <a:buChar char="•"/>
+        <a:defRPr sz="1800" kern="1200">
+          <a:solidFill>
+            <a:schemeClr val="tx1"/>
+          </a:solidFill>
+          <a:latin typeface="+mn-lt"/>
+          <a:ea typeface="+mn-ea"/>
+          <a:cs typeface="+mn-cs"/>
+        </a:defRPr>
+      </a:lvl4pPr>
+      <a:lvl5pPr marL="2057400" indent="-228600" algn="l" defTabSz="914400" rtl="0" eaLnBrk="1" latinLnBrk="0" hangingPunct="1">
+        <a:lnSpc>
+          <a:spcPct val="90000"/>
+        </a:lnSpc>
+        <a:spcBef>
+          <a:spcPts val="500"/>
+        </a:spcBef>
+        <a:buFont typeface="Arial" panose="020B0604020202020204" pitchFamily="34" charset="0"/>
+        <a:buChar char="•"/>
+        <a:defRPr sz="1800" kern="1200">
+          <a:solidFill>
+            <a:schemeClr val="tx1"/>
+          </a:solidFill>
+          <a:latin typeface="+mn-lt"/>
+          <a:ea typeface="+mn-ea"/>
+          <a:cs typeface="+mn-cs"/>
+        </a:defRPr>
+      </a:lvl5pPr>
+      <a:lvl6pPr marL="2514600" indent="-228600" algn="l" defTabSz="914400" rtl="0" eaLnBrk="1" latinLnBrk="0" hangingPunct="1">
+        <a:lnSpc>
+          <a:spcPct val="90000"/>
+        </a:lnSpc>
+        <a:spcBef>
+          <a:spcPts val="500"/>
+        </a:spcBef>
+        <a:buFont typeface="Arial" panose="020B0604020202020204" pitchFamily="34" charset="0"/>
+        <a:buChar char="•"/>
+        <a:defRPr sz="1800" kern="1200">
+          <a:solidFill>
+            <a:schemeClr val="tx1"/>
+          </a:solidFill>
+          <a:latin typeface="+mn-lt"/>
+          <a:ea typeface="+mn-ea"/>
+          <a:cs typeface="+mn-cs"/>
+        </a:defRPr>
+      </a:lvl6pPr>
+      <a:lvl7pPr marL="2971800" indent="-228600" algn="l" defTabSz="914400" rtl="0" eaLnBrk="1" latinLnBrk="0" hangingPunct="1">
+        <a:lnSpc>
+          <a:spcPct val="90000"/>
+        </a:lnSpc>
+        <a:spcBef>
+          <a:spcPts val="500"/>
+        </a:spcBef>
+        <a:buFont typeface="Arial" panose="020B0604020202020204" pitchFamily="34" charset="0"/>
+        <a:buChar char="•"/>
+        <a:defRPr sz="1800" kern="1200">
+          <a:solidFill>
+            <a:schemeClr val="tx1"/>
+          </a:solidFill>
+          <a:latin typeface="+mn-lt"/>
+          <a:ea typeface="+mn-ea"/>
+          <a:cs typeface="+mn-cs"/>
+        </a:defRPr>
+      </a:lvl7pPr>
+      <a:lvl8pPr marL="3429000" indent="-228600" algn="l" defTabSz="914400" rtl="0" eaLnBrk="1" latinLnBrk="0" hangingPunct="1">
+        <a:lnSpc>
+          <a:spcPct val="90000"/>
+        </a:lnSpc>
+        <a:spcBef>
+          <a:spcPts val="500"/>
+        </a:spcBef>
+        <a:buFont typeface="Arial" panose="020B0604020202020204" pitchFamily="34" charset="0"/>
+        <a:buChar char="•"/>
+        <a:defRPr sz="1800" kern="1200">
+          <a:solidFill>
+            <a:schemeClr val="tx1"/>
+          </a:solidFill>
+          <a:latin typeface="+mn-lt"/>
+          <a:ea typeface="+mn-ea"/>
+          <a:cs typeface="+mn-cs"/>
+        </a:defRPr>
+      </a:lvl8pPr>
+      <a:lvl9pPr marL="3886200" indent="-228600" algn="l" defTabSz="914400" rtl="0" eaLnBrk="1" latinLnBrk="0" hangingPunct="1">
+        <a:lnSpc>
+          <a:spcPct val="90000"/>
+        </a:lnSpc>
+        <a:spcBef>
+          <a:spcPts val="500"/>
+        </a:spcBef>
+        <a:buFont typeface="Arial" panose="020B0604020202020204" pitchFamily="34" charset="0"/>
+        <a:buChar char="•"/>
+        <a:defRPr sz="1800" kern="1200">
+          <a:solidFill>
+            <a:schemeClr val="tx1"/>
+          </a:solidFill>
+          <a:latin typeface="+mn-lt"/>
+          <a:ea typeface="+mn-ea"/>
+          <a:cs typeface="+mn-cs"/>
+        </a:defRPr>
+      </a:lvl9pPr>
+    </p:bodyStyle>
+    <p:otherStyle>
+      <a:defPPr>
+        <a:defRPr lang="en-US"/>
+      </a:defPPr>
+      <a:lvl1pPr marL="0" algn="l" defTabSz="914400" rtl="0" eaLnBrk="1" latinLnBrk="0" hangingPunct="1">
+        <a:defRPr sz="1800" kern="1200">
+          <a:solidFill>
+            <a:schemeClr val="tx1"/>
+          </a:solidFill>
+          <a:latin typeface="+mn-lt"/>
+          <a:ea typeface="+mn-ea"/>
+          <a:cs typeface="+mn-cs"/>
+        </a:defRPr>
+      </a:lvl1pPr>
+      <a:lvl2pPr marL="457200" algn="l" defTabSz="914400" rtl="0" eaLnBrk="1" latinLnBrk="0" hangingPunct="1">
+        <a:defRPr sz="1800" kern="1200">
+          <a:solidFill>
+            <a:schemeClr val="tx1"/>
+          </a:solidFill>
+          <a:latin typeface="+mn-lt"/>
+          <a:ea typeface="+mn-ea"/>
+          <a:cs typeface="+mn-cs"/>
+        </a:defRPr>
+      </a:lvl2pPr>
+      <a:lvl3pPr marL="914400" algn="l" defTabSz="914400" rtl="0" eaLnBrk="1" latinLnBrk="0" hangingPunct="1">
+        <a:defRPr sz="1800" kern="1200">
+          <a:solidFill>
+            <a:schemeClr val="tx1"/>
+          </a:solidFill>
+          <a:latin typeface="+mn-lt"/>
+          <a:ea typeface="+mn-ea"/>
+          <a:cs typeface="+mn-cs"/>
+        </a:defRPr>
+      </a:lvl3pPr>
+      <a:lvl4pPr marL="1371600" algn="l" defTabSz="914400" rtl="0" eaLnBrk="1" latinLnBrk="0" hangingPunct="1">
+        <a:defRPr sz="1800" kern="1200">
+          <a:solidFill>
+            <a:schemeClr val="tx1"/>
+          </a:solidFill>
+          <a:latin typeface="+mn-lt"/>
+          <a:ea typeface="+mn-ea"/>
+          <a:cs typeface="+mn-cs"/>
+        </a:defRPr>
+      </a:lvl4pPr>
+      <a:lvl5pPr marL="1828800" algn="l" defTabSz="914400" rtl="0" eaLnBrk="1" latinLnBrk="0" hangingPunct="1">
+        <a:defRPr sz="1800" kern="1200">
+          <a:solidFill>
+            <a:schemeClr val="tx1"/>
+          </a:solidFill>
+          <a:latin typeface="+mn-lt"/>
+          <a:ea typeface="+mn-ea"/>
+          <a:cs typeface="+mn-cs"/>
+        </a:defRPr>
+      </a:lvl5pPr>
+      <a:lvl6pPr marL="2286000" algn="l" defTabSz="914400" rtl="0" eaLnBrk="1" latinLnBrk="0" hangingPunct="1">
+        <a:defRPr sz="1800" kern="1200">
+          <a:solidFill>
+            <a:schemeClr val="tx1"/>
+          </a:solidFill>
+          <a:latin typeface="+mn-lt"/>
+          <a:ea typeface="+mn-ea"/>
+          <a:cs typeface="+mn-cs"/>
+        </a:defRPr>
+      </a:lvl6pPr>
+      <a:lvl7pPr marL="2743200" algn="l" defTabSz="914400" rtl="0" eaLnBrk="1" latinLnBrk="0" hangingPunct="1">
+        <a:defRPr sz="1800" kern="1200">
+          <a:solidFill>
+            <a:schemeClr val="tx1"/>
+          </a:solidFill>
+          <a:latin typeface="+mn-lt"/>
+          <a:ea typeface="+mn-ea"/>
+          <a:cs typeface="+mn-cs"/>
+        </a:defRPr>
+      </a:lvl7pPr>
+      <a:lvl8pPr marL="3200400" algn="l" defTabSz="914400" rtl="0" eaLnBrk="1" latinLnBrk="0" hangingPunct="1">
+        <a:defRPr sz="1800" kern="1200">
+          <a:solidFill>
+            <a:schemeClr val="tx1"/>
+          </a:solidFill>
+          <a:latin typeface="+mn-lt"/>
+          <a:ea typeface="+mn-ea"/>
+          <a:cs typeface="+mn-cs"/>
+        </a:defRPr>
+      </a:lvl8pPr>
+      <a:lvl9pPr marL="3657600" algn="l" defTabSz="914400" rtl="0" eaLnBrk="1" latinLnBrk="0" hangingPunct="1">
+        <a:defRPr sz="1800" kern="1200">
+          <a:solidFill>
+            <a:schemeClr val="tx1"/>
+          </a:solidFill>
+          <a:latin typeface="+mn-lt"/>
+          <a:ea typeface="+mn-ea"/>
+          <a:cs typeface="+mn-cs"/>
+        </a:defRPr>
+      </a:lvl9pPr>
+    </p:otherStyle>
+  </p:txStyles>
 </p:sldMaster>
 </file>
 
 <file path=ppt/slideMasters/slideMaster3.xml><?xml version="1.0" encoding="utf-8"?>
-<p:sldMaster xmlns:a="http://schemas.openxmlformats.org/drawingml/2006/main" xmlns:p="http://schemas.openxmlformats.org/presentationml/2006/main" xmlns:r="http://schemas.openxmlformats.org/officeDocument/2006/relationships" xmlns:p14="http://schemas.microsoft.com/office/powerpoint/2010/main" xmlns:p15="http://schemas.microsoft.com/office/powerpoint/2012/main" xmlns:mc="http://schemas.openxmlformats.org/markup-compatibility/2006">
+<p:sldMaster xmlns:a="http://schemas.openxmlformats.org/drawingml/2006/main" xmlns:r="http://schemas.openxmlformats.org/officeDocument/2006/relationships" xmlns:p="http://schemas.openxmlformats.org/presentationml/2006/main">
   <p:cSld>
     <p:bg>
       <p:bgPr>
         <a:blipFill rotWithShape="0">
-          <a:blip r:embed="rId2"/>
+          <a:blip r:embed="rId14"/>
           <a:stretch>
             <a:fillRect/>
           </a:stretch>
         </a:blipFill>
+        <a:effectLst/>
       </p:bgPr>
     </p:bg>
     <p:spTree>
@@ -5743,12 +6741,12 @@
       </p:grpSpPr>
       <p:pic>
         <p:nvPicPr>
-          <p:cNvPr id="81" name="Picture 11" descr=""/>
+          <p:cNvPr id="81" name="Picture 11"/>
           <p:cNvPicPr/>
           <p:nvPr/>
         </p:nvPicPr>
         <p:blipFill>
-          <a:blip r:embed="rId3"/>
+          <a:blip r:embed="rId15"/>
           <a:srcRect l="6752" t="32283" r="7080" b="30331"/>
           <a:stretch/>
         </p:blipFill>
@@ -5767,12 +6765,12 @@
       </p:pic>
       <p:pic>
         <p:nvPicPr>
-          <p:cNvPr id="82" name="Picture 11" descr=""/>
+          <p:cNvPr id="82" name="Picture 11"/>
           <p:cNvPicPr/>
           <p:nvPr/>
         </p:nvPicPr>
         <p:blipFill>
-          <a:blip r:embed="rId4"/>
+          <a:blip r:embed="rId16"/>
           <a:stretch/>
         </p:blipFill>
         <p:spPr>
@@ -5808,15 +6806,22 @@
           </a:ln>
         </p:spPr>
         <p:style>
-          <a:lnRef idx="0"/>
-          <a:fillRef idx="0"/>
-          <a:effectRef idx="0"/>
+          <a:lnRef idx="0">
+            <a:scrgbClr r="0" g="0" b="0"/>
+          </a:lnRef>
+          <a:fillRef idx="0">
+            <a:scrgbClr r="0" g="0" b="0"/>
+          </a:fillRef>
+          <a:effectRef idx="0">
+            <a:scrgbClr r="0" g="0" b="0"/>
+          </a:effectRef>
           <a:fontRef idx="minor"/>
         </p:style>
         <p:txBody>
-          <a:bodyPr lIns="90000" rIns="90000" tIns="45000" bIns="45000">
+          <a:bodyPr lIns="90000" tIns="45000" rIns="90000" bIns="45000">
             <a:noAutofit/>
           </a:bodyPr>
+          <a:lstStyle/>
           <a:p>
             <a:pPr>
               <a:lnSpc>
@@ -5824,16 +6829,16 @@
               </a:lnSpc>
             </a:pPr>
             <a:fld id="{189CBD05-A0A5-4694-A883-572C154D17B1}" type="slidenum">
-              <a:rPr b="0" lang="en-US" sz="1400" spc="-1" strike="noStrike">
+              <a:rPr lang="en-US" sz="1400" b="0" strike="noStrike" spc="-1">
                 <a:solidFill>
-                  <a:srgbClr val="ffffff"/>
+                  <a:srgbClr val="FFFFFF"/>
                 </a:solidFill>
                 <a:latin typeface="Arial"/>
                 <a:ea typeface="DejaVu Sans"/>
               </a:rPr>
-              <a:t>&lt;number&gt;</a:t>
+              <a:t>‹#›</a:t>
             </a:fld>
-            <a:endParaRPr b="0" lang="en-US" sz="1400" spc="-1" strike="noStrike">
+            <a:endParaRPr lang="en-US" sz="1400" b="0" strike="noStrike" spc="-1">
               <a:latin typeface="Arial"/>
             </a:endParaRPr>
           </a:p>
@@ -5859,9 +6864,10 @@
           </a:prstGeom>
         </p:spPr>
         <p:txBody>
-          <a:bodyPr lIns="0" rIns="0" tIns="0" bIns="0" anchor="ctr">
+          <a:bodyPr lIns="0" tIns="0" rIns="0" bIns="0" anchor="ctr">
             <a:noAutofit/>
           </a:bodyPr>
+          <a:lstStyle/>
           <a:p>
             <a:pPr algn="ctr">
               <a:lnSpc>
@@ -5869,16 +6875,16 @@
               </a:lnSpc>
             </a:pPr>
             <a:r>
-              <a:rPr b="0" lang="en-US" sz="4400" spc="-1" strike="noStrike">
+              <a:rPr lang="en-US" sz="4400" b="0" strike="noStrike" spc="-1">
                 <a:solidFill>
-                  <a:srgbClr val="ffffff"/>
+                  <a:srgbClr val="FFFFFF"/>
                 </a:solidFill>
                 <a:latin typeface="Arial"/>
                 <a:ea typeface="DejaVu Sans"/>
               </a:rPr>
               <a:t>Filler Text</a:t>
             </a:r>
-            <a:endParaRPr b="0" lang="en-US" sz="4400" spc="-1" strike="noStrike">
+            <a:endParaRPr lang="en-US" sz="4400" b="0" strike="noStrike" spc="-1">
               <a:solidFill>
                 <a:srgbClr val="000000"/>
               </a:solidFill>
@@ -5907,9 +6913,10 @@
           </a:prstGeom>
         </p:spPr>
         <p:txBody>
-          <a:bodyPr lIns="0" rIns="0" tIns="0" bIns="0">
+          <a:bodyPr lIns="0" tIns="0" rIns="0" bIns="0">
             <a:normAutofit/>
           </a:bodyPr>
+          <a:lstStyle/>
           <a:p>
             <a:pPr marL="432000" indent="-324000">
               <a:spcBef>
@@ -5923,23 +6930,17 @@
               <a:buChar char=""/>
             </a:pPr>
             <a:r>
-              <a:rPr b="0" lang="en-US" sz="2400" spc="-1" strike="noStrike">
+              <a:rPr lang="en-US" sz="2400" b="0" strike="noStrike" spc="-1">
                 <a:solidFill>
-                  <a:srgbClr val="ffffff"/>
+                  <a:srgbClr val="FFFFFF"/>
                 </a:solidFill>
                 <a:latin typeface="Arial"/>
               </a:rPr>
               <a:t>Click to edit the outline text format</a:t>
             </a:r>
-            <a:endParaRPr b="0" lang="en-US" sz="2400" spc="-1" strike="noStrike">
-              <a:solidFill>
-                <a:srgbClr val="ffffff"/>
-              </a:solidFill>
-              <a:latin typeface="Arial"/>
-            </a:endParaRPr>
-          </a:p>
-          <a:p>
-            <a:pPr lvl="1" marL="864000" indent="-324000">
+          </a:p>
+          <a:p>
+            <a:pPr marL="864000" lvl="1" indent="-324000">
               <a:spcBef>
                 <a:spcPts val="1134"/>
               </a:spcBef>
@@ -5951,23 +6952,17 @@
               <a:buChar char=""/>
             </a:pPr>
             <a:r>
-              <a:rPr b="0" lang="en-US" sz="2400" spc="-1" strike="noStrike">
+              <a:rPr lang="en-US" sz="2400" b="0" strike="noStrike" spc="-1">
                 <a:solidFill>
-                  <a:srgbClr val="ffffff"/>
+                  <a:srgbClr val="FFFFFF"/>
                 </a:solidFill>
                 <a:latin typeface="Arial"/>
               </a:rPr>
               <a:t>Second Outline Level</a:t>
             </a:r>
-            <a:endParaRPr b="0" lang="en-US" sz="2400" spc="-1" strike="noStrike">
-              <a:solidFill>
-                <a:srgbClr val="ffffff"/>
-              </a:solidFill>
-              <a:latin typeface="Arial"/>
-            </a:endParaRPr>
-          </a:p>
-          <a:p>
-            <a:pPr lvl="2" marL="1296000" indent="-288000">
+          </a:p>
+          <a:p>
+            <a:pPr marL="1296000" lvl="2" indent="-288000">
               <a:spcBef>
                 <a:spcPts val="850"/>
               </a:spcBef>
@@ -5979,23 +6974,17 @@
               <a:buChar char=""/>
             </a:pPr>
             <a:r>
-              <a:rPr b="0" lang="en-US" sz="2400" spc="-1" strike="noStrike">
+              <a:rPr lang="en-US" sz="2400" b="0" strike="noStrike" spc="-1">
                 <a:solidFill>
-                  <a:srgbClr val="ffffff"/>
+                  <a:srgbClr val="FFFFFF"/>
                 </a:solidFill>
                 <a:latin typeface="Arial"/>
               </a:rPr>
               <a:t>Third Outline Level</a:t>
             </a:r>
-            <a:endParaRPr b="0" lang="en-US" sz="2400" spc="-1" strike="noStrike">
-              <a:solidFill>
-                <a:srgbClr val="ffffff"/>
-              </a:solidFill>
-              <a:latin typeface="Arial"/>
-            </a:endParaRPr>
-          </a:p>
-          <a:p>
-            <a:pPr lvl="3" marL="1728000" indent="-216000">
+          </a:p>
+          <a:p>
+            <a:pPr marL="1728000" lvl="3" indent="-216000">
               <a:spcBef>
                 <a:spcPts val="567"/>
               </a:spcBef>
@@ -6007,23 +6996,17 @@
               <a:buChar char=""/>
             </a:pPr>
             <a:r>
-              <a:rPr b="0" lang="en-US" sz="2400" spc="-1" strike="noStrike">
+              <a:rPr lang="en-US" sz="2400" b="0" strike="noStrike" spc="-1">
                 <a:solidFill>
-                  <a:srgbClr val="ffffff"/>
+                  <a:srgbClr val="FFFFFF"/>
                 </a:solidFill>
                 <a:latin typeface="Arial"/>
               </a:rPr>
               <a:t>Fourth Outline Level</a:t>
             </a:r>
-            <a:endParaRPr b="0" lang="en-US" sz="2400" spc="-1" strike="noStrike">
-              <a:solidFill>
-                <a:srgbClr val="ffffff"/>
-              </a:solidFill>
-              <a:latin typeface="Arial"/>
-            </a:endParaRPr>
-          </a:p>
-          <a:p>
-            <a:pPr lvl="4" marL="2160000" indent="-216000">
+          </a:p>
+          <a:p>
+            <a:pPr marL="2160000" lvl="4" indent="-216000">
               <a:spcBef>
                 <a:spcPts val="283"/>
               </a:spcBef>
@@ -6035,23 +7018,17 @@
               <a:buChar char=""/>
             </a:pPr>
             <a:r>
-              <a:rPr b="0" lang="en-US" sz="2000" spc="-1" strike="noStrike">
+              <a:rPr lang="en-US" sz="2000" b="0" strike="noStrike" spc="-1">
                 <a:solidFill>
-                  <a:srgbClr val="ffffff"/>
+                  <a:srgbClr val="FFFFFF"/>
                 </a:solidFill>
                 <a:latin typeface="Arial"/>
               </a:rPr>
               <a:t>Fifth Outline Level</a:t>
             </a:r>
-            <a:endParaRPr b="0" lang="en-US" sz="2000" spc="-1" strike="noStrike">
-              <a:solidFill>
-                <a:srgbClr val="ffffff"/>
-              </a:solidFill>
-              <a:latin typeface="Arial"/>
-            </a:endParaRPr>
-          </a:p>
-          <a:p>
-            <a:pPr lvl="5" marL="2592000" indent="-216000">
+          </a:p>
+          <a:p>
+            <a:pPr marL="2592000" lvl="5" indent="-216000">
               <a:spcBef>
                 <a:spcPts val="283"/>
               </a:spcBef>
@@ -6063,23 +7040,17 @@
               <a:buChar char=""/>
             </a:pPr>
             <a:r>
-              <a:rPr b="0" lang="en-US" sz="2000" spc="-1" strike="noStrike">
+              <a:rPr lang="en-US" sz="2000" b="0" strike="noStrike" spc="-1">
                 <a:solidFill>
-                  <a:srgbClr val="ffffff"/>
+                  <a:srgbClr val="FFFFFF"/>
                 </a:solidFill>
                 <a:latin typeface="Arial"/>
               </a:rPr>
               <a:t>Sixth Outline Level</a:t>
             </a:r>
-            <a:endParaRPr b="0" lang="en-US" sz="2000" spc="-1" strike="noStrike">
-              <a:solidFill>
-                <a:srgbClr val="ffffff"/>
-              </a:solidFill>
-              <a:latin typeface="Arial"/>
-            </a:endParaRPr>
-          </a:p>
-          <a:p>
-            <a:pPr lvl="6" marL="3024000" indent="-216000">
+          </a:p>
+          <a:p>
+            <a:pPr marL="3024000" lvl="6" indent="-216000">
               <a:spcBef>
                 <a:spcPts val="283"/>
               </a:spcBef>
@@ -6091,45 +7062,319 @@
               <a:buChar char=""/>
             </a:pPr>
             <a:r>
-              <a:rPr b="0" lang="en-US" sz="2000" spc="-1" strike="noStrike">
+              <a:rPr lang="en-US" sz="2000" b="0" strike="noStrike" spc="-1">
                 <a:solidFill>
-                  <a:srgbClr val="ffffff"/>
+                  <a:srgbClr val="FFFFFF"/>
                 </a:solidFill>
                 <a:latin typeface="Arial"/>
               </a:rPr>
               <a:t>Seventh Outline Level</a:t>
             </a:r>
-            <a:endParaRPr b="0" lang="en-US" sz="2000" spc="-1" strike="noStrike">
-              <a:solidFill>
-                <a:srgbClr val="ffffff"/>
-              </a:solidFill>
-              <a:latin typeface="Arial"/>
-            </a:endParaRPr>
           </a:p>
         </p:txBody>
       </p:sp>
     </p:spTree>
   </p:cSld>
-  <p:clrMap bg1="lt1" bg2="lt2" tx1="dk1" tx2="dk2" accent1="accent1" accent2="accent2" accent3="accent3" accent4="accent4" accent5="accent5" accent6="accent6" hlink="hlink" folHlink="folHlink"/>
+  <p:clrMap bg1="lt1" tx1="dk1" bg2="lt2" tx2="dk2" accent1="accent1" accent2="accent2" accent3="accent3" accent4="accent4" accent5="accent5" accent6="accent6" hlink="hlink" folHlink="folHlink"/>
   <p:sldLayoutIdLst>
-    <p:sldLayoutId id="2147483675" r:id="rId5"/>
-    <p:sldLayoutId id="2147483676" r:id="rId6"/>
-    <p:sldLayoutId id="2147483677" r:id="rId7"/>
-    <p:sldLayoutId id="2147483678" r:id="rId8"/>
-    <p:sldLayoutId id="2147483679" r:id="rId9"/>
-    <p:sldLayoutId id="2147483680" r:id="rId10"/>
-    <p:sldLayoutId id="2147483681" r:id="rId11"/>
-    <p:sldLayoutId id="2147483682" r:id="rId12"/>
-    <p:sldLayoutId id="2147483683" r:id="rId13"/>
-    <p:sldLayoutId id="2147483684" r:id="rId14"/>
-    <p:sldLayoutId id="2147483685" r:id="rId15"/>
-    <p:sldLayoutId id="2147483686" r:id="rId16"/>
+    <p:sldLayoutId id="2147483675" r:id="rId1"/>
+    <p:sldLayoutId id="2147483676" r:id="rId2"/>
+    <p:sldLayoutId id="2147483677" r:id="rId3"/>
+    <p:sldLayoutId id="2147483678" r:id="rId4"/>
+    <p:sldLayoutId id="2147483679" r:id="rId5"/>
+    <p:sldLayoutId id="2147483680" r:id="rId6"/>
+    <p:sldLayoutId id="2147483681" r:id="rId7"/>
+    <p:sldLayoutId id="2147483682" r:id="rId8"/>
+    <p:sldLayoutId id="2147483683" r:id="rId9"/>
+    <p:sldLayoutId id="2147483684" r:id="rId10"/>
+    <p:sldLayoutId id="2147483685" r:id="rId11"/>
+    <p:sldLayoutId id="2147483686" r:id="rId12"/>
   </p:sldLayoutIdLst>
+  <p:txStyles>
+    <p:titleStyle>
+      <a:lvl1pPr algn="l" defTabSz="914400" rtl="0" eaLnBrk="1" latinLnBrk="0" hangingPunct="1">
+        <a:lnSpc>
+          <a:spcPct val="90000"/>
+        </a:lnSpc>
+        <a:spcBef>
+          <a:spcPct val="0"/>
+        </a:spcBef>
+        <a:buNone/>
+        <a:defRPr sz="4400" kern="1200">
+          <a:solidFill>
+            <a:schemeClr val="tx1"/>
+          </a:solidFill>
+          <a:latin typeface="+mj-lt"/>
+          <a:ea typeface="+mj-ea"/>
+          <a:cs typeface="+mj-cs"/>
+        </a:defRPr>
+      </a:lvl1pPr>
+    </p:titleStyle>
+    <p:bodyStyle>
+      <a:lvl1pPr marL="228600" indent="-228600" algn="l" defTabSz="914400" rtl="0" eaLnBrk="1" latinLnBrk="0" hangingPunct="1">
+        <a:lnSpc>
+          <a:spcPct val="90000"/>
+        </a:lnSpc>
+        <a:spcBef>
+          <a:spcPts val="1000"/>
+        </a:spcBef>
+        <a:buFont typeface="Arial" panose="020B0604020202020204" pitchFamily="34" charset="0"/>
+        <a:buChar char="•"/>
+        <a:defRPr sz="2800" kern="1200">
+          <a:solidFill>
+            <a:schemeClr val="tx1"/>
+          </a:solidFill>
+          <a:latin typeface="+mn-lt"/>
+          <a:ea typeface="+mn-ea"/>
+          <a:cs typeface="+mn-cs"/>
+        </a:defRPr>
+      </a:lvl1pPr>
+      <a:lvl2pPr marL="685800" indent="-228600" algn="l" defTabSz="914400" rtl="0" eaLnBrk="1" latinLnBrk="0" hangingPunct="1">
+        <a:lnSpc>
+          <a:spcPct val="90000"/>
+        </a:lnSpc>
+        <a:spcBef>
+          <a:spcPts val="500"/>
+        </a:spcBef>
+        <a:buFont typeface="Arial" panose="020B0604020202020204" pitchFamily="34" charset="0"/>
+        <a:buChar char="•"/>
+        <a:defRPr sz="2400" kern="1200">
+          <a:solidFill>
+            <a:schemeClr val="tx1"/>
+          </a:solidFill>
+          <a:latin typeface="+mn-lt"/>
+          <a:ea typeface="+mn-ea"/>
+          <a:cs typeface="+mn-cs"/>
+        </a:defRPr>
+      </a:lvl2pPr>
+      <a:lvl3pPr marL="1143000" indent="-228600" algn="l" defTabSz="914400" rtl="0" eaLnBrk="1" latinLnBrk="0" hangingPunct="1">
+        <a:lnSpc>
+          <a:spcPct val="90000"/>
+        </a:lnSpc>
+        <a:spcBef>
+          <a:spcPts val="500"/>
+        </a:spcBef>
+        <a:buFont typeface="Arial" panose="020B0604020202020204" pitchFamily="34" charset="0"/>
+        <a:buChar char="•"/>
+        <a:defRPr sz="2000" kern="1200">
+          <a:solidFill>
+            <a:schemeClr val="tx1"/>
+          </a:solidFill>
+          <a:latin typeface="+mn-lt"/>
+          <a:ea typeface="+mn-ea"/>
+          <a:cs typeface="+mn-cs"/>
+        </a:defRPr>
+      </a:lvl3pPr>
+      <a:lvl4pPr marL="1600200" indent="-228600" algn="l" defTabSz="914400" rtl="0" eaLnBrk="1" latinLnBrk="0" hangingPunct="1">
+        <a:lnSpc>
+          <a:spcPct val="90000"/>
+        </a:lnSpc>
+        <a:spcBef>
+          <a:spcPts val="500"/>
+        </a:spcBef>
+        <a:buFont typeface="Arial" panose="020B0604020202020204" pitchFamily="34" charset="0"/>
+        <a:buChar char="•"/>
+        <a:defRPr sz="1800" kern="1200">
+          <a:solidFill>
+            <a:schemeClr val="tx1"/>
+          </a:solidFill>
+          <a:latin typeface="+mn-lt"/>
+          <a:ea typeface="+mn-ea"/>
+          <a:cs typeface="+mn-cs"/>
+        </a:defRPr>
+      </a:lvl4pPr>
+      <a:lvl5pPr marL="2057400" indent="-228600" algn="l" defTabSz="914400" rtl="0" eaLnBrk="1" latinLnBrk="0" hangingPunct="1">
+        <a:lnSpc>
+          <a:spcPct val="90000"/>
+        </a:lnSpc>
+        <a:spcBef>
+          <a:spcPts val="500"/>
+        </a:spcBef>
+        <a:buFont typeface="Arial" panose="020B0604020202020204" pitchFamily="34" charset="0"/>
+        <a:buChar char="•"/>
+        <a:defRPr sz="1800" kern="1200">
+          <a:solidFill>
+            <a:schemeClr val="tx1"/>
+          </a:solidFill>
+          <a:latin typeface="+mn-lt"/>
+          <a:ea typeface="+mn-ea"/>
+          <a:cs typeface="+mn-cs"/>
+        </a:defRPr>
+      </a:lvl5pPr>
+      <a:lvl6pPr marL="2514600" indent="-228600" algn="l" defTabSz="914400" rtl="0" eaLnBrk="1" latinLnBrk="0" hangingPunct="1">
+        <a:lnSpc>
+          <a:spcPct val="90000"/>
+        </a:lnSpc>
+        <a:spcBef>
+          <a:spcPts val="500"/>
+        </a:spcBef>
+        <a:buFont typeface="Arial" panose="020B0604020202020204" pitchFamily="34" charset="0"/>
+        <a:buChar char="•"/>
+        <a:defRPr sz="1800" kern="1200">
+          <a:solidFill>
+            <a:schemeClr val="tx1"/>
+          </a:solidFill>
+          <a:latin typeface="+mn-lt"/>
+          <a:ea typeface="+mn-ea"/>
+          <a:cs typeface="+mn-cs"/>
+        </a:defRPr>
+      </a:lvl6pPr>
+      <a:lvl7pPr marL="2971800" indent="-228600" algn="l" defTabSz="914400" rtl="0" eaLnBrk="1" latinLnBrk="0" hangingPunct="1">
+        <a:lnSpc>
+          <a:spcPct val="90000"/>
+        </a:lnSpc>
+        <a:spcBef>
+          <a:spcPts val="500"/>
+        </a:spcBef>
+        <a:buFont typeface="Arial" panose="020B0604020202020204" pitchFamily="34" charset="0"/>
+        <a:buChar char="•"/>
+        <a:defRPr sz="1800" kern="1200">
+          <a:solidFill>
+            <a:schemeClr val="tx1"/>
+          </a:solidFill>
+          <a:latin typeface="+mn-lt"/>
+          <a:ea typeface="+mn-ea"/>
+          <a:cs typeface="+mn-cs"/>
+        </a:defRPr>
+      </a:lvl7pPr>
+      <a:lvl8pPr marL="3429000" indent="-228600" algn="l" defTabSz="914400" rtl="0" eaLnBrk="1" latinLnBrk="0" hangingPunct="1">
+        <a:lnSpc>
+          <a:spcPct val="90000"/>
+        </a:lnSpc>
+        <a:spcBef>
+          <a:spcPts val="500"/>
+        </a:spcBef>
+        <a:buFont typeface="Arial" panose="020B0604020202020204" pitchFamily="34" charset="0"/>
+        <a:buChar char="•"/>
+        <a:defRPr sz="1800" kern="1200">
+          <a:solidFill>
+            <a:schemeClr val="tx1"/>
+          </a:solidFill>
+          <a:latin typeface="+mn-lt"/>
+          <a:ea typeface="+mn-ea"/>
+          <a:cs typeface="+mn-cs"/>
+        </a:defRPr>
+      </a:lvl8pPr>
+      <a:lvl9pPr marL="3886200" indent="-228600" algn="l" defTabSz="914400" rtl="0" eaLnBrk="1" latinLnBrk="0" hangingPunct="1">
+        <a:lnSpc>
+          <a:spcPct val="90000"/>
+        </a:lnSpc>
+        <a:spcBef>
+          <a:spcPts val="500"/>
+        </a:spcBef>
+        <a:buFont typeface="Arial" panose="020B0604020202020204" pitchFamily="34" charset="0"/>
+        <a:buChar char="•"/>
+        <a:defRPr sz="1800" kern="1200">
+          <a:solidFill>
+            <a:schemeClr val="tx1"/>
+          </a:solidFill>
+          <a:latin typeface="+mn-lt"/>
+          <a:ea typeface="+mn-ea"/>
+          <a:cs typeface="+mn-cs"/>
+        </a:defRPr>
+      </a:lvl9pPr>
+    </p:bodyStyle>
+    <p:otherStyle>
+      <a:defPPr>
+        <a:defRPr lang="en-US"/>
+      </a:defPPr>
+      <a:lvl1pPr marL="0" algn="l" defTabSz="914400" rtl="0" eaLnBrk="1" latinLnBrk="0" hangingPunct="1">
+        <a:defRPr sz="1800" kern="1200">
+          <a:solidFill>
+            <a:schemeClr val="tx1"/>
+          </a:solidFill>
+          <a:latin typeface="+mn-lt"/>
+          <a:ea typeface="+mn-ea"/>
+          <a:cs typeface="+mn-cs"/>
+        </a:defRPr>
+      </a:lvl1pPr>
+      <a:lvl2pPr marL="457200" algn="l" defTabSz="914400" rtl="0" eaLnBrk="1" latinLnBrk="0" hangingPunct="1">
+        <a:defRPr sz="1800" kern="1200">
+          <a:solidFill>
+            <a:schemeClr val="tx1"/>
+          </a:solidFill>
+          <a:latin typeface="+mn-lt"/>
+          <a:ea typeface="+mn-ea"/>
+          <a:cs typeface="+mn-cs"/>
+        </a:defRPr>
+      </a:lvl2pPr>
+      <a:lvl3pPr marL="914400" algn="l" defTabSz="914400" rtl="0" eaLnBrk="1" latinLnBrk="0" hangingPunct="1">
+        <a:defRPr sz="1800" kern="1200">
+          <a:solidFill>
+            <a:schemeClr val="tx1"/>
+          </a:solidFill>
+          <a:latin typeface="+mn-lt"/>
+          <a:ea typeface="+mn-ea"/>
+          <a:cs typeface="+mn-cs"/>
+        </a:defRPr>
+      </a:lvl3pPr>
+      <a:lvl4pPr marL="1371600" algn="l" defTabSz="914400" rtl="0" eaLnBrk="1" latinLnBrk="0" hangingPunct="1">
+        <a:defRPr sz="1800" kern="1200">
+          <a:solidFill>
+            <a:schemeClr val="tx1"/>
+          </a:solidFill>
+          <a:latin typeface="+mn-lt"/>
+          <a:ea typeface="+mn-ea"/>
+          <a:cs typeface="+mn-cs"/>
+        </a:defRPr>
+      </a:lvl4pPr>
+      <a:lvl5pPr marL="1828800" algn="l" defTabSz="914400" rtl="0" eaLnBrk="1" latinLnBrk="0" hangingPunct="1">
+        <a:defRPr sz="1800" kern="1200">
+          <a:solidFill>
+            <a:schemeClr val="tx1"/>
+          </a:solidFill>
+          <a:latin typeface="+mn-lt"/>
+          <a:ea typeface="+mn-ea"/>
+          <a:cs typeface="+mn-cs"/>
+        </a:defRPr>
+      </a:lvl5pPr>
+      <a:lvl6pPr marL="2286000" algn="l" defTabSz="914400" rtl="0" eaLnBrk="1" latinLnBrk="0" hangingPunct="1">
+        <a:defRPr sz="1800" kern="1200">
+          <a:solidFill>
+            <a:schemeClr val="tx1"/>
+          </a:solidFill>
+          <a:latin typeface="+mn-lt"/>
+          <a:ea typeface="+mn-ea"/>
+          <a:cs typeface="+mn-cs"/>
+        </a:defRPr>
+      </a:lvl6pPr>
+      <a:lvl7pPr marL="2743200" algn="l" defTabSz="914400" rtl="0" eaLnBrk="1" latinLnBrk="0" hangingPunct="1">
+        <a:defRPr sz="1800" kern="1200">
+          <a:solidFill>
+            <a:schemeClr val="tx1"/>
+          </a:solidFill>
+          <a:latin typeface="+mn-lt"/>
+          <a:ea typeface="+mn-ea"/>
+          <a:cs typeface="+mn-cs"/>
+        </a:defRPr>
+      </a:lvl7pPr>
+      <a:lvl8pPr marL="3200400" algn="l" defTabSz="914400" rtl="0" eaLnBrk="1" latinLnBrk="0" hangingPunct="1">
+        <a:defRPr sz="1800" kern="1200">
+          <a:solidFill>
+            <a:schemeClr val="tx1"/>
+          </a:solidFill>
+          <a:latin typeface="+mn-lt"/>
+          <a:ea typeface="+mn-ea"/>
+          <a:cs typeface="+mn-cs"/>
+        </a:defRPr>
+      </a:lvl8pPr>
+      <a:lvl9pPr marL="3657600" algn="l" defTabSz="914400" rtl="0" eaLnBrk="1" latinLnBrk="0" hangingPunct="1">
+        <a:defRPr sz="1800" kern="1200">
+          <a:solidFill>
+            <a:schemeClr val="tx1"/>
+          </a:solidFill>
+          <a:latin typeface="+mn-lt"/>
+          <a:ea typeface="+mn-ea"/>
+          <a:cs typeface="+mn-cs"/>
+        </a:defRPr>
+      </a:lvl9pPr>
+    </p:otherStyle>
+  </p:txStyles>
 </p:sldMaster>
 </file>
 
 <file path=ppt/slides/slide1.xml><?xml version="1.0" encoding="utf-8"?>
-<p:sld xmlns:a="http://schemas.openxmlformats.org/drawingml/2006/main" xmlns:p="http://schemas.openxmlformats.org/presentationml/2006/main" xmlns:r="http://schemas.openxmlformats.org/officeDocument/2006/relationships" xmlns:p14="http://schemas.microsoft.com/office/powerpoint/2010/main" xmlns:p15="http://schemas.microsoft.com/office/powerpoint/2012/main" xmlns:mc="http://schemas.openxmlformats.org/markup-compatibility/2006">
+<p:sld xmlns:a="http://schemas.openxmlformats.org/drawingml/2006/main" xmlns:r="http://schemas.openxmlformats.org/officeDocument/2006/relationships" xmlns:p="http://schemas.openxmlformats.org/presentationml/2006/main">
   <p:cSld>
     <p:spTree>
       <p:nvGrpSpPr>
@@ -6243,15 +7488,22 @@
           </a:ln>
         </p:spPr>
         <p:style>
-          <a:lnRef idx="0"/>
-          <a:fillRef idx="0"/>
-          <a:effectRef idx="0"/>
+          <a:lnRef idx="0">
+            <a:scrgbClr r="0" g="0" b="0"/>
+          </a:lnRef>
+          <a:fillRef idx="0">
+            <a:scrgbClr r="0" g="0" b="0"/>
+          </a:fillRef>
+          <a:effectRef idx="0">
+            <a:scrgbClr r="0" g="0" b="0"/>
+          </a:effectRef>
           <a:fontRef idx="minor"/>
         </p:style>
         <p:txBody>
-          <a:bodyPr lIns="90000" rIns="90000" tIns="45000" bIns="45000" anchor="b">
+          <a:bodyPr lIns="90000" tIns="45000" rIns="90000" bIns="45000" anchor="b">
             <a:noAutofit/>
           </a:bodyPr>
+          <a:lstStyle/>
           <a:p>
             <a:pPr algn="ctr">
               <a:lnSpc>
@@ -6262,7 +7514,7 @@
               </a:spcAft>
             </a:pPr>
             <a:r>
-              <a:rPr b="1" lang="en-US" sz="3600" spc="-1" strike="noStrike">
+              <a:rPr lang="en-US" sz="3600" b="1" strike="noStrike" spc="-1" dirty="0">
                 <a:solidFill>
                   <a:srgbClr val="000000"/>
                 </a:solidFill>
@@ -6271,7 +7523,7 @@
               </a:rPr>
               <a:t>Slide Template for the Arts-lab</a:t>
             </a:r>
-            <a:endParaRPr b="0" lang="en-US" sz="3600" spc="-1" strike="noStrike">
+            <a:endParaRPr lang="en-US" sz="3600" b="0" strike="noStrike" spc="-1" dirty="0">
               <a:latin typeface="Arial"/>
             </a:endParaRPr>
           </a:p>
@@ -6285,7 +7537,7 @@
               </a:spcAft>
             </a:pPr>
             <a:r>
-              <a:rPr b="1" lang="en-US" sz="2000" spc="-1" strike="noStrike">
+              <a:rPr lang="en-US" sz="2000" b="1" strike="noStrike" spc="-1" dirty="0">
                 <a:solidFill>
                   <a:srgbClr val="000000"/>
                 </a:solidFill>
@@ -6294,7 +7546,7 @@
               </a:rPr>
               <a:t>Subtitles can be helpful</a:t>
             </a:r>
-            <a:endParaRPr b="0" lang="en-US" sz="2000" spc="-1" strike="noStrike">
+            <a:endParaRPr lang="en-US" sz="2000" b="0" strike="noStrike" spc="-1" dirty="0">
               <a:latin typeface="Arial"/>
             </a:endParaRPr>
           </a:p>
@@ -6320,15 +7572,22 @@
           </a:ln>
         </p:spPr>
         <p:style>
-          <a:lnRef idx="0"/>
-          <a:fillRef idx="0"/>
-          <a:effectRef idx="0"/>
+          <a:lnRef idx="0">
+            <a:scrgbClr r="0" g="0" b="0"/>
+          </a:lnRef>
+          <a:fillRef idx="0">
+            <a:scrgbClr r="0" g="0" b="0"/>
+          </a:fillRef>
+          <a:effectRef idx="0">
+            <a:scrgbClr r="0" g="0" b="0"/>
+          </a:effectRef>
           <a:fontRef idx="minor"/>
         </p:style>
         <p:txBody>
-          <a:bodyPr lIns="90000" rIns="90000" tIns="45000" bIns="45000">
+          <a:bodyPr lIns="90000" tIns="45000" rIns="90000" bIns="45000">
             <a:noAutofit/>
           </a:bodyPr>
+          <a:lstStyle/>
           <a:p>
             <a:pPr algn="ctr">
               <a:lnSpc>
@@ -6336,7 +7595,7 @@
               </a:lnSpc>
             </a:pPr>
             <a:r>
-              <a:rPr b="1" lang="en-US" sz="2400" spc="-1" strike="noStrike">
+              <a:rPr lang="en-US" sz="2400" b="1" strike="noStrike" spc="-1">
                 <a:solidFill>
                   <a:srgbClr val="000000"/>
                 </a:solidFill>
@@ -6345,7 +7604,7 @@
               </a:rPr>
               <a:t>Austin Downey</a:t>
             </a:r>
-            <a:endParaRPr b="0" lang="en-US" sz="2400" spc="-1" strike="noStrike">
+            <a:endParaRPr lang="en-US" sz="2400" b="0" strike="noStrike" spc="-1">
               <a:latin typeface="Arial"/>
             </a:endParaRPr>
           </a:p>
@@ -6355,7 +7614,7 @@
                 <a:spcPct val="190000"/>
               </a:lnSpc>
             </a:pPr>
-            <a:endParaRPr b="0" lang="en-US" sz="2400" spc="-1" strike="noStrike">
+            <a:endParaRPr lang="en-US" sz="2400" b="0" strike="noStrike" spc="-1">
               <a:latin typeface="Arial"/>
             </a:endParaRPr>
           </a:p>
@@ -6366,7 +7625,7 @@
               </a:lnSpc>
             </a:pPr>
             <a:r>
-              <a:rPr b="1" lang="en-US" sz="1600" spc="-1" strike="noStrike">
+              <a:rPr lang="en-US" sz="1600" b="1" strike="noStrike" spc="-1">
                 <a:solidFill>
                   <a:srgbClr val="000000"/>
                 </a:solidFill>
@@ -6375,7 +7634,7 @@
               </a:rPr>
               <a:t>Assistant Professor, Department of Mechanical Engineering</a:t>
             </a:r>
-            <a:endParaRPr b="0" lang="en-US" sz="1600" spc="-1" strike="noStrike">
+            <a:endParaRPr lang="en-US" sz="1600" b="0" strike="noStrike" spc="-1">
               <a:latin typeface="Arial"/>
             </a:endParaRPr>
           </a:p>
@@ -6386,7 +7645,7 @@
               </a:lnSpc>
             </a:pPr>
             <a:r>
-              <a:rPr b="1" lang="en-US" sz="1600" spc="-1" strike="noStrike">
+              <a:rPr lang="en-US" sz="1600" b="1" strike="noStrike" spc="-1">
                 <a:solidFill>
                   <a:srgbClr val="000000"/>
                 </a:solidFill>
@@ -6395,7 +7654,7 @@
               </a:rPr>
               <a:t>Assistant Professor, Department of Civil and Environmental Engineering</a:t>
             </a:r>
-            <a:endParaRPr b="0" lang="en-US" sz="1600" spc="-1" strike="noStrike">
+            <a:endParaRPr lang="en-US" sz="1600" b="0" strike="noStrike" spc="-1">
               <a:latin typeface="Arial"/>
             </a:endParaRPr>
           </a:p>
@@ -6408,7 +7667,7 @@
                 <a:spcPts val="1001"/>
               </a:spcBef>
             </a:pPr>
-            <a:endParaRPr b="0" lang="en-US" sz="1600" spc="-1" strike="noStrike">
+            <a:endParaRPr lang="en-US" sz="1600" b="0" strike="noStrike" spc="-1">
               <a:latin typeface="Arial"/>
             </a:endParaRPr>
           </a:p>
@@ -6434,15 +7693,22 @@
           </a:ln>
         </p:spPr>
         <p:style>
-          <a:lnRef idx="0"/>
-          <a:fillRef idx="0"/>
-          <a:effectRef idx="0"/>
+          <a:lnRef idx="0">
+            <a:scrgbClr r="0" g="0" b="0"/>
+          </a:lnRef>
+          <a:fillRef idx="0">
+            <a:scrgbClr r="0" g="0" b="0"/>
+          </a:fillRef>
+          <a:effectRef idx="0">
+            <a:scrgbClr r="0" g="0" b="0"/>
+          </a:effectRef>
           <a:fontRef idx="minor"/>
         </p:style>
         <p:txBody>
-          <a:bodyPr lIns="90000" rIns="90000" tIns="45000" bIns="45000">
+          <a:bodyPr lIns="90000" tIns="45000" rIns="90000" bIns="45000">
             <a:spAutoFit/>
           </a:bodyPr>
+          <a:lstStyle/>
           <a:p>
             <a:pPr>
               <a:lnSpc>
@@ -6450,7 +7716,7 @@
               </a:lnSpc>
             </a:pPr>
             <a:r>
-              <a:rPr b="1" lang="en-US" sz="1200" spc="-1" strike="noStrike">
+              <a:rPr lang="en-US" sz="1200" b="1" strike="noStrike" spc="-1">
                 <a:solidFill>
                   <a:srgbClr val="000000"/>
                 </a:solidFill>
@@ -6460,7 +7726,7 @@
               <a:t>Note:</a:t>
             </a:r>
             <a:r>
-              <a:rPr b="0" lang="en-US" sz="1200" spc="-1" strike="noStrike">
+              <a:rPr lang="en-US" sz="1200" b="0" strike="noStrike" spc="-1">
                 <a:solidFill>
                   <a:srgbClr val="000000"/>
                 </a:solidFill>
@@ -6469,7 +7735,7 @@
               </a:rPr>
               <a:t> This slide format is not in the slide master, rather it is a modified version of the basic slides with a white box in the bottom left to cover the UofSC logo.</a:t>
             </a:r>
-            <a:endParaRPr b="0" lang="en-US" sz="1200" spc="-1" strike="noStrike">
+            <a:endParaRPr lang="en-US" sz="1200" b="0" strike="noStrike" spc="-1">
               <a:latin typeface="Arial"/>
             </a:endParaRPr>
           </a:p>
@@ -6482,7 +7748,7 @@
           <p:nvPr/>
         </p:nvPicPr>
         <p:blipFill>
-          <a:blip r:embed="rId1"/>
+          <a:blip r:embed="rId3"/>
           <a:stretch/>
         </p:blipFill>
         <p:spPr>
@@ -6500,19 +7766,14 @@
       </p:pic>
     </p:spTree>
   </p:cSld>
-  <mc:AlternateContent>
-    <mc:Choice Requires="p14">
-      <p:transition spd="slow" p14:dur="2000"/>
-    </mc:Choice>
-    <mc:Fallback>
-      <p:transition spd="slow"/>
-    </mc:Fallback>
-  </mc:AlternateContent>
+  <p:clrMapOvr>
+    <a:masterClrMapping/>
+  </p:clrMapOvr>
 </p:sld>
 </file>
 
 <file path=ppt/slides/slide2.xml><?xml version="1.0" encoding="utf-8"?>
-<p:sld xmlns:a="http://schemas.openxmlformats.org/drawingml/2006/main" xmlns:p="http://schemas.openxmlformats.org/presentationml/2006/main" xmlns:r="http://schemas.openxmlformats.org/officeDocument/2006/relationships" xmlns:p14="http://schemas.microsoft.com/office/powerpoint/2010/main" xmlns:p15="http://schemas.microsoft.com/office/powerpoint/2012/main" xmlns:mc="http://schemas.openxmlformats.org/markup-compatibility/2006">
+<p:sld xmlns:a="http://schemas.openxmlformats.org/drawingml/2006/main" xmlns:r="http://schemas.openxmlformats.org/officeDocument/2006/relationships" xmlns:p="http://schemas.openxmlformats.org/presentationml/2006/main">
   <p:cSld>
     <p:spTree>
       <p:nvGrpSpPr>
@@ -6536,8 +7797,8 @@
         </p:nvSpPr>
         <p:spPr>
           <a:xfrm>
-            <a:off x="420480" y="315000"/>
-            <a:ext cx="10508040" cy="630720"/>
+            <a:off x="309374" y="399240"/>
+            <a:ext cx="11573252" cy="630720"/>
           </a:xfrm>
           <a:prstGeom prst="rect">
             <a:avLst/>
@@ -6548,33 +7809,39 @@
           </a:ln>
         </p:spPr>
         <p:style>
-          <a:lnRef idx="0"/>
-          <a:fillRef idx="0"/>
-          <a:effectRef idx="0"/>
+          <a:lnRef idx="0">
+            <a:scrgbClr r="0" g="0" b="0"/>
+          </a:lnRef>
+          <a:fillRef idx="0">
+            <a:scrgbClr r="0" g="0" b="0"/>
+          </a:fillRef>
+          <a:effectRef idx="0">
+            <a:scrgbClr r="0" g="0" b="0"/>
+          </a:effectRef>
           <a:fontRef idx="minor"/>
         </p:style>
         <p:txBody>
-          <a:bodyPr lIns="90000" rIns="90000" tIns="45000" bIns="45000" anchor="ctr">
+          <a:bodyPr lIns="90000" tIns="45000" rIns="90000" bIns="45000" anchor="ctr">
             <a:noAutofit/>
           </a:bodyPr>
+          <a:lstStyle/>
           <a:p>
             <a:pPr>
               <a:lnSpc>
                 <a:spcPct val="90000"/>
               </a:lnSpc>
             </a:pPr>
-            <a:br/>
             <a:r>
-              <a:rPr b="0" lang="en-US" sz="3000" spc="-1" strike="noStrike">
+              <a:rPr lang="en-US" sz="3200" b="1" strike="noStrike" spc="-1" dirty="0">
                 <a:solidFill>
                   <a:srgbClr val="000000"/>
                 </a:solidFill>
                 <a:latin typeface="Arial"/>
                 <a:ea typeface="DejaVu Sans"/>
               </a:rPr>
-              <a:t>A title in Arial size 30 font (Liberation Sans in Libre Office)</a:t>
+              <a:t>A Title in Arial Size 32 font (Liberation Sans in Libre Office)</a:t>
             </a:r>
-            <a:endParaRPr b="0" lang="en-US" sz="3000" spc="-1" strike="noStrike">
+            <a:endParaRPr lang="en-US" sz="3200" b="1" strike="noStrike" spc="-1" dirty="0">
               <a:latin typeface="Arial"/>
             </a:endParaRPr>
           </a:p>
@@ -6600,9 +7867,15 @@
           </a:ln>
         </p:spPr>
         <p:style>
-          <a:lnRef idx="0"/>
-          <a:fillRef idx="0"/>
-          <a:effectRef idx="0"/>
+          <a:lnRef idx="0">
+            <a:scrgbClr r="0" g="0" b="0"/>
+          </a:lnRef>
+          <a:fillRef idx="0">
+            <a:scrgbClr r="0" g="0" b="0"/>
+          </a:fillRef>
+          <a:effectRef idx="0">
+            <a:scrgbClr r="0" g="0" b="0"/>
+          </a:effectRef>
           <a:fontRef idx="minor"/>
         </p:style>
       </p:sp>
@@ -6626,26 +7899,33 @@
           </a:ln>
         </p:spPr>
         <p:style>
-          <a:lnRef idx="0"/>
-          <a:fillRef idx="0"/>
-          <a:effectRef idx="0"/>
+          <a:lnRef idx="0">
+            <a:scrgbClr r="0" g="0" b="0"/>
+          </a:lnRef>
+          <a:fillRef idx="0">
+            <a:scrgbClr r="0" g="0" b="0"/>
+          </a:fillRef>
+          <a:effectRef idx="0">
+            <a:scrgbClr r="0" g="0" b="0"/>
+          </a:effectRef>
           <a:fontRef idx="minor"/>
         </p:style>
         <p:txBody>
-          <a:bodyPr lIns="90000" rIns="90000" tIns="45000" bIns="45000">
+          <a:bodyPr lIns="90000" tIns="45000" rIns="90000" bIns="45000">
             <a:noAutofit/>
           </a:bodyPr>
+          <a:lstStyle/>
           <a:p>
             <a:pPr marL="5760">
               <a:lnSpc>
                 <a:spcPct val="100000"/>
               </a:lnSpc>
               <a:spcBef>
-                <a:spcPts val="1001"/>
+                <a:spcPts val="600"/>
               </a:spcBef>
             </a:pPr>
             <a:r>
-              <a:rPr b="0" lang="en-US" sz="2000" spc="-1" strike="noStrike">
+              <a:rPr lang="en-US" sz="2000" b="0" strike="noStrike" spc="-1" dirty="0">
                 <a:solidFill>
                   <a:srgbClr val="000000"/>
                 </a:solidFill>
@@ -6654,7 +7934,7 @@
               </a:rPr>
               <a:t>A few things to consider</a:t>
             </a:r>
-            <a:endParaRPr b="0" lang="en-US" sz="2000" spc="-1" strike="noStrike">
+            <a:endParaRPr lang="en-US" sz="2000" b="0" strike="noStrike" spc="-1" dirty="0">
               <a:latin typeface="Arial"/>
             </a:endParaRPr>
           </a:p>
@@ -6664,7 +7944,7 @@
                 <a:spcPct val="100000"/>
               </a:lnSpc>
               <a:spcBef>
-                <a:spcPts val="1001"/>
+                <a:spcPts val="600"/>
               </a:spcBef>
               <a:buClr>
                 <a:srgbClr val="000000"/>
@@ -6673,7 +7953,7 @@
               <a:buChar char="•"/>
             </a:pPr>
             <a:r>
-              <a:rPr b="0" lang="en-US" sz="2000" spc="-1" strike="noStrike">
+              <a:rPr lang="en-US" sz="2000" b="0" strike="noStrike" spc="-1" dirty="0">
                 <a:solidFill>
                   <a:srgbClr val="000000"/>
                 </a:solidFill>
@@ -6682,7 +7962,7 @@
               </a:rPr>
               <a:t>Bullet points work well in Arial size 20 font.</a:t>
             </a:r>
-            <a:endParaRPr b="0" lang="en-US" sz="2000" spc="-1" strike="noStrike">
+            <a:endParaRPr lang="en-US" sz="2000" b="0" strike="noStrike" spc="-1" dirty="0">
               <a:latin typeface="Arial"/>
             </a:endParaRPr>
           </a:p>
@@ -6692,7 +7972,7 @@
                 <a:spcPct val="100000"/>
               </a:lnSpc>
               <a:spcBef>
-                <a:spcPts val="1001"/>
+                <a:spcPts val="600"/>
               </a:spcBef>
               <a:buClr>
                 <a:srgbClr val="000000"/>
@@ -6701,7 +7981,7 @@
               <a:buChar char="•"/>
             </a:pPr>
             <a:r>
-              <a:rPr b="0" lang="en-US" sz="2000" spc="-1" strike="noStrike">
+              <a:rPr lang="en-US" sz="2000" b="0" strike="noStrike" spc="-1" dirty="0">
                 <a:solidFill>
                   <a:srgbClr val="000000"/>
                 </a:solidFill>
@@ -6710,7 +7990,7 @@
               </a:rPr>
               <a:t>I deleted all the slide master templates; I just find these confusing as its hard to track down problems. </a:t>
             </a:r>
-            <a:endParaRPr b="0" lang="en-US" sz="2000" spc="-1" strike="noStrike">
+            <a:endParaRPr lang="en-US" sz="2000" b="0" strike="noStrike" spc="-1" dirty="0">
               <a:latin typeface="Arial"/>
             </a:endParaRPr>
           </a:p>
@@ -6720,7 +8000,7 @@
                 <a:spcPct val="100000"/>
               </a:lnSpc>
               <a:spcBef>
-                <a:spcPts val="1001"/>
+                <a:spcPts val="600"/>
               </a:spcBef>
               <a:buClr>
                 <a:srgbClr val="000000"/>
@@ -6729,7 +8009,7 @@
               <a:buChar char="•"/>
             </a:pPr>
             <a:r>
-              <a:rPr b="0" lang="en-US" sz="2000" spc="-1" strike="noStrike">
+              <a:rPr lang="en-US" sz="2000" b="0" strike="noStrike" spc="-1" dirty="0">
                 <a:solidFill>
                   <a:srgbClr val="000000"/>
                 </a:solidFill>
@@ -6738,7 +8018,7 @@
               </a:rPr>
               <a:t>If you need a new slide, just copy the slide and delete the old content. </a:t>
             </a:r>
-            <a:endParaRPr b="0" lang="en-US" sz="2000" spc="-1" strike="noStrike">
+            <a:endParaRPr lang="en-US" sz="2000" b="0" strike="noStrike" spc="-1" dirty="0">
               <a:latin typeface="Arial"/>
             </a:endParaRPr>
           </a:p>
@@ -6748,7 +8028,7 @@
                 <a:spcPct val="100000"/>
               </a:lnSpc>
               <a:spcBef>
-                <a:spcPts val="1001"/>
+                <a:spcPts val="600"/>
               </a:spcBef>
               <a:buClr>
                 <a:srgbClr val="000000"/>
@@ -6757,7 +8037,7 @@
               <a:buChar char="•"/>
             </a:pPr>
             <a:r>
-              <a:rPr b="0" lang="en-US" sz="2000" spc="-1" strike="noStrike">
+              <a:rPr lang="en-US" sz="2000" b="0" strike="noStrike" spc="-1" dirty="0">
                 <a:solidFill>
                   <a:srgbClr val="000000"/>
                 </a:solidFill>
@@ -6766,7 +8046,7 @@
               </a:rPr>
               <a:t>If you copy slides in, note that it may also bring in the template on the slide master. Best of luck!</a:t>
             </a:r>
-            <a:endParaRPr b="0" lang="en-US" sz="2000" spc="-1" strike="noStrike">
+            <a:endParaRPr lang="en-US" sz="2000" b="0" strike="noStrike" spc="-1" dirty="0">
               <a:latin typeface="Arial"/>
             </a:endParaRPr>
           </a:p>
@@ -6776,7 +8056,7 @@
                 <a:spcPct val="100000"/>
               </a:lnSpc>
               <a:spcBef>
-                <a:spcPts val="1001"/>
+                <a:spcPts val="600"/>
               </a:spcBef>
               <a:buClr>
                 <a:srgbClr val="000000"/>
@@ -6785,7 +8065,7 @@
               <a:buChar char="•"/>
             </a:pPr>
             <a:r>
-              <a:rPr b="0" lang="en-US" sz="2000" spc="-1" strike="noStrike">
+              <a:rPr lang="en-US" sz="2000" b="0" strike="noStrike" spc="-1" dirty="0">
                 <a:solidFill>
                   <a:srgbClr val="000000"/>
                 </a:solidFill>
@@ -6794,17 +8074,17 @@
               </a:rPr>
               <a:t>Nothing beats black text on a white background.</a:t>
             </a:r>
-            <a:endParaRPr b="0" lang="en-US" sz="2000" spc="-1" strike="noStrike">
-              <a:latin typeface="Arial"/>
-            </a:endParaRPr>
-          </a:p>
-          <a:p>
-            <a:pPr lvl="1" marL="806040" indent="-342720">
+            <a:endParaRPr lang="en-US" sz="2000" b="0" strike="noStrike" spc="-1" dirty="0">
+              <a:latin typeface="Arial"/>
+            </a:endParaRPr>
+          </a:p>
+          <a:p>
+            <a:pPr marL="806040" lvl="1" indent="-342720">
               <a:lnSpc>
                 <a:spcPct val="100000"/>
               </a:lnSpc>
               <a:spcBef>
-                <a:spcPts val="1001"/>
+                <a:spcPts val="600"/>
               </a:spcBef>
               <a:buClr>
                 <a:srgbClr val="000000"/>
@@ -6813,7 +8093,7 @@
               <a:buChar char="•"/>
             </a:pPr>
             <a:r>
-              <a:rPr b="0" lang="en-US" sz="2000" spc="-1" strike="noStrike">
+              <a:rPr lang="en-US" sz="2000" b="0" strike="noStrike" spc="-1" dirty="0">
                 <a:solidFill>
                   <a:srgbClr val="000000"/>
                 </a:solidFill>
@@ -6822,17 +8102,17 @@
               </a:rPr>
               <a:t>The intended bullet points carry more information. </a:t>
             </a:r>
-            <a:endParaRPr b="0" lang="en-US" sz="2000" spc="-1" strike="noStrike">
-              <a:latin typeface="Arial"/>
-            </a:endParaRPr>
-          </a:p>
-          <a:p>
-            <a:pPr lvl="1" marL="806040" indent="-342720">
+            <a:endParaRPr lang="en-US" sz="2000" b="0" strike="noStrike" spc="-1" dirty="0">
+              <a:latin typeface="Arial"/>
+            </a:endParaRPr>
+          </a:p>
+          <a:p>
+            <a:pPr marL="806040" lvl="1" indent="-342720">
               <a:lnSpc>
                 <a:spcPct val="100000"/>
               </a:lnSpc>
               <a:spcBef>
-                <a:spcPts val="1001"/>
+                <a:spcPts val="600"/>
               </a:spcBef>
               <a:buClr>
                 <a:srgbClr val="000000"/>
@@ -6841,7 +8121,7 @@
               <a:buChar char="•"/>
             </a:pPr>
             <a:r>
-              <a:rPr b="0" lang="en-US" sz="2000" spc="-1" strike="noStrike">
+              <a:rPr lang="en-US" sz="2000" b="0" strike="noStrike" spc="-1" dirty="0">
                 <a:solidFill>
                   <a:srgbClr val="000000"/>
                 </a:solidFill>
@@ -6850,7 +8130,7 @@
               </a:rPr>
               <a:t>Bullet points should have at least two points. </a:t>
             </a:r>
-            <a:endParaRPr b="0" lang="en-US" sz="2000" spc="-1" strike="noStrike">
+            <a:endParaRPr lang="en-US" sz="2000" b="0" strike="noStrike" spc="-1" dirty="0">
               <a:latin typeface="Arial"/>
             </a:endParaRPr>
           </a:p>
@@ -6863,7 +8143,7 @@
                 <a:spcPts val="1001"/>
               </a:spcBef>
             </a:pPr>
-            <a:endParaRPr b="0" lang="en-US" sz="2000" spc="-1" strike="noStrike">
+            <a:endParaRPr lang="en-US" sz="2000" b="0" strike="noStrike" spc="-1" dirty="0">
               <a:latin typeface="Arial"/>
             </a:endParaRPr>
           </a:p>
@@ -6876,10 +8156,10 @@
                 <a:spcPts val="1001"/>
               </a:spcBef>
               <a:tabLst>
-                <a:tab algn="l" pos="0"/>
+                <a:tab pos="0" algn="l"/>
               </a:tabLst>
             </a:pPr>
-            <a:endParaRPr b="0" lang="en-US" sz="2000" spc="-1" strike="noStrike">
+            <a:endParaRPr lang="en-US" sz="2000" b="0" strike="noStrike" spc="-1" dirty="0">
               <a:latin typeface="Arial"/>
             </a:endParaRPr>
           </a:p>
@@ -6887,19 +8167,14 @@
       </p:sp>
     </p:spTree>
   </p:cSld>
-  <mc:AlternateContent>
-    <mc:Choice Requires="p14">
-      <p:transition spd="slow" p14:dur="2000"/>
-    </mc:Choice>
-    <mc:Fallback>
-      <p:transition spd="slow"/>
-    </mc:Fallback>
-  </mc:AlternateContent>
+  <p:clrMapOvr>
+    <a:masterClrMapping/>
+  </p:clrMapOvr>
 </p:sld>
 </file>
 
 <file path=ppt/slides/slide3.xml><?xml version="1.0" encoding="utf-8"?>
-<p:sld xmlns:a="http://schemas.openxmlformats.org/drawingml/2006/main" xmlns:p="http://schemas.openxmlformats.org/presentationml/2006/main" xmlns:r="http://schemas.openxmlformats.org/officeDocument/2006/relationships" xmlns:p14="http://schemas.microsoft.com/office/powerpoint/2010/main" xmlns:p15="http://schemas.microsoft.com/office/powerpoint/2012/main" xmlns:mc="http://schemas.openxmlformats.org/markup-compatibility/2006">
+<p:sld xmlns:a="http://schemas.openxmlformats.org/drawingml/2006/main" xmlns:r="http://schemas.openxmlformats.org/officeDocument/2006/relationships" xmlns:p="http://schemas.openxmlformats.org/presentationml/2006/main">
   <p:cSld>
     <p:spTree>
       <p:nvGrpSpPr>
@@ -6935,9 +8210,10 @@
           </a:ln>
         </p:spPr>
         <p:txBody>
-          <a:bodyPr lIns="0" rIns="0" tIns="0" bIns="0" anchor="ctr">
+          <a:bodyPr lIns="0" tIns="0" rIns="0" bIns="0" anchor="ctr">
             <a:noAutofit/>
           </a:bodyPr>
+          <a:lstStyle/>
           <a:p>
             <a:pPr algn="ctr">
               <a:lnSpc>
@@ -6945,16 +8221,16 @@
               </a:lnSpc>
             </a:pPr>
             <a:r>
-              <a:rPr b="0" lang="en-US" sz="4400" spc="-1" strike="noStrike">
+              <a:rPr lang="en-US" sz="4400" b="0" strike="noStrike" spc="-1">
                 <a:solidFill>
-                  <a:srgbClr val="ffffff"/>
+                  <a:srgbClr val="FFFFFF"/>
                 </a:solidFill>
                 <a:latin typeface="Arial"/>
                 <a:ea typeface="DejaVu Sans"/>
               </a:rPr>
               <a:t>Progress Bars with Macros</a:t>
             </a:r>
-            <a:endParaRPr b="0" lang="en-US" sz="4400" spc="-1" strike="noStrike">
+            <a:endParaRPr lang="en-US" sz="4400" b="0" strike="noStrike" spc="-1">
               <a:solidFill>
                 <a:srgbClr val="000000"/>
               </a:solidFill>
@@ -6983,15 +8259,22 @@
           </a:ln>
         </p:spPr>
         <p:style>
-          <a:lnRef idx="0"/>
-          <a:fillRef idx="0"/>
-          <a:effectRef idx="0"/>
+          <a:lnRef idx="0">
+            <a:scrgbClr r="0" g="0" b="0"/>
+          </a:lnRef>
+          <a:fillRef idx="0">
+            <a:scrgbClr r="0" g="0" b="0"/>
+          </a:fillRef>
+          <a:effectRef idx="0">
+            <a:scrgbClr r="0" g="0" b="0"/>
+          </a:effectRef>
           <a:fontRef idx="minor"/>
         </p:style>
         <p:txBody>
-          <a:bodyPr lIns="90000" rIns="90000" tIns="45000" bIns="45000">
+          <a:bodyPr lIns="90000" tIns="45000" rIns="90000" bIns="45000">
             <a:spAutoFit/>
           </a:bodyPr>
+          <a:lstStyle/>
           <a:p>
             <a:pPr>
               <a:lnSpc>
@@ -6999,9 +8282,9 @@
               </a:lnSpc>
             </a:pPr>
             <a:r>
-              <a:rPr b="1" lang="en-US" sz="1200" spc="256" strike="noStrike">
+              <a:rPr lang="en-US" sz="1200" b="1" strike="noStrike" spc="256">
                 <a:solidFill>
-                  <a:srgbClr val="ffffff"/>
+                  <a:srgbClr val="FFFFFF"/>
                 </a:solidFill>
                 <a:latin typeface="Arial"/>
                 <a:ea typeface="Arial"/>
@@ -7009,16 +8292,16 @@
               <a:t>Note:</a:t>
             </a:r>
             <a:r>
-              <a:rPr b="0" lang="en-US" sz="1200" spc="256" strike="noStrike">
+              <a:rPr lang="en-US" sz="1200" b="0" strike="noStrike" spc="256">
                 <a:solidFill>
-                  <a:srgbClr val="ffffff"/>
+                  <a:srgbClr val="FFFFFF"/>
                 </a:solidFill>
                 <a:latin typeface="Arial"/>
                 <a:ea typeface="Arial"/>
               </a:rPr>
               <a:t> You can use red slides for section breaks, does not work well with the snake macro</a:t>
             </a:r>
-            <a:endParaRPr b="0" lang="en-US" sz="1200" spc="-1" strike="noStrike">
+            <a:endParaRPr lang="en-US" sz="1200" b="0" strike="noStrike" spc="-1">
               <a:latin typeface="Arial"/>
             </a:endParaRPr>
           </a:p>
@@ -7028,7 +8311,7 @@
                 <a:spcPct val="100000"/>
               </a:lnSpc>
             </a:pPr>
-            <a:endParaRPr b="0" lang="en-US" sz="1200" spc="-1" strike="noStrike">
+            <a:endParaRPr lang="en-US" sz="1200" b="0" strike="noStrike" spc="-1">
               <a:latin typeface="Arial"/>
             </a:endParaRPr>
           </a:p>
@@ -7036,19 +8319,14 @@
       </p:sp>
     </p:spTree>
   </p:cSld>
-  <mc:AlternateContent>
-    <mc:Choice Requires="p14">
-      <p:transition spd="slow" p14:dur="2000"/>
-    </mc:Choice>
-    <mc:Fallback>
-      <p:transition spd="slow"/>
-    </mc:Fallback>
-  </mc:AlternateContent>
+  <p:clrMapOvr>
+    <a:masterClrMapping/>
+  </p:clrMapOvr>
 </p:sld>
 </file>
 
 <file path=ppt/slides/slide4.xml><?xml version="1.0" encoding="utf-8"?>
-<p:sld xmlns:a="http://schemas.openxmlformats.org/drawingml/2006/main" xmlns:p="http://schemas.openxmlformats.org/presentationml/2006/main" xmlns:r="http://schemas.openxmlformats.org/officeDocument/2006/relationships" xmlns:p14="http://schemas.microsoft.com/office/powerpoint/2010/main" xmlns:p15="http://schemas.microsoft.com/office/powerpoint/2012/main" xmlns:mc="http://schemas.openxmlformats.org/markup-compatibility/2006">
+<p:sld xmlns:a="http://schemas.openxmlformats.org/drawingml/2006/main" xmlns:r="http://schemas.openxmlformats.org/officeDocument/2006/relationships" xmlns:p="http://schemas.openxmlformats.org/presentationml/2006/main">
   <p:cSld>
     <p:spTree>
       <p:nvGrpSpPr>
@@ -7084,15 +8362,22 @@
           </a:ln>
         </p:spPr>
         <p:style>
-          <a:lnRef idx="0"/>
-          <a:fillRef idx="0"/>
-          <a:effectRef idx="0"/>
+          <a:lnRef idx="0">
+            <a:scrgbClr r="0" g="0" b="0"/>
+          </a:lnRef>
+          <a:fillRef idx="0">
+            <a:scrgbClr r="0" g="0" b="0"/>
+          </a:fillRef>
+          <a:effectRef idx="0">
+            <a:scrgbClr r="0" g="0" b="0"/>
+          </a:effectRef>
           <a:fontRef idx="minor"/>
         </p:style>
         <p:txBody>
-          <a:bodyPr lIns="90000" rIns="90000" tIns="45000" bIns="45000">
+          <a:bodyPr lIns="90000" tIns="45000" rIns="90000" bIns="45000">
             <a:noAutofit/>
           </a:bodyPr>
+          <a:lstStyle/>
           <a:p>
             <a:pPr>
               <a:lnSpc>
@@ -7100,16 +8385,56 @@
               </a:lnSpc>
             </a:pPr>
             <a:r>
-              <a:rPr b="0" lang="en-US" sz="3000" spc="-1" strike="noStrike">
+              <a:rPr lang="en-US" sz="3200" b="1" strike="noStrike" spc="-1" dirty="0">
                 <a:solidFill>
                   <a:srgbClr val="000000"/>
                 </a:solidFill>
                 <a:latin typeface="Arial"/>
                 <a:ea typeface="DejaVu Sans"/>
               </a:rPr>
-              <a:t>Custom Macros to make progress bars</a:t>
+              <a:t>Custom Macros to Make </a:t>
             </a:r>
-            <a:endParaRPr b="0" lang="en-US" sz="3000" spc="-1" strike="noStrike">
+            <a:r>
+              <a:rPr lang="en-US" sz="3200" b="1" spc="-1" dirty="0">
+                <a:solidFill>
+                  <a:srgbClr val="000000"/>
+                </a:solidFill>
+                <a:latin typeface="Arial"/>
+                <a:ea typeface="DejaVu Sans"/>
+              </a:rPr>
+              <a:t>P</a:t>
+            </a:r>
+            <a:r>
+              <a:rPr lang="en-US" sz="3200" b="1" strike="noStrike" spc="-1" dirty="0">
+                <a:solidFill>
+                  <a:srgbClr val="000000"/>
+                </a:solidFill>
+                <a:latin typeface="Arial"/>
+                <a:ea typeface="DejaVu Sans"/>
+              </a:rPr>
+              <a:t>rogress </a:t>
+            </a:r>
+            <a:r>
+              <a:rPr lang="en-US" sz="3200" b="1" spc="-1" dirty="0">
+                <a:solidFill>
+                  <a:srgbClr val="000000"/>
+                </a:solidFill>
+                <a:latin typeface="Arial"/>
+                <a:ea typeface="DejaVu Sans"/>
+              </a:rPr>
+              <a:t>B</a:t>
+            </a:r>
+            <a:r>
+              <a:rPr lang="en-US" sz="3200" b="1" strike="noStrike" spc="-1" dirty="0">
+                <a:solidFill>
+                  <a:srgbClr val="000000"/>
+                </a:solidFill>
+                <a:latin typeface="Arial"/>
+                <a:ea typeface="DejaVu Sans"/>
+              </a:rPr>
+              <a:t>ars</a:t>
+            </a:r>
+            <a:endParaRPr lang="en-US" sz="3200" b="1" strike="noStrike" spc="-1" dirty="0">
               <a:latin typeface="Arial"/>
             </a:endParaRPr>
           </a:p>
@@ -7135,15 +8460,22 @@
           </a:ln>
         </p:spPr>
         <p:style>
-          <a:lnRef idx="0"/>
-          <a:fillRef idx="0"/>
-          <a:effectRef idx="0"/>
+          <a:lnRef idx="0">
+            <a:scrgbClr r="0" g="0" b="0"/>
+          </a:lnRef>
+          <a:fillRef idx="0">
+            <a:scrgbClr r="0" g="0" b="0"/>
+          </a:fillRef>
+          <a:effectRef idx="0">
+            <a:scrgbClr r="0" g="0" b="0"/>
+          </a:effectRef>
           <a:fontRef idx="minor"/>
         </p:style>
         <p:txBody>
-          <a:bodyPr lIns="90000" rIns="90000" tIns="45000" bIns="45000">
+          <a:bodyPr lIns="90000" tIns="45000" rIns="90000" bIns="45000">
             <a:normAutofit/>
           </a:bodyPr>
+          <a:lstStyle/>
           <a:p>
             <a:pPr marL="228600" indent="-228240">
               <a:lnSpc>
@@ -7159,7 +8491,7 @@
               <a:buChar char="•"/>
             </a:pPr>
             <a:r>
-              <a:rPr b="0" lang="en-US" sz="1800" spc="-1" strike="noStrike">
+              <a:rPr lang="en-US" sz="1800" b="0" strike="noStrike" spc="-1">
                 <a:solidFill>
                   <a:srgbClr val="000000"/>
                 </a:solidFill>
@@ -7168,7 +8500,7 @@
               </a:rPr>
               <a:t>progressBarSnake</a:t>
             </a:r>
-            <a:endParaRPr b="0" lang="en-US" sz="1800" spc="-1" strike="noStrike">
+            <a:endParaRPr lang="en-US" sz="1800" b="0" strike="noStrike" spc="-1">
               <a:latin typeface="Arial"/>
             </a:endParaRPr>
           </a:p>
@@ -7194,15 +8526,22 @@
           </a:ln>
         </p:spPr>
         <p:style>
-          <a:lnRef idx="0"/>
-          <a:fillRef idx="0"/>
-          <a:effectRef idx="0"/>
+          <a:lnRef idx="0">
+            <a:scrgbClr r="0" g="0" b="0"/>
+          </a:lnRef>
+          <a:fillRef idx="0">
+            <a:scrgbClr r="0" g="0" b="0"/>
+          </a:fillRef>
+          <a:effectRef idx="0">
+            <a:scrgbClr r="0" g="0" b="0"/>
+          </a:effectRef>
           <a:fontRef idx="minor"/>
         </p:style>
         <p:txBody>
-          <a:bodyPr lIns="90000" rIns="90000" tIns="45000" bIns="45000">
+          <a:bodyPr lIns="90000" tIns="45000" rIns="90000" bIns="45000">
             <a:normAutofit/>
           </a:bodyPr>
+          <a:lstStyle/>
           <a:p>
             <a:pPr marL="228600" indent="-228240">
               <a:lnSpc>
@@ -7218,7 +8557,7 @@
               <a:buChar char="•"/>
             </a:pPr>
             <a:r>
-              <a:rPr b="0" lang="en-US" sz="1800" spc="-1" strike="noStrike">
+              <a:rPr lang="en-US" sz="1800" b="0" strike="noStrike" spc="-1">
                 <a:solidFill>
                   <a:srgbClr val="000000"/>
                 </a:solidFill>
@@ -7227,7 +8566,7 @@
               </a:rPr>
               <a:t>progressBarBlack</a:t>
             </a:r>
-            <a:endParaRPr b="0" lang="en-US" sz="1800" spc="-1" strike="noStrike">
+            <a:endParaRPr lang="en-US" sz="1800" b="0" strike="noStrike" spc="-1">
               <a:latin typeface="Arial"/>
             </a:endParaRPr>
           </a:p>
@@ -7253,15 +8592,22 @@
           </a:ln>
         </p:spPr>
         <p:style>
-          <a:lnRef idx="0"/>
-          <a:fillRef idx="0"/>
-          <a:effectRef idx="0"/>
+          <a:lnRef idx="0">
+            <a:scrgbClr r="0" g="0" b="0"/>
+          </a:lnRef>
+          <a:fillRef idx="0">
+            <a:scrgbClr r="0" g="0" b="0"/>
+          </a:fillRef>
+          <a:effectRef idx="0">
+            <a:scrgbClr r="0" g="0" b="0"/>
+          </a:effectRef>
           <a:fontRef idx="minor"/>
         </p:style>
         <p:txBody>
-          <a:bodyPr lIns="90000" rIns="90000" tIns="45000" bIns="45000">
+          <a:bodyPr lIns="90000" tIns="45000" rIns="90000" bIns="45000">
             <a:normAutofit/>
           </a:bodyPr>
+          <a:lstStyle/>
           <a:p>
             <a:pPr>
               <a:lnSpc>
@@ -7271,11 +8617,11 @@
                 <a:spcPts val="1001"/>
               </a:spcBef>
               <a:tabLst>
-                <a:tab algn="l" pos="0"/>
+                <a:tab pos="0" algn="l"/>
               </a:tabLst>
             </a:pPr>
             <a:r>
-              <a:rPr b="1" lang="en-US" sz="1200" spc="-1" strike="noStrike">
+              <a:rPr lang="en-US" sz="1200" b="1" strike="noStrike" spc="-1">
                 <a:solidFill>
                   <a:srgbClr val="000000"/>
                 </a:solidFill>
@@ -7285,7 +8631,7 @@
               <a:t>Note:</a:t>
             </a:r>
             <a:r>
-              <a:rPr b="0" lang="en-US" sz="1200" spc="-1" strike="noStrike">
+              <a:rPr lang="en-US" sz="1200" b="0" strike="noStrike" spc="-1">
                 <a:solidFill>
                   <a:srgbClr val="000000"/>
                 </a:solidFill>
@@ -7294,7 +8640,7 @@
               </a:rPr>
               <a:t> To save the macro’s you have to enable macros, this changes the .ppt to .pptm. The template is not provided in the .pptm format as this is generally poor practice for security reasons. </a:t>
             </a:r>
-            <a:endParaRPr b="0" lang="en-US" sz="1200" spc="-1" strike="noStrike">
+            <a:endParaRPr lang="en-US" sz="1200" b="0" strike="noStrike" spc="-1">
               <a:latin typeface="Arial"/>
             </a:endParaRPr>
           </a:p>
@@ -7302,12 +8648,12 @@
       </p:sp>
       <p:pic>
         <p:nvPicPr>
-          <p:cNvPr id="143" name="Picture 22" descr=""/>
+          <p:cNvPr id="143" name="Picture 22"/>
           <p:cNvPicPr/>
           <p:nvPr/>
         </p:nvPicPr>
         <p:blipFill>
-          <a:blip r:embed="rId1"/>
+          <a:blip r:embed="rId2"/>
           <a:stretch/>
         </p:blipFill>
         <p:spPr>
@@ -7343,15 +8689,22 @@
           </a:ln>
         </p:spPr>
         <p:style>
-          <a:lnRef idx="0"/>
-          <a:fillRef idx="0"/>
-          <a:effectRef idx="0"/>
+          <a:lnRef idx="0">
+            <a:scrgbClr r="0" g="0" b="0"/>
+          </a:lnRef>
+          <a:fillRef idx="0">
+            <a:scrgbClr r="0" g="0" b="0"/>
+          </a:fillRef>
+          <a:effectRef idx="0">
+            <a:scrgbClr r="0" g="0" b="0"/>
+          </a:effectRef>
           <a:fontRef idx="minor"/>
         </p:style>
         <p:txBody>
-          <a:bodyPr lIns="90000" rIns="90000" tIns="45000" bIns="45000">
+          <a:bodyPr lIns="90000" tIns="45000" rIns="90000" bIns="45000">
             <a:normAutofit/>
           </a:bodyPr>
+          <a:lstStyle/>
           <a:p>
             <a:pPr>
               <a:lnSpc>
@@ -7361,11 +8714,11 @@
                 <a:spcPts val="1001"/>
               </a:spcBef>
               <a:tabLst>
-                <a:tab algn="l" pos="0"/>
+                <a:tab pos="0" algn="l"/>
               </a:tabLst>
             </a:pPr>
             <a:r>
-              <a:rPr b="1" lang="en-US" sz="1200" spc="-1" strike="noStrike">
+              <a:rPr lang="en-US" sz="1200" b="1" strike="noStrike" spc="-1">
                 <a:solidFill>
                   <a:srgbClr val="000000"/>
                 </a:solidFill>
@@ -7375,7 +8728,7 @@
               <a:t>Note:</a:t>
             </a:r>
             <a:r>
-              <a:rPr b="0" lang="en-US" sz="1200" spc="-1" strike="noStrike">
+              <a:rPr lang="en-US" sz="1200" b="0" strike="noStrike" spc="-1">
                 <a:solidFill>
                   <a:srgbClr val="000000"/>
                 </a:solidFill>
@@ -7384,7 +8737,7 @@
               </a:rPr>
               <a:t> The macros are stored in the corresponding .txt files. Make sure not to copy in the first and last line of the code. </a:t>
             </a:r>
-            <a:endParaRPr b="0" lang="en-US" sz="1200" spc="-1" strike="noStrike">
+            <a:endParaRPr lang="en-US" sz="1200" b="0" strike="noStrike" spc="-1">
               <a:latin typeface="Arial"/>
             </a:endParaRPr>
           </a:p>
@@ -7392,12 +8745,12 @@
       </p:sp>
       <p:pic>
         <p:nvPicPr>
-          <p:cNvPr id="145" name="Picture 10" descr=""/>
+          <p:cNvPr id="145" name="Picture 10"/>
           <p:cNvPicPr/>
           <p:nvPr/>
         </p:nvPicPr>
         <p:blipFill>
-          <a:blip r:embed="rId2"/>
+          <a:blip r:embed="rId3"/>
           <a:stretch/>
         </p:blipFill>
         <p:spPr>
@@ -7433,15 +8786,22 @@
           </a:ln>
         </p:spPr>
         <p:style>
-          <a:lnRef idx="0"/>
-          <a:fillRef idx="0"/>
-          <a:effectRef idx="0"/>
+          <a:lnRef idx="0">
+            <a:scrgbClr r="0" g="0" b="0"/>
+          </a:lnRef>
+          <a:fillRef idx="0">
+            <a:scrgbClr r="0" g="0" b="0"/>
+          </a:fillRef>
+          <a:effectRef idx="0">
+            <a:scrgbClr r="0" g="0" b="0"/>
+          </a:effectRef>
           <a:fontRef idx="minor"/>
         </p:style>
         <p:txBody>
-          <a:bodyPr lIns="90000" rIns="90000" tIns="45000" bIns="45000">
+          <a:bodyPr lIns="90000" tIns="45000" rIns="90000" bIns="45000">
             <a:normAutofit/>
           </a:bodyPr>
+          <a:lstStyle/>
           <a:p>
             <a:pPr>
               <a:lnSpc>
@@ -7451,11 +8811,11 @@
                 <a:spcPts val="1001"/>
               </a:spcBef>
               <a:tabLst>
-                <a:tab algn="l" pos="0"/>
+                <a:tab pos="0" algn="l"/>
               </a:tabLst>
             </a:pPr>
             <a:r>
-              <a:rPr b="1" lang="en-US" sz="1200" spc="-1" strike="noStrike">
+              <a:rPr lang="en-US" sz="1200" b="1" strike="noStrike" spc="-1">
                 <a:solidFill>
                   <a:srgbClr val="000000"/>
                 </a:solidFill>
@@ -7465,7 +8825,7 @@
               <a:t>Note:</a:t>
             </a:r>
             <a:r>
-              <a:rPr b="0" lang="en-US" sz="1200" spc="-1" strike="noStrike">
+              <a:rPr lang="en-US" sz="1200" b="0" strike="noStrike" spc="-1">
                 <a:solidFill>
                   <a:srgbClr val="000000"/>
                 </a:solidFill>
@@ -7474,7 +8834,7 @@
               </a:rPr>
               <a:t> To delete, just click on the bar on the bottom of each slide and select delete. </a:t>
             </a:r>
-            <a:endParaRPr b="0" lang="en-US" sz="1200" spc="-1" strike="noStrike">
+            <a:endParaRPr lang="en-US" sz="1200" b="0" strike="noStrike" spc="-1">
               <a:latin typeface="Arial"/>
             </a:endParaRPr>
           </a:p>
@@ -7482,19 +8842,14 @@
       </p:sp>
     </p:spTree>
   </p:cSld>
-  <mc:AlternateContent>
-    <mc:Choice Requires="p14">
-      <p:transition spd="slow" p14:dur="2000"/>
-    </mc:Choice>
-    <mc:Fallback>
-      <p:transition spd="slow"/>
-    </mc:Fallback>
-  </mc:AlternateContent>
+  <p:clrMapOvr>
+    <a:masterClrMapping/>
+  </p:clrMapOvr>
 </p:sld>
 </file>
 
 <file path=ppt/slides/slide5.xml><?xml version="1.0" encoding="utf-8"?>
-<p:sld xmlns:a="http://schemas.openxmlformats.org/drawingml/2006/main" xmlns:p="http://schemas.openxmlformats.org/presentationml/2006/main" xmlns:r="http://schemas.openxmlformats.org/officeDocument/2006/relationships" xmlns:p14="http://schemas.microsoft.com/office/powerpoint/2010/main" xmlns:p15="http://schemas.microsoft.com/office/powerpoint/2012/main" xmlns:mc="http://schemas.openxmlformats.org/markup-compatibility/2006">
+<p:sld xmlns:a="http://schemas.openxmlformats.org/drawingml/2006/main" xmlns:r="http://schemas.openxmlformats.org/officeDocument/2006/relationships" xmlns:p="http://schemas.openxmlformats.org/presentationml/2006/main">
   <p:cSld>
     <p:spTree>
       <p:nvGrpSpPr>
@@ -7530,15 +8885,22 @@
           </a:ln>
         </p:spPr>
         <p:style>
-          <a:lnRef idx="0"/>
-          <a:fillRef idx="0"/>
-          <a:effectRef idx="0"/>
+          <a:lnRef idx="0">
+            <a:scrgbClr r="0" g="0" b="0"/>
+          </a:lnRef>
+          <a:fillRef idx="0">
+            <a:scrgbClr r="0" g="0" b="0"/>
+          </a:fillRef>
+          <a:effectRef idx="0">
+            <a:scrgbClr r="0" g="0" b="0"/>
+          </a:effectRef>
           <a:fontRef idx="minor"/>
         </p:style>
         <p:txBody>
-          <a:bodyPr lIns="90000" rIns="90000" tIns="45000" bIns="45000">
+          <a:bodyPr lIns="90000" tIns="45000" rIns="90000" bIns="45000">
             <a:noAutofit/>
           </a:bodyPr>
+          <a:lstStyle/>
           <a:p>
             <a:pPr>
               <a:lnSpc>
@@ -7546,16 +8908,36 @@
               </a:lnSpc>
             </a:pPr>
             <a:r>
-              <a:rPr b="0" lang="en-US" sz="3000" spc="-1" strike="noStrike">
+              <a:rPr lang="en-US" sz="3000" b="1" strike="noStrike" spc="-1" dirty="0">
                 <a:solidFill>
                   <a:srgbClr val="000000"/>
                 </a:solidFill>
                 <a:latin typeface="Arial"/>
                 <a:ea typeface="DejaVu Sans"/>
               </a:rPr>
-              <a:t>How to run Custom Macros</a:t>
+              <a:t>How </a:t>
             </a:r>
-            <a:endParaRPr b="0" lang="en-US" sz="3000" spc="-1" strike="noStrike">
+            <a:r>
+              <a:rPr lang="en-US" sz="3000" b="1" strike="noStrike" spc="-1">
+                <a:solidFill>
+                  <a:srgbClr val="000000"/>
+                </a:solidFill>
+                <a:latin typeface="Arial"/>
+                <a:ea typeface="DejaVu Sans"/>
+              </a:rPr>
+              <a:t>to Run </a:t>
+            </a:r>
+            <a:r>
+              <a:rPr lang="en-US" sz="3000" b="1" strike="noStrike" spc="-1" dirty="0">
+                <a:solidFill>
+                  <a:srgbClr val="000000"/>
+                </a:solidFill>
+                <a:latin typeface="Arial"/>
+                <a:ea typeface="DejaVu Sans"/>
+              </a:rPr>
+              <a:t>Custom Macros</a:t>
+            </a:r>
+            <a:endParaRPr lang="en-US" sz="3000" b="1" strike="noStrike" spc="-1" dirty="0">
               <a:latin typeface="Arial"/>
             </a:endParaRPr>
           </a:p>
@@ -7581,15 +8963,22 @@
           </a:ln>
         </p:spPr>
         <p:style>
-          <a:lnRef idx="0"/>
-          <a:fillRef idx="0"/>
-          <a:effectRef idx="0"/>
+          <a:lnRef idx="0">
+            <a:scrgbClr r="0" g="0" b="0"/>
+          </a:lnRef>
+          <a:fillRef idx="0">
+            <a:scrgbClr r="0" g="0" b="0"/>
+          </a:fillRef>
+          <a:effectRef idx="0">
+            <a:scrgbClr r="0" g="0" b="0"/>
+          </a:effectRef>
           <a:fontRef idx="minor"/>
         </p:style>
         <p:txBody>
-          <a:bodyPr lIns="90000" rIns="90000" tIns="45000" bIns="45000">
+          <a:bodyPr lIns="90000" tIns="45000" rIns="90000" bIns="45000">
             <a:normAutofit/>
           </a:bodyPr>
+          <a:lstStyle/>
           <a:p>
             <a:pPr marL="228600" indent="-228240">
               <a:lnSpc>
@@ -7605,7 +8994,7 @@
               <a:buChar char="•"/>
             </a:pPr>
             <a:r>
-              <a:rPr b="0" lang="en-US" sz="1800" spc="-1" strike="noStrike">
+              <a:rPr lang="en-US" sz="1800" b="0" strike="noStrike" spc="-1">
                 <a:solidFill>
                   <a:srgbClr val="000000"/>
                 </a:solidFill>
@@ -7614,7 +9003,7 @@
               </a:rPr>
               <a:t>Taken from [https://www.howtogeek.com/709523/how-to-create-a-progress-bar-in-microsoft-powerpoint/]</a:t>
             </a:r>
-            <a:endParaRPr b="0" lang="en-US" sz="1800" spc="-1" strike="noStrike">
+            <a:endParaRPr lang="en-US" sz="1800" b="0" strike="noStrike" spc="-1">
               <a:latin typeface="Arial"/>
             </a:endParaRPr>
           </a:p>
@@ -7622,30 +9011,7 @@
       </p:sp>
       <p:pic>
         <p:nvPicPr>
-          <p:cNvPr id="149" name="Picture 4" descr=""/>
-          <p:cNvPicPr/>
-          <p:nvPr/>
-        </p:nvPicPr>
-        <p:blipFill>
-          <a:blip r:embed="rId1"/>
-          <a:stretch/>
-        </p:blipFill>
-        <p:spPr>
-          <a:xfrm>
-            <a:off x="302040" y="1847160"/>
-            <a:ext cx="4373640" cy="4147200"/>
-          </a:xfrm>
-          <a:prstGeom prst="rect">
-            <a:avLst/>
-          </a:prstGeom>
-          <a:ln>
-            <a:noFill/>
-          </a:ln>
-        </p:spPr>
-      </p:pic>
-      <p:pic>
-        <p:nvPicPr>
-          <p:cNvPr id="150" name="Picture 5" descr=""/>
+          <p:cNvPr id="149" name="Picture 4"/>
           <p:cNvPicPr/>
           <p:nvPr/>
         </p:nvPicPr>
@@ -7655,8 +9021,8 @@
         </p:blipFill>
         <p:spPr>
           <a:xfrm>
-            <a:off x="4608000" y="1847160"/>
-            <a:ext cx="3445560" cy="3976920"/>
+            <a:off x="302040" y="1847160"/>
+            <a:ext cx="4373640" cy="4147200"/>
           </a:xfrm>
           <a:prstGeom prst="rect">
             <a:avLst/>
@@ -7668,7 +9034,7 @@
       </p:pic>
       <p:pic>
         <p:nvPicPr>
-          <p:cNvPr id="151" name="Picture 6" descr=""/>
+          <p:cNvPr id="150" name="Picture 5"/>
           <p:cNvPicPr/>
           <p:nvPr/>
         </p:nvPicPr>
@@ -7678,8 +9044,8 @@
         </p:blipFill>
         <p:spPr>
           <a:xfrm>
-            <a:off x="8091000" y="1750680"/>
-            <a:ext cx="3638160" cy="4609080"/>
+            <a:off x="4608000" y="1847160"/>
+            <a:ext cx="3445560" cy="3976920"/>
           </a:xfrm>
           <a:prstGeom prst="rect">
             <a:avLst/>
@@ -7689,21 +9055,39 @@
           </a:ln>
         </p:spPr>
       </p:pic>
+      <p:pic>
+        <p:nvPicPr>
+          <p:cNvPr id="151" name="Picture 6"/>
+          <p:cNvPicPr/>
+          <p:nvPr/>
+        </p:nvPicPr>
+        <p:blipFill>
+          <a:blip r:embed="rId4"/>
+          <a:stretch/>
+        </p:blipFill>
+        <p:spPr>
+          <a:xfrm>
+            <a:off x="8091000" y="1750680"/>
+            <a:ext cx="3638160" cy="4609080"/>
+          </a:xfrm>
+          <a:prstGeom prst="rect">
+            <a:avLst/>
+          </a:prstGeom>
+          <a:ln>
+            <a:noFill/>
+          </a:ln>
+        </p:spPr>
+      </p:pic>
     </p:spTree>
   </p:cSld>
-  <mc:AlternateContent>
-    <mc:Choice Requires="p14">
-      <p:transition spd="slow" p14:dur="2000"/>
-    </mc:Choice>
-    <mc:Fallback>
-      <p:transition spd="slow"/>
-    </mc:Fallback>
-  </mc:AlternateContent>
+  <p:clrMapOvr>
+    <a:masterClrMapping/>
+  </p:clrMapOvr>
 </p:sld>
 </file>
 
 <file path=ppt/slides/slide6.xml><?xml version="1.0" encoding="utf-8"?>
-<p:sld xmlns:a="http://schemas.openxmlformats.org/drawingml/2006/main" xmlns:p="http://schemas.openxmlformats.org/presentationml/2006/main" xmlns:r="http://schemas.openxmlformats.org/officeDocument/2006/relationships" xmlns:p14="http://schemas.microsoft.com/office/powerpoint/2010/main" xmlns:p15="http://schemas.microsoft.com/office/powerpoint/2012/main" xmlns:mc="http://schemas.openxmlformats.org/markup-compatibility/2006">
+<p:sld xmlns:a="http://schemas.openxmlformats.org/drawingml/2006/main" xmlns:r="http://schemas.openxmlformats.org/officeDocument/2006/relationships" xmlns:p="http://schemas.openxmlformats.org/presentationml/2006/main">
   <p:cSld>
     <p:spTree>
       <p:nvGrpSpPr>
@@ -7739,15 +9123,22 @@
           </a:ln>
         </p:spPr>
         <p:style>
-          <a:lnRef idx="0"/>
-          <a:fillRef idx="0"/>
-          <a:effectRef idx="0"/>
+          <a:lnRef idx="0">
+            <a:scrgbClr r="0" g="0" b="0"/>
+          </a:lnRef>
+          <a:fillRef idx="0">
+            <a:scrgbClr r="0" g="0" b="0"/>
+          </a:fillRef>
+          <a:effectRef idx="0">
+            <a:scrgbClr r="0" g="0" b="0"/>
+          </a:effectRef>
           <a:fontRef idx="minor"/>
         </p:style>
         <p:txBody>
-          <a:bodyPr lIns="90000" rIns="90000" tIns="45000" bIns="45000">
+          <a:bodyPr lIns="90000" tIns="45000" rIns="90000" bIns="45000">
             <a:noAutofit/>
           </a:bodyPr>
+          <a:lstStyle/>
           <a:p>
             <a:pPr algn="ctr">
               <a:lnSpc>
@@ -7755,16 +9146,16 @@
               </a:lnSpc>
             </a:pPr>
             <a:r>
-              <a:rPr b="1" lang="en-US" sz="6000" spc="-1" strike="noStrike" cap="all">
+              <a:rPr lang="en-US" sz="6000" b="1" strike="noStrike" cap="all" spc="-1">
                 <a:solidFill>
-                  <a:srgbClr val="ffffff"/>
+                  <a:srgbClr val="FFFFFF"/>
                 </a:solidFill>
                 <a:latin typeface="Arial"/>
                 <a:ea typeface="DejaVu Sans"/>
               </a:rPr>
               <a:t>Thanks!</a:t>
             </a:r>
-            <a:endParaRPr b="0" lang="en-US" sz="6000" spc="-1" strike="noStrike">
+            <a:endParaRPr lang="en-US" sz="6000" b="0" strike="noStrike" spc="-1">
               <a:latin typeface="Arial"/>
             </a:endParaRPr>
           </a:p>
@@ -7790,15 +9181,22 @@
           </a:ln>
         </p:spPr>
         <p:style>
-          <a:lnRef idx="0"/>
-          <a:fillRef idx="0"/>
-          <a:effectRef idx="0"/>
+          <a:lnRef idx="0">
+            <a:scrgbClr r="0" g="0" b="0"/>
+          </a:lnRef>
+          <a:fillRef idx="0">
+            <a:scrgbClr r="0" g="0" b="0"/>
+          </a:fillRef>
+          <a:effectRef idx="0">
+            <a:scrgbClr r="0" g="0" b="0"/>
+          </a:effectRef>
           <a:fontRef idx="minor"/>
         </p:style>
         <p:txBody>
-          <a:bodyPr lIns="90000" rIns="90000" tIns="45000" bIns="45000">
+          <a:bodyPr lIns="90000" tIns="45000" rIns="90000" bIns="45000">
             <a:spAutoFit/>
           </a:bodyPr>
+          <a:lstStyle/>
           <a:p>
             <a:pPr>
               <a:lnSpc>
@@ -7806,16 +9204,16 @@
               </a:lnSpc>
             </a:pPr>
             <a:r>
-              <a:rPr b="1" lang="en-US" sz="1200" spc="256" strike="noStrike">
+              <a:rPr lang="en-US" sz="1200" b="1" strike="noStrike" spc="256" dirty="0">
                 <a:solidFill>
-                  <a:srgbClr val="ffffff"/>
+                  <a:srgbClr val="FFFFFF"/>
                 </a:solidFill>
                 <a:latin typeface="Arial"/>
                 <a:ea typeface="Arial"/>
               </a:rPr>
               <a:t>Contact Information</a:t>
             </a:r>
-            <a:endParaRPr b="0" lang="en-US" sz="1200" spc="-1" strike="noStrike">
+            <a:endParaRPr lang="en-US" sz="1200" b="0" strike="noStrike" spc="-1" dirty="0">
               <a:latin typeface="Arial"/>
             </a:endParaRPr>
           </a:p>
@@ -7826,16 +9224,16 @@
               </a:lnSpc>
             </a:pPr>
             <a:r>
-              <a:rPr b="1" lang="en-US" sz="1200" spc="256" strike="noStrike">
+              <a:rPr lang="en-US" sz="1200" b="1" strike="noStrike" spc="256" dirty="0">
                 <a:solidFill>
-                  <a:srgbClr val="ffffff"/>
+                  <a:srgbClr val="FFFFFF"/>
                 </a:solidFill>
                 <a:latin typeface="Arial"/>
                 <a:ea typeface="Arial"/>
               </a:rPr>
               <a:t>Email: xxx</a:t>
             </a:r>
-            <a:endParaRPr b="0" lang="en-US" sz="1200" spc="-1" strike="noStrike">
+            <a:endParaRPr lang="en-US" sz="1200" b="0" strike="noStrike" spc="-1" dirty="0">
               <a:latin typeface="Arial"/>
             </a:endParaRPr>
           </a:p>
@@ -7846,16 +9244,26 @@
               </a:lnSpc>
             </a:pPr>
             <a:r>
-              <a:rPr b="1" lang="en-US" sz="1200" spc="256" strike="noStrike">
+              <a:rPr lang="en-US" sz="1200" b="1" strike="noStrike" spc="256" dirty="0" err="1">
                 <a:solidFill>
-                  <a:srgbClr val="ffffff"/>
+                  <a:srgbClr val="FFFFFF"/>
                 </a:solidFill>
                 <a:latin typeface="Arial"/>
                 <a:ea typeface="Arial"/>
               </a:rPr>
-              <a:t>Github: xxx</a:t>
+              <a:t>Github</a:t>
             </a:r>
-            <a:endParaRPr b="0" lang="en-US" sz="1200" spc="-1" strike="noStrike">
+            <a:r>
+              <a:rPr lang="en-US" sz="1200" b="1" strike="noStrike" spc="256" dirty="0">
+                <a:solidFill>
+                  <a:srgbClr val="FFFFFF"/>
+                </a:solidFill>
+                <a:latin typeface="Arial"/>
+                <a:ea typeface="Arial"/>
+              </a:rPr>
+              <a:t>: xxx</a:t>
+            </a:r>
+            <a:endParaRPr lang="en-US" sz="1200" b="0" strike="noStrike" spc="-1" dirty="0">
               <a:latin typeface="Arial"/>
             </a:endParaRPr>
           </a:p>
@@ -7866,16 +9274,16 @@
               </a:lnSpc>
             </a:pPr>
             <a:r>
-              <a:rPr b="1" lang="en-US" sz="1200" spc="256" strike="noStrike">
+              <a:rPr lang="en-US" sz="1200" b="1" strike="noStrike" spc="256" dirty="0">
                 <a:solidFill>
-                  <a:srgbClr val="ffffff"/>
+                  <a:srgbClr val="FFFFFF"/>
                 </a:solidFill>
                 <a:latin typeface="Arial"/>
                 <a:ea typeface="Arial"/>
               </a:rPr>
               <a:t>Social: xxx</a:t>
             </a:r>
-            <a:endParaRPr b="0" lang="en-US" sz="1200" spc="-1" strike="noStrike">
+            <a:endParaRPr lang="en-US" sz="1200" b="0" strike="noStrike" spc="-1" dirty="0">
               <a:latin typeface="Arial"/>
             </a:endParaRPr>
           </a:p>
@@ -7885,7 +9293,7 @@
                 <a:spcPct val="100000"/>
               </a:lnSpc>
             </a:pPr>
-            <a:endParaRPr b="0" lang="en-US" sz="1200" spc="-1" strike="noStrike">
+            <a:endParaRPr lang="en-US" sz="1200" b="0" strike="noStrike" spc="-1" dirty="0">
               <a:latin typeface="Arial"/>
             </a:endParaRPr>
           </a:p>
@@ -7893,14 +9301,9 @@
       </p:sp>
     </p:spTree>
   </p:cSld>
-  <mc:AlternateContent>
-    <mc:Choice Requires="p14">
-      <p:transition spd="slow" p14:dur="2000"/>
-    </mc:Choice>
-    <mc:Fallback>
-      <p:transition spd="slow"/>
-    </mc:Fallback>
-  </mc:AlternateContent>
+  <p:clrMapOvr>
+    <a:masterClrMapping/>
+  </p:clrMapOvr>
 </p:sld>
 </file>
 
@@ -7915,31 +9318,31 @@
         <a:sysClr val="window" lastClr="FFFFFF"/>
       </a:lt1>
       <a:dk2>
-        <a:srgbClr val="1f497d"/>
+        <a:srgbClr val="1F497D"/>
       </a:dk2>
       <a:lt2>
-        <a:srgbClr val="eeece1"/>
+        <a:srgbClr val="EEECE1"/>
       </a:lt2>
       <a:accent1>
-        <a:srgbClr val="4f81bd"/>
+        <a:srgbClr val="4F81BD"/>
       </a:accent1>
       <a:accent2>
-        <a:srgbClr val="c0504d"/>
+        <a:srgbClr val="C0504D"/>
       </a:accent2>
       <a:accent3>
-        <a:srgbClr val="9bbb59"/>
+        <a:srgbClr val="9BBB59"/>
       </a:accent3>
       <a:accent4>
-        <a:srgbClr val="8064a2"/>
+        <a:srgbClr val="8064A2"/>
       </a:accent4>
       <a:accent5>
-        <a:srgbClr val="4bacc6"/>
+        <a:srgbClr val="4BACC6"/>
       </a:accent5>
       <a:accent6>
-        <a:srgbClr val="f79646"/>
+        <a:srgbClr val="F79646"/>
       </a:accent6>
       <a:hlink>
-        <a:srgbClr val="0000ff"/>
+        <a:srgbClr val="0000FF"/>
       </a:hlink>
       <a:folHlink>
         <a:srgbClr val="800080"/>
@@ -8127,6 +9530,8 @@
       </a:bgFillStyleLst>
     </a:fmtScheme>
   </a:themeElements>
+  <a:objectDefaults/>
+  <a:extraClrSchemeLst/>
 </a:theme>
 </file>
 
@@ -8141,31 +9546,31 @@
         <a:sysClr val="window" lastClr="FFFFFF"/>
       </a:lt1>
       <a:dk2>
-        <a:srgbClr val="1f497d"/>
+        <a:srgbClr val="1F497D"/>
       </a:dk2>
       <a:lt2>
-        <a:srgbClr val="eeece1"/>
+        <a:srgbClr val="EEECE1"/>
       </a:lt2>
       <a:accent1>
-        <a:srgbClr val="4f81bd"/>
+        <a:srgbClr val="4F81BD"/>
       </a:accent1>
       <a:accent2>
-        <a:srgbClr val="c0504d"/>
+        <a:srgbClr val="C0504D"/>
       </a:accent2>
       <a:accent3>
-        <a:srgbClr val="9bbb59"/>
+        <a:srgbClr val="9BBB59"/>
       </a:accent3>
       <a:accent4>
-        <a:srgbClr val="8064a2"/>
+        <a:srgbClr val="8064A2"/>
       </a:accent4>
       <a:accent5>
-        <a:srgbClr val="4bacc6"/>
+        <a:srgbClr val="4BACC6"/>
       </a:accent5>
       <a:accent6>
-        <a:srgbClr val="f79646"/>
+        <a:srgbClr val="F79646"/>
       </a:accent6>
       <a:hlink>
-        <a:srgbClr val="0000ff"/>
+        <a:srgbClr val="0000FF"/>
       </a:hlink>
       <a:folHlink>
         <a:srgbClr val="800080"/>
@@ -8353,6 +9758,8 @@
       </a:bgFillStyleLst>
     </a:fmtScheme>
   </a:themeElements>
+  <a:objectDefaults/>
+  <a:extraClrSchemeLst/>
 </a:theme>
 </file>
 
@@ -8367,31 +9774,31 @@
         <a:sysClr val="window" lastClr="FFFFFF"/>
       </a:lt1>
       <a:dk2>
-        <a:srgbClr val="1f497d"/>
+        <a:srgbClr val="1F497D"/>
       </a:dk2>
       <a:lt2>
-        <a:srgbClr val="eeece1"/>
+        <a:srgbClr val="EEECE1"/>
       </a:lt2>
       <a:accent1>
-        <a:srgbClr val="4f81bd"/>
+        <a:srgbClr val="4F81BD"/>
       </a:accent1>
       <a:accent2>
-        <a:srgbClr val="c0504d"/>
+        <a:srgbClr val="C0504D"/>
       </a:accent2>
       <a:accent3>
-        <a:srgbClr val="9bbb59"/>
+        <a:srgbClr val="9BBB59"/>
       </a:accent3>
       <a:accent4>
-        <a:srgbClr val="8064a2"/>
+        <a:srgbClr val="8064A2"/>
       </a:accent4>
       <a:accent5>
-        <a:srgbClr val="4bacc6"/>
+        <a:srgbClr val="4BACC6"/>
       </a:accent5>
       <a:accent6>
-        <a:srgbClr val="f79646"/>
+        <a:srgbClr val="F79646"/>
       </a:accent6>
       <a:hlink>
-        <a:srgbClr val="0000ff"/>
+        <a:srgbClr val="0000FF"/>
       </a:hlink>
       <a:folHlink>
         <a:srgbClr val="800080"/>
@@ -8579,6 +9986,8 @@
       </a:bgFillStyleLst>
     </a:fmtScheme>
   </a:themeElements>
+  <a:objectDefaults/>
+  <a:extraClrSchemeLst/>
 </a:theme>
 </file>
 
@@ -8593,31 +10002,31 @@
         <a:sysClr val="window" lastClr="FFFFFF"/>
       </a:lt1>
       <a:dk2>
-        <a:srgbClr val="1f497d"/>
+        <a:srgbClr val="1F497D"/>
       </a:dk2>
       <a:lt2>
-        <a:srgbClr val="eeece1"/>
+        <a:srgbClr val="EEECE1"/>
       </a:lt2>
       <a:accent1>
-        <a:srgbClr val="4f81bd"/>
+        <a:srgbClr val="4F81BD"/>
       </a:accent1>
       <a:accent2>
-        <a:srgbClr val="c0504d"/>
+        <a:srgbClr val="C0504D"/>
       </a:accent2>
       <a:accent3>
-        <a:srgbClr val="9bbb59"/>
+        <a:srgbClr val="9BBB59"/>
       </a:accent3>
       <a:accent4>
-        <a:srgbClr val="8064a2"/>
+        <a:srgbClr val="8064A2"/>
       </a:accent4>
       <a:accent5>
-        <a:srgbClr val="4bacc6"/>
+        <a:srgbClr val="4BACC6"/>
       </a:accent5>
       <a:accent6>
-        <a:srgbClr val="f79646"/>
+        <a:srgbClr val="F79646"/>
       </a:accent6>
       <a:hlink>
-        <a:srgbClr val="0000ff"/>
+        <a:srgbClr val="0000FF"/>
       </a:hlink>
       <a:folHlink>
         <a:srgbClr val="800080"/>
@@ -8805,5 +10214,7 @@
       </a:bgFillStyleLst>
     </a:fmtScheme>
   </a:themeElements>
+  <a:objectDefaults/>
+  <a:extraClrSchemeLst/>
 </a:theme>
 </file>